--- a/Computer Science Workshop Presentation.pptx
+++ b/Computer Science Workshop Presentation.pptx
@@ -2,7 +2,7 @@
 <file path=ppt/presentation.xml><?xml version="1.0" encoding="utf-8"?>
 <p:presentation xmlns:a="http://schemas.openxmlformats.org/drawingml/2006/main" xmlns:r="http://schemas.openxmlformats.org/officeDocument/2006/relationships" xmlns:p="http://schemas.openxmlformats.org/presentationml/2006/main" saveSubsetFonts="1">
   <p:sldMasterIdLst>
-    <p:sldMasterId id="2147483648" r:id="rId1"/>
+    <p:sldMasterId id="2147483753" r:id="rId1"/>
   </p:sldMasterIdLst>
   <p:sldIdLst>
     <p:sldId id="256" r:id="rId2"/>
@@ -12,16 +12,17 @@
     <p:sldId id="260" r:id="rId6"/>
     <p:sldId id="261" r:id="rId7"/>
     <p:sldId id="262" r:id="rId8"/>
-    <p:sldId id="263" r:id="rId9"/>
-    <p:sldId id="264" r:id="rId10"/>
-    <p:sldId id="265" r:id="rId11"/>
-    <p:sldId id="266" r:id="rId12"/>
-    <p:sldId id="267" r:id="rId13"/>
-    <p:sldId id="268" r:id="rId14"/>
-    <p:sldId id="269" r:id="rId15"/>
-    <p:sldId id="270" r:id="rId16"/>
-    <p:sldId id="271" r:id="rId17"/>
-    <p:sldId id="272" r:id="rId18"/>
+    <p:sldId id="273" r:id="rId9"/>
+    <p:sldId id="263" r:id="rId10"/>
+    <p:sldId id="274" r:id="rId11"/>
+    <p:sldId id="264" r:id="rId12"/>
+    <p:sldId id="265" r:id="rId13"/>
+    <p:sldId id="266" r:id="rId14"/>
+    <p:sldId id="267" r:id="rId15"/>
+    <p:sldId id="268" r:id="rId16"/>
+    <p:sldId id="269" r:id="rId17"/>
+    <p:sldId id="270" r:id="rId18"/>
+    <p:sldId id="272" r:id="rId19"/>
   </p:sldIdLst>
   <p:sldSz cx="12192000" cy="6858000"/>
   <p:notesSz cx="6858000" cy="9144000"/>
@@ -29,7 +30,7 @@
     <a:defPPr>
       <a:defRPr lang="en-US"/>
     </a:defPPr>
-    <a:lvl1pPr marL="0" algn="l" defTabSz="914400" rtl="0" eaLnBrk="1" latinLnBrk="0" hangingPunct="1">
+    <a:lvl1pPr marL="0" algn="l" defTabSz="457200" rtl="0" eaLnBrk="1" latinLnBrk="0" hangingPunct="1">
       <a:defRPr sz="1800" kern="1200">
         <a:solidFill>
           <a:schemeClr val="tx1"/>
@@ -39,7 +40,7 @@
         <a:cs typeface="+mn-cs"/>
       </a:defRPr>
     </a:lvl1pPr>
-    <a:lvl2pPr marL="457200" algn="l" defTabSz="914400" rtl="0" eaLnBrk="1" latinLnBrk="0" hangingPunct="1">
+    <a:lvl2pPr marL="457200" algn="l" defTabSz="457200" rtl="0" eaLnBrk="1" latinLnBrk="0" hangingPunct="1">
       <a:defRPr sz="1800" kern="1200">
         <a:solidFill>
           <a:schemeClr val="tx1"/>
@@ -49,7 +50,7 @@
         <a:cs typeface="+mn-cs"/>
       </a:defRPr>
     </a:lvl2pPr>
-    <a:lvl3pPr marL="914400" algn="l" defTabSz="914400" rtl="0" eaLnBrk="1" latinLnBrk="0" hangingPunct="1">
+    <a:lvl3pPr marL="914400" algn="l" defTabSz="457200" rtl="0" eaLnBrk="1" latinLnBrk="0" hangingPunct="1">
       <a:defRPr sz="1800" kern="1200">
         <a:solidFill>
           <a:schemeClr val="tx1"/>
@@ -59,7 +60,7 @@
         <a:cs typeface="+mn-cs"/>
       </a:defRPr>
     </a:lvl3pPr>
-    <a:lvl4pPr marL="1371600" algn="l" defTabSz="914400" rtl="0" eaLnBrk="1" latinLnBrk="0" hangingPunct="1">
+    <a:lvl4pPr marL="1371600" algn="l" defTabSz="457200" rtl="0" eaLnBrk="1" latinLnBrk="0" hangingPunct="1">
       <a:defRPr sz="1800" kern="1200">
         <a:solidFill>
           <a:schemeClr val="tx1"/>
@@ -69,7 +70,7 @@
         <a:cs typeface="+mn-cs"/>
       </a:defRPr>
     </a:lvl4pPr>
-    <a:lvl5pPr marL="1828800" algn="l" defTabSz="914400" rtl="0" eaLnBrk="1" latinLnBrk="0" hangingPunct="1">
+    <a:lvl5pPr marL="1828800" algn="l" defTabSz="457200" rtl="0" eaLnBrk="1" latinLnBrk="0" hangingPunct="1">
       <a:defRPr sz="1800" kern="1200">
         <a:solidFill>
           <a:schemeClr val="tx1"/>
@@ -79,7 +80,7 @@
         <a:cs typeface="+mn-cs"/>
       </a:defRPr>
     </a:lvl5pPr>
-    <a:lvl6pPr marL="2286000" algn="l" defTabSz="914400" rtl="0" eaLnBrk="1" latinLnBrk="0" hangingPunct="1">
+    <a:lvl6pPr marL="2286000" algn="l" defTabSz="457200" rtl="0" eaLnBrk="1" latinLnBrk="0" hangingPunct="1">
       <a:defRPr sz="1800" kern="1200">
         <a:solidFill>
           <a:schemeClr val="tx1"/>
@@ -89,7 +90,7 @@
         <a:cs typeface="+mn-cs"/>
       </a:defRPr>
     </a:lvl6pPr>
-    <a:lvl7pPr marL="2743200" algn="l" defTabSz="914400" rtl="0" eaLnBrk="1" latinLnBrk="0" hangingPunct="1">
+    <a:lvl7pPr marL="2743200" algn="l" defTabSz="457200" rtl="0" eaLnBrk="1" latinLnBrk="0" hangingPunct="1">
       <a:defRPr sz="1800" kern="1200">
         <a:solidFill>
           <a:schemeClr val="tx1"/>
@@ -99,7 +100,7 @@
         <a:cs typeface="+mn-cs"/>
       </a:defRPr>
     </a:lvl7pPr>
-    <a:lvl8pPr marL="3200400" algn="l" defTabSz="914400" rtl="0" eaLnBrk="1" latinLnBrk="0" hangingPunct="1">
+    <a:lvl8pPr marL="3200400" algn="l" defTabSz="457200" rtl="0" eaLnBrk="1" latinLnBrk="0" hangingPunct="1">
       <a:defRPr sz="1800" kern="1200">
         <a:solidFill>
           <a:schemeClr val="tx1"/>
@@ -109,7 +110,7 @@
         <a:cs typeface="+mn-cs"/>
       </a:defRPr>
     </a:lvl8pPr>
-    <a:lvl9pPr marL="3657600" algn="l" defTabSz="914400" rtl="0" eaLnBrk="1" latinLnBrk="0" hangingPunct="1">
+    <a:lvl9pPr marL="3657600" algn="l" defTabSz="457200" rtl="0" eaLnBrk="1" latinLnBrk="0" hangingPunct="1">
       <a:defRPr sz="1800" kern="1200">
         <a:solidFill>
           <a:schemeClr val="tx1"/>
@@ -120,6 +121,11 @@
       </a:defRPr>
     </a:lvl9pPr>
   </p:defaultTextStyle>
+  <p:extLst>
+    <p:ext uri="{EFAFB233-063F-42B5-8137-9DF3F51BA10A}">
+      <p15:sldGuideLst xmlns:p15="http://schemas.microsoft.com/office/powerpoint/2012/main"/>
+    </p:ext>
+  </p:extLst>
 </p:presentation>
 </file>
 
@@ -142,13 +148,7 @@
       </p:grpSpPr>
       <p:sp>
         <p:nvSpPr>
-          <p:cNvPr id="2" name="Title 1">
-            <a:extLst>
-              <a:ext uri="{FF2B5EF4-FFF2-40B4-BE49-F238E27FC236}">
-                <a16:creationId xmlns:a16="http://schemas.microsoft.com/office/drawing/2014/main" id="{5FFD6862-F26E-6006-1C89-8C108CB10EE2}"/>
-              </a:ext>
-            </a:extLst>
-          </p:cNvPr>
+          <p:cNvPr id="2" name="Title 1"/>
           <p:cNvSpPr>
             <a:spLocks noGrp="1"/>
           </p:cNvSpPr>
@@ -158,15 +158,15 @@
         </p:nvSpPr>
         <p:spPr>
           <a:xfrm>
-            <a:off x="1524000" y="1122363"/>
-            <a:ext cx="9144000" cy="2387600"/>
+            <a:off x="1154955" y="1447800"/>
+            <a:ext cx="8825658" cy="3329581"/>
           </a:xfrm>
         </p:spPr>
         <p:txBody>
           <a:bodyPr anchor="b"/>
           <a:lstStyle>
-            <a:lvl1pPr algn="ctr">
-              <a:defRPr sz="6000"/>
+            <a:lvl1pPr>
+              <a:defRPr sz="7200"/>
             </a:lvl1pPr>
           </a:lstStyle>
           <a:p>
@@ -174,19 +174,13 @@
               <a:rPr lang="en-US"/>
               <a:t>Click to edit Master title style</a:t>
             </a:r>
-            <a:endParaRPr lang="en-GB"/>
-          </a:p>
-        </p:txBody>
-      </p:sp>
-      <p:sp>
-        <p:nvSpPr>
-          <p:cNvPr id="3" name="Subtitle 2">
-            <a:extLst>
-              <a:ext uri="{FF2B5EF4-FFF2-40B4-BE49-F238E27FC236}">
-                <a16:creationId xmlns:a16="http://schemas.microsoft.com/office/drawing/2014/main" id="{701703BD-4892-AA9D-1FDC-4FFB610ADCDC}"/>
-              </a:ext>
-            </a:extLst>
-          </p:cNvPr>
+            <a:endParaRPr lang="en-US" dirty="0"/>
+          </a:p>
+        </p:txBody>
+      </p:sp>
+      <p:sp>
+        <p:nvSpPr>
+          <p:cNvPr id="3" name="Subtitle 2"/>
           <p:cNvSpPr>
             <a:spLocks noGrp="1"/>
           </p:cNvSpPr>
@@ -196,48 +190,103 @@
         </p:nvSpPr>
         <p:spPr>
           <a:xfrm>
-            <a:off x="1524000" y="3602038"/>
-            <a:ext cx="9144000" cy="1655762"/>
+            <a:off x="1154955" y="4777380"/>
+            <a:ext cx="8825658" cy="861420"/>
           </a:xfrm>
         </p:spPr>
         <p:txBody>
-          <a:bodyPr/>
+          <a:bodyPr anchor="t"/>
           <a:lstStyle>
-            <a:lvl1pPr marL="0" indent="0" algn="ctr">
-              <a:buNone/>
-              <a:defRPr sz="2400"/>
+            <a:lvl1pPr marL="0" indent="0" algn="l">
+              <a:buNone/>
+              <a:defRPr cap="all">
+                <a:solidFill>
+                  <a:schemeClr val="bg2">
+                    <a:lumMod val="40000"/>
+                    <a:lumOff val="60000"/>
+                  </a:schemeClr>
+                </a:solidFill>
+              </a:defRPr>
             </a:lvl1pPr>
             <a:lvl2pPr marL="457200" indent="0" algn="ctr">
               <a:buNone/>
-              <a:defRPr sz="2000"/>
+              <a:defRPr>
+                <a:solidFill>
+                  <a:schemeClr val="tx1">
+                    <a:tint val="75000"/>
+                  </a:schemeClr>
+                </a:solidFill>
+              </a:defRPr>
             </a:lvl2pPr>
             <a:lvl3pPr marL="914400" indent="0" algn="ctr">
               <a:buNone/>
-              <a:defRPr sz="1800"/>
+              <a:defRPr>
+                <a:solidFill>
+                  <a:schemeClr val="tx1">
+                    <a:tint val="75000"/>
+                  </a:schemeClr>
+                </a:solidFill>
+              </a:defRPr>
             </a:lvl3pPr>
             <a:lvl4pPr marL="1371600" indent="0" algn="ctr">
               <a:buNone/>
-              <a:defRPr sz="1600"/>
+              <a:defRPr>
+                <a:solidFill>
+                  <a:schemeClr val="tx1">
+                    <a:tint val="75000"/>
+                  </a:schemeClr>
+                </a:solidFill>
+              </a:defRPr>
             </a:lvl4pPr>
             <a:lvl5pPr marL="1828800" indent="0" algn="ctr">
               <a:buNone/>
-              <a:defRPr sz="1600"/>
+              <a:defRPr>
+                <a:solidFill>
+                  <a:schemeClr val="tx1">
+                    <a:tint val="75000"/>
+                  </a:schemeClr>
+                </a:solidFill>
+              </a:defRPr>
             </a:lvl5pPr>
             <a:lvl6pPr marL="2286000" indent="0" algn="ctr">
               <a:buNone/>
-              <a:defRPr sz="1600"/>
+              <a:defRPr>
+                <a:solidFill>
+                  <a:schemeClr val="tx1">
+                    <a:tint val="75000"/>
+                  </a:schemeClr>
+                </a:solidFill>
+              </a:defRPr>
             </a:lvl6pPr>
             <a:lvl7pPr marL="2743200" indent="0" algn="ctr">
               <a:buNone/>
-              <a:defRPr sz="1600"/>
+              <a:defRPr>
+                <a:solidFill>
+                  <a:schemeClr val="tx1">
+                    <a:tint val="75000"/>
+                  </a:schemeClr>
+                </a:solidFill>
+              </a:defRPr>
             </a:lvl7pPr>
             <a:lvl8pPr marL="3200400" indent="0" algn="ctr">
               <a:buNone/>
-              <a:defRPr sz="1600"/>
+              <a:defRPr>
+                <a:solidFill>
+                  <a:schemeClr val="tx1">
+                    <a:tint val="75000"/>
+                  </a:schemeClr>
+                </a:solidFill>
+              </a:defRPr>
             </a:lvl8pPr>
             <a:lvl9pPr marL="3657600" indent="0" algn="ctr">
               <a:buNone/>
-              <a:defRPr sz="1600"/>
+              <a:defRPr>
+                <a:solidFill>
+                  <a:schemeClr val="tx1">
+                    <a:tint val="75000"/>
+                  </a:schemeClr>
+                </a:solidFill>
+              </a:defRPr>
             </a:lvl9pPr>
           </a:lstStyle>
           <a:p>
@@ -245,19 +294,13 @@
               <a:rPr lang="en-US"/>
               <a:t>Click to edit Master subtitle style</a:t>
             </a:r>
-            <a:endParaRPr lang="en-GB"/>
-          </a:p>
-        </p:txBody>
-      </p:sp>
-      <p:sp>
-        <p:nvSpPr>
-          <p:cNvPr id="4" name="Date Placeholder 3">
-            <a:extLst>
-              <a:ext uri="{FF2B5EF4-FFF2-40B4-BE49-F238E27FC236}">
-                <a16:creationId xmlns:a16="http://schemas.microsoft.com/office/drawing/2014/main" id="{ABECF342-D18B-2B2B-339F-233C7E6A5D38}"/>
-              </a:ext>
-            </a:extLst>
-          </p:cNvPr>
+            <a:endParaRPr lang="en-US" dirty="0"/>
+          </a:p>
+        </p:txBody>
+      </p:sp>
+      <p:sp>
+        <p:nvSpPr>
+          <p:cNvPr id="4" name="Date Placeholder 3"/>
           <p:cNvSpPr>
             <a:spLocks noGrp="1"/>
           </p:cNvSpPr>
@@ -280,13 +323,7 @@
       </p:sp>
       <p:sp>
         <p:nvSpPr>
-          <p:cNvPr id="5" name="Footer Placeholder 4">
-            <a:extLst>
-              <a:ext uri="{FF2B5EF4-FFF2-40B4-BE49-F238E27FC236}">
-                <a16:creationId xmlns:a16="http://schemas.microsoft.com/office/drawing/2014/main" id="{24D78EA6-B2FD-C189-D6AA-368E0EA92150}"/>
-              </a:ext>
-            </a:extLst>
-          </p:cNvPr>
+          <p:cNvPr id="5" name="Footer Placeholder 4"/>
           <p:cNvSpPr>
             <a:spLocks noGrp="1"/>
           </p:cNvSpPr>
@@ -305,13 +342,7 @@
       </p:sp>
       <p:sp>
         <p:nvSpPr>
-          <p:cNvPr id="6" name="Slide Number Placeholder 5">
-            <a:extLst>
-              <a:ext uri="{FF2B5EF4-FFF2-40B4-BE49-F238E27FC236}">
-                <a16:creationId xmlns:a16="http://schemas.microsoft.com/office/drawing/2014/main" id="{3169526C-4009-1ADA-4962-B7F5C80A0E76}"/>
-              </a:ext>
-            </a:extLst>
-          </p:cNvPr>
+          <p:cNvPr id="6" name="Slide Number Placeholder 5"/>
           <p:cNvSpPr>
             <a:spLocks noGrp="1"/>
           </p:cNvSpPr>
@@ -335,7 +366,7 @@
     </p:spTree>
     <p:extLst>
       <p:ext uri="{BB962C8B-B14F-4D97-AF65-F5344CB8AC3E}">
-        <p14:creationId xmlns:p14="http://schemas.microsoft.com/office/powerpoint/2010/main" val="3687548494"/>
+        <p14:creationId xmlns:p14="http://schemas.microsoft.com/office/powerpoint/2010/main" val="682887649"/>
       </p:ext>
     </p:extLst>
   </p:cSld>
@@ -346,6 +377,2572 @@
 </file>
 
 <file path=ppt/slideLayouts/slideLayout10.xml><?xml version="1.0" encoding="utf-8"?>
+<p:sldLayout xmlns:a="http://schemas.openxmlformats.org/drawingml/2006/main" xmlns:r="http://schemas.openxmlformats.org/officeDocument/2006/relationships" xmlns:p="http://schemas.openxmlformats.org/presentationml/2006/main" preserve="1">
+  <p:cSld name="Panoramic Picture with Caption">
+    <p:spTree>
+      <p:nvGrpSpPr>
+        <p:cNvPr id="1" name=""/>
+        <p:cNvGrpSpPr/>
+        <p:nvPr/>
+      </p:nvGrpSpPr>
+      <p:grpSpPr>
+        <a:xfrm>
+          <a:off x="0" y="0"/>
+          <a:ext cx="0" cy="0"/>
+          <a:chOff x="0" y="0"/>
+          <a:chExt cx="0" cy="0"/>
+        </a:xfrm>
+      </p:grpSpPr>
+      <p:sp>
+        <p:nvSpPr>
+          <p:cNvPr id="2" name="Title 1"/>
+          <p:cNvSpPr>
+            <a:spLocks noGrp="1"/>
+          </p:cNvSpPr>
+          <p:nvPr>
+            <p:ph type="title"/>
+          </p:nvPr>
+        </p:nvSpPr>
+        <p:spPr>
+          <a:xfrm>
+            <a:off x="1154956" y="4800587"/>
+            <a:ext cx="8825657" cy="566738"/>
+          </a:xfrm>
+        </p:spPr>
+        <p:txBody>
+          <a:bodyPr anchor="b">
+            <a:normAutofit/>
+          </a:bodyPr>
+          <a:lstStyle>
+            <a:lvl1pPr algn="l">
+              <a:defRPr sz="2400" b="0"/>
+            </a:lvl1pPr>
+          </a:lstStyle>
+          <a:p>
+            <a:r>
+              <a:rPr lang="en-US"/>
+              <a:t>Click to edit Master title style</a:t>
+            </a:r>
+            <a:endParaRPr lang="en-US" dirty="0"/>
+          </a:p>
+        </p:txBody>
+      </p:sp>
+      <p:sp>
+        <p:nvSpPr>
+          <p:cNvPr id="3" name="Picture Placeholder 2"/>
+          <p:cNvSpPr>
+            <a:spLocks noGrp="1" noChangeAspect="1"/>
+          </p:cNvSpPr>
+          <p:nvPr>
+            <p:ph type="pic" idx="1"/>
+          </p:nvPr>
+        </p:nvSpPr>
+        <p:spPr>
+          <a:xfrm>
+            <a:off x="1154955" y="685800"/>
+            <a:ext cx="8825658" cy="3640666"/>
+          </a:xfrm>
+          <a:prstGeom prst="roundRect">
+            <a:avLst>
+              <a:gd name="adj" fmla="val 1858"/>
+            </a:avLst>
+          </a:prstGeom>
+          <a:effectLst>
+            <a:outerShdw blurRad="50800" dist="50800" dir="5400000" algn="tl" rotWithShape="0">
+              <a:srgbClr val="000000">
+                <a:alpha val="43000"/>
+              </a:srgbClr>
+            </a:outerShdw>
+          </a:effectLst>
+        </p:spPr>
+        <p:txBody>
+          <a:bodyPr anchor="t">
+            <a:normAutofit/>
+          </a:bodyPr>
+          <a:lstStyle>
+            <a:lvl1pPr marL="0" indent="0" algn="ctr">
+              <a:buNone/>
+              <a:defRPr sz="1600"/>
+            </a:lvl1pPr>
+            <a:lvl2pPr marL="457200" indent="0">
+              <a:buNone/>
+              <a:defRPr sz="1600"/>
+            </a:lvl2pPr>
+            <a:lvl3pPr marL="914400" indent="0">
+              <a:buNone/>
+              <a:defRPr sz="1600"/>
+            </a:lvl3pPr>
+            <a:lvl4pPr marL="1371600" indent="0">
+              <a:buNone/>
+              <a:defRPr sz="1600"/>
+            </a:lvl4pPr>
+            <a:lvl5pPr marL="1828800" indent="0">
+              <a:buNone/>
+              <a:defRPr sz="1600"/>
+            </a:lvl5pPr>
+            <a:lvl6pPr marL="2286000" indent="0">
+              <a:buNone/>
+              <a:defRPr sz="1600"/>
+            </a:lvl6pPr>
+            <a:lvl7pPr marL="2743200" indent="0">
+              <a:buNone/>
+              <a:defRPr sz="1600"/>
+            </a:lvl7pPr>
+            <a:lvl8pPr marL="3200400" indent="0">
+              <a:buNone/>
+              <a:defRPr sz="1600"/>
+            </a:lvl8pPr>
+            <a:lvl9pPr marL="3657600" indent="0">
+              <a:buNone/>
+              <a:defRPr sz="1600"/>
+            </a:lvl9pPr>
+          </a:lstStyle>
+          <a:p>
+            <a:r>
+              <a:rPr lang="en-US"/>
+              <a:t>Click icon to add picture</a:t>
+            </a:r>
+            <a:endParaRPr lang="en-US" dirty="0"/>
+          </a:p>
+        </p:txBody>
+      </p:sp>
+      <p:sp>
+        <p:nvSpPr>
+          <p:cNvPr id="4" name="Text Placeholder 3"/>
+          <p:cNvSpPr>
+            <a:spLocks noGrp="1"/>
+          </p:cNvSpPr>
+          <p:nvPr>
+            <p:ph type="body" sz="half" idx="2"/>
+          </p:nvPr>
+        </p:nvSpPr>
+        <p:spPr>
+          <a:xfrm>
+            <a:off x="1154956" y="5367325"/>
+            <a:ext cx="8825656" cy="493712"/>
+          </a:xfrm>
+        </p:spPr>
+        <p:txBody>
+          <a:bodyPr>
+            <a:normAutofit/>
+          </a:bodyPr>
+          <a:lstStyle>
+            <a:lvl1pPr marL="0" indent="0">
+              <a:buNone/>
+              <a:defRPr sz="1200"/>
+            </a:lvl1pPr>
+            <a:lvl2pPr marL="457200" indent="0">
+              <a:buNone/>
+              <a:defRPr sz="1200"/>
+            </a:lvl2pPr>
+            <a:lvl3pPr marL="914400" indent="0">
+              <a:buNone/>
+              <a:defRPr sz="1000"/>
+            </a:lvl3pPr>
+            <a:lvl4pPr marL="1371600" indent="0">
+              <a:buNone/>
+              <a:defRPr sz="900"/>
+            </a:lvl4pPr>
+            <a:lvl5pPr marL="1828800" indent="0">
+              <a:buNone/>
+              <a:defRPr sz="900"/>
+            </a:lvl5pPr>
+            <a:lvl6pPr marL="2286000" indent="0">
+              <a:buNone/>
+              <a:defRPr sz="900"/>
+            </a:lvl6pPr>
+            <a:lvl7pPr marL="2743200" indent="0">
+              <a:buNone/>
+              <a:defRPr sz="900"/>
+            </a:lvl7pPr>
+            <a:lvl8pPr marL="3200400" indent="0">
+              <a:buNone/>
+              <a:defRPr sz="900"/>
+            </a:lvl8pPr>
+            <a:lvl9pPr marL="3657600" indent="0">
+              <a:buNone/>
+              <a:defRPr sz="900"/>
+            </a:lvl9pPr>
+          </a:lstStyle>
+          <a:p>
+            <a:pPr lvl="0"/>
+            <a:r>
+              <a:rPr lang="en-US"/>
+              <a:t>Click to edit Master text styles</a:t>
+            </a:r>
+          </a:p>
+        </p:txBody>
+      </p:sp>
+      <p:sp>
+        <p:nvSpPr>
+          <p:cNvPr id="5" name="Date Placeholder 4"/>
+          <p:cNvSpPr>
+            <a:spLocks noGrp="1"/>
+          </p:cNvSpPr>
+          <p:nvPr>
+            <p:ph type="dt" sz="half" idx="10"/>
+          </p:nvPr>
+        </p:nvSpPr>
+        <p:spPr/>
+        <p:txBody>
+          <a:bodyPr/>
+          <a:lstStyle/>
+          <a:p>
+            <a:fld id="{21BA8546-65F5-45C1-86D6-71996A276C06}" type="datetimeFigureOut">
+              <a:rPr lang="en-GB" smtClean="0"/>
+              <a:t>08/04/2025</a:t>
+            </a:fld>
+            <a:endParaRPr lang="en-GB"/>
+          </a:p>
+        </p:txBody>
+      </p:sp>
+      <p:sp>
+        <p:nvSpPr>
+          <p:cNvPr id="6" name="Footer Placeholder 5"/>
+          <p:cNvSpPr>
+            <a:spLocks noGrp="1"/>
+          </p:cNvSpPr>
+          <p:nvPr>
+            <p:ph type="ftr" sz="quarter" idx="11"/>
+          </p:nvPr>
+        </p:nvSpPr>
+        <p:spPr/>
+        <p:txBody>
+          <a:bodyPr/>
+          <a:lstStyle/>
+          <a:p>
+            <a:endParaRPr lang="en-GB"/>
+          </a:p>
+        </p:txBody>
+      </p:sp>
+      <p:sp>
+        <p:nvSpPr>
+          <p:cNvPr id="7" name="Slide Number Placeholder 6"/>
+          <p:cNvSpPr>
+            <a:spLocks noGrp="1"/>
+          </p:cNvSpPr>
+          <p:nvPr>
+            <p:ph type="sldNum" sz="quarter" idx="12"/>
+          </p:nvPr>
+        </p:nvSpPr>
+        <p:spPr/>
+        <p:txBody>
+          <a:bodyPr/>
+          <a:lstStyle/>
+          <a:p>
+            <a:fld id="{FBD33A27-E4E3-4C8F-B47E-4A243BF0D6CC}" type="slidenum">
+              <a:rPr lang="en-GB" smtClean="0"/>
+              <a:t>‹#›</a:t>
+            </a:fld>
+            <a:endParaRPr lang="en-GB"/>
+          </a:p>
+        </p:txBody>
+      </p:sp>
+    </p:spTree>
+    <p:extLst>
+      <p:ext uri="{BB962C8B-B14F-4D97-AF65-F5344CB8AC3E}">
+        <p14:creationId xmlns:p14="http://schemas.microsoft.com/office/powerpoint/2010/main" val="2203686089"/>
+      </p:ext>
+    </p:extLst>
+  </p:cSld>
+  <p:clrMapOvr>
+    <a:masterClrMapping/>
+  </p:clrMapOvr>
+</p:sldLayout>
+</file>
+
+<file path=ppt/slideLayouts/slideLayout11.xml><?xml version="1.0" encoding="utf-8"?>
+<p:sldLayout xmlns:a="http://schemas.openxmlformats.org/drawingml/2006/main" xmlns:r="http://schemas.openxmlformats.org/officeDocument/2006/relationships" xmlns:p="http://schemas.openxmlformats.org/presentationml/2006/main" preserve="1">
+  <p:cSld name="Title and Caption">
+    <p:spTree>
+      <p:nvGrpSpPr>
+        <p:cNvPr id="1" name=""/>
+        <p:cNvGrpSpPr/>
+        <p:nvPr/>
+      </p:nvGrpSpPr>
+      <p:grpSpPr>
+        <a:xfrm>
+          <a:off x="0" y="0"/>
+          <a:ext cx="0" cy="0"/>
+          <a:chOff x="0" y="0"/>
+          <a:chExt cx="0" cy="0"/>
+        </a:xfrm>
+      </p:grpSpPr>
+      <p:sp>
+        <p:nvSpPr>
+          <p:cNvPr id="2" name="Title 1"/>
+          <p:cNvSpPr>
+            <a:spLocks noGrp="1"/>
+          </p:cNvSpPr>
+          <p:nvPr>
+            <p:ph type="title"/>
+          </p:nvPr>
+        </p:nvSpPr>
+        <p:spPr>
+          <a:xfrm>
+            <a:off x="1154954" y="1447800"/>
+            <a:ext cx="8825659" cy="1981200"/>
+          </a:xfrm>
+        </p:spPr>
+        <p:txBody>
+          <a:bodyPr/>
+          <a:lstStyle>
+            <a:lvl1pPr>
+              <a:defRPr sz="4800"/>
+            </a:lvl1pPr>
+          </a:lstStyle>
+          <a:p>
+            <a:r>
+              <a:rPr lang="en-US"/>
+              <a:t>Click to edit Master title style</a:t>
+            </a:r>
+            <a:endParaRPr lang="en-US" dirty="0"/>
+          </a:p>
+        </p:txBody>
+      </p:sp>
+      <p:sp>
+        <p:nvSpPr>
+          <p:cNvPr id="8" name="Text Placeholder 3"/>
+          <p:cNvSpPr>
+            <a:spLocks noGrp="1"/>
+          </p:cNvSpPr>
+          <p:nvPr>
+            <p:ph type="body" sz="half" idx="2"/>
+          </p:nvPr>
+        </p:nvSpPr>
+        <p:spPr>
+          <a:xfrm>
+            <a:off x="1154954" y="3657600"/>
+            <a:ext cx="8825659" cy="2362200"/>
+          </a:xfrm>
+        </p:spPr>
+        <p:txBody>
+          <a:bodyPr anchor="ctr">
+            <a:normAutofit/>
+          </a:bodyPr>
+          <a:lstStyle>
+            <a:lvl1pPr marL="0" indent="0">
+              <a:buNone/>
+              <a:defRPr sz="1800"/>
+            </a:lvl1pPr>
+            <a:lvl2pPr marL="457200" indent="0">
+              <a:buNone/>
+              <a:defRPr sz="1200"/>
+            </a:lvl2pPr>
+            <a:lvl3pPr marL="914400" indent="0">
+              <a:buNone/>
+              <a:defRPr sz="1000"/>
+            </a:lvl3pPr>
+            <a:lvl4pPr marL="1371600" indent="0">
+              <a:buNone/>
+              <a:defRPr sz="900"/>
+            </a:lvl4pPr>
+            <a:lvl5pPr marL="1828800" indent="0">
+              <a:buNone/>
+              <a:defRPr sz="900"/>
+            </a:lvl5pPr>
+            <a:lvl6pPr marL="2286000" indent="0">
+              <a:buNone/>
+              <a:defRPr sz="900"/>
+            </a:lvl6pPr>
+            <a:lvl7pPr marL="2743200" indent="0">
+              <a:buNone/>
+              <a:defRPr sz="900"/>
+            </a:lvl7pPr>
+            <a:lvl8pPr marL="3200400" indent="0">
+              <a:buNone/>
+              <a:defRPr sz="900"/>
+            </a:lvl8pPr>
+            <a:lvl9pPr marL="3657600" indent="0">
+              <a:buNone/>
+              <a:defRPr sz="900"/>
+            </a:lvl9pPr>
+          </a:lstStyle>
+          <a:p>
+            <a:pPr lvl="0"/>
+            <a:r>
+              <a:rPr lang="en-US"/>
+              <a:t>Click to edit Master text styles</a:t>
+            </a:r>
+          </a:p>
+        </p:txBody>
+      </p:sp>
+      <p:sp>
+        <p:nvSpPr>
+          <p:cNvPr id="4" name="Date Placeholder 3"/>
+          <p:cNvSpPr>
+            <a:spLocks noGrp="1"/>
+          </p:cNvSpPr>
+          <p:nvPr>
+            <p:ph type="dt" sz="half" idx="10"/>
+          </p:nvPr>
+        </p:nvSpPr>
+        <p:spPr/>
+        <p:txBody>
+          <a:bodyPr/>
+          <a:lstStyle/>
+          <a:p>
+            <a:fld id="{21BA8546-65F5-45C1-86D6-71996A276C06}" type="datetimeFigureOut">
+              <a:rPr lang="en-GB" smtClean="0"/>
+              <a:t>08/04/2025</a:t>
+            </a:fld>
+            <a:endParaRPr lang="en-GB"/>
+          </a:p>
+        </p:txBody>
+      </p:sp>
+      <p:sp>
+        <p:nvSpPr>
+          <p:cNvPr id="5" name="Footer Placeholder 4"/>
+          <p:cNvSpPr>
+            <a:spLocks noGrp="1"/>
+          </p:cNvSpPr>
+          <p:nvPr>
+            <p:ph type="ftr" sz="quarter" idx="11"/>
+          </p:nvPr>
+        </p:nvSpPr>
+        <p:spPr/>
+        <p:txBody>
+          <a:bodyPr/>
+          <a:lstStyle/>
+          <a:p>
+            <a:endParaRPr lang="en-GB"/>
+          </a:p>
+        </p:txBody>
+      </p:sp>
+      <p:sp>
+        <p:nvSpPr>
+          <p:cNvPr id="6" name="Slide Number Placeholder 5"/>
+          <p:cNvSpPr>
+            <a:spLocks noGrp="1"/>
+          </p:cNvSpPr>
+          <p:nvPr>
+            <p:ph type="sldNum" sz="quarter" idx="12"/>
+          </p:nvPr>
+        </p:nvSpPr>
+        <p:spPr/>
+        <p:txBody>
+          <a:bodyPr/>
+          <a:lstStyle/>
+          <a:p>
+            <a:fld id="{FBD33A27-E4E3-4C8F-B47E-4A243BF0D6CC}" type="slidenum">
+              <a:rPr lang="en-GB" smtClean="0"/>
+              <a:t>‹#›</a:t>
+            </a:fld>
+            <a:endParaRPr lang="en-GB"/>
+          </a:p>
+        </p:txBody>
+      </p:sp>
+    </p:spTree>
+    <p:extLst>
+      <p:ext uri="{BB962C8B-B14F-4D97-AF65-F5344CB8AC3E}">
+        <p14:creationId xmlns:p14="http://schemas.microsoft.com/office/powerpoint/2010/main" val="812629443"/>
+      </p:ext>
+    </p:extLst>
+  </p:cSld>
+  <p:clrMapOvr>
+    <a:masterClrMapping/>
+  </p:clrMapOvr>
+</p:sldLayout>
+</file>
+
+<file path=ppt/slideLayouts/slideLayout12.xml><?xml version="1.0" encoding="utf-8"?>
+<p:sldLayout xmlns:a="http://schemas.openxmlformats.org/drawingml/2006/main" xmlns:r="http://schemas.openxmlformats.org/officeDocument/2006/relationships" xmlns:p="http://schemas.openxmlformats.org/presentationml/2006/main" preserve="1">
+  <p:cSld name="Quote with Caption">
+    <p:spTree>
+      <p:nvGrpSpPr>
+        <p:cNvPr id="1" name=""/>
+        <p:cNvGrpSpPr/>
+        <p:nvPr/>
+      </p:nvGrpSpPr>
+      <p:grpSpPr>
+        <a:xfrm>
+          <a:off x="0" y="0"/>
+          <a:ext cx="0" cy="0"/>
+          <a:chOff x="0" y="0"/>
+          <a:chExt cx="0" cy="0"/>
+        </a:xfrm>
+      </p:grpSpPr>
+      <p:sp>
+        <p:nvSpPr>
+          <p:cNvPr id="2" name="Title 1"/>
+          <p:cNvSpPr>
+            <a:spLocks noGrp="1"/>
+          </p:cNvSpPr>
+          <p:nvPr>
+            <p:ph type="title"/>
+          </p:nvPr>
+        </p:nvSpPr>
+        <p:spPr>
+          <a:xfrm>
+            <a:off x="1574801" y="1447800"/>
+            <a:ext cx="7999315" cy="2323374"/>
+          </a:xfrm>
+        </p:spPr>
+        <p:txBody>
+          <a:bodyPr/>
+          <a:lstStyle>
+            <a:lvl1pPr>
+              <a:defRPr sz="4800"/>
+            </a:lvl1pPr>
+          </a:lstStyle>
+          <a:p>
+            <a:r>
+              <a:rPr lang="en-US"/>
+              <a:t>Click to edit Master title style</a:t>
+            </a:r>
+            <a:endParaRPr lang="en-US" dirty="0"/>
+          </a:p>
+        </p:txBody>
+      </p:sp>
+      <p:sp>
+        <p:nvSpPr>
+          <p:cNvPr id="11" name="Text Placeholder 3"/>
+          <p:cNvSpPr>
+            <a:spLocks noGrp="1"/>
+          </p:cNvSpPr>
+          <p:nvPr>
+            <p:ph type="body" sz="half" idx="14"/>
+          </p:nvPr>
+        </p:nvSpPr>
+        <p:spPr>
+          <a:xfrm>
+            <a:off x="1930400" y="3771174"/>
+            <a:ext cx="7279649" cy="342174"/>
+          </a:xfrm>
+        </p:spPr>
+        <p:txBody>
+          <a:bodyPr vert="horz" lIns="91440" tIns="45720" rIns="91440" bIns="45720" rtlCol="0" anchor="t">
+            <a:normAutofit/>
+          </a:bodyPr>
+          <a:lstStyle>
+            <a:lvl1pPr marL="0" indent="0">
+              <a:buNone/>
+              <a:defRPr lang="en-US" sz="1400" b="0" i="0" kern="1200" cap="small" dirty="0">
+                <a:solidFill>
+                  <a:schemeClr val="bg2">
+                    <a:lumMod val="40000"/>
+                    <a:lumOff val="60000"/>
+                  </a:schemeClr>
+                </a:solidFill>
+                <a:latin typeface="+mj-lt"/>
+                <a:ea typeface="+mj-ea"/>
+                <a:cs typeface="+mj-cs"/>
+              </a:defRPr>
+            </a:lvl1pPr>
+            <a:lvl2pPr marL="457200" indent="0">
+              <a:buNone/>
+              <a:defRPr sz="1200"/>
+            </a:lvl2pPr>
+            <a:lvl3pPr marL="914400" indent="0">
+              <a:buNone/>
+              <a:defRPr sz="1000"/>
+            </a:lvl3pPr>
+            <a:lvl4pPr marL="1371600" indent="0">
+              <a:buNone/>
+              <a:defRPr sz="900"/>
+            </a:lvl4pPr>
+            <a:lvl5pPr marL="1828800" indent="0">
+              <a:buNone/>
+              <a:defRPr sz="900"/>
+            </a:lvl5pPr>
+            <a:lvl6pPr marL="2286000" indent="0">
+              <a:buNone/>
+              <a:defRPr sz="900"/>
+            </a:lvl6pPr>
+            <a:lvl7pPr marL="2743200" indent="0">
+              <a:buNone/>
+              <a:defRPr sz="900"/>
+            </a:lvl7pPr>
+            <a:lvl8pPr marL="3200400" indent="0">
+              <a:buNone/>
+              <a:defRPr sz="900"/>
+            </a:lvl8pPr>
+            <a:lvl9pPr marL="3657600" indent="0">
+              <a:buNone/>
+              <a:defRPr sz="900"/>
+            </a:lvl9pPr>
+          </a:lstStyle>
+          <a:p>
+            <a:pPr marL="0" lvl="0" indent="0">
+              <a:buNone/>
+            </a:pPr>
+            <a:r>
+              <a:rPr lang="en-US"/>
+              <a:t>Click to edit Master text styles</a:t>
+            </a:r>
+          </a:p>
+        </p:txBody>
+      </p:sp>
+      <p:sp>
+        <p:nvSpPr>
+          <p:cNvPr id="10" name="Text Placeholder 3"/>
+          <p:cNvSpPr>
+            <a:spLocks noGrp="1"/>
+          </p:cNvSpPr>
+          <p:nvPr>
+            <p:ph type="body" sz="half" idx="2"/>
+          </p:nvPr>
+        </p:nvSpPr>
+        <p:spPr>
+          <a:xfrm>
+            <a:off x="1154954" y="4350657"/>
+            <a:ext cx="8825659" cy="1676400"/>
+          </a:xfrm>
+        </p:spPr>
+        <p:txBody>
+          <a:bodyPr anchor="ctr">
+            <a:normAutofit/>
+          </a:bodyPr>
+          <a:lstStyle>
+            <a:lvl1pPr marL="0" indent="0">
+              <a:buNone/>
+              <a:defRPr sz="1800"/>
+            </a:lvl1pPr>
+            <a:lvl2pPr marL="457200" indent="0">
+              <a:buNone/>
+              <a:defRPr sz="1200"/>
+            </a:lvl2pPr>
+            <a:lvl3pPr marL="914400" indent="0">
+              <a:buNone/>
+              <a:defRPr sz="1000"/>
+            </a:lvl3pPr>
+            <a:lvl4pPr marL="1371600" indent="0">
+              <a:buNone/>
+              <a:defRPr sz="900"/>
+            </a:lvl4pPr>
+            <a:lvl5pPr marL="1828800" indent="0">
+              <a:buNone/>
+              <a:defRPr sz="900"/>
+            </a:lvl5pPr>
+            <a:lvl6pPr marL="2286000" indent="0">
+              <a:buNone/>
+              <a:defRPr sz="900"/>
+            </a:lvl6pPr>
+            <a:lvl7pPr marL="2743200" indent="0">
+              <a:buNone/>
+              <a:defRPr sz="900"/>
+            </a:lvl7pPr>
+            <a:lvl8pPr marL="3200400" indent="0">
+              <a:buNone/>
+              <a:defRPr sz="900"/>
+            </a:lvl8pPr>
+            <a:lvl9pPr marL="3657600" indent="0">
+              <a:buNone/>
+              <a:defRPr sz="900"/>
+            </a:lvl9pPr>
+          </a:lstStyle>
+          <a:p>
+            <a:pPr lvl="0"/>
+            <a:r>
+              <a:rPr lang="en-US"/>
+              <a:t>Click to edit Master text styles</a:t>
+            </a:r>
+          </a:p>
+        </p:txBody>
+      </p:sp>
+      <p:sp>
+        <p:nvSpPr>
+          <p:cNvPr id="4" name="Date Placeholder 3"/>
+          <p:cNvSpPr>
+            <a:spLocks noGrp="1"/>
+          </p:cNvSpPr>
+          <p:nvPr>
+            <p:ph type="dt" sz="half" idx="10"/>
+          </p:nvPr>
+        </p:nvSpPr>
+        <p:spPr/>
+        <p:txBody>
+          <a:bodyPr/>
+          <a:lstStyle/>
+          <a:p>
+            <a:fld id="{21BA8546-65F5-45C1-86D6-71996A276C06}" type="datetimeFigureOut">
+              <a:rPr lang="en-GB" smtClean="0"/>
+              <a:t>08/04/2025</a:t>
+            </a:fld>
+            <a:endParaRPr lang="en-GB"/>
+          </a:p>
+        </p:txBody>
+      </p:sp>
+      <p:sp>
+        <p:nvSpPr>
+          <p:cNvPr id="5" name="Footer Placeholder 4"/>
+          <p:cNvSpPr>
+            <a:spLocks noGrp="1"/>
+          </p:cNvSpPr>
+          <p:nvPr>
+            <p:ph type="ftr" sz="quarter" idx="11"/>
+          </p:nvPr>
+        </p:nvSpPr>
+        <p:spPr/>
+        <p:txBody>
+          <a:bodyPr/>
+          <a:lstStyle/>
+          <a:p>
+            <a:endParaRPr lang="en-GB"/>
+          </a:p>
+        </p:txBody>
+      </p:sp>
+      <p:sp>
+        <p:nvSpPr>
+          <p:cNvPr id="6" name="Slide Number Placeholder 5"/>
+          <p:cNvSpPr>
+            <a:spLocks noGrp="1"/>
+          </p:cNvSpPr>
+          <p:nvPr>
+            <p:ph type="sldNum" sz="quarter" idx="12"/>
+          </p:nvPr>
+        </p:nvSpPr>
+        <p:spPr/>
+        <p:txBody>
+          <a:bodyPr/>
+          <a:lstStyle/>
+          <a:p>
+            <a:fld id="{FBD33A27-E4E3-4C8F-B47E-4A243BF0D6CC}" type="slidenum">
+              <a:rPr lang="en-GB" smtClean="0"/>
+              <a:t>‹#›</a:t>
+            </a:fld>
+            <a:endParaRPr lang="en-GB"/>
+          </a:p>
+        </p:txBody>
+      </p:sp>
+      <p:sp>
+        <p:nvSpPr>
+          <p:cNvPr id="12" name="TextBox 11"/>
+          <p:cNvSpPr txBox="1"/>
+          <p:nvPr/>
+        </p:nvSpPr>
+        <p:spPr>
+          <a:xfrm>
+            <a:off x="898295" y="971253"/>
+            <a:ext cx="801912" cy="1969770"/>
+          </a:xfrm>
+          <a:prstGeom prst="rect">
+            <a:avLst/>
+          </a:prstGeom>
+          <a:noFill/>
+        </p:spPr>
+        <p:txBody>
+          <a:bodyPr wrap="square" rtlCol="0">
+            <a:spAutoFit/>
+          </a:bodyPr>
+          <a:lstStyle>
+            <a:defPPr>
+              <a:defRPr lang="en-US"/>
+            </a:defPPr>
+            <a:lvl1pPr algn="r">
+              <a:defRPr sz="12200" b="0" i="0">
+                <a:solidFill>
+                  <a:schemeClr val="bg2">
+                    <a:lumMod val="40000"/>
+                    <a:lumOff val="60000"/>
+                  </a:schemeClr>
+                </a:solidFill>
+                <a:latin typeface="Arial"/>
+                <a:ea typeface="+mj-ea"/>
+                <a:cs typeface="+mj-cs"/>
+              </a:defRPr>
+            </a:lvl1pPr>
+          </a:lstStyle>
+          <a:p>
+            <a:pPr lvl="0"/>
+            <a:r>
+              <a:rPr lang="en-US" dirty="0"/>
+              <a:t>“</a:t>
+            </a:r>
+          </a:p>
+        </p:txBody>
+      </p:sp>
+      <p:sp>
+        <p:nvSpPr>
+          <p:cNvPr id="15" name="TextBox 14"/>
+          <p:cNvSpPr txBox="1"/>
+          <p:nvPr/>
+        </p:nvSpPr>
+        <p:spPr>
+          <a:xfrm>
+            <a:off x="9330490" y="2613787"/>
+            <a:ext cx="801912" cy="1969770"/>
+          </a:xfrm>
+          <a:prstGeom prst="rect">
+            <a:avLst/>
+          </a:prstGeom>
+          <a:noFill/>
+        </p:spPr>
+        <p:txBody>
+          <a:bodyPr wrap="square" rtlCol="0">
+            <a:spAutoFit/>
+          </a:bodyPr>
+          <a:lstStyle>
+            <a:defPPr>
+              <a:defRPr lang="en-US"/>
+            </a:defPPr>
+            <a:lvl1pPr algn="r">
+              <a:defRPr sz="12200" b="0" i="0">
+                <a:solidFill>
+                  <a:schemeClr val="bg2">
+                    <a:lumMod val="40000"/>
+                    <a:lumOff val="60000"/>
+                  </a:schemeClr>
+                </a:solidFill>
+                <a:latin typeface="Arial"/>
+                <a:ea typeface="+mj-ea"/>
+                <a:cs typeface="+mj-cs"/>
+              </a:defRPr>
+            </a:lvl1pPr>
+          </a:lstStyle>
+          <a:p>
+            <a:pPr lvl="0"/>
+            <a:r>
+              <a:rPr lang="en-US" dirty="0"/>
+              <a:t>”</a:t>
+            </a:r>
+          </a:p>
+        </p:txBody>
+      </p:sp>
+    </p:spTree>
+    <p:extLst>
+      <p:ext uri="{BB962C8B-B14F-4D97-AF65-F5344CB8AC3E}">
+        <p14:creationId xmlns:p14="http://schemas.microsoft.com/office/powerpoint/2010/main" val="377211175"/>
+      </p:ext>
+    </p:extLst>
+  </p:cSld>
+  <p:clrMapOvr>
+    <a:masterClrMapping/>
+  </p:clrMapOvr>
+</p:sldLayout>
+</file>
+
+<file path=ppt/slideLayouts/slideLayout13.xml><?xml version="1.0" encoding="utf-8"?>
+<p:sldLayout xmlns:a="http://schemas.openxmlformats.org/drawingml/2006/main" xmlns:r="http://schemas.openxmlformats.org/officeDocument/2006/relationships" xmlns:p="http://schemas.openxmlformats.org/presentationml/2006/main" preserve="1">
+  <p:cSld name="Name Card">
+    <p:spTree>
+      <p:nvGrpSpPr>
+        <p:cNvPr id="1" name=""/>
+        <p:cNvGrpSpPr/>
+        <p:nvPr/>
+      </p:nvGrpSpPr>
+      <p:grpSpPr>
+        <a:xfrm>
+          <a:off x="0" y="0"/>
+          <a:ext cx="0" cy="0"/>
+          <a:chOff x="0" y="0"/>
+          <a:chExt cx="0" cy="0"/>
+        </a:xfrm>
+      </p:grpSpPr>
+      <p:sp>
+        <p:nvSpPr>
+          <p:cNvPr id="2" name="Title 1"/>
+          <p:cNvSpPr>
+            <a:spLocks noGrp="1"/>
+          </p:cNvSpPr>
+          <p:nvPr>
+            <p:ph type="title"/>
+          </p:nvPr>
+        </p:nvSpPr>
+        <p:spPr>
+          <a:xfrm>
+            <a:off x="1154954" y="3124201"/>
+            <a:ext cx="8825660" cy="1653180"/>
+          </a:xfrm>
+        </p:spPr>
+        <p:txBody>
+          <a:bodyPr anchor="b"/>
+          <a:lstStyle>
+            <a:lvl1pPr algn="l">
+              <a:defRPr sz="4000" b="0" cap="none"/>
+            </a:lvl1pPr>
+          </a:lstStyle>
+          <a:p>
+            <a:r>
+              <a:rPr lang="en-US"/>
+              <a:t>Click to edit Master title style</a:t>
+            </a:r>
+            <a:endParaRPr lang="en-US" dirty="0"/>
+          </a:p>
+        </p:txBody>
+      </p:sp>
+      <p:sp>
+        <p:nvSpPr>
+          <p:cNvPr id="3" name="Text Placeholder 2"/>
+          <p:cNvSpPr>
+            <a:spLocks noGrp="1"/>
+          </p:cNvSpPr>
+          <p:nvPr>
+            <p:ph type="body" idx="1"/>
+          </p:nvPr>
+        </p:nvSpPr>
+        <p:spPr>
+          <a:xfrm>
+            <a:off x="1154954" y="4777381"/>
+            <a:ext cx="8825659" cy="860400"/>
+          </a:xfrm>
+        </p:spPr>
+        <p:txBody>
+          <a:bodyPr anchor="t"/>
+          <a:lstStyle>
+            <a:lvl1pPr marL="0" indent="0" algn="l">
+              <a:buNone/>
+              <a:defRPr sz="2000" cap="none">
+                <a:solidFill>
+                  <a:schemeClr val="bg2">
+                    <a:lumMod val="40000"/>
+                    <a:lumOff val="60000"/>
+                  </a:schemeClr>
+                </a:solidFill>
+              </a:defRPr>
+            </a:lvl1pPr>
+            <a:lvl2pPr marL="457200" indent="0">
+              <a:buNone/>
+              <a:defRPr sz="1800">
+                <a:solidFill>
+                  <a:schemeClr val="tx1">
+                    <a:tint val="75000"/>
+                  </a:schemeClr>
+                </a:solidFill>
+              </a:defRPr>
+            </a:lvl2pPr>
+            <a:lvl3pPr marL="914400" indent="0">
+              <a:buNone/>
+              <a:defRPr sz="1600">
+                <a:solidFill>
+                  <a:schemeClr val="tx1">
+                    <a:tint val="75000"/>
+                  </a:schemeClr>
+                </a:solidFill>
+              </a:defRPr>
+            </a:lvl3pPr>
+            <a:lvl4pPr marL="1371600" indent="0">
+              <a:buNone/>
+              <a:defRPr sz="1400">
+                <a:solidFill>
+                  <a:schemeClr val="tx1">
+                    <a:tint val="75000"/>
+                  </a:schemeClr>
+                </a:solidFill>
+              </a:defRPr>
+            </a:lvl4pPr>
+            <a:lvl5pPr marL="1828800" indent="0">
+              <a:buNone/>
+              <a:defRPr sz="1400">
+                <a:solidFill>
+                  <a:schemeClr val="tx1">
+                    <a:tint val="75000"/>
+                  </a:schemeClr>
+                </a:solidFill>
+              </a:defRPr>
+            </a:lvl5pPr>
+            <a:lvl6pPr marL="2286000" indent="0">
+              <a:buNone/>
+              <a:defRPr sz="1400">
+                <a:solidFill>
+                  <a:schemeClr val="tx1">
+                    <a:tint val="75000"/>
+                  </a:schemeClr>
+                </a:solidFill>
+              </a:defRPr>
+            </a:lvl6pPr>
+            <a:lvl7pPr marL="2743200" indent="0">
+              <a:buNone/>
+              <a:defRPr sz="1400">
+                <a:solidFill>
+                  <a:schemeClr val="tx1">
+                    <a:tint val="75000"/>
+                  </a:schemeClr>
+                </a:solidFill>
+              </a:defRPr>
+            </a:lvl7pPr>
+            <a:lvl8pPr marL="3200400" indent="0">
+              <a:buNone/>
+              <a:defRPr sz="1400">
+                <a:solidFill>
+                  <a:schemeClr val="tx1">
+                    <a:tint val="75000"/>
+                  </a:schemeClr>
+                </a:solidFill>
+              </a:defRPr>
+            </a:lvl8pPr>
+            <a:lvl9pPr marL="3657600" indent="0">
+              <a:buNone/>
+              <a:defRPr sz="1400">
+                <a:solidFill>
+                  <a:schemeClr val="tx1">
+                    <a:tint val="75000"/>
+                  </a:schemeClr>
+                </a:solidFill>
+              </a:defRPr>
+            </a:lvl9pPr>
+          </a:lstStyle>
+          <a:p>
+            <a:pPr lvl="0"/>
+            <a:r>
+              <a:rPr lang="en-US"/>
+              <a:t>Click to edit Master text styles</a:t>
+            </a:r>
+          </a:p>
+        </p:txBody>
+      </p:sp>
+      <p:sp>
+        <p:nvSpPr>
+          <p:cNvPr id="4" name="Date Placeholder 3"/>
+          <p:cNvSpPr>
+            <a:spLocks noGrp="1"/>
+          </p:cNvSpPr>
+          <p:nvPr>
+            <p:ph type="dt" sz="half" idx="10"/>
+          </p:nvPr>
+        </p:nvSpPr>
+        <p:spPr/>
+        <p:txBody>
+          <a:bodyPr/>
+          <a:lstStyle/>
+          <a:p>
+            <a:fld id="{21BA8546-65F5-45C1-86D6-71996A276C06}" type="datetimeFigureOut">
+              <a:rPr lang="en-GB" smtClean="0"/>
+              <a:t>08/04/2025</a:t>
+            </a:fld>
+            <a:endParaRPr lang="en-GB"/>
+          </a:p>
+        </p:txBody>
+      </p:sp>
+      <p:sp>
+        <p:nvSpPr>
+          <p:cNvPr id="5" name="Footer Placeholder 4"/>
+          <p:cNvSpPr>
+            <a:spLocks noGrp="1"/>
+          </p:cNvSpPr>
+          <p:nvPr>
+            <p:ph type="ftr" sz="quarter" idx="11"/>
+          </p:nvPr>
+        </p:nvSpPr>
+        <p:spPr/>
+        <p:txBody>
+          <a:bodyPr/>
+          <a:lstStyle/>
+          <a:p>
+            <a:endParaRPr lang="en-GB"/>
+          </a:p>
+        </p:txBody>
+      </p:sp>
+      <p:sp>
+        <p:nvSpPr>
+          <p:cNvPr id="6" name="Slide Number Placeholder 5"/>
+          <p:cNvSpPr>
+            <a:spLocks noGrp="1"/>
+          </p:cNvSpPr>
+          <p:nvPr>
+            <p:ph type="sldNum" sz="quarter" idx="12"/>
+          </p:nvPr>
+        </p:nvSpPr>
+        <p:spPr/>
+        <p:txBody>
+          <a:bodyPr/>
+          <a:lstStyle/>
+          <a:p>
+            <a:fld id="{FBD33A27-E4E3-4C8F-B47E-4A243BF0D6CC}" type="slidenum">
+              <a:rPr lang="en-GB" smtClean="0"/>
+              <a:t>‹#›</a:t>
+            </a:fld>
+            <a:endParaRPr lang="en-GB"/>
+          </a:p>
+        </p:txBody>
+      </p:sp>
+    </p:spTree>
+    <p:extLst>
+      <p:ext uri="{BB962C8B-B14F-4D97-AF65-F5344CB8AC3E}">
+        <p14:creationId xmlns:p14="http://schemas.microsoft.com/office/powerpoint/2010/main" val="1344551034"/>
+      </p:ext>
+    </p:extLst>
+  </p:cSld>
+  <p:clrMapOvr>
+    <a:masterClrMapping/>
+  </p:clrMapOvr>
+</p:sldLayout>
+</file>
+
+<file path=ppt/slideLayouts/slideLayout14.xml><?xml version="1.0" encoding="utf-8"?>
+<p:sldLayout xmlns:a="http://schemas.openxmlformats.org/drawingml/2006/main" xmlns:r="http://schemas.openxmlformats.org/officeDocument/2006/relationships" xmlns:p="http://schemas.openxmlformats.org/presentationml/2006/main" preserve="1">
+  <p:cSld name="3 Column">
+    <p:spTree>
+      <p:nvGrpSpPr>
+        <p:cNvPr id="1" name=""/>
+        <p:cNvGrpSpPr/>
+        <p:nvPr/>
+      </p:nvGrpSpPr>
+      <p:grpSpPr>
+        <a:xfrm>
+          <a:off x="0" y="0"/>
+          <a:ext cx="0" cy="0"/>
+          <a:chOff x="0" y="0"/>
+          <a:chExt cx="0" cy="0"/>
+        </a:xfrm>
+      </p:grpSpPr>
+      <p:sp>
+        <p:nvSpPr>
+          <p:cNvPr id="2" name="Title 1"/>
+          <p:cNvSpPr>
+            <a:spLocks noGrp="1"/>
+          </p:cNvSpPr>
+          <p:nvPr>
+            <p:ph type="title"/>
+          </p:nvPr>
+        </p:nvSpPr>
+        <p:spPr/>
+        <p:txBody>
+          <a:bodyPr/>
+          <a:lstStyle>
+            <a:lvl1pPr>
+              <a:defRPr sz="4200"/>
+            </a:lvl1pPr>
+          </a:lstStyle>
+          <a:p>
+            <a:r>
+              <a:rPr lang="en-US"/>
+              <a:t>Click to edit Master title style</a:t>
+            </a:r>
+            <a:endParaRPr lang="en-US" dirty="0"/>
+          </a:p>
+        </p:txBody>
+      </p:sp>
+      <p:sp>
+        <p:nvSpPr>
+          <p:cNvPr id="3" name="Text Placeholder 2"/>
+          <p:cNvSpPr>
+            <a:spLocks noGrp="1"/>
+          </p:cNvSpPr>
+          <p:nvPr>
+            <p:ph type="body" idx="1"/>
+          </p:nvPr>
+        </p:nvSpPr>
+        <p:spPr>
+          <a:xfrm>
+            <a:off x="632947" y="1981200"/>
+            <a:ext cx="2946866" cy="576262"/>
+          </a:xfrm>
+        </p:spPr>
+        <p:txBody>
+          <a:bodyPr anchor="b">
+            <a:noAutofit/>
+          </a:bodyPr>
+          <a:lstStyle>
+            <a:lvl1pPr marL="0" indent="0">
+              <a:buNone/>
+              <a:defRPr sz="2400" b="0">
+                <a:solidFill>
+                  <a:schemeClr val="bg2">
+                    <a:lumMod val="40000"/>
+                    <a:lumOff val="60000"/>
+                  </a:schemeClr>
+                </a:solidFill>
+              </a:defRPr>
+            </a:lvl1pPr>
+            <a:lvl2pPr marL="457200" indent="0">
+              <a:buNone/>
+              <a:defRPr sz="2000" b="1"/>
+            </a:lvl2pPr>
+            <a:lvl3pPr marL="914400" indent="0">
+              <a:buNone/>
+              <a:defRPr sz="1800" b="1"/>
+            </a:lvl3pPr>
+            <a:lvl4pPr marL="1371600" indent="0">
+              <a:buNone/>
+              <a:defRPr sz="1600" b="1"/>
+            </a:lvl4pPr>
+            <a:lvl5pPr marL="1828800" indent="0">
+              <a:buNone/>
+              <a:defRPr sz="1600" b="1"/>
+            </a:lvl5pPr>
+            <a:lvl6pPr marL="2286000" indent="0">
+              <a:buNone/>
+              <a:defRPr sz="1600" b="1"/>
+            </a:lvl6pPr>
+            <a:lvl7pPr marL="2743200" indent="0">
+              <a:buNone/>
+              <a:defRPr sz="1600" b="1"/>
+            </a:lvl7pPr>
+            <a:lvl8pPr marL="3200400" indent="0">
+              <a:buNone/>
+              <a:defRPr sz="1600" b="1"/>
+            </a:lvl8pPr>
+            <a:lvl9pPr marL="3657600" indent="0">
+              <a:buNone/>
+              <a:defRPr sz="1600" b="1"/>
+            </a:lvl9pPr>
+          </a:lstStyle>
+          <a:p>
+            <a:pPr lvl="0"/>
+            <a:r>
+              <a:rPr lang="en-US"/>
+              <a:t>Click to edit Master text styles</a:t>
+            </a:r>
+          </a:p>
+        </p:txBody>
+      </p:sp>
+      <p:sp>
+        <p:nvSpPr>
+          <p:cNvPr id="16" name="Text Placeholder 3"/>
+          <p:cNvSpPr>
+            <a:spLocks noGrp="1"/>
+          </p:cNvSpPr>
+          <p:nvPr>
+            <p:ph type="body" sz="half" idx="15"/>
+          </p:nvPr>
+        </p:nvSpPr>
+        <p:spPr>
+          <a:xfrm>
+            <a:off x="652463" y="2667000"/>
+            <a:ext cx="2927350" cy="3589338"/>
+          </a:xfrm>
+        </p:spPr>
+        <p:txBody>
+          <a:bodyPr anchor="t">
+            <a:normAutofit/>
+          </a:bodyPr>
+          <a:lstStyle>
+            <a:lvl1pPr marL="0" indent="0">
+              <a:buNone/>
+              <a:defRPr sz="1400"/>
+            </a:lvl1pPr>
+            <a:lvl2pPr marL="457200" indent="0">
+              <a:buNone/>
+              <a:defRPr sz="1200"/>
+            </a:lvl2pPr>
+            <a:lvl3pPr marL="914400" indent="0">
+              <a:buNone/>
+              <a:defRPr sz="1000"/>
+            </a:lvl3pPr>
+            <a:lvl4pPr marL="1371600" indent="0">
+              <a:buNone/>
+              <a:defRPr sz="900"/>
+            </a:lvl4pPr>
+            <a:lvl5pPr marL="1828800" indent="0">
+              <a:buNone/>
+              <a:defRPr sz="900"/>
+            </a:lvl5pPr>
+            <a:lvl6pPr marL="2286000" indent="0">
+              <a:buNone/>
+              <a:defRPr sz="900"/>
+            </a:lvl6pPr>
+            <a:lvl7pPr marL="2743200" indent="0">
+              <a:buNone/>
+              <a:defRPr sz="900"/>
+            </a:lvl7pPr>
+            <a:lvl8pPr marL="3200400" indent="0">
+              <a:buNone/>
+              <a:defRPr sz="900"/>
+            </a:lvl8pPr>
+            <a:lvl9pPr marL="3657600" indent="0">
+              <a:buNone/>
+              <a:defRPr sz="900"/>
+            </a:lvl9pPr>
+          </a:lstStyle>
+          <a:p>
+            <a:pPr lvl="0"/>
+            <a:r>
+              <a:rPr lang="en-US"/>
+              <a:t>Click to edit Master text styles</a:t>
+            </a:r>
+          </a:p>
+        </p:txBody>
+      </p:sp>
+      <p:sp>
+        <p:nvSpPr>
+          <p:cNvPr id="5" name="Text Placeholder 4"/>
+          <p:cNvSpPr>
+            <a:spLocks noGrp="1"/>
+          </p:cNvSpPr>
+          <p:nvPr>
+            <p:ph type="body" sz="quarter" idx="3"/>
+          </p:nvPr>
+        </p:nvSpPr>
+        <p:spPr>
+          <a:xfrm>
+            <a:off x="3883659" y="1981200"/>
+            <a:ext cx="2936241" cy="576262"/>
+          </a:xfrm>
+        </p:spPr>
+        <p:txBody>
+          <a:bodyPr anchor="b">
+            <a:noAutofit/>
+          </a:bodyPr>
+          <a:lstStyle>
+            <a:lvl1pPr marL="0" indent="0">
+              <a:buNone/>
+              <a:defRPr sz="2400" b="0">
+                <a:solidFill>
+                  <a:schemeClr val="bg2">
+                    <a:lumMod val="40000"/>
+                    <a:lumOff val="60000"/>
+                  </a:schemeClr>
+                </a:solidFill>
+              </a:defRPr>
+            </a:lvl1pPr>
+            <a:lvl2pPr marL="457200" indent="0">
+              <a:buNone/>
+              <a:defRPr sz="2000" b="1"/>
+            </a:lvl2pPr>
+            <a:lvl3pPr marL="914400" indent="0">
+              <a:buNone/>
+              <a:defRPr sz="1800" b="1"/>
+            </a:lvl3pPr>
+            <a:lvl4pPr marL="1371600" indent="0">
+              <a:buNone/>
+              <a:defRPr sz="1600" b="1"/>
+            </a:lvl4pPr>
+            <a:lvl5pPr marL="1828800" indent="0">
+              <a:buNone/>
+              <a:defRPr sz="1600" b="1"/>
+            </a:lvl5pPr>
+            <a:lvl6pPr marL="2286000" indent="0">
+              <a:buNone/>
+              <a:defRPr sz="1600" b="1"/>
+            </a:lvl6pPr>
+            <a:lvl7pPr marL="2743200" indent="0">
+              <a:buNone/>
+              <a:defRPr sz="1600" b="1"/>
+            </a:lvl7pPr>
+            <a:lvl8pPr marL="3200400" indent="0">
+              <a:buNone/>
+              <a:defRPr sz="1600" b="1"/>
+            </a:lvl8pPr>
+            <a:lvl9pPr marL="3657600" indent="0">
+              <a:buNone/>
+              <a:defRPr sz="1600" b="1"/>
+            </a:lvl9pPr>
+          </a:lstStyle>
+          <a:p>
+            <a:pPr lvl="0"/>
+            <a:r>
+              <a:rPr lang="en-US"/>
+              <a:t>Click to edit Master text styles</a:t>
+            </a:r>
+          </a:p>
+        </p:txBody>
+      </p:sp>
+      <p:sp>
+        <p:nvSpPr>
+          <p:cNvPr id="19" name="Text Placeholder 3"/>
+          <p:cNvSpPr>
+            <a:spLocks noGrp="1"/>
+          </p:cNvSpPr>
+          <p:nvPr>
+            <p:ph type="body" sz="half" idx="16"/>
+          </p:nvPr>
+        </p:nvSpPr>
+        <p:spPr>
+          <a:xfrm>
+            <a:off x="3873106" y="2667000"/>
+            <a:ext cx="2946794" cy="3589338"/>
+          </a:xfrm>
+        </p:spPr>
+        <p:txBody>
+          <a:bodyPr anchor="t">
+            <a:normAutofit/>
+          </a:bodyPr>
+          <a:lstStyle>
+            <a:lvl1pPr marL="0" indent="0">
+              <a:buNone/>
+              <a:defRPr sz="1400"/>
+            </a:lvl1pPr>
+            <a:lvl2pPr marL="457200" indent="0">
+              <a:buNone/>
+              <a:defRPr sz="1200"/>
+            </a:lvl2pPr>
+            <a:lvl3pPr marL="914400" indent="0">
+              <a:buNone/>
+              <a:defRPr sz="1000"/>
+            </a:lvl3pPr>
+            <a:lvl4pPr marL="1371600" indent="0">
+              <a:buNone/>
+              <a:defRPr sz="900"/>
+            </a:lvl4pPr>
+            <a:lvl5pPr marL="1828800" indent="0">
+              <a:buNone/>
+              <a:defRPr sz="900"/>
+            </a:lvl5pPr>
+            <a:lvl6pPr marL="2286000" indent="0">
+              <a:buNone/>
+              <a:defRPr sz="900"/>
+            </a:lvl6pPr>
+            <a:lvl7pPr marL="2743200" indent="0">
+              <a:buNone/>
+              <a:defRPr sz="900"/>
+            </a:lvl7pPr>
+            <a:lvl8pPr marL="3200400" indent="0">
+              <a:buNone/>
+              <a:defRPr sz="900"/>
+            </a:lvl8pPr>
+            <a:lvl9pPr marL="3657600" indent="0">
+              <a:buNone/>
+              <a:defRPr sz="900"/>
+            </a:lvl9pPr>
+          </a:lstStyle>
+          <a:p>
+            <a:pPr lvl="0"/>
+            <a:r>
+              <a:rPr lang="en-US"/>
+              <a:t>Click to edit Master text styles</a:t>
+            </a:r>
+          </a:p>
+        </p:txBody>
+      </p:sp>
+      <p:sp>
+        <p:nvSpPr>
+          <p:cNvPr id="14" name="Text Placeholder 4"/>
+          <p:cNvSpPr>
+            <a:spLocks noGrp="1"/>
+          </p:cNvSpPr>
+          <p:nvPr>
+            <p:ph type="body" sz="quarter" idx="13"/>
+          </p:nvPr>
+        </p:nvSpPr>
+        <p:spPr>
+          <a:xfrm>
+            <a:off x="7124700" y="1981200"/>
+            <a:ext cx="2932113" cy="576262"/>
+          </a:xfrm>
+        </p:spPr>
+        <p:txBody>
+          <a:bodyPr anchor="b">
+            <a:noAutofit/>
+          </a:bodyPr>
+          <a:lstStyle>
+            <a:lvl1pPr marL="0" indent="0">
+              <a:buNone/>
+              <a:defRPr sz="2400" b="0">
+                <a:solidFill>
+                  <a:schemeClr val="bg2">
+                    <a:lumMod val="40000"/>
+                    <a:lumOff val="60000"/>
+                  </a:schemeClr>
+                </a:solidFill>
+              </a:defRPr>
+            </a:lvl1pPr>
+            <a:lvl2pPr marL="457200" indent="0">
+              <a:buNone/>
+              <a:defRPr sz="2000" b="1"/>
+            </a:lvl2pPr>
+            <a:lvl3pPr marL="914400" indent="0">
+              <a:buNone/>
+              <a:defRPr sz="1800" b="1"/>
+            </a:lvl3pPr>
+            <a:lvl4pPr marL="1371600" indent="0">
+              <a:buNone/>
+              <a:defRPr sz="1600" b="1"/>
+            </a:lvl4pPr>
+            <a:lvl5pPr marL="1828800" indent="0">
+              <a:buNone/>
+              <a:defRPr sz="1600" b="1"/>
+            </a:lvl5pPr>
+            <a:lvl6pPr marL="2286000" indent="0">
+              <a:buNone/>
+              <a:defRPr sz="1600" b="1"/>
+            </a:lvl6pPr>
+            <a:lvl7pPr marL="2743200" indent="0">
+              <a:buNone/>
+              <a:defRPr sz="1600" b="1"/>
+            </a:lvl7pPr>
+            <a:lvl8pPr marL="3200400" indent="0">
+              <a:buNone/>
+              <a:defRPr sz="1600" b="1"/>
+            </a:lvl8pPr>
+            <a:lvl9pPr marL="3657600" indent="0">
+              <a:buNone/>
+              <a:defRPr sz="1600" b="1"/>
+            </a:lvl9pPr>
+          </a:lstStyle>
+          <a:p>
+            <a:pPr lvl="0"/>
+            <a:r>
+              <a:rPr lang="en-US"/>
+              <a:t>Click to edit Master text styles</a:t>
+            </a:r>
+          </a:p>
+        </p:txBody>
+      </p:sp>
+      <p:sp>
+        <p:nvSpPr>
+          <p:cNvPr id="20" name="Text Placeholder 3"/>
+          <p:cNvSpPr>
+            <a:spLocks noGrp="1"/>
+          </p:cNvSpPr>
+          <p:nvPr>
+            <p:ph type="body" sz="half" idx="17"/>
+          </p:nvPr>
+        </p:nvSpPr>
+        <p:spPr>
+          <a:xfrm>
+            <a:off x="7124700" y="2667000"/>
+            <a:ext cx="2932113" cy="3589338"/>
+          </a:xfrm>
+        </p:spPr>
+        <p:txBody>
+          <a:bodyPr anchor="t">
+            <a:normAutofit/>
+          </a:bodyPr>
+          <a:lstStyle>
+            <a:lvl1pPr marL="0" indent="0">
+              <a:buNone/>
+              <a:defRPr sz="1400"/>
+            </a:lvl1pPr>
+            <a:lvl2pPr marL="457200" indent="0">
+              <a:buNone/>
+              <a:defRPr sz="1200"/>
+            </a:lvl2pPr>
+            <a:lvl3pPr marL="914400" indent="0">
+              <a:buNone/>
+              <a:defRPr sz="1000"/>
+            </a:lvl3pPr>
+            <a:lvl4pPr marL="1371600" indent="0">
+              <a:buNone/>
+              <a:defRPr sz="900"/>
+            </a:lvl4pPr>
+            <a:lvl5pPr marL="1828800" indent="0">
+              <a:buNone/>
+              <a:defRPr sz="900"/>
+            </a:lvl5pPr>
+            <a:lvl6pPr marL="2286000" indent="0">
+              <a:buNone/>
+              <a:defRPr sz="900"/>
+            </a:lvl6pPr>
+            <a:lvl7pPr marL="2743200" indent="0">
+              <a:buNone/>
+              <a:defRPr sz="900"/>
+            </a:lvl7pPr>
+            <a:lvl8pPr marL="3200400" indent="0">
+              <a:buNone/>
+              <a:defRPr sz="900"/>
+            </a:lvl8pPr>
+            <a:lvl9pPr marL="3657600" indent="0">
+              <a:buNone/>
+              <a:defRPr sz="900"/>
+            </a:lvl9pPr>
+          </a:lstStyle>
+          <a:p>
+            <a:pPr lvl="0"/>
+            <a:r>
+              <a:rPr lang="en-US"/>
+              <a:t>Click to edit Master text styles</a:t>
+            </a:r>
+          </a:p>
+        </p:txBody>
+      </p:sp>
+      <p:cxnSp>
+        <p:nvCxnSpPr>
+          <p:cNvPr id="17" name="Straight Connector 16"/>
+          <p:cNvCxnSpPr/>
+          <p:nvPr/>
+        </p:nvCxnSpPr>
+        <p:spPr>
+          <a:xfrm>
+            <a:off x="3726142" y="2133600"/>
+            <a:ext cx="0" cy="3962400"/>
+          </a:xfrm>
+          <a:prstGeom prst="line">
+            <a:avLst/>
+          </a:prstGeom>
+          <a:ln w="12700" cmpd="sng">
+            <a:solidFill>
+              <a:schemeClr val="bg2">
+                <a:lumMod val="40000"/>
+                <a:lumOff val="60000"/>
+                <a:alpha val="40000"/>
+              </a:schemeClr>
+            </a:solidFill>
+          </a:ln>
+        </p:spPr>
+        <p:style>
+          <a:lnRef idx="2">
+            <a:schemeClr val="accent1"/>
+          </a:lnRef>
+          <a:fillRef idx="0">
+            <a:schemeClr val="accent1"/>
+          </a:fillRef>
+          <a:effectRef idx="1">
+            <a:schemeClr val="accent1"/>
+          </a:effectRef>
+          <a:fontRef idx="minor">
+            <a:schemeClr val="tx1"/>
+          </a:fontRef>
+        </p:style>
+      </p:cxnSp>
+      <p:cxnSp>
+        <p:nvCxnSpPr>
+          <p:cNvPr id="18" name="Straight Connector 17"/>
+          <p:cNvCxnSpPr/>
+          <p:nvPr/>
+        </p:nvCxnSpPr>
+        <p:spPr>
+          <a:xfrm>
+            <a:off x="6962227" y="2133600"/>
+            <a:ext cx="0" cy="3966882"/>
+          </a:xfrm>
+          <a:prstGeom prst="line">
+            <a:avLst/>
+          </a:prstGeom>
+          <a:ln w="12700" cmpd="sng">
+            <a:solidFill>
+              <a:schemeClr val="bg2">
+                <a:lumMod val="40000"/>
+                <a:lumOff val="60000"/>
+                <a:alpha val="40000"/>
+              </a:schemeClr>
+            </a:solidFill>
+          </a:ln>
+        </p:spPr>
+        <p:style>
+          <a:lnRef idx="2">
+            <a:schemeClr val="accent1"/>
+          </a:lnRef>
+          <a:fillRef idx="0">
+            <a:schemeClr val="accent1"/>
+          </a:fillRef>
+          <a:effectRef idx="1">
+            <a:schemeClr val="accent1"/>
+          </a:effectRef>
+          <a:fontRef idx="minor">
+            <a:schemeClr val="tx1"/>
+          </a:fontRef>
+        </p:style>
+      </p:cxnSp>
+      <p:sp>
+        <p:nvSpPr>
+          <p:cNvPr id="7" name="Date Placeholder 3"/>
+          <p:cNvSpPr>
+            <a:spLocks noGrp="1"/>
+          </p:cNvSpPr>
+          <p:nvPr>
+            <p:ph type="dt" sz="half" idx="10"/>
+          </p:nvPr>
+        </p:nvSpPr>
+        <p:spPr/>
+        <p:txBody>
+          <a:bodyPr/>
+          <a:lstStyle/>
+          <a:p>
+            <a:fld id="{21BA8546-65F5-45C1-86D6-71996A276C06}" type="datetimeFigureOut">
+              <a:rPr lang="en-GB" smtClean="0"/>
+              <a:t>08/04/2025</a:t>
+            </a:fld>
+            <a:endParaRPr lang="en-GB"/>
+          </a:p>
+        </p:txBody>
+      </p:sp>
+      <p:sp>
+        <p:nvSpPr>
+          <p:cNvPr id="4" name="Footer Placeholder 4"/>
+          <p:cNvSpPr>
+            <a:spLocks noGrp="1"/>
+          </p:cNvSpPr>
+          <p:nvPr>
+            <p:ph type="ftr" sz="quarter" idx="11"/>
+          </p:nvPr>
+        </p:nvSpPr>
+        <p:spPr/>
+        <p:txBody>
+          <a:bodyPr/>
+          <a:lstStyle/>
+          <a:p>
+            <a:endParaRPr lang="en-GB"/>
+          </a:p>
+        </p:txBody>
+      </p:sp>
+      <p:sp>
+        <p:nvSpPr>
+          <p:cNvPr id="6" name="Slide Number Placeholder 5"/>
+          <p:cNvSpPr>
+            <a:spLocks noGrp="1"/>
+          </p:cNvSpPr>
+          <p:nvPr>
+            <p:ph type="sldNum" sz="quarter" idx="12"/>
+          </p:nvPr>
+        </p:nvSpPr>
+        <p:spPr/>
+        <p:txBody>
+          <a:bodyPr/>
+          <a:lstStyle/>
+          <a:p>
+            <a:fld id="{FBD33A27-E4E3-4C8F-B47E-4A243BF0D6CC}" type="slidenum">
+              <a:rPr lang="en-GB" smtClean="0"/>
+              <a:t>‹#›</a:t>
+            </a:fld>
+            <a:endParaRPr lang="en-GB"/>
+          </a:p>
+        </p:txBody>
+      </p:sp>
+    </p:spTree>
+    <p:extLst>
+      <p:ext uri="{BB962C8B-B14F-4D97-AF65-F5344CB8AC3E}">
+        <p14:creationId xmlns:p14="http://schemas.microsoft.com/office/powerpoint/2010/main" val="3221666726"/>
+      </p:ext>
+    </p:extLst>
+  </p:cSld>
+  <p:clrMapOvr>
+    <a:masterClrMapping/>
+  </p:clrMapOvr>
+</p:sldLayout>
+</file>
+
+<file path=ppt/slideLayouts/slideLayout15.xml><?xml version="1.0" encoding="utf-8"?>
+<p:sldLayout xmlns:a="http://schemas.openxmlformats.org/drawingml/2006/main" xmlns:r="http://schemas.openxmlformats.org/officeDocument/2006/relationships" xmlns:p="http://schemas.openxmlformats.org/presentationml/2006/main" preserve="1">
+  <p:cSld name="3 Picture Column">
+    <p:spTree>
+      <p:nvGrpSpPr>
+        <p:cNvPr id="1" name=""/>
+        <p:cNvGrpSpPr/>
+        <p:nvPr/>
+      </p:nvGrpSpPr>
+      <p:grpSpPr>
+        <a:xfrm>
+          <a:off x="0" y="0"/>
+          <a:ext cx="0" cy="0"/>
+          <a:chOff x="0" y="0"/>
+          <a:chExt cx="0" cy="0"/>
+        </a:xfrm>
+      </p:grpSpPr>
+      <p:sp>
+        <p:nvSpPr>
+          <p:cNvPr id="2" name="Title 1"/>
+          <p:cNvSpPr>
+            <a:spLocks noGrp="1"/>
+          </p:cNvSpPr>
+          <p:nvPr>
+            <p:ph type="title"/>
+          </p:nvPr>
+        </p:nvSpPr>
+        <p:spPr/>
+        <p:txBody>
+          <a:bodyPr/>
+          <a:lstStyle>
+            <a:lvl1pPr>
+              <a:defRPr sz="4200"/>
+            </a:lvl1pPr>
+          </a:lstStyle>
+          <a:p>
+            <a:r>
+              <a:rPr lang="en-US"/>
+              <a:t>Click to edit Master title style</a:t>
+            </a:r>
+            <a:endParaRPr lang="en-US" dirty="0"/>
+          </a:p>
+        </p:txBody>
+      </p:sp>
+      <p:sp>
+        <p:nvSpPr>
+          <p:cNvPr id="3" name="Text Placeholder 2"/>
+          <p:cNvSpPr>
+            <a:spLocks noGrp="1"/>
+          </p:cNvSpPr>
+          <p:nvPr>
+            <p:ph type="body" idx="1"/>
+          </p:nvPr>
+        </p:nvSpPr>
+        <p:spPr>
+          <a:xfrm>
+            <a:off x="652463" y="4250949"/>
+            <a:ext cx="2940050" cy="576262"/>
+          </a:xfrm>
+        </p:spPr>
+        <p:txBody>
+          <a:bodyPr anchor="b">
+            <a:noAutofit/>
+          </a:bodyPr>
+          <a:lstStyle>
+            <a:lvl1pPr marL="0" indent="0">
+              <a:buNone/>
+              <a:defRPr sz="2400" b="0">
+                <a:solidFill>
+                  <a:schemeClr val="bg2">
+                    <a:lumMod val="40000"/>
+                    <a:lumOff val="60000"/>
+                  </a:schemeClr>
+                </a:solidFill>
+              </a:defRPr>
+            </a:lvl1pPr>
+            <a:lvl2pPr marL="457200" indent="0">
+              <a:buNone/>
+              <a:defRPr sz="2000" b="1"/>
+            </a:lvl2pPr>
+            <a:lvl3pPr marL="914400" indent="0">
+              <a:buNone/>
+              <a:defRPr sz="1800" b="1"/>
+            </a:lvl3pPr>
+            <a:lvl4pPr marL="1371600" indent="0">
+              <a:buNone/>
+              <a:defRPr sz="1600" b="1"/>
+            </a:lvl4pPr>
+            <a:lvl5pPr marL="1828800" indent="0">
+              <a:buNone/>
+              <a:defRPr sz="1600" b="1"/>
+            </a:lvl5pPr>
+            <a:lvl6pPr marL="2286000" indent="0">
+              <a:buNone/>
+              <a:defRPr sz="1600" b="1"/>
+            </a:lvl6pPr>
+            <a:lvl7pPr marL="2743200" indent="0">
+              <a:buNone/>
+              <a:defRPr sz="1600" b="1"/>
+            </a:lvl7pPr>
+            <a:lvl8pPr marL="3200400" indent="0">
+              <a:buNone/>
+              <a:defRPr sz="1600" b="1"/>
+            </a:lvl8pPr>
+            <a:lvl9pPr marL="3657600" indent="0">
+              <a:buNone/>
+              <a:defRPr sz="1600" b="1"/>
+            </a:lvl9pPr>
+          </a:lstStyle>
+          <a:p>
+            <a:pPr lvl="0"/>
+            <a:r>
+              <a:rPr lang="en-US"/>
+              <a:t>Click to edit Master text styles</a:t>
+            </a:r>
+          </a:p>
+        </p:txBody>
+      </p:sp>
+      <p:sp>
+        <p:nvSpPr>
+          <p:cNvPr id="29" name="Picture Placeholder 2"/>
+          <p:cNvSpPr>
+            <a:spLocks noGrp="1" noChangeAspect="1"/>
+          </p:cNvSpPr>
+          <p:nvPr>
+            <p:ph type="pic" idx="15"/>
+          </p:nvPr>
+        </p:nvSpPr>
+        <p:spPr>
+          <a:xfrm>
+            <a:off x="652463" y="2209800"/>
+            <a:ext cx="2940050" cy="1524000"/>
+          </a:xfrm>
+          <a:prstGeom prst="roundRect">
+            <a:avLst>
+              <a:gd name="adj" fmla="val 1858"/>
+            </a:avLst>
+          </a:prstGeom>
+          <a:effectLst>
+            <a:outerShdw blurRad="50800" dist="50800" dir="5400000" algn="tl" rotWithShape="0">
+              <a:srgbClr val="000000">
+                <a:alpha val="43000"/>
+              </a:srgbClr>
+            </a:outerShdw>
+          </a:effectLst>
+        </p:spPr>
+        <p:txBody>
+          <a:bodyPr anchor="t">
+            <a:normAutofit/>
+          </a:bodyPr>
+          <a:lstStyle>
+            <a:lvl1pPr marL="0" indent="0" algn="ctr">
+              <a:buNone/>
+              <a:defRPr sz="1600"/>
+            </a:lvl1pPr>
+            <a:lvl2pPr marL="457200" indent="0">
+              <a:buNone/>
+              <a:defRPr sz="1600"/>
+            </a:lvl2pPr>
+            <a:lvl3pPr marL="914400" indent="0">
+              <a:buNone/>
+              <a:defRPr sz="1600"/>
+            </a:lvl3pPr>
+            <a:lvl4pPr marL="1371600" indent="0">
+              <a:buNone/>
+              <a:defRPr sz="1600"/>
+            </a:lvl4pPr>
+            <a:lvl5pPr marL="1828800" indent="0">
+              <a:buNone/>
+              <a:defRPr sz="1600"/>
+            </a:lvl5pPr>
+            <a:lvl6pPr marL="2286000" indent="0">
+              <a:buNone/>
+              <a:defRPr sz="1600"/>
+            </a:lvl6pPr>
+            <a:lvl7pPr marL="2743200" indent="0">
+              <a:buNone/>
+              <a:defRPr sz="1600"/>
+            </a:lvl7pPr>
+            <a:lvl8pPr marL="3200400" indent="0">
+              <a:buNone/>
+              <a:defRPr sz="1600"/>
+            </a:lvl8pPr>
+            <a:lvl9pPr marL="3657600" indent="0">
+              <a:buNone/>
+              <a:defRPr sz="1600"/>
+            </a:lvl9pPr>
+          </a:lstStyle>
+          <a:p>
+            <a:r>
+              <a:rPr lang="en-US"/>
+              <a:t>Click icon to add picture</a:t>
+            </a:r>
+            <a:endParaRPr lang="en-US" dirty="0"/>
+          </a:p>
+        </p:txBody>
+      </p:sp>
+      <p:sp>
+        <p:nvSpPr>
+          <p:cNvPr id="22" name="Text Placeholder 3"/>
+          <p:cNvSpPr>
+            <a:spLocks noGrp="1"/>
+          </p:cNvSpPr>
+          <p:nvPr>
+            <p:ph type="body" sz="half" idx="18"/>
+          </p:nvPr>
+        </p:nvSpPr>
+        <p:spPr>
+          <a:xfrm>
+            <a:off x="652463" y="4827211"/>
+            <a:ext cx="2940050" cy="659189"/>
+          </a:xfrm>
+        </p:spPr>
+        <p:txBody>
+          <a:bodyPr anchor="t">
+            <a:normAutofit/>
+          </a:bodyPr>
+          <a:lstStyle>
+            <a:lvl1pPr marL="0" indent="0">
+              <a:buNone/>
+              <a:defRPr sz="1400"/>
+            </a:lvl1pPr>
+            <a:lvl2pPr marL="457200" indent="0">
+              <a:buNone/>
+              <a:defRPr sz="1200"/>
+            </a:lvl2pPr>
+            <a:lvl3pPr marL="914400" indent="0">
+              <a:buNone/>
+              <a:defRPr sz="1000"/>
+            </a:lvl3pPr>
+            <a:lvl4pPr marL="1371600" indent="0">
+              <a:buNone/>
+              <a:defRPr sz="900"/>
+            </a:lvl4pPr>
+            <a:lvl5pPr marL="1828800" indent="0">
+              <a:buNone/>
+              <a:defRPr sz="900"/>
+            </a:lvl5pPr>
+            <a:lvl6pPr marL="2286000" indent="0">
+              <a:buNone/>
+              <a:defRPr sz="900"/>
+            </a:lvl6pPr>
+            <a:lvl7pPr marL="2743200" indent="0">
+              <a:buNone/>
+              <a:defRPr sz="900"/>
+            </a:lvl7pPr>
+            <a:lvl8pPr marL="3200400" indent="0">
+              <a:buNone/>
+              <a:defRPr sz="900"/>
+            </a:lvl8pPr>
+            <a:lvl9pPr marL="3657600" indent="0">
+              <a:buNone/>
+              <a:defRPr sz="900"/>
+            </a:lvl9pPr>
+          </a:lstStyle>
+          <a:p>
+            <a:pPr lvl="0"/>
+            <a:r>
+              <a:rPr lang="en-US"/>
+              <a:t>Click to edit Master text styles</a:t>
+            </a:r>
+          </a:p>
+        </p:txBody>
+      </p:sp>
+      <p:sp>
+        <p:nvSpPr>
+          <p:cNvPr id="5" name="Text Placeholder 4"/>
+          <p:cNvSpPr>
+            <a:spLocks noGrp="1"/>
+          </p:cNvSpPr>
+          <p:nvPr>
+            <p:ph type="body" sz="quarter" idx="3"/>
+          </p:nvPr>
+        </p:nvSpPr>
+        <p:spPr>
+          <a:xfrm>
+            <a:off x="3889375" y="4250949"/>
+            <a:ext cx="2930525" cy="576262"/>
+          </a:xfrm>
+        </p:spPr>
+        <p:txBody>
+          <a:bodyPr anchor="b">
+            <a:noAutofit/>
+          </a:bodyPr>
+          <a:lstStyle>
+            <a:lvl1pPr marL="0" indent="0">
+              <a:buNone/>
+              <a:defRPr sz="2400" b="0">
+                <a:solidFill>
+                  <a:schemeClr val="bg2">
+                    <a:lumMod val="40000"/>
+                    <a:lumOff val="60000"/>
+                  </a:schemeClr>
+                </a:solidFill>
+              </a:defRPr>
+            </a:lvl1pPr>
+            <a:lvl2pPr marL="457200" indent="0">
+              <a:buNone/>
+              <a:defRPr sz="2000" b="1"/>
+            </a:lvl2pPr>
+            <a:lvl3pPr marL="914400" indent="0">
+              <a:buNone/>
+              <a:defRPr sz="1800" b="1"/>
+            </a:lvl3pPr>
+            <a:lvl4pPr marL="1371600" indent="0">
+              <a:buNone/>
+              <a:defRPr sz="1600" b="1"/>
+            </a:lvl4pPr>
+            <a:lvl5pPr marL="1828800" indent="0">
+              <a:buNone/>
+              <a:defRPr sz="1600" b="1"/>
+            </a:lvl5pPr>
+            <a:lvl6pPr marL="2286000" indent="0">
+              <a:buNone/>
+              <a:defRPr sz="1600" b="1"/>
+            </a:lvl6pPr>
+            <a:lvl7pPr marL="2743200" indent="0">
+              <a:buNone/>
+              <a:defRPr sz="1600" b="1"/>
+            </a:lvl7pPr>
+            <a:lvl8pPr marL="3200400" indent="0">
+              <a:buNone/>
+              <a:defRPr sz="1600" b="1"/>
+            </a:lvl8pPr>
+            <a:lvl9pPr marL="3657600" indent="0">
+              <a:buNone/>
+              <a:defRPr sz="1600" b="1"/>
+            </a:lvl9pPr>
+          </a:lstStyle>
+          <a:p>
+            <a:pPr lvl="0"/>
+            <a:r>
+              <a:rPr lang="en-US"/>
+              <a:t>Click to edit Master text styles</a:t>
+            </a:r>
+          </a:p>
+        </p:txBody>
+      </p:sp>
+      <p:sp>
+        <p:nvSpPr>
+          <p:cNvPr id="30" name="Picture Placeholder 2"/>
+          <p:cNvSpPr>
+            <a:spLocks noGrp="1" noChangeAspect="1"/>
+          </p:cNvSpPr>
+          <p:nvPr>
+            <p:ph type="pic" idx="21"/>
+          </p:nvPr>
+        </p:nvSpPr>
+        <p:spPr>
+          <a:xfrm>
+            <a:off x="3889374" y="2209800"/>
+            <a:ext cx="2930525" cy="1524000"/>
+          </a:xfrm>
+          <a:prstGeom prst="roundRect">
+            <a:avLst>
+              <a:gd name="adj" fmla="val 1858"/>
+            </a:avLst>
+          </a:prstGeom>
+          <a:effectLst>
+            <a:outerShdw blurRad="50800" dist="50800" dir="5400000" algn="tl" rotWithShape="0">
+              <a:srgbClr val="000000">
+                <a:alpha val="43000"/>
+              </a:srgbClr>
+            </a:outerShdw>
+          </a:effectLst>
+        </p:spPr>
+        <p:txBody>
+          <a:bodyPr anchor="t">
+            <a:normAutofit/>
+          </a:bodyPr>
+          <a:lstStyle>
+            <a:lvl1pPr marL="0" indent="0" algn="ctr">
+              <a:buNone/>
+              <a:defRPr sz="1600"/>
+            </a:lvl1pPr>
+            <a:lvl2pPr marL="457200" indent="0">
+              <a:buNone/>
+              <a:defRPr sz="1600"/>
+            </a:lvl2pPr>
+            <a:lvl3pPr marL="914400" indent="0">
+              <a:buNone/>
+              <a:defRPr sz="1600"/>
+            </a:lvl3pPr>
+            <a:lvl4pPr marL="1371600" indent="0">
+              <a:buNone/>
+              <a:defRPr sz="1600"/>
+            </a:lvl4pPr>
+            <a:lvl5pPr marL="1828800" indent="0">
+              <a:buNone/>
+              <a:defRPr sz="1600"/>
+            </a:lvl5pPr>
+            <a:lvl6pPr marL="2286000" indent="0">
+              <a:buNone/>
+              <a:defRPr sz="1600"/>
+            </a:lvl6pPr>
+            <a:lvl7pPr marL="2743200" indent="0">
+              <a:buNone/>
+              <a:defRPr sz="1600"/>
+            </a:lvl7pPr>
+            <a:lvl8pPr marL="3200400" indent="0">
+              <a:buNone/>
+              <a:defRPr sz="1600"/>
+            </a:lvl8pPr>
+            <a:lvl9pPr marL="3657600" indent="0">
+              <a:buNone/>
+              <a:defRPr sz="1600"/>
+            </a:lvl9pPr>
+          </a:lstStyle>
+          <a:p>
+            <a:r>
+              <a:rPr lang="en-US"/>
+              <a:t>Click icon to add picture</a:t>
+            </a:r>
+            <a:endParaRPr lang="en-US" dirty="0"/>
+          </a:p>
+        </p:txBody>
+      </p:sp>
+      <p:sp>
+        <p:nvSpPr>
+          <p:cNvPr id="23" name="Text Placeholder 3"/>
+          <p:cNvSpPr>
+            <a:spLocks noGrp="1"/>
+          </p:cNvSpPr>
+          <p:nvPr>
+            <p:ph type="body" sz="half" idx="19"/>
+          </p:nvPr>
+        </p:nvSpPr>
+        <p:spPr>
+          <a:xfrm>
+            <a:off x="3888022" y="4827210"/>
+            <a:ext cx="2934406" cy="659189"/>
+          </a:xfrm>
+        </p:spPr>
+        <p:txBody>
+          <a:bodyPr anchor="t">
+            <a:normAutofit/>
+          </a:bodyPr>
+          <a:lstStyle>
+            <a:lvl1pPr marL="0" indent="0">
+              <a:buNone/>
+              <a:defRPr sz="1400"/>
+            </a:lvl1pPr>
+            <a:lvl2pPr marL="457200" indent="0">
+              <a:buNone/>
+              <a:defRPr sz="1200"/>
+            </a:lvl2pPr>
+            <a:lvl3pPr marL="914400" indent="0">
+              <a:buNone/>
+              <a:defRPr sz="1000"/>
+            </a:lvl3pPr>
+            <a:lvl4pPr marL="1371600" indent="0">
+              <a:buNone/>
+              <a:defRPr sz="900"/>
+            </a:lvl4pPr>
+            <a:lvl5pPr marL="1828800" indent="0">
+              <a:buNone/>
+              <a:defRPr sz="900"/>
+            </a:lvl5pPr>
+            <a:lvl6pPr marL="2286000" indent="0">
+              <a:buNone/>
+              <a:defRPr sz="900"/>
+            </a:lvl6pPr>
+            <a:lvl7pPr marL="2743200" indent="0">
+              <a:buNone/>
+              <a:defRPr sz="900"/>
+            </a:lvl7pPr>
+            <a:lvl8pPr marL="3200400" indent="0">
+              <a:buNone/>
+              <a:defRPr sz="900"/>
+            </a:lvl8pPr>
+            <a:lvl9pPr marL="3657600" indent="0">
+              <a:buNone/>
+              <a:defRPr sz="900"/>
+            </a:lvl9pPr>
+          </a:lstStyle>
+          <a:p>
+            <a:pPr lvl="0"/>
+            <a:r>
+              <a:rPr lang="en-US"/>
+              <a:t>Click to edit Master text styles</a:t>
+            </a:r>
+          </a:p>
+        </p:txBody>
+      </p:sp>
+      <p:sp>
+        <p:nvSpPr>
+          <p:cNvPr id="14" name="Text Placeholder 4"/>
+          <p:cNvSpPr>
+            <a:spLocks noGrp="1"/>
+          </p:cNvSpPr>
+          <p:nvPr>
+            <p:ph type="body" sz="quarter" idx="13"/>
+          </p:nvPr>
+        </p:nvSpPr>
+        <p:spPr>
+          <a:xfrm>
+            <a:off x="7124700" y="4250949"/>
+            <a:ext cx="2932113" cy="576262"/>
+          </a:xfrm>
+        </p:spPr>
+        <p:txBody>
+          <a:bodyPr anchor="b">
+            <a:noAutofit/>
+          </a:bodyPr>
+          <a:lstStyle>
+            <a:lvl1pPr marL="0" indent="0">
+              <a:buNone/>
+              <a:defRPr sz="2400" b="0">
+                <a:solidFill>
+                  <a:schemeClr val="bg2">
+                    <a:lumMod val="40000"/>
+                    <a:lumOff val="60000"/>
+                  </a:schemeClr>
+                </a:solidFill>
+              </a:defRPr>
+            </a:lvl1pPr>
+            <a:lvl2pPr marL="457200" indent="0">
+              <a:buNone/>
+              <a:defRPr sz="2000" b="1"/>
+            </a:lvl2pPr>
+            <a:lvl3pPr marL="914400" indent="0">
+              <a:buNone/>
+              <a:defRPr sz="1800" b="1"/>
+            </a:lvl3pPr>
+            <a:lvl4pPr marL="1371600" indent="0">
+              <a:buNone/>
+              <a:defRPr sz="1600" b="1"/>
+            </a:lvl4pPr>
+            <a:lvl5pPr marL="1828800" indent="0">
+              <a:buNone/>
+              <a:defRPr sz="1600" b="1"/>
+            </a:lvl5pPr>
+            <a:lvl6pPr marL="2286000" indent="0">
+              <a:buNone/>
+              <a:defRPr sz="1600" b="1"/>
+            </a:lvl6pPr>
+            <a:lvl7pPr marL="2743200" indent="0">
+              <a:buNone/>
+              <a:defRPr sz="1600" b="1"/>
+            </a:lvl7pPr>
+            <a:lvl8pPr marL="3200400" indent="0">
+              <a:buNone/>
+              <a:defRPr sz="1600" b="1"/>
+            </a:lvl8pPr>
+            <a:lvl9pPr marL="3657600" indent="0">
+              <a:buNone/>
+              <a:defRPr sz="1600" b="1"/>
+            </a:lvl9pPr>
+          </a:lstStyle>
+          <a:p>
+            <a:pPr lvl="0"/>
+            <a:r>
+              <a:rPr lang="en-US"/>
+              <a:t>Click to edit Master text styles</a:t>
+            </a:r>
+          </a:p>
+        </p:txBody>
+      </p:sp>
+      <p:sp>
+        <p:nvSpPr>
+          <p:cNvPr id="31" name="Picture Placeholder 2"/>
+          <p:cNvSpPr>
+            <a:spLocks noGrp="1" noChangeAspect="1"/>
+          </p:cNvSpPr>
+          <p:nvPr>
+            <p:ph type="pic" idx="22"/>
+          </p:nvPr>
+        </p:nvSpPr>
+        <p:spPr>
+          <a:xfrm>
+            <a:off x="7124699" y="2209800"/>
+            <a:ext cx="2932113" cy="1524000"/>
+          </a:xfrm>
+          <a:prstGeom prst="roundRect">
+            <a:avLst>
+              <a:gd name="adj" fmla="val 1858"/>
+            </a:avLst>
+          </a:prstGeom>
+          <a:effectLst>
+            <a:outerShdw blurRad="50800" dist="50800" dir="5400000" algn="tl" rotWithShape="0">
+              <a:srgbClr val="000000">
+                <a:alpha val="43000"/>
+              </a:srgbClr>
+            </a:outerShdw>
+          </a:effectLst>
+        </p:spPr>
+        <p:txBody>
+          <a:bodyPr anchor="t">
+            <a:normAutofit/>
+          </a:bodyPr>
+          <a:lstStyle>
+            <a:lvl1pPr marL="0" indent="0" algn="ctr">
+              <a:buNone/>
+              <a:defRPr sz="1600"/>
+            </a:lvl1pPr>
+            <a:lvl2pPr marL="457200" indent="0">
+              <a:buNone/>
+              <a:defRPr sz="1600"/>
+            </a:lvl2pPr>
+            <a:lvl3pPr marL="914400" indent="0">
+              <a:buNone/>
+              <a:defRPr sz="1600"/>
+            </a:lvl3pPr>
+            <a:lvl4pPr marL="1371600" indent="0">
+              <a:buNone/>
+              <a:defRPr sz="1600"/>
+            </a:lvl4pPr>
+            <a:lvl5pPr marL="1828800" indent="0">
+              <a:buNone/>
+              <a:defRPr sz="1600"/>
+            </a:lvl5pPr>
+            <a:lvl6pPr marL="2286000" indent="0">
+              <a:buNone/>
+              <a:defRPr sz="1600"/>
+            </a:lvl6pPr>
+            <a:lvl7pPr marL="2743200" indent="0">
+              <a:buNone/>
+              <a:defRPr sz="1600"/>
+            </a:lvl7pPr>
+            <a:lvl8pPr marL="3200400" indent="0">
+              <a:buNone/>
+              <a:defRPr sz="1600"/>
+            </a:lvl8pPr>
+            <a:lvl9pPr marL="3657600" indent="0">
+              <a:buNone/>
+              <a:defRPr sz="1600"/>
+            </a:lvl9pPr>
+          </a:lstStyle>
+          <a:p>
+            <a:r>
+              <a:rPr lang="en-US"/>
+              <a:t>Click icon to add picture</a:t>
+            </a:r>
+            <a:endParaRPr lang="en-US" dirty="0"/>
+          </a:p>
+        </p:txBody>
+      </p:sp>
+      <p:sp>
+        <p:nvSpPr>
+          <p:cNvPr id="24" name="Text Placeholder 3"/>
+          <p:cNvSpPr>
+            <a:spLocks noGrp="1"/>
+          </p:cNvSpPr>
+          <p:nvPr>
+            <p:ph type="body" sz="half" idx="20"/>
+          </p:nvPr>
+        </p:nvSpPr>
+        <p:spPr>
+          <a:xfrm>
+            <a:off x="7124575" y="4827208"/>
+            <a:ext cx="2935997" cy="659189"/>
+          </a:xfrm>
+        </p:spPr>
+        <p:txBody>
+          <a:bodyPr anchor="t">
+            <a:normAutofit/>
+          </a:bodyPr>
+          <a:lstStyle>
+            <a:lvl1pPr marL="0" indent="0">
+              <a:buNone/>
+              <a:defRPr sz="1400"/>
+            </a:lvl1pPr>
+            <a:lvl2pPr marL="457200" indent="0">
+              <a:buNone/>
+              <a:defRPr sz="1200"/>
+            </a:lvl2pPr>
+            <a:lvl3pPr marL="914400" indent="0">
+              <a:buNone/>
+              <a:defRPr sz="1000"/>
+            </a:lvl3pPr>
+            <a:lvl4pPr marL="1371600" indent="0">
+              <a:buNone/>
+              <a:defRPr sz="900"/>
+            </a:lvl4pPr>
+            <a:lvl5pPr marL="1828800" indent="0">
+              <a:buNone/>
+              <a:defRPr sz="900"/>
+            </a:lvl5pPr>
+            <a:lvl6pPr marL="2286000" indent="0">
+              <a:buNone/>
+              <a:defRPr sz="900"/>
+            </a:lvl6pPr>
+            <a:lvl7pPr marL="2743200" indent="0">
+              <a:buNone/>
+              <a:defRPr sz="900"/>
+            </a:lvl7pPr>
+            <a:lvl8pPr marL="3200400" indent="0">
+              <a:buNone/>
+              <a:defRPr sz="900"/>
+            </a:lvl8pPr>
+            <a:lvl9pPr marL="3657600" indent="0">
+              <a:buNone/>
+              <a:defRPr sz="900"/>
+            </a:lvl9pPr>
+          </a:lstStyle>
+          <a:p>
+            <a:pPr lvl="0"/>
+            <a:r>
+              <a:rPr lang="en-US"/>
+              <a:t>Click to edit Master text styles</a:t>
+            </a:r>
+          </a:p>
+        </p:txBody>
+      </p:sp>
+      <p:cxnSp>
+        <p:nvCxnSpPr>
+          <p:cNvPr id="19" name="Straight Connector 18"/>
+          <p:cNvCxnSpPr/>
+          <p:nvPr/>
+        </p:nvCxnSpPr>
+        <p:spPr>
+          <a:xfrm>
+            <a:off x="3726142" y="2133600"/>
+            <a:ext cx="0" cy="3962400"/>
+          </a:xfrm>
+          <a:prstGeom prst="line">
+            <a:avLst/>
+          </a:prstGeom>
+          <a:ln w="12700" cmpd="sng">
+            <a:solidFill>
+              <a:schemeClr val="bg2">
+                <a:lumMod val="40000"/>
+                <a:lumOff val="60000"/>
+                <a:alpha val="40000"/>
+              </a:schemeClr>
+            </a:solidFill>
+          </a:ln>
+        </p:spPr>
+        <p:style>
+          <a:lnRef idx="2">
+            <a:schemeClr val="accent1"/>
+          </a:lnRef>
+          <a:fillRef idx="0">
+            <a:schemeClr val="accent1"/>
+          </a:fillRef>
+          <a:effectRef idx="1">
+            <a:schemeClr val="accent1"/>
+          </a:effectRef>
+          <a:fontRef idx="minor">
+            <a:schemeClr val="tx1"/>
+          </a:fontRef>
+        </p:style>
+      </p:cxnSp>
+      <p:cxnSp>
+        <p:nvCxnSpPr>
+          <p:cNvPr id="20" name="Straight Connector 19"/>
+          <p:cNvCxnSpPr/>
+          <p:nvPr/>
+        </p:nvCxnSpPr>
+        <p:spPr>
+          <a:xfrm>
+            <a:off x="6962227" y="2133600"/>
+            <a:ext cx="0" cy="3966882"/>
+          </a:xfrm>
+          <a:prstGeom prst="line">
+            <a:avLst/>
+          </a:prstGeom>
+          <a:ln w="12700" cmpd="sng">
+            <a:solidFill>
+              <a:schemeClr val="bg2">
+                <a:lumMod val="40000"/>
+                <a:lumOff val="60000"/>
+                <a:alpha val="40000"/>
+              </a:schemeClr>
+            </a:solidFill>
+          </a:ln>
+        </p:spPr>
+        <p:style>
+          <a:lnRef idx="2">
+            <a:schemeClr val="accent1"/>
+          </a:lnRef>
+          <a:fillRef idx="0">
+            <a:schemeClr val="accent1"/>
+          </a:fillRef>
+          <a:effectRef idx="1">
+            <a:schemeClr val="accent1"/>
+          </a:effectRef>
+          <a:fontRef idx="minor">
+            <a:schemeClr val="tx1"/>
+          </a:fontRef>
+        </p:style>
+      </p:cxnSp>
+      <p:sp>
+        <p:nvSpPr>
+          <p:cNvPr id="7" name="Date Placeholder 3"/>
+          <p:cNvSpPr>
+            <a:spLocks noGrp="1"/>
+          </p:cNvSpPr>
+          <p:nvPr>
+            <p:ph type="dt" sz="half" idx="10"/>
+          </p:nvPr>
+        </p:nvSpPr>
+        <p:spPr/>
+        <p:txBody>
+          <a:bodyPr/>
+          <a:lstStyle/>
+          <a:p>
+            <a:fld id="{21BA8546-65F5-45C1-86D6-71996A276C06}" type="datetimeFigureOut">
+              <a:rPr lang="en-GB" smtClean="0"/>
+              <a:t>08/04/2025</a:t>
+            </a:fld>
+            <a:endParaRPr lang="en-GB"/>
+          </a:p>
+        </p:txBody>
+      </p:sp>
+      <p:sp>
+        <p:nvSpPr>
+          <p:cNvPr id="4" name="Footer Placeholder 4"/>
+          <p:cNvSpPr>
+            <a:spLocks noGrp="1"/>
+          </p:cNvSpPr>
+          <p:nvPr>
+            <p:ph type="ftr" sz="quarter" idx="11"/>
+          </p:nvPr>
+        </p:nvSpPr>
+        <p:spPr/>
+        <p:txBody>
+          <a:bodyPr/>
+          <a:lstStyle/>
+          <a:p>
+            <a:endParaRPr lang="en-GB"/>
+          </a:p>
+        </p:txBody>
+      </p:sp>
+      <p:sp>
+        <p:nvSpPr>
+          <p:cNvPr id="6" name="Slide Number Placeholder 5"/>
+          <p:cNvSpPr>
+            <a:spLocks noGrp="1"/>
+          </p:cNvSpPr>
+          <p:nvPr>
+            <p:ph type="sldNum" sz="quarter" idx="12"/>
+          </p:nvPr>
+        </p:nvSpPr>
+        <p:spPr/>
+        <p:txBody>
+          <a:bodyPr/>
+          <a:lstStyle/>
+          <a:p>
+            <a:fld id="{FBD33A27-E4E3-4C8F-B47E-4A243BF0D6CC}" type="slidenum">
+              <a:rPr lang="en-GB" smtClean="0"/>
+              <a:t>‹#›</a:t>
+            </a:fld>
+            <a:endParaRPr lang="en-GB"/>
+          </a:p>
+        </p:txBody>
+      </p:sp>
+    </p:spTree>
+    <p:extLst>
+      <p:ext uri="{BB962C8B-B14F-4D97-AF65-F5344CB8AC3E}">
+        <p14:creationId xmlns:p14="http://schemas.microsoft.com/office/powerpoint/2010/main" val="608444251"/>
+      </p:ext>
+    </p:extLst>
+  </p:cSld>
+  <p:clrMapOvr>
+    <a:masterClrMapping/>
+  </p:clrMapOvr>
+</p:sldLayout>
+</file>
+
+<file path=ppt/slideLayouts/slideLayout16.xml><?xml version="1.0" encoding="utf-8"?>
 <p:sldLayout xmlns:a="http://schemas.openxmlformats.org/drawingml/2006/main" xmlns:r="http://schemas.openxmlformats.org/officeDocument/2006/relationships" xmlns:p="http://schemas.openxmlformats.org/presentationml/2006/main" type="vertTx" preserve="1">
   <p:cSld name="Title and Vertical Text">
     <p:spTree>
@@ -364,13 +2961,7 @@
       </p:grpSpPr>
       <p:sp>
         <p:nvSpPr>
-          <p:cNvPr id="2" name="Title 1">
-            <a:extLst>
-              <a:ext uri="{FF2B5EF4-FFF2-40B4-BE49-F238E27FC236}">
-                <a16:creationId xmlns:a16="http://schemas.microsoft.com/office/drawing/2014/main" id="{132CC1C9-7E6C-B5A5-B2D7-C72E1C46D993}"/>
-              </a:ext>
-            </a:extLst>
-          </p:cNvPr>
+          <p:cNvPr id="2" name="Title 1"/>
           <p:cNvSpPr>
             <a:spLocks noGrp="1"/>
           </p:cNvSpPr>
@@ -387,19 +2978,13 @@
               <a:rPr lang="en-US"/>
               <a:t>Click to edit Master title style</a:t>
             </a:r>
-            <a:endParaRPr lang="en-GB"/>
-          </a:p>
-        </p:txBody>
-      </p:sp>
-      <p:sp>
-        <p:nvSpPr>
-          <p:cNvPr id="3" name="Vertical Text Placeholder 2">
-            <a:extLst>
-              <a:ext uri="{FF2B5EF4-FFF2-40B4-BE49-F238E27FC236}">
-                <a16:creationId xmlns:a16="http://schemas.microsoft.com/office/drawing/2014/main" id="{37784A1E-2017-8886-AE39-ED38C334B57E}"/>
-              </a:ext>
-            </a:extLst>
-          </p:cNvPr>
+            <a:endParaRPr lang="en-US" dirty="0"/>
+          </a:p>
+        </p:txBody>
+      </p:sp>
+      <p:sp>
+        <p:nvSpPr>
+          <p:cNvPr id="3" name="Vertical Text Placeholder 2"/>
           <p:cNvSpPr>
             <a:spLocks noGrp="1"/>
           </p:cNvSpPr>
@@ -409,7 +2994,7 @@
         </p:nvSpPr>
         <p:spPr/>
         <p:txBody>
-          <a:bodyPr vert="eaVert"/>
+          <a:bodyPr vert="eaVert" anchor="t" anchorCtr="0"/>
           <a:lstStyle/>
           <a:p>
             <a:pPr lvl="0"/>
@@ -445,19 +3030,13 @@
               <a:rPr lang="en-US"/>
               <a:t>Fifth level</a:t>
             </a:r>
-            <a:endParaRPr lang="en-GB"/>
-          </a:p>
-        </p:txBody>
-      </p:sp>
-      <p:sp>
-        <p:nvSpPr>
-          <p:cNvPr id="4" name="Date Placeholder 3">
-            <a:extLst>
-              <a:ext uri="{FF2B5EF4-FFF2-40B4-BE49-F238E27FC236}">
-                <a16:creationId xmlns:a16="http://schemas.microsoft.com/office/drawing/2014/main" id="{9BB4F162-EB23-4FFE-F294-932371A000E5}"/>
-              </a:ext>
-            </a:extLst>
-          </p:cNvPr>
+            <a:endParaRPr lang="en-US" dirty="0"/>
+          </a:p>
+        </p:txBody>
+      </p:sp>
+      <p:sp>
+        <p:nvSpPr>
+          <p:cNvPr id="4" name="Date Placeholder 3"/>
           <p:cNvSpPr>
             <a:spLocks noGrp="1"/>
           </p:cNvSpPr>
@@ -480,13 +3059,7 @@
       </p:sp>
       <p:sp>
         <p:nvSpPr>
-          <p:cNvPr id="5" name="Footer Placeholder 4">
-            <a:extLst>
-              <a:ext uri="{FF2B5EF4-FFF2-40B4-BE49-F238E27FC236}">
-                <a16:creationId xmlns:a16="http://schemas.microsoft.com/office/drawing/2014/main" id="{C6BCC726-45C6-2BB5-B4DD-89BD60AAAE00}"/>
-              </a:ext>
-            </a:extLst>
-          </p:cNvPr>
+          <p:cNvPr id="5" name="Footer Placeholder 4"/>
           <p:cNvSpPr>
             <a:spLocks noGrp="1"/>
           </p:cNvSpPr>
@@ -505,13 +3078,7 @@
       </p:sp>
       <p:sp>
         <p:nvSpPr>
-          <p:cNvPr id="6" name="Slide Number Placeholder 5">
-            <a:extLst>
-              <a:ext uri="{FF2B5EF4-FFF2-40B4-BE49-F238E27FC236}">
-                <a16:creationId xmlns:a16="http://schemas.microsoft.com/office/drawing/2014/main" id="{C6F6AE47-009E-48DA-7D6D-DEFA1A38C99A}"/>
-              </a:ext>
-            </a:extLst>
-          </p:cNvPr>
+          <p:cNvPr id="6" name="Slide Number Placeholder 5"/>
           <p:cNvSpPr>
             <a:spLocks noGrp="1"/>
           </p:cNvSpPr>
@@ -535,7 +3102,7 @@
     </p:spTree>
     <p:extLst>
       <p:ext uri="{BB962C8B-B14F-4D97-AF65-F5344CB8AC3E}">
-        <p14:creationId xmlns:p14="http://schemas.microsoft.com/office/powerpoint/2010/main" val="2043723203"/>
+        <p14:creationId xmlns:p14="http://schemas.microsoft.com/office/powerpoint/2010/main" val="3708911247"/>
       </p:ext>
     </p:extLst>
   </p:cSld>
@@ -545,7 +3112,7 @@
 </p:sldLayout>
 </file>
 
-<file path=ppt/slideLayouts/slideLayout11.xml><?xml version="1.0" encoding="utf-8"?>
+<file path=ppt/slideLayouts/slideLayout17.xml><?xml version="1.0" encoding="utf-8"?>
 <p:sldLayout xmlns:a="http://schemas.openxmlformats.org/drawingml/2006/main" xmlns:r="http://schemas.openxmlformats.org/officeDocument/2006/relationships" xmlns:p="http://schemas.openxmlformats.org/presentationml/2006/main" type="vertTitleAndTx" preserve="1">
   <p:cSld name="Vertical Title and Text">
     <p:spTree>
@@ -564,13 +3131,7 @@
       </p:grpSpPr>
       <p:sp>
         <p:nvSpPr>
-          <p:cNvPr id="2" name="Vertical Title 1">
-            <a:extLst>
-              <a:ext uri="{FF2B5EF4-FFF2-40B4-BE49-F238E27FC236}">
-                <a16:creationId xmlns:a16="http://schemas.microsoft.com/office/drawing/2014/main" id="{0F10034A-83EB-B728-3A7F-8638C146441D}"/>
-              </a:ext>
-            </a:extLst>
-          </p:cNvPr>
+          <p:cNvPr id="2" name="Vertical Title 1"/>
           <p:cNvSpPr>
             <a:spLocks noGrp="1"/>
           </p:cNvSpPr>
@@ -580,31 +3141,25 @@
         </p:nvSpPr>
         <p:spPr>
           <a:xfrm>
-            <a:off x="8724900" y="365125"/>
-            <a:ext cx="2628900" cy="5811838"/>
+            <a:off x="8304212" y="430213"/>
+            <a:ext cx="1752601" cy="5826125"/>
           </a:xfrm>
         </p:spPr>
         <p:txBody>
-          <a:bodyPr vert="eaVert"/>
+          <a:bodyPr vert="eaVert" anchor="b" anchorCtr="0"/>
           <a:lstStyle/>
           <a:p>
             <a:r>
               <a:rPr lang="en-US"/>
               <a:t>Click to edit Master title style</a:t>
             </a:r>
-            <a:endParaRPr lang="en-GB"/>
-          </a:p>
-        </p:txBody>
-      </p:sp>
-      <p:sp>
-        <p:nvSpPr>
-          <p:cNvPr id="3" name="Vertical Text Placeholder 2">
-            <a:extLst>
-              <a:ext uri="{FF2B5EF4-FFF2-40B4-BE49-F238E27FC236}">
-                <a16:creationId xmlns:a16="http://schemas.microsoft.com/office/drawing/2014/main" id="{B165AED2-EC26-9576-A23F-5691F443C22F}"/>
-              </a:ext>
-            </a:extLst>
-          </p:cNvPr>
+            <a:endParaRPr lang="en-US" dirty="0"/>
+          </a:p>
+        </p:txBody>
+      </p:sp>
+      <p:sp>
+        <p:nvSpPr>
+          <p:cNvPr id="3" name="Vertical Text Placeholder 2"/>
           <p:cNvSpPr>
             <a:spLocks noGrp="1"/>
           </p:cNvSpPr>
@@ -614,8 +3169,8 @@
         </p:nvSpPr>
         <p:spPr>
           <a:xfrm>
-            <a:off x="838200" y="365125"/>
-            <a:ext cx="7734300" cy="5811838"/>
+            <a:off x="652463" y="887414"/>
+            <a:ext cx="7423149" cy="5368924"/>
           </a:xfrm>
         </p:spPr>
         <p:txBody>
@@ -655,19 +3210,13 @@
               <a:rPr lang="en-US"/>
               <a:t>Fifth level</a:t>
             </a:r>
-            <a:endParaRPr lang="en-GB"/>
-          </a:p>
-        </p:txBody>
-      </p:sp>
-      <p:sp>
-        <p:nvSpPr>
-          <p:cNvPr id="4" name="Date Placeholder 3">
-            <a:extLst>
-              <a:ext uri="{FF2B5EF4-FFF2-40B4-BE49-F238E27FC236}">
-                <a16:creationId xmlns:a16="http://schemas.microsoft.com/office/drawing/2014/main" id="{06402EC9-7F6E-BA96-880A-AB98472DE34E}"/>
-              </a:ext>
-            </a:extLst>
-          </p:cNvPr>
+            <a:endParaRPr lang="en-US" dirty="0"/>
+          </a:p>
+        </p:txBody>
+      </p:sp>
+      <p:sp>
+        <p:nvSpPr>
+          <p:cNvPr id="4" name="Date Placeholder 3"/>
           <p:cNvSpPr>
             <a:spLocks noGrp="1"/>
           </p:cNvSpPr>
@@ -690,13 +3239,7 @@
       </p:sp>
       <p:sp>
         <p:nvSpPr>
-          <p:cNvPr id="5" name="Footer Placeholder 4">
-            <a:extLst>
-              <a:ext uri="{FF2B5EF4-FFF2-40B4-BE49-F238E27FC236}">
-                <a16:creationId xmlns:a16="http://schemas.microsoft.com/office/drawing/2014/main" id="{2025190C-D61E-6C9C-A364-8708F860D356}"/>
-              </a:ext>
-            </a:extLst>
-          </p:cNvPr>
+          <p:cNvPr id="5" name="Footer Placeholder 4"/>
           <p:cNvSpPr>
             <a:spLocks noGrp="1"/>
           </p:cNvSpPr>
@@ -715,13 +3258,7 @@
       </p:sp>
       <p:sp>
         <p:nvSpPr>
-          <p:cNvPr id="6" name="Slide Number Placeholder 5">
-            <a:extLst>
-              <a:ext uri="{FF2B5EF4-FFF2-40B4-BE49-F238E27FC236}">
-                <a16:creationId xmlns:a16="http://schemas.microsoft.com/office/drawing/2014/main" id="{425CC9DE-6A41-5AC4-F2D8-3C9E949D1ABA}"/>
-              </a:ext>
-            </a:extLst>
-          </p:cNvPr>
+          <p:cNvPr id="6" name="Slide Number Placeholder 5"/>
           <p:cNvSpPr>
             <a:spLocks noGrp="1"/>
           </p:cNvSpPr>
@@ -745,7 +3282,7 @@
     </p:spTree>
     <p:extLst>
       <p:ext uri="{BB962C8B-B14F-4D97-AF65-F5344CB8AC3E}">
-        <p14:creationId xmlns:p14="http://schemas.microsoft.com/office/powerpoint/2010/main" val="470778441"/>
+        <p14:creationId xmlns:p14="http://schemas.microsoft.com/office/powerpoint/2010/main" val="2160371892"/>
       </p:ext>
     </p:extLst>
   </p:cSld>
@@ -774,13 +3311,7 @@
       </p:grpSpPr>
       <p:sp>
         <p:nvSpPr>
-          <p:cNvPr id="2" name="Title 1">
-            <a:extLst>
-              <a:ext uri="{FF2B5EF4-FFF2-40B4-BE49-F238E27FC236}">
-                <a16:creationId xmlns:a16="http://schemas.microsoft.com/office/drawing/2014/main" id="{5CF9B8C1-D724-4B7E-26B9-B921C38F01C0}"/>
-              </a:ext>
-            </a:extLst>
-          </p:cNvPr>
+          <p:cNvPr id="2" name="Title 1"/>
           <p:cNvSpPr>
             <a:spLocks noGrp="1"/>
           </p:cNvSpPr>
@@ -797,19 +3328,13 @@
               <a:rPr lang="en-US"/>
               <a:t>Click to edit Master title style</a:t>
             </a:r>
-            <a:endParaRPr lang="en-GB"/>
-          </a:p>
-        </p:txBody>
-      </p:sp>
-      <p:sp>
-        <p:nvSpPr>
-          <p:cNvPr id="3" name="Content Placeholder 2">
-            <a:extLst>
-              <a:ext uri="{FF2B5EF4-FFF2-40B4-BE49-F238E27FC236}">
-                <a16:creationId xmlns:a16="http://schemas.microsoft.com/office/drawing/2014/main" id="{AAC34200-B16C-7491-60D0-B929752BC039}"/>
-              </a:ext>
-            </a:extLst>
-          </p:cNvPr>
+            <a:endParaRPr lang="en-US" dirty="0"/>
+          </a:p>
+        </p:txBody>
+      </p:sp>
+      <p:sp>
+        <p:nvSpPr>
+          <p:cNvPr id="3" name="Content Placeholder 2"/>
           <p:cNvSpPr>
             <a:spLocks noGrp="1"/>
           </p:cNvSpPr>
@@ -855,19 +3380,13 @@
               <a:rPr lang="en-US"/>
               <a:t>Fifth level</a:t>
             </a:r>
-            <a:endParaRPr lang="en-GB"/>
-          </a:p>
-        </p:txBody>
-      </p:sp>
-      <p:sp>
-        <p:nvSpPr>
-          <p:cNvPr id="4" name="Date Placeholder 3">
-            <a:extLst>
-              <a:ext uri="{FF2B5EF4-FFF2-40B4-BE49-F238E27FC236}">
-                <a16:creationId xmlns:a16="http://schemas.microsoft.com/office/drawing/2014/main" id="{EE268B62-A1A4-086F-5B6B-7777FDBDED75}"/>
-              </a:ext>
-            </a:extLst>
-          </p:cNvPr>
+            <a:endParaRPr lang="en-US" dirty="0"/>
+          </a:p>
+        </p:txBody>
+      </p:sp>
+      <p:sp>
+        <p:nvSpPr>
+          <p:cNvPr id="7" name="Date Placeholder 3"/>
           <p:cNvSpPr>
             <a:spLocks noGrp="1"/>
           </p:cNvSpPr>
@@ -890,13 +3409,7 @@
       </p:sp>
       <p:sp>
         <p:nvSpPr>
-          <p:cNvPr id="5" name="Footer Placeholder 4">
-            <a:extLst>
-              <a:ext uri="{FF2B5EF4-FFF2-40B4-BE49-F238E27FC236}">
-                <a16:creationId xmlns:a16="http://schemas.microsoft.com/office/drawing/2014/main" id="{3A8A33AF-299F-1C5A-8407-EFE53761F99C}"/>
-              </a:ext>
-            </a:extLst>
-          </p:cNvPr>
+          <p:cNvPr id="5" name="Footer Placeholder 4"/>
           <p:cNvSpPr>
             <a:spLocks noGrp="1"/>
           </p:cNvSpPr>
@@ -915,13 +3428,7 @@
       </p:sp>
       <p:sp>
         <p:nvSpPr>
-          <p:cNvPr id="6" name="Slide Number Placeholder 5">
-            <a:extLst>
-              <a:ext uri="{FF2B5EF4-FFF2-40B4-BE49-F238E27FC236}">
-                <a16:creationId xmlns:a16="http://schemas.microsoft.com/office/drawing/2014/main" id="{AF001A57-22A1-DA36-6100-9D6E83503603}"/>
-              </a:ext>
-            </a:extLst>
-          </p:cNvPr>
+          <p:cNvPr id="6" name="Slide Number Placeholder 5"/>
           <p:cNvSpPr>
             <a:spLocks noGrp="1"/>
           </p:cNvSpPr>
@@ -945,7 +3452,7 @@
     </p:spTree>
     <p:extLst>
       <p:ext uri="{BB962C8B-B14F-4D97-AF65-F5344CB8AC3E}">
-        <p14:creationId xmlns:p14="http://schemas.microsoft.com/office/powerpoint/2010/main" val="894744867"/>
+        <p14:creationId xmlns:p14="http://schemas.microsoft.com/office/powerpoint/2010/main" val="371999806"/>
       </p:ext>
     </p:extLst>
   </p:cSld>
@@ -974,13 +3481,7 @@
       </p:grpSpPr>
       <p:sp>
         <p:nvSpPr>
-          <p:cNvPr id="2" name="Title 1">
-            <a:extLst>
-              <a:ext uri="{FF2B5EF4-FFF2-40B4-BE49-F238E27FC236}">
-                <a16:creationId xmlns:a16="http://schemas.microsoft.com/office/drawing/2014/main" id="{6A5700D9-C0E8-4838-098C-1B270ADAFF76}"/>
-              </a:ext>
-            </a:extLst>
-          </p:cNvPr>
+          <p:cNvPr id="2" name="Title 1"/>
           <p:cNvSpPr>
             <a:spLocks noGrp="1"/>
           </p:cNvSpPr>
@@ -990,15 +3491,15 @@
         </p:nvSpPr>
         <p:spPr>
           <a:xfrm>
-            <a:off x="831850" y="1709738"/>
-            <a:ext cx="10515600" cy="2852737"/>
+            <a:off x="1154956" y="2861733"/>
+            <a:ext cx="8825657" cy="1915647"/>
           </a:xfrm>
         </p:spPr>
         <p:txBody>
           <a:bodyPr anchor="b"/>
           <a:lstStyle>
-            <a:lvl1pPr>
-              <a:defRPr sz="6000"/>
+            <a:lvl1pPr algn="l">
+              <a:defRPr sz="4000" b="0" cap="none"/>
             </a:lvl1pPr>
           </a:lstStyle>
           <a:p>
@@ -1006,19 +3507,13 @@
               <a:rPr lang="en-US"/>
               <a:t>Click to edit Master title style</a:t>
             </a:r>
-            <a:endParaRPr lang="en-GB"/>
-          </a:p>
-        </p:txBody>
-      </p:sp>
-      <p:sp>
-        <p:nvSpPr>
-          <p:cNvPr id="3" name="Text Placeholder 2">
-            <a:extLst>
-              <a:ext uri="{FF2B5EF4-FFF2-40B4-BE49-F238E27FC236}">
-                <a16:creationId xmlns:a16="http://schemas.microsoft.com/office/drawing/2014/main" id="{64C59F4A-A25A-3035-2EB5-82C258EA8644}"/>
-              </a:ext>
-            </a:extLst>
-          </p:cNvPr>
+            <a:endParaRPr lang="en-US" dirty="0"/>
+          </a:p>
+        </p:txBody>
+      </p:sp>
+      <p:sp>
+        <p:nvSpPr>
+          <p:cNvPr id="3" name="Text Placeholder 2"/>
           <p:cNvSpPr>
             <a:spLocks noGrp="1"/>
           </p:cNvSpPr>
@@ -1028,26 +3523,27 @@
         </p:nvSpPr>
         <p:spPr>
           <a:xfrm>
-            <a:off x="831850" y="4589463"/>
-            <a:ext cx="10515600" cy="1500187"/>
+            <a:off x="1154955" y="4777381"/>
+            <a:ext cx="8825658" cy="860400"/>
           </a:xfrm>
         </p:spPr>
         <p:txBody>
-          <a:bodyPr/>
+          <a:bodyPr anchor="t"/>
           <a:lstStyle>
-            <a:lvl1pPr marL="0" indent="0">
-              <a:buNone/>
-              <a:defRPr sz="2400">
+            <a:lvl1pPr marL="0" indent="0" algn="l">
+              <a:buNone/>
+              <a:defRPr sz="2000" cap="all">
                 <a:solidFill>
-                  <a:schemeClr val="tx1">
-                    <a:tint val="75000"/>
+                  <a:schemeClr val="bg2">
+                    <a:lumMod val="40000"/>
+                    <a:lumOff val="60000"/>
                   </a:schemeClr>
                 </a:solidFill>
               </a:defRPr>
             </a:lvl1pPr>
             <a:lvl2pPr marL="457200" indent="0">
               <a:buNone/>
-              <a:defRPr sz="2000">
+              <a:defRPr sz="1800">
                 <a:solidFill>
                   <a:schemeClr val="tx1">
                     <a:tint val="75000"/>
@@ -1057,7 +3553,7 @@
             </a:lvl2pPr>
             <a:lvl3pPr marL="914400" indent="0">
               <a:buNone/>
-              <a:defRPr sz="1800">
+              <a:defRPr sz="1600">
                 <a:solidFill>
                   <a:schemeClr val="tx1">
                     <a:tint val="75000"/>
@@ -1067,7 +3563,7 @@
             </a:lvl3pPr>
             <a:lvl4pPr marL="1371600" indent="0">
               <a:buNone/>
-              <a:defRPr sz="1600">
+              <a:defRPr sz="1400">
                 <a:solidFill>
                   <a:schemeClr val="tx1">
                     <a:tint val="75000"/>
@@ -1077,7 +3573,7 @@
             </a:lvl4pPr>
             <a:lvl5pPr marL="1828800" indent="0">
               <a:buNone/>
-              <a:defRPr sz="1600">
+              <a:defRPr sz="1400">
                 <a:solidFill>
                   <a:schemeClr val="tx1">
                     <a:tint val="75000"/>
@@ -1087,7 +3583,7 @@
             </a:lvl5pPr>
             <a:lvl6pPr marL="2286000" indent="0">
               <a:buNone/>
-              <a:defRPr sz="1600">
+              <a:defRPr sz="1400">
                 <a:solidFill>
                   <a:schemeClr val="tx1">
                     <a:tint val="75000"/>
@@ -1097,7 +3593,7 @@
             </a:lvl6pPr>
             <a:lvl7pPr marL="2743200" indent="0">
               <a:buNone/>
-              <a:defRPr sz="1600">
+              <a:defRPr sz="1400">
                 <a:solidFill>
                   <a:schemeClr val="tx1">
                     <a:tint val="75000"/>
@@ -1107,7 +3603,7 @@
             </a:lvl7pPr>
             <a:lvl8pPr marL="3200400" indent="0">
               <a:buNone/>
-              <a:defRPr sz="1600">
+              <a:defRPr sz="1400">
                 <a:solidFill>
                   <a:schemeClr val="tx1">
                     <a:tint val="75000"/>
@@ -1117,7 +3613,7 @@
             </a:lvl8pPr>
             <a:lvl9pPr marL="3657600" indent="0">
               <a:buNone/>
-              <a:defRPr sz="1600">
+              <a:defRPr sz="1400">
                 <a:solidFill>
                   <a:schemeClr val="tx1">
                     <a:tint val="75000"/>
@@ -1137,13 +3633,7 @@
       </p:sp>
       <p:sp>
         <p:nvSpPr>
-          <p:cNvPr id="4" name="Date Placeholder 3">
-            <a:extLst>
-              <a:ext uri="{FF2B5EF4-FFF2-40B4-BE49-F238E27FC236}">
-                <a16:creationId xmlns:a16="http://schemas.microsoft.com/office/drawing/2014/main" id="{D8EE76BE-A174-1045-B311-7D7161AF2E8A}"/>
-              </a:ext>
-            </a:extLst>
-          </p:cNvPr>
+          <p:cNvPr id="4" name="Date Placeholder 3"/>
           <p:cNvSpPr>
             <a:spLocks noGrp="1"/>
           </p:cNvSpPr>
@@ -1166,13 +3656,7 @@
       </p:sp>
       <p:sp>
         <p:nvSpPr>
-          <p:cNvPr id="5" name="Footer Placeholder 4">
-            <a:extLst>
-              <a:ext uri="{FF2B5EF4-FFF2-40B4-BE49-F238E27FC236}">
-                <a16:creationId xmlns:a16="http://schemas.microsoft.com/office/drawing/2014/main" id="{7C276903-D440-A3A5-C0A4-620B3C0B9C0D}"/>
-              </a:ext>
-            </a:extLst>
-          </p:cNvPr>
+          <p:cNvPr id="5" name="Footer Placeholder 4"/>
           <p:cNvSpPr>
             <a:spLocks noGrp="1"/>
           </p:cNvSpPr>
@@ -1191,13 +3675,7 @@
       </p:sp>
       <p:sp>
         <p:nvSpPr>
-          <p:cNvPr id="6" name="Slide Number Placeholder 5">
-            <a:extLst>
-              <a:ext uri="{FF2B5EF4-FFF2-40B4-BE49-F238E27FC236}">
-                <a16:creationId xmlns:a16="http://schemas.microsoft.com/office/drawing/2014/main" id="{EB45DF1B-E828-F656-B57C-AABF62308F98}"/>
-              </a:ext>
-            </a:extLst>
-          </p:cNvPr>
+          <p:cNvPr id="6" name="Slide Number Placeholder 5"/>
           <p:cNvSpPr>
             <a:spLocks noGrp="1"/>
           </p:cNvSpPr>
@@ -1221,7 +3699,7 @@
     </p:spTree>
     <p:extLst>
       <p:ext uri="{BB962C8B-B14F-4D97-AF65-F5344CB8AC3E}">
-        <p14:creationId xmlns:p14="http://schemas.microsoft.com/office/powerpoint/2010/main" val="363167028"/>
+        <p14:creationId xmlns:p14="http://schemas.microsoft.com/office/powerpoint/2010/main" val="392572628"/>
       </p:ext>
     </p:extLst>
   </p:cSld>
@@ -1250,13 +3728,7 @@
       </p:grpSpPr>
       <p:sp>
         <p:nvSpPr>
-          <p:cNvPr id="2" name="Title 1">
-            <a:extLst>
-              <a:ext uri="{FF2B5EF4-FFF2-40B4-BE49-F238E27FC236}">
-                <a16:creationId xmlns:a16="http://schemas.microsoft.com/office/drawing/2014/main" id="{C7AF3FDD-AFCD-9AD7-9BE8-EF355A8F43B1}"/>
-              </a:ext>
-            </a:extLst>
-          </p:cNvPr>
+          <p:cNvPr id="2" name="Title 1"/>
           <p:cNvSpPr>
             <a:spLocks noGrp="1"/>
           </p:cNvSpPr>
@@ -1273,19 +3745,13 @@
               <a:rPr lang="en-US"/>
               <a:t>Click to edit Master title style</a:t>
             </a:r>
-            <a:endParaRPr lang="en-GB"/>
-          </a:p>
-        </p:txBody>
-      </p:sp>
-      <p:sp>
-        <p:nvSpPr>
-          <p:cNvPr id="3" name="Content Placeholder 2">
-            <a:extLst>
-              <a:ext uri="{FF2B5EF4-FFF2-40B4-BE49-F238E27FC236}">
-                <a16:creationId xmlns:a16="http://schemas.microsoft.com/office/drawing/2014/main" id="{03A582B0-C630-204D-F9CF-9402F74DA6D5}"/>
-              </a:ext>
-            </a:extLst>
-          </p:cNvPr>
+            <a:endParaRPr lang="en-US" dirty="0"/>
+          </a:p>
+        </p:txBody>
+      </p:sp>
+      <p:sp>
+        <p:nvSpPr>
+          <p:cNvPr id="3" name="Content Placeholder 2"/>
           <p:cNvSpPr>
             <a:spLocks noGrp="1"/>
           </p:cNvSpPr>
@@ -1295,13 +3761,43 @@
         </p:nvSpPr>
         <p:spPr>
           <a:xfrm>
-            <a:off x="838200" y="1825625"/>
-            <a:ext cx="5181600" cy="4351338"/>
+            <a:off x="1103312" y="2060575"/>
+            <a:ext cx="4396339" cy="4195763"/>
           </a:xfrm>
         </p:spPr>
         <p:txBody>
-          <a:bodyPr/>
-          <a:lstStyle/>
+          <a:bodyPr>
+            <a:normAutofit/>
+          </a:bodyPr>
+          <a:lstStyle>
+            <a:lvl1pPr>
+              <a:defRPr sz="1800"/>
+            </a:lvl1pPr>
+            <a:lvl2pPr>
+              <a:defRPr sz="1600"/>
+            </a:lvl2pPr>
+            <a:lvl3pPr>
+              <a:defRPr sz="1400"/>
+            </a:lvl3pPr>
+            <a:lvl4pPr>
+              <a:defRPr sz="1200"/>
+            </a:lvl4pPr>
+            <a:lvl5pPr>
+              <a:defRPr sz="1200"/>
+            </a:lvl5pPr>
+            <a:lvl6pPr>
+              <a:defRPr sz="1200"/>
+            </a:lvl6pPr>
+            <a:lvl7pPr>
+              <a:defRPr sz="1200"/>
+            </a:lvl7pPr>
+            <a:lvl8pPr>
+              <a:defRPr sz="1200"/>
+            </a:lvl8pPr>
+            <a:lvl9pPr>
+              <a:defRPr sz="1200"/>
+            </a:lvl9pPr>
+          </a:lstStyle>
           <a:p>
             <a:pPr lvl="0"/>
             <a:r>
@@ -1336,19 +3832,13 @@
               <a:rPr lang="en-US"/>
               <a:t>Fifth level</a:t>
             </a:r>
-            <a:endParaRPr lang="en-GB"/>
-          </a:p>
-        </p:txBody>
-      </p:sp>
-      <p:sp>
-        <p:nvSpPr>
-          <p:cNvPr id="4" name="Content Placeholder 3">
-            <a:extLst>
-              <a:ext uri="{FF2B5EF4-FFF2-40B4-BE49-F238E27FC236}">
-                <a16:creationId xmlns:a16="http://schemas.microsoft.com/office/drawing/2014/main" id="{DC836321-4BD5-8262-DD99-3D7AAFE4C91A}"/>
-              </a:ext>
-            </a:extLst>
-          </p:cNvPr>
+            <a:endParaRPr lang="en-US" dirty="0"/>
+          </a:p>
+        </p:txBody>
+      </p:sp>
+      <p:sp>
+        <p:nvSpPr>
+          <p:cNvPr id="4" name="Content Placeholder 3"/>
           <p:cNvSpPr>
             <a:spLocks noGrp="1"/>
           </p:cNvSpPr>
@@ -1358,13 +3848,43 @@
         </p:nvSpPr>
         <p:spPr>
           <a:xfrm>
-            <a:off x="6172200" y="1825625"/>
-            <a:ext cx="5181600" cy="4351338"/>
+            <a:off x="5654493" y="2056092"/>
+            <a:ext cx="4396341" cy="4200245"/>
           </a:xfrm>
         </p:spPr>
         <p:txBody>
-          <a:bodyPr/>
-          <a:lstStyle/>
+          <a:bodyPr>
+            <a:normAutofit/>
+          </a:bodyPr>
+          <a:lstStyle>
+            <a:lvl1pPr>
+              <a:defRPr sz="1800"/>
+            </a:lvl1pPr>
+            <a:lvl2pPr>
+              <a:defRPr sz="1600"/>
+            </a:lvl2pPr>
+            <a:lvl3pPr>
+              <a:defRPr sz="1400"/>
+            </a:lvl3pPr>
+            <a:lvl4pPr>
+              <a:defRPr sz="1200"/>
+            </a:lvl4pPr>
+            <a:lvl5pPr>
+              <a:defRPr sz="1200"/>
+            </a:lvl5pPr>
+            <a:lvl6pPr>
+              <a:defRPr sz="1200"/>
+            </a:lvl6pPr>
+            <a:lvl7pPr>
+              <a:defRPr sz="1200"/>
+            </a:lvl7pPr>
+            <a:lvl8pPr>
+              <a:defRPr sz="1200"/>
+            </a:lvl8pPr>
+            <a:lvl9pPr>
+              <a:defRPr sz="1200"/>
+            </a:lvl9pPr>
+          </a:lstStyle>
           <a:p>
             <a:pPr lvl="0"/>
             <a:r>
@@ -1399,19 +3919,13 @@
               <a:rPr lang="en-US"/>
               <a:t>Fifth level</a:t>
             </a:r>
-            <a:endParaRPr lang="en-GB"/>
-          </a:p>
-        </p:txBody>
-      </p:sp>
-      <p:sp>
-        <p:nvSpPr>
-          <p:cNvPr id="5" name="Date Placeholder 4">
-            <a:extLst>
-              <a:ext uri="{FF2B5EF4-FFF2-40B4-BE49-F238E27FC236}">
-                <a16:creationId xmlns:a16="http://schemas.microsoft.com/office/drawing/2014/main" id="{8103A584-1C29-C290-E275-358ECE9416AB}"/>
-              </a:ext>
-            </a:extLst>
-          </p:cNvPr>
+            <a:endParaRPr lang="en-US" dirty="0"/>
+          </a:p>
+        </p:txBody>
+      </p:sp>
+      <p:sp>
+        <p:nvSpPr>
+          <p:cNvPr id="5" name="Date Placeholder 4"/>
           <p:cNvSpPr>
             <a:spLocks noGrp="1"/>
           </p:cNvSpPr>
@@ -1434,13 +3948,7 @@
       </p:sp>
       <p:sp>
         <p:nvSpPr>
-          <p:cNvPr id="6" name="Footer Placeholder 5">
-            <a:extLst>
-              <a:ext uri="{FF2B5EF4-FFF2-40B4-BE49-F238E27FC236}">
-                <a16:creationId xmlns:a16="http://schemas.microsoft.com/office/drawing/2014/main" id="{A6AE1DC3-1F11-9D27-27E7-02ED78B7B838}"/>
-              </a:ext>
-            </a:extLst>
-          </p:cNvPr>
+          <p:cNvPr id="6" name="Footer Placeholder 5"/>
           <p:cNvSpPr>
             <a:spLocks noGrp="1"/>
           </p:cNvSpPr>
@@ -1459,13 +3967,7 @@
       </p:sp>
       <p:sp>
         <p:nvSpPr>
-          <p:cNvPr id="7" name="Slide Number Placeholder 6">
-            <a:extLst>
-              <a:ext uri="{FF2B5EF4-FFF2-40B4-BE49-F238E27FC236}">
-                <a16:creationId xmlns:a16="http://schemas.microsoft.com/office/drawing/2014/main" id="{5404D13E-F607-1C78-693C-5F4DF428A994}"/>
-              </a:ext>
-            </a:extLst>
-          </p:cNvPr>
+          <p:cNvPr id="7" name="Slide Number Placeholder 6"/>
           <p:cNvSpPr>
             <a:spLocks noGrp="1"/>
           </p:cNvSpPr>
@@ -1489,7 +3991,7 @@
     </p:spTree>
     <p:extLst>
       <p:ext uri="{BB962C8B-B14F-4D97-AF65-F5344CB8AC3E}">
-        <p14:creationId xmlns:p14="http://schemas.microsoft.com/office/powerpoint/2010/main" val="1713139385"/>
+        <p14:creationId xmlns:p14="http://schemas.microsoft.com/office/powerpoint/2010/main" val="3792273402"/>
       </p:ext>
     </p:extLst>
   </p:cSld>
@@ -1518,66 +4020,62 @@
       </p:grpSpPr>
       <p:sp>
         <p:nvSpPr>
-          <p:cNvPr id="2" name="Title 1">
-            <a:extLst>
-              <a:ext uri="{FF2B5EF4-FFF2-40B4-BE49-F238E27FC236}">
-                <a16:creationId xmlns:a16="http://schemas.microsoft.com/office/drawing/2014/main" id="{81304929-688F-1414-D578-ADB0180CDB65}"/>
-              </a:ext>
-            </a:extLst>
-          </p:cNvPr>
+          <p:cNvPr id="2" name="Title 1"/>
           <p:cNvSpPr>
             <a:spLocks noGrp="1"/>
           </p:cNvSpPr>
           <p:nvPr>
             <p:ph type="title"/>
+          </p:nvPr>
+        </p:nvSpPr>
+        <p:spPr/>
+        <p:txBody>
+          <a:bodyPr/>
+          <a:lstStyle>
+            <a:lvl1pPr>
+              <a:defRPr/>
+            </a:lvl1pPr>
+          </a:lstStyle>
+          <a:p>
+            <a:r>
+              <a:rPr lang="en-US"/>
+              <a:t>Click to edit Master title style</a:t>
+            </a:r>
+            <a:endParaRPr lang="en-US" dirty="0"/>
+          </a:p>
+        </p:txBody>
+      </p:sp>
+      <p:sp>
+        <p:nvSpPr>
+          <p:cNvPr id="3" name="Text Placeholder 2"/>
+          <p:cNvSpPr>
+            <a:spLocks noGrp="1"/>
+          </p:cNvSpPr>
+          <p:nvPr>
+            <p:ph type="body" idx="1"/>
           </p:nvPr>
         </p:nvSpPr>
         <p:spPr>
           <a:xfrm>
-            <a:off x="839788" y="365125"/>
-            <a:ext cx="10515600" cy="1325563"/>
+            <a:off x="1103313" y="1905000"/>
+            <a:ext cx="4396338" cy="576262"/>
           </a:xfrm>
         </p:spPr>
         <p:txBody>
-          <a:bodyPr/>
-          <a:lstStyle/>
-          <a:p>
-            <a:r>
-              <a:rPr lang="en-US"/>
-              <a:t>Click to edit Master title style</a:t>
-            </a:r>
-            <a:endParaRPr lang="en-GB"/>
-          </a:p>
-        </p:txBody>
-      </p:sp>
-      <p:sp>
-        <p:nvSpPr>
-          <p:cNvPr id="3" name="Text Placeholder 2">
-            <a:extLst>
-              <a:ext uri="{FF2B5EF4-FFF2-40B4-BE49-F238E27FC236}">
-                <a16:creationId xmlns:a16="http://schemas.microsoft.com/office/drawing/2014/main" id="{A9AEACA6-122C-D793-F00D-91B3BE7160A2}"/>
-              </a:ext>
-            </a:extLst>
-          </p:cNvPr>
-          <p:cNvSpPr>
-            <a:spLocks noGrp="1"/>
-          </p:cNvSpPr>
-          <p:nvPr>
-            <p:ph type="body" idx="1"/>
-          </p:nvPr>
-        </p:nvSpPr>
-        <p:spPr>
-          <a:xfrm>
-            <a:off x="839788" y="1681163"/>
-            <a:ext cx="5157787" cy="823912"/>
-          </a:xfrm>
-        </p:spPr>
-        <p:txBody>
-          <a:bodyPr anchor="b"/>
+          <a:bodyPr anchor="b">
+            <a:noAutofit/>
+          </a:bodyPr>
           <a:lstStyle>
             <a:lvl1pPr marL="0" indent="0">
               <a:buNone/>
-              <a:defRPr sz="2400" b="1"/>
+              <a:defRPr sz="2400" b="0">
+                <a:solidFill>
+                  <a:schemeClr val="bg2">
+                    <a:lumMod val="40000"/>
+                    <a:lumOff val="60000"/>
+                  </a:schemeClr>
+                </a:solidFill>
+              </a:defRPr>
             </a:lvl1pPr>
             <a:lvl2pPr marL="457200" indent="0">
               <a:buNone/>
@@ -1623,13 +4121,7 @@
       </p:sp>
       <p:sp>
         <p:nvSpPr>
-          <p:cNvPr id="4" name="Content Placeholder 3">
-            <a:extLst>
-              <a:ext uri="{FF2B5EF4-FFF2-40B4-BE49-F238E27FC236}">
-                <a16:creationId xmlns:a16="http://schemas.microsoft.com/office/drawing/2014/main" id="{8FEE7E51-4E4B-A17E-3FAE-5E9D9BEDF263}"/>
-              </a:ext>
-            </a:extLst>
-          </p:cNvPr>
+          <p:cNvPr id="4" name="Content Placeholder 3"/>
           <p:cNvSpPr>
             <a:spLocks noGrp="1"/>
           </p:cNvSpPr>
@@ -1639,13 +4131,43 @@
         </p:nvSpPr>
         <p:spPr>
           <a:xfrm>
-            <a:off x="839788" y="2505075"/>
-            <a:ext cx="5157787" cy="3684588"/>
+            <a:off x="1103312" y="2514600"/>
+            <a:ext cx="4396339" cy="3741738"/>
           </a:xfrm>
         </p:spPr>
         <p:txBody>
-          <a:bodyPr/>
-          <a:lstStyle/>
+          <a:bodyPr>
+            <a:normAutofit/>
+          </a:bodyPr>
+          <a:lstStyle>
+            <a:lvl1pPr>
+              <a:defRPr sz="1800"/>
+            </a:lvl1pPr>
+            <a:lvl2pPr>
+              <a:defRPr sz="1600"/>
+            </a:lvl2pPr>
+            <a:lvl3pPr>
+              <a:defRPr sz="1400"/>
+            </a:lvl3pPr>
+            <a:lvl4pPr>
+              <a:defRPr sz="1200"/>
+            </a:lvl4pPr>
+            <a:lvl5pPr>
+              <a:defRPr sz="1200"/>
+            </a:lvl5pPr>
+            <a:lvl6pPr>
+              <a:defRPr sz="1200"/>
+            </a:lvl6pPr>
+            <a:lvl7pPr>
+              <a:defRPr sz="1200"/>
+            </a:lvl7pPr>
+            <a:lvl8pPr>
+              <a:defRPr sz="1200"/>
+            </a:lvl8pPr>
+            <a:lvl9pPr>
+              <a:defRPr sz="1200"/>
+            </a:lvl9pPr>
+          </a:lstStyle>
           <a:p>
             <a:pPr lvl="0"/>
             <a:r>
@@ -1680,19 +4202,13 @@
               <a:rPr lang="en-US"/>
               <a:t>Fifth level</a:t>
             </a:r>
-            <a:endParaRPr lang="en-GB"/>
-          </a:p>
-        </p:txBody>
-      </p:sp>
-      <p:sp>
-        <p:nvSpPr>
-          <p:cNvPr id="5" name="Text Placeholder 4">
-            <a:extLst>
-              <a:ext uri="{FF2B5EF4-FFF2-40B4-BE49-F238E27FC236}">
-                <a16:creationId xmlns:a16="http://schemas.microsoft.com/office/drawing/2014/main" id="{76A4675C-ADED-B284-EA8C-99EF59ACA9A9}"/>
-              </a:ext>
-            </a:extLst>
-          </p:cNvPr>
+            <a:endParaRPr lang="en-US" dirty="0"/>
+          </a:p>
+        </p:txBody>
+      </p:sp>
+      <p:sp>
+        <p:nvSpPr>
+          <p:cNvPr id="5" name="Text Placeholder 4"/>
           <p:cNvSpPr>
             <a:spLocks noGrp="1"/>
           </p:cNvSpPr>
@@ -1702,16 +4218,25 @@
         </p:nvSpPr>
         <p:spPr>
           <a:xfrm>
-            <a:off x="6172200" y="1681163"/>
-            <a:ext cx="5183188" cy="823912"/>
+            <a:off x="5654495" y="1905000"/>
+            <a:ext cx="4396339" cy="576262"/>
           </a:xfrm>
         </p:spPr>
         <p:txBody>
-          <a:bodyPr anchor="b"/>
+          <a:bodyPr anchor="b">
+            <a:noAutofit/>
+          </a:bodyPr>
           <a:lstStyle>
             <a:lvl1pPr marL="0" indent="0">
               <a:buNone/>
-              <a:defRPr sz="2400" b="1"/>
+              <a:defRPr sz="2400" b="0">
+                <a:solidFill>
+                  <a:schemeClr val="bg2">
+                    <a:lumMod val="40000"/>
+                    <a:lumOff val="60000"/>
+                  </a:schemeClr>
+                </a:solidFill>
+              </a:defRPr>
             </a:lvl1pPr>
             <a:lvl2pPr marL="457200" indent="0">
               <a:buNone/>
@@ -1757,13 +4282,7 @@
       </p:sp>
       <p:sp>
         <p:nvSpPr>
-          <p:cNvPr id="6" name="Content Placeholder 5">
-            <a:extLst>
-              <a:ext uri="{FF2B5EF4-FFF2-40B4-BE49-F238E27FC236}">
-                <a16:creationId xmlns:a16="http://schemas.microsoft.com/office/drawing/2014/main" id="{3CEEFD20-E067-BFC9-C99D-A8A490743F04}"/>
-              </a:ext>
-            </a:extLst>
-          </p:cNvPr>
+          <p:cNvPr id="6" name="Content Placeholder 5"/>
           <p:cNvSpPr>
             <a:spLocks noGrp="1"/>
           </p:cNvSpPr>
@@ -1773,13 +4292,43 @@
         </p:nvSpPr>
         <p:spPr>
           <a:xfrm>
-            <a:off x="6172200" y="2505075"/>
-            <a:ext cx="5183188" cy="3684588"/>
+            <a:off x="5654495" y="2514600"/>
+            <a:ext cx="4396339" cy="3741738"/>
           </a:xfrm>
         </p:spPr>
         <p:txBody>
-          <a:bodyPr/>
-          <a:lstStyle/>
+          <a:bodyPr>
+            <a:normAutofit/>
+          </a:bodyPr>
+          <a:lstStyle>
+            <a:lvl1pPr>
+              <a:defRPr sz="1800"/>
+            </a:lvl1pPr>
+            <a:lvl2pPr>
+              <a:defRPr sz="1600"/>
+            </a:lvl2pPr>
+            <a:lvl3pPr>
+              <a:defRPr sz="1400"/>
+            </a:lvl3pPr>
+            <a:lvl4pPr>
+              <a:defRPr sz="1200"/>
+            </a:lvl4pPr>
+            <a:lvl5pPr>
+              <a:defRPr sz="1200"/>
+            </a:lvl5pPr>
+            <a:lvl6pPr>
+              <a:defRPr sz="1200"/>
+            </a:lvl6pPr>
+            <a:lvl7pPr>
+              <a:defRPr sz="1200"/>
+            </a:lvl7pPr>
+            <a:lvl8pPr>
+              <a:defRPr sz="1200"/>
+            </a:lvl8pPr>
+            <a:lvl9pPr>
+              <a:defRPr sz="1200"/>
+            </a:lvl9pPr>
+          </a:lstStyle>
           <a:p>
             <a:pPr lvl="0"/>
             <a:r>
@@ -1814,19 +4363,13 @@
               <a:rPr lang="en-US"/>
               <a:t>Fifth level</a:t>
             </a:r>
-            <a:endParaRPr lang="en-GB"/>
-          </a:p>
-        </p:txBody>
-      </p:sp>
-      <p:sp>
-        <p:nvSpPr>
-          <p:cNvPr id="7" name="Date Placeholder 6">
-            <a:extLst>
-              <a:ext uri="{FF2B5EF4-FFF2-40B4-BE49-F238E27FC236}">
-                <a16:creationId xmlns:a16="http://schemas.microsoft.com/office/drawing/2014/main" id="{593697F6-2561-32D0-6285-EDCC5D32B364}"/>
-              </a:ext>
-            </a:extLst>
-          </p:cNvPr>
+            <a:endParaRPr lang="en-US" dirty="0"/>
+          </a:p>
+        </p:txBody>
+      </p:sp>
+      <p:sp>
+        <p:nvSpPr>
+          <p:cNvPr id="7" name="Date Placeholder 6"/>
           <p:cNvSpPr>
             <a:spLocks noGrp="1"/>
           </p:cNvSpPr>
@@ -1849,13 +4392,7 @@
       </p:sp>
       <p:sp>
         <p:nvSpPr>
-          <p:cNvPr id="8" name="Footer Placeholder 7">
-            <a:extLst>
-              <a:ext uri="{FF2B5EF4-FFF2-40B4-BE49-F238E27FC236}">
-                <a16:creationId xmlns:a16="http://schemas.microsoft.com/office/drawing/2014/main" id="{064D6701-FBFE-8854-CF60-01BEE5E6848C}"/>
-              </a:ext>
-            </a:extLst>
-          </p:cNvPr>
+          <p:cNvPr id="8" name="Footer Placeholder 7"/>
           <p:cNvSpPr>
             <a:spLocks noGrp="1"/>
           </p:cNvSpPr>
@@ -1874,13 +4411,7 @@
       </p:sp>
       <p:sp>
         <p:nvSpPr>
-          <p:cNvPr id="9" name="Slide Number Placeholder 8">
-            <a:extLst>
-              <a:ext uri="{FF2B5EF4-FFF2-40B4-BE49-F238E27FC236}">
-                <a16:creationId xmlns:a16="http://schemas.microsoft.com/office/drawing/2014/main" id="{1D4EE959-28EA-37BF-515D-64B7454C8C48}"/>
-              </a:ext>
-            </a:extLst>
-          </p:cNvPr>
+          <p:cNvPr id="9" name="Slide Number Placeholder 8"/>
           <p:cNvSpPr>
             <a:spLocks noGrp="1"/>
           </p:cNvSpPr>
@@ -1904,7 +4435,7 @@
     </p:spTree>
     <p:extLst>
       <p:ext uri="{BB962C8B-B14F-4D97-AF65-F5344CB8AC3E}">
-        <p14:creationId xmlns:p14="http://schemas.microsoft.com/office/powerpoint/2010/main" val="3805107732"/>
+        <p14:creationId xmlns:p14="http://schemas.microsoft.com/office/powerpoint/2010/main" val="2871084285"/>
       </p:ext>
     </p:extLst>
   </p:cSld>
@@ -1933,13 +4464,7 @@
       </p:grpSpPr>
       <p:sp>
         <p:nvSpPr>
-          <p:cNvPr id="2" name="Title 1">
-            <a:extLst>
-              <a:ext uri="{FF2B5EF4-FFF2-40B4-BE49-F238E27FC236}">
-                <a16:creationId xmlns:a16="http://schemas.microsoft.com/office/drawing/2014/main" id="{FC18D088-4153-8406-4D0D-5FB03A9D19FF}"/>
-              </a:ext>
-            </a:extLst>
-          </p:cNvPr>
+          <p:cNvPr id="2" name="Title 1"/>
           <p:cNvSpPr>
             <a:spLocks noGrp="1"/>
           </p:cNvSpPr>
@@ -1956,19 +4481,13 @@
               <a:rPr lang="en-US"/>
               <a:t>Click to edit Master title style</a:t>
             </a:r>
-            <a:endParaRPr lang="en-GB"/>
-          </a:p>
-        </p:txBody>
-      </p:sp>
-      <p:sp>
-        <p:nvSpPr>
-          <p:cNvPr id="3" name="Date Placeholder 2">
-            <a:extLst>
-              <a:ext uri="{FF2B5EF4-FFF2-40B4-BE49-F238E27FC236}">
-                <a16:creationId xmlns:a16="http://schemas.microsoft.com/office/drawing/2014/main" id="{D77CBA5D-F95B-AE39-8278-FEBA0C484F79}"/>
-              </a:ext>
-            </a:extLst>
-          </p:cNvPr>
+            <a:endParaRPr lang="en-US" dirty="0"/>
+          </a:p>
+        </p:txBody>
+      </p:sp>
+      <p:sp>
+        <p:nvSpPr>
+          <p:cNvPr id="7" name="Date Placeholder 2"/>
           <p:cNvSpPr>
             <a:spLocks noGrp="1"/>
           </p:cNvSpPr>
@@ -1991,13 +4510,7 @@
       </p:sp>
       <p:sp>
         <p:nvSpPr>
-          <p:cNvPr id="4" name="Footer Placeholder 3">
-            <a:extLst>
-              <a:ext uri="{FF2B5EF4-FFF2-40B4-BE49-F238E27FC236}">
-                <a16:creationId xmlns:a16="http://schemas.microsoft.com/office/drawing/2014/main" id="{79738B4A-025C-6010-3162-F06AAAD55122}"/>
-              </a:ext>
-            </a:extLst>
-          </p:cNvPr>
+          <p:cNvPr id="5" name="Footer Placeholder 3"/>
           <p:cNvSpPr>
             <a:spLocks noGrp="1"/>
           </p:cNvSpPr>
@@ -2016,13 +4529,7 @@
       </p:sp>
       <p:sp>
         <p:nvSpPr>
-          <p:cNvPr id="5" name="Slide Number Placeholder 4">
-            <a:extLst>
-              <a:ext uri="{FF2B5EF4-FFF2-40B4-BE49-F238E27FC236}">
-                <a16:creationId xmlns:a16="http://schemas.microsoft.com/office/drawing/2014/main" id="{84A97761-AEA3-4B81-C7B7-6151F0952E13}"/>
-              </a:ext>
-            </a:extLst>
-          </p:cNvPr>
+          <p:cNvPr id="6" name="Slide Number Placeholder 4"/>
           <p:cNvSpPr>
             <a:spLocks noGrp="1"/>
           </p:cNvSpPr>
@@ -2046,7 +4553,7 @@
     </p:spTree>
     <p:extLst>
       <p:ext uri="{BB962C8B-B14F-4D97-AF65-F5344CB8AC3E}">
-        <p14:creationId xmlns:p14="http://schemas.microsoft.com/office/powerpoint/2010/main" val="2435601855"/>
+        <p14:creationId xmlns:p14="http://schemas.microsoft.com/office/powerpoint/2010/main" val="3531457322"/>
       </p:ext>
     </p:extLst>
   </p:cSld>
@@ -2075,13 +4582,7 @@
       </p:grpSpPr>
       <p:sp>
         <p:nvSpPr>
-          <p:cNvPr id="2" name="Date Placeholder 1">
-            <a:extLst>
-              <a:ext uri="{FF2B5EF4-FFF2-40B4-BE49-F238E27FC236}">
-                <a16:creationId xmlns:a16="http://schemas.microsoft.com/office/drawing/2014/main" id="{FE17CCF4-DFC3-68D7-F749-F09DE22108EC}"/>
-              </a:ext>
-            </a:extLst>
-          </p:cNvPr>
+          <p:cNvPr id="7" name="Date Placeholder 1"/>
           <p:cNvSpPr>
             <a:spLocks noGrp="1"/>
           </p:cNvSpPr>
@@ -2104,13 +4605,7 @@
       </p:sp>
       <p:sp>
         <p:nvSpPr>
-          <p:cNvPr id="3" name="Footer Placeholder 2">
-            <a:extLst>
-              <a:ext uri="{FF2B5EF4-FFF2-40B4-BE49-F238E27FC236}">
-                <a16:creationId xmlns:a16="http://schemas.microsoft.com/office/drawing/2014/main" id="{EE583B73-F3F5-3774-1F4A-4E61BF751762}"/>
-              </a:ext>
-            </a:extLst>
-          </p:cNvPr>
+          <p:cNvPr id="5" name="Footer Placeholder 2"/>
           <p:cNvSpPr>
             <a:spLocks noGrp="1"/>
           </p:cNvSpPr>
@@ -2129,13 +4624,7 @@
       </p:sp>
       <p:sp>
         <p:nvSpPr>
-          <p:cNvPr id="4" name="Slide Number Placeholder 3">
-            <a:extLst>
-              <a:ext uri="{FF2B5EF4-FFF2-40B4-BE49-F238E27FC236}">
-                <a16:creationId xmlns:a16="http://schemas.microsoft.com/office/drawing/2014/main" id="{C7AE9AAD-B3BA-2E2D-B576-74AAC5FEA1B2}"/>
-              </a:ext>
-            </a:extLst>
-          </p:cNvPr>
+          <p:cNvPr id="6" name="Slide Number Placeholder 3"/>
           <p:cNvSpPr>
             <a:spLocks noGrp="1"/>
           </p:cNvSpPr>
@@ -2159,7 +4648,7 @@
     </p:spTree>
     <p:extLst>
       <p:ext uri="{BB962C8B-B14F-4D97-AF65-F5344CB8AC3E}">
-        <p14:creationId xmlns:p14="http://schemas.microsoft.com/office/powerpoint/2010/main" val="1889282159"/>
+        <p14:creationId xmlns:p14="http://schemas.microsoft.com/office/powerpoint/2010/main" val="3546922476"/>
       </p:ext>
     </p:extLst>
   </p:cSld>
@@ -2188,13 +4677,7 @@
       </p:grpSpPr>
       <p:sp>
         <p:nvSpPr>
-          <p:cNvPr id="2" name="Title 1">
-            <a:extLst>
-              <a:ext uri="{FF2B5EF4-FFF2-40B4-BE49-F238E27FC236}">
-                <a16:creationId xmlns:a16="http://schemas.microsoft.com/office/drawing/2014/main" id="{02E7DC94-624E-795A-6F61-280EB9D1099F}"/>
-              </a:ext>
-            </a:extLst>
-          </p:cNvPr>
+          <p:cNvPr id="2" name="Title 1"/>
           <p:cNvSpPr>
             <a:spLocks noGrp="1"/>
           </p:cNvSpPr>
@@ -2204,15 +4687,15 @@
         </p:nvSpPr>
         <p:spPr>
           <a:xfrm>
-            <a:off x="839788" y="457200"/>
-            <a:ext cx="3932237" cy="1600200"/>
+            <a:off x="1154953" y="1447800"/>
+            <a:ext cx="3401064" cy="1447800"/>
           </a:xfrm>
         </p:spPr>
         <p:txBody>
           <a:bodyPr anchor="b"/>
           <a:lstStyle>
-            <a:lvl1pPr>
-              <a:defRPr sz="3200"/>
+            <a:lvl1pPr algn="l">
+              <a:defRPr sz="2400" b="0"/>
             </a:lvl1pPr>
           </a:lstStyle>
           <a:p>
@@ -2220,19 +4703,13 @@
               <a:rPr lang="en-US"/>
               <a:t>Click to edit Master title style</a:t>
             </a:r>
-            <a:endParaRPr lang="en-GB"/>
-          </a:p>
-        </p:txBody>
-      </p:sp>
-      <p:sp>
-        <p:nvSpPr>
-          <p:cNvPr id="3" name="Content Placeholder 2">
-            <a:extLst>
-              <a:ext uri="{FF2B5EF4-FFF2-40B4-BE49-F238E27FC236}">
-                <a16:creationId xmlns:a16="http://schemas.microsoft.com/office/drawing/2014/main" id="{31ABE514-E15B-94AB-E294-57B722413C6A}"/>
-              </a:ext>
-            </a:extLst>
-          </p:cNvPr>
+            <a:endParaRPr lang="en-US" dirty="0"/>
+          </a:p>
+        </p:txBody>
+      </p:sp>
+      <p:sp>
+        <p:nvSpPr>
+          <p:cNvPr id="3" name="Content Placeholder 2"/>
           <p:cNvSpPr>
             <a:spLocks noGrp="1"/>
           </p:cNvSpPr>
@@ -2242,39 +4719,41 @@
         </p:nvSpPr>
         <p:spPr>
           <a:xfrm>
-            <a:off x="5183188" y="987425"/>
-            <a:ext cx="6172200" cy="4873625"/>
+            <a:off x="4784616" y="1447800"/>
+            <a:ext cx="5195997" cy="4572000"/>
           </a:xfrm>
         </p:spPr>
         <p:txBody>
-          <a:bodyPr/>
+          <a:bodyPr anchor="ctr">
+            <a:normAutofit/>
+          </a:bodyPr>
           <a:lstStyle>
             <a:lvl1pPr>
-              <a:defRPr sz="3200"/>
+              <a:defRPr sz="2000"/>
             </a:lvl1pPr>
             <a:lvl2pPr>
-              <a:defRPr sz="2800"/>
+              <a:defRPr sz="1800"/>
             </a:lvl2pPr>
             <a:lvl3pPr>
-              <a:defRPr sz="2400"/>
+              <a:defRPr sz="1600"/>
             </a:lvl3pPr>
             <a:lvl4pPr>
-              <a:defRPr sz="2000"/>
+              <a:defRPr sz="1400"/>
             </a:lvl4pPr>
             <a:lvl5pPr>
-              <a:defRPr sz="2000"/>
+              <a:defRPr sz="1400"/>
             </a:lvl5pPr>
             <a:lvl6pPr>
-              <a:defRPr sz="2000"/>
+              <a:defRPr sz="1400"/>
             </a:lvl6pPr>
             <a:lvl7pPr>
-              <a:defRPr sz="2000"/>
+              <a:defRPr sz="1400"/>
             </a:lvl7pPr>
             <a:lvl8pPr>
-              <a:defRPr sz="2000"/>
+              <a:defRPr sz="1400"/>
             </a:lvl8pPr>
             <a:lvl9pPr>
-              <a:defRPr sz="2000"/>
+              <a:defRPr sz="1400"/>
             </a:lvl9pPr>
           </a:lstStyle>
           <a:p>
@@ -2311,19 +4790,13 @@
               <a:rPr lang="en-US"/>
               <a:t>Fifth level</a:t>
             </a:r>
-            <a:endParaRPr lang="en-GB"/>
-          </a:p>
-        </p:txBody>
-      </p:sp>
-      <p:sp>
-        <p:nvSpPr>
-          <p:cNvPr id="4" name="Text Placeholder 3">
-            <a:extLst>
-              <a:ext uri="{FF2B5EF4-FFF2-40B4-BE49-F238E27FC236}">
-                <a16:creationId xmlns:a16="http://schemas.microsoft.com/office/drawing/2014/main" id="{25AFF006-897D-0BDD-CD32-0E2E4717A247}"/>
-              </a:ext>
-            </a:extLst>
-          </p:cNvPr>
+            <a:endParaRPr lang="en-US" dirty="0"/>
+          </a:p>
+        </p:txBody>
+      </p:sp>
+      <p:sp>
+        <p:nvSpPr>
+          <p:cNvPr id="4" name="Text Placeholder 3"/>
           <p:cNvSpPr>
             <a:spLocks noGrp="1"/>
           </p:cNvSpPr>
@@ -2333,8 +4806,8 @@
         </p:nvSpPr>
         <p:spPr>
           <a:xfrm>
-            <a:off x="839788" y="2057400"/>
-            <a:ext cx="3932237" cy="3811588"/>
+            <a:off x="1154953" y="3129280"/>
+            <a:ext cx="3401063" cy="2895599"/>
           </a:xfrm>
         </p:spPr>
         <p:txBody>
@@ -2342,39 +4815,39 @@
           <a:lstStyle>
             <a:lvl1pPr marL="0" indent="0">
               <a:buNone/>
-              <a:defRPr sz="1600"/>
+              <a:defRPr sz="1400"/>
             </a:lvl1pPr>
             <a:lvl2pPr marL="457200" indent="0">
               <a:buNone/>
-              <a:defRPr sz="1400"/>
+              <a:defRPr sz="1200"/>
             </a:lvl2pPr>
             <a:lvl3pPr marL="914400" indent="0">
               <a:buNone/>
-              <a:defRPr sz="1200"/>
+              <a:defRPr sz="1000"/>
             </a:lvl3pPr>
             <a:lvl4pPr marL="1371600" indent="0">
               <a:buNone/>
-              <a:defRPr sz="1000"/>
+              <a:defRPr sz="900"/>
             </a:lvl4pPr>
             <a:lvl5pPr marL="1828800" indent="0">
               <a:buNone/>
-              <a:defRPr sz="1000"/>
+              <a:defRPr sz="900"/>
             </a:lvl5pPr>
             <a:lvl6pPr marL="2286000" indent="0">
               <a:buNone/>
-              <a:defRPr sz="1000"/>
+              <a:defRPr sz="900"/>
             </a:lvl6pPr>
             <a:lvl7pPr marL="2743200" indent="0">
               <a:buNone/>
-              <a:defRPr sz="1000"/>
+              <a:defRPr sz="900"/>
             </a:lvl7pPr>
             <a:lvl8pPr marL="3200400" indent="0">
               <a:buNone/>
-              <a:defRPr sz="1000"/>
+              <a:defRPr sz="900"/>
             </a:lvl8pPr>
             <a:lvl9pPr marL="3657600" indent="0">
               <a:buNone/>
-              <a:defRPr sz="1000"/>
+              <a:defRPr sz="900"/>
             </a:lvl9pPr>
           </a:lstStyle>
           <a:p>
@@ -2388,13 +4861,7 @@
       </p:sp>
       <p:sp>
         <p:nvSpPr>
-          <p:cNvPr id="5" name="Date Placeholder 4">
-            <a:extLst>
-              <a:ext uri="{FF2B5EF4-FFF2-40B4-BE49-F238E27FC236}">
-                <a16:creationId xmlns:a16="http://schemas.microsoft.com/office/drawing/2014/main" id="{7861032D-230D-C546-1195-F6DEF6C93DC4}"/>
-              </a:ext>
-            </a:extLst>
-          </p:cNvPr>
+          <p:cNvPr id="7" name="Date Placeholder 4"/>
           <p:cNvSpPr>
             <a:spLocks noGrp="1"/>
           </p:cNvSpPr>
@@ -2417,13 +4884,7 @@
       </p:sp>
       <p:sp>
         <p:nvSpPr>
-          <p:cNvPr id="6" name="Footer Placeholder 5">
-            <a:extLst>
-              <a:ext uri="{FF2B5EF4-FFF2-40B4-BE49-F238E27FC236}">
-                <a16:creationId xmlns:a16="http://schemas.microsoft.com/office/drawing/2014/main" id="{5C24E652-BF57-8231-4DA7-5052C0FE384E}"/>
-              </a:ext>
-            </a:extLst>
-          </p:cNvPr>
+          <p:cNvPr id="5" name="Footer Placeholder 5"/>
           <p:cNvSpPr>
             <a:spLocks noGrp="1"/>
           </p:cNvSpPr>
@@ -2442,13 +4903,7 @@
       </p:sp>
       <p:sp>
         <p:nvSpPr>
-          <p:cNvPr id="7" name="Slide Number Placeholder 6">
-            <a:extLst>
-              <a:ext uri="{FF2B5EF4-FFF2-40B4-BE49-F238E27FC236}">
-                <a16:creationId xmlns:a16="http://schemas.microsoft.com/office/drawing/2014/main" id="{94D04EAA-95A3-E4BA-3284-BCF15E8810DD}"/>
-              </a:ext>
-            </a:extLst>
-          </p:cNvPr>
+          <p:cNvPr id="6" name="Slide Number Placeholder 6"/>
           <p:cNvSpPr>
             <a:spLocks noGrp="1"/>
           </p:cNvSpPr>
@@ -2472,7 +4927,7 @@
     </p:spTree>
     <p:extLst>
       <p:ext uri="{BB962C8B-B14F-4D97-AF65-F5344CB8AC3E}">
-        <p14:creationId xmlns:p14="http://schemas.microsoft.com/office/powerpoint/2010/main" val="435107217"/>
+        <p14:creationId xmlns:p14="http://schemas.microsoft.com/office/powerpoint/2010/main" val="1170613216"/>
       </p:ext>
     </p:extLst>
   </p:cSld>
@@ -2501,13 +4956,7 @@
       </p:grpSpPr>
       <p:sp>
         <p:nvSpPr>
-          <p:cNvPr id="2" name="Title 1">
-            <a:extLst>
-              <a:ext uri="{FF2B5EF4-FFF2-40B4-BE49-F238E27FC236}">
-                <a16:creationId xmlns:a16="http://schemas.microsoft.com/office/drawing/2014/main" id="{D8E41AA0-708C-DA09-DC4F-D2E75E21EE26}"/>
-              </a:ext>
-            </a:extLst>
-          </p:cNvPr>
+          <p:cNvPr id="2" name="Title 1"/>
           <p:cNvSpPr>
             <a:spLocks noGrp="1"/>
           </p:cNvSpPr>
@@ -2517,15 +4966,17 @@
         </p:nvSpPr>
         <p:spPr>
           <a:xfrm>
-            <a:off x="839788" y="457200"/>
-            <a:ext cx="3932237" cy="1600200"/>
+            <a:off x="1153907" y="1854192"/>
+            <a:ext cx="5092906" cy="1574808"/>
           </a:xfrm>
         </p:spPr>
         <p:txBody>
-          <a:bodyPr anchor="b"/>
+          <a:bodyPr anchor="b">
+            <a:normAutofit/>
+          </a:bodyPr>
           <a:lstStyle>
-            <a:lvl1pPr>
-              <a:defRPr sz="3200"/>
+            <a:lvl1pPr algn="l">
+              <a:defRPr sz="3600" b="0"/>
             </a:lvl1pPr>
           </a:lstStyle>
           <a:p>
@@ -2533,21 +4984,15 @@
               <a:rPr lang="en-US"/>
               <a:t>Click to edit Master title style</a:t>
             </a:r>
-            <a:endParaRPr lang="en-GB"/>
-          </a:p>
-        </p:txBody>
-      </p:sp>
-      <p:sp>
-        <p:nvSpPr>
-          <p:cNvPr id="3" name="Picture Placeholder 2">
-            <a:extLst>
-              <a:ext uri="{FF2B5EF4-FFF2-40B4-BE49-F238E27FC236}">
-                <a16:creationId xmlns:a16="http://schemas.microsoft.com/office/drawing/2014/main" id="{F7ACA225-8052-80D6-CE22-48DA733B4193}"/>
-              </a:ext>
-            </a:extLst>
-          </p:cNvPr>
-          <p:cNvSpPr>
-            <a:spLocks noGrp="1"/>
+            <a:endParaRPr lang="en-US" dirty="0"/>
+          </a:p>
+        </p:txBody>
+      </p:sp>
+      <p:sp>
+        <p:nvSpPr>
+          <p:cNvPr id="3" name="Picture Placeholder 2"/>
+          <p:cNvSpPr>
+            <a:spLocks noGrp="1" noChangeAspect="1"/>
           </p:cNvSpPr>
           <p:nvPr>
             <p:ph type="pic" idx="1"/>
@@ -2555,118 +5000,132 @@
         </p:nvSpPr>
         <p:spPr>
           <a:xfrm>
-            <a:off x="5183188" y="987425"/>
-            <a:ext cx="6172200" cy="4873625"/>
+            <a:off x="6949546" y="1143000"/>
+            <a:ext cx="3200400" cy="4572000"/>
           </a:xfrm>
+          <a:prstGeom prst="roundRect">
+            <a:avLst>
+              <a:gd name="adj" fmla="val 1858"/>
+            </a:avLst>
+          </a:prstGeom>
+          <a:effectLst>
+            <a:outerShdw blurRad="50800" dist="50800" dir="5400000" algn="tl" rotWithShape="0">
+              <a:srgbClr val="000000">
+                <a:alpha val="43000"/>
+              </a:srgbClr>
+            </a:outerShdw>
+          </a:effectLst>
         </p:spPr>
         <p:txBody>
-          <a:bodyPr/>
+          <a:bodyPr anchor="t">
+            <a:normAutofit/>
+          </a:bodyPr>
           <a:lstStyle>
-            <a:lvl1pPr marL="0" indent="0">
-              <a:buNone/>
-              <a:defRPr sz="3200"/>
-            </a:lvl1pPr>
-            <a:lvl2pPr marL="457200" indent="0">
-              <a:buNone/>
-              <a:defRPr sz="2800"/>
-            </a:lvl2pPr>
-            <a:lvl3pPr marL="914400" indent="0">
-              <a:buNone/>
-              <a:defRPr sz="2400"/>
-            </a:lvl3pPr>
-            <a:lvl4pPr marL="1371600" indent="0">
-              <a:buNone/>
-              <a:defRPr sz="2000"/>
-            </a:lvl4pPr>
-            <a:lvl5pPr marL="1828800" indent="0">
-              <a:buNone/>
-              <a:defRPr sz="2000"/>
-            </a:lvl5pPr>
-            <a:lvl6pPr marL="2286000" indent="0">
-              <a:buNone/>
-              <a:defRPr sz="2000"/>
-            </a:lvl6pPr>
-            <a:lvl7pPr marL="2743200" indent="0">
-              <a:buNone/>
-              <a:defRPr sz="2000"/>
-            </a:lvl7pPr>
-            <a:lvl8pPr marL="3200400" indent="0">
-              <a:buNone/>
-              <a:defRPr sz="2000"/>
-            </a:lvl8pPr>
-            <a:lvl9pPr marL="3657600" indent="0">
-              <a:buNone/>
-              <a:defRPr sz="2000"/>
-            </a:lvl9pPr>
-          </a:lstStyle>
-          <a:p>
-            <a:endParaRPr lang="en-GB"/>
-          </a:p>
-        </p:txBody>
-      </p:sp>
-      <p:sp>
-        <p:nvSpPr>
-          <p:cNvPr id="4" name="Text Placeholder 3">
-            <a:extLst>
-              <a:ext uri="{FF2B5EF4-FFF2-40B4-BE49-F238E27FC236}">
-                <a16:creationId xmlns:a16="http://schemas.microsoft.com/office/drawing/2014/main" id="{6AB6ADC3-40F6-E5AC-6D97-73CBF553F4D1}"/>
-              </a:ext>
-            </a:extLst>
-          </p:cNvPr>
-          <p:cNvSpPr>
-            <a:spLocks noGrp="1"/>
-          </p:cNvSpPr>
-          <p:nvPr>
-            <p:ph type="body" sz="half" idx="2"/>
-          </p:nvPr>
-        </p:nvSpPr>
-        <p:spPr>
-          <a:xfrm>
-            <a:off x="839788" y="2057400"/>
-            <a:ext cx="3932237" cy="3811588"/>
-          </a:xfrm>
-        </p:spPr>
-        <p:txBody>
-          <a:bodyPr/>
-          <a:lstStyle>
-            <a:lvl1pPr marL="0" indent="0">
+            <a:lvl1pPr marL="0" indent="0" algn="ctr">
               <a:buNone/>
               <a:defRPr sz="1600"/>
             </a:lvl1pPr>
             <a:lvl2pPr marL="457200" indent="0">
               <a:buNone/>
-              <a:defRPr sz="1400"/>
+              <a:defRPr sz="1600"/>
             </a:lvl2pPr>
             <a:lvl3pPr marL="914400" indent="0">
               <a:buNone/>
-              <a:defRPr sz="1200"/>
+              <a:defRPr sz="1600"/>
             </a:lvl3pPr>
             <a:lvl4pPr marL="1371600" indent="0">
               <a:buNone/>
-              <a:defRPr sz="1000"/>
+              <a:defRPr sz="1600"/>
             </a:lvl4pPr>
             <a:lvl5pPr marL="1828800" indent="0">
               <a:buNone/>
-              <a:defRPr sz="1000"/>
+              <a:defRPr sz="1600"/>
             </a:lvl5pPr>
             <a:lvl6pPr marL="2286000" indent="0">
               <a:buNone/>
-              <a:defRPr sz="1000"/>
+              <a:defRPr sz="1600"/>
             </a:lvl6pPr>
             <a:lvl7pPr marL="2743200" indent="0">
               <a:buNone/>
-              <a:defRPr sz="1000"/>
+              <a:defRPr sz="1600"/>
             </a:lvl7pPr>
             <a:lvl8pPr marL="3200400" indent="0">
               <a:buNone/>
-              <a:defRPr sz="1000"/>
+              <a:defRPr sz="1600"/>
             </a:lvl8pPr>
             <a:lvl9pPr marL="3657600" indent="0">
               <a:buNone/>
-              <a:defRPr sz="1000"/>
+              <a:defRPr sz="1600"/>
             </a:lvl9pPr>
           </a:lstStyle>
           <a:p>
+            <a:r>
+              <a:rPr lang="en-US"/>
+              <a:t>Click icon to add picture</a:t>
+            </a:r>
+            <a:endParaRPr lang="en-US" dirty="0"/>
+          </a:p>
+        </p:txBody>
+      </p:sp>
+      <p:sp>
+        <p:nvSpPr>
+          <p:cNvPr id="4" name="Text Placeholder 3"/>
+          <p:cNvSpPr>
+            <a:spLocks noGrp="1"/>
+          </p:cNvSpPr>
+          <p:nvPr>
+            <p:ph type="body" sz="half" idx="2"/>
+          </p:nvPr>
+        </p:nvSpPr>
+        <p:spPr>
+          <a:xfrm>
+            <a:off x="1154954" y="3657600"/>
+            <a:ext cx="5084979" cy="1371600"/>
+          </a:xfrm>
+        </p:spPr>
+        <p:txBody>
+          <a:bodyPr>
+            <a:normAutofit/>
+          </a:bodyPr>
+          <a:lstStyle>
+            <a:lvl1pPr marL="0" indent="0">
+              <a:buNone/>
+              <a:defRPr sz="1400"/>
+            </a:lvl1pPr>
+            <a:lvl2pPr marL="457200" indent="0">
+              <a:buNone/>
+              <a:defRPr sz="1200"/>
+            </a:lvl2pPr>
+            <a:lvl3pPr marL="914400" indent="0">
+              <a:buNone/>
+              <a:defRPr sz="1000"/>
+            </a:lvl3pPr>
+            <a:lvl4pPr marL="1371600" indent="0">
+              <a:buNone/>
+              <a:defRPr sz="900"/>
+            </a:lvl4pPr>
+            <a:lvl5pPr marL="1828800" indent="0">
+              <a:buNone/>
+              <a:defRPr sz="900"/>
+            </a:lvl5pPr>
+            <a:lvl6pPr marL="2286000" indent="0">
+              <a:buNone/>
+              <a:defRPr sz="900"/>
+            </a:lvl6pPr>
+            <a:lvl7pPr marL="2743200" indent="0">
+              <a:buNone/>
+              <a:defRPr sz="900"/>
+            </a:lvl7pPr>
+            <a:lvl8pPr marL="3200400" indent="0">
+              <a:buNone/>
+              <a:defRPr sz="900"/>
+            </a:lvl8pPr>
+            <a:lvl9pPr marL="3657600" indent="0">
+              <a:buNone/>
+              <a:defRPr sz="900"/>
+            </a:lvl9pPr>
+          </a:lstStyle>
+          <a:p>
             <a:pPr lvl="0"/>
             <a:r>
               <a:rPr lang="en-US"/>
@@ -2677,13 +5136,7 @@
       </p:sp>
       <p:sp>
         <p:nvSpPr>
-          <p:cNvPr id="5" name="Date Placeholder 4">
-            <a:extLst>
-              <a:ext uri="{FF2B5EF4-FFF2-40B4-BE49-F238E27FC236}">
-                <a16:creationId xmlns:a16="http://schemas.microsoft.com/office/drawing/2014/main" id="{78F4282E-7959-9A5C-8A37-D22B6836A3EB}"/>
-              </a:ext>
-            </a:extLst>
-          </p:cNvPr>
+          <p:cNvPr id="5" name="Date Placeholder 4"/>
           <p:cNvSpPr>
             <a:spLocks noGrp="1"/>
           </p:cNvSpPr>
@@ -2706,13 +5159,7 @@
       </p:sp>
       <p:sp>
         <p:nvSpPr>
-          <p:cNvPr id="6" name="Footer Placeholder 5">
-            <a:extLst>
-              <a:ext uri="{FF2B5EF4-FFF2-40B4-BE49-F238E27FC236}">
-                <a16:creationId xmlns:a16="http://schemas.microsoft.com/office/drawing/2014/main" id="{9A960C49-07B4-12E0-BDB3-0EE6078CD908}"/>
-              </a:ext>
-            </a:extLst>
-          </p:cNvPr>
+          <p:cNvPr id="6" name="Footer Placeholder 5"/>
           <p:cNvSpPr>
             <a:spLocks noGrp="1"/>
           </p:cNvSpPr>
@@ -2731,13 +5178,7 @@
       </p:sp>
       <p:sp>
         <p:nvSpPr>
-          <p:cNvPr id="7" name="Slide Number Placeholder 6">
-            <a:extLst>
-              <a:ext uri="{FF2B5EF4-FFF2-40B4-BE49-F238E27FC236}">
-                <a16:creationId xmlns:a16="http://schemas.microsoft.com/office/drawing/2014/main" id="{A04813D3-818A-4EEF-C014-65AEAB420263}"/>
-              </a:ext>
-            </a:extLst>
-          </p:cNvPr>
+          <p:cNvPr id="7" name="Slide Number Placeholder 6"/>
           <p:cNvSpPr>
             <a:spLocks noGrp="1"/>
           </p:cNvSpPr>
@@ -2761,7 +5202,7 @@
     </p:spTree>
     <p:extLst>
       <p:ext uri="{BB962C8B-B14F-4D97-AF65-F5344CB8AC3E}">
-        <p14:creationId xmlns:p14="http://schemas.microsoft.com/office/powerpoint/2010/main" val="267807177"/>
+        <p14:creationId xmlns:p14="http://schemas.microsoft.com/office/powerpoint/2010/main" val="2116167269"/>
       </p:ext>
     </p:extLst>
   </p:cSld>
@@ -2775,8 +5216,8 @@
 <p:sldMaster xmlns:a="http://schemas.openxmlformats.org/drawingml/2006/main" xmlns:r="http://schemas.openxmlformats.org/officeDocument/2006/relationships" xmlns:p="http://schemas.openxmlformats.org/presentationml/2006/main">
   <p:cSld>
     <p:bg>
-      <p:bgRef idx="1001">
-        <a:schemeClr val="bg1"/>
+      <p:bgRef idx="1003">
+        <a:schemeClr val="bg2"/>
       </p:bgRef>
     </p:bg>
     <p:spTree>
@@ -2793,143 +5234,420 @@
           <a:chExt cx="0" cy="0"/>
         </a:xfrm>
       </p:grpSpPr>
-      <p:sp>
-        <p:nvSpPr>
-          <p:cNvPr id="2" name="Title Placeholder 1">
+      <p:pic>
+        <p:nvPicPr>
+          <p:cNvPr id="8" name="Picture 7"/>
+          <p:cNvPicPr>
+            <a:picLocks noChangeAspect="1"/>
+          </p:cNvPicPr>
+          <p:nvPr/>
+        </p:nvPicPr>
+        <p:blipFill rotWithShape="1">
+          <a:blip r:embed="rId19">
             <a:extLst>
-              <a:ext uri="{FF2B5EF4-FFF2-40B4-BE49-F238E27FC236}">
-                <a16:creationId xmlns:a16="http://schemas.microsoft.com/office/drawing/2014/main" id="{C5C3EC52-540B-F50A-470A-F9C5E47EBE57}"/>
+              <a:ext uri="{28A0092B-C50C-407E-A947-70E740481C1C}">
+                <a14:useLocalDpi xmlns:a14="http://schemas.microsoft.com/office/drawing/2010/main" val="0"/>
               </a:ext>
             </a:extLst>
-          </p:cNvPr>
-          <p:cNvSpPr>
-            <a:spLocks noGrp="1"/>
-          </p:cNvSpPr>
-          <p:nvPr>
-            <p:ph type="title"/>
-          </p:nvPr>
-        </p:nvSpPr>
+          </a:blip>
+          <a:srcRect l="3613"/>
+          <a:stretch/>
+        </p:blipFill>
         <p:spPr>
           <a:xfrm>
-            <a:off x="838200" y="365125"/>
-            <a:ext cx="10515600" cy="1325563"/>
+            <a:off x="0" y="2669685"/>
+            <a:ext cx="4037012" cy="4188315"/>
           </a:xfrm>
           <a:prstGeom prst="rect">
             <a:avLst/>
           </a:prstGeom>
         </p:spPr>
-        <p:txBody>
-          <a:bodyPr vert="horz" lIns="91440" tIns="45720" rIns="91440" bIns="45720" rtlCol="0" anchor="ctr">
-            <a:normAutofit/>
-          </a:bodyPr>
-          <a:lstStyle/>
-          <a:p>
-            <a:r>
-              <a:rPr lang="en-US"/>
-              <a:t>Click to edit Master title style</a:t>
-            </a:r>
-            <a:endParaRPr lang="en-GB"/>
-          </a:p>
-        </p:txBody>
-      </p:sp>
-      <p:sp>
-        <p:nvSpPr>
-          <p:cNvPr id="3" name="Text Placeholder 2">
+      </p:pic>
+      <p:pic>
+        <p:nvPicPr>
+          <p:cNvPr id="7" name="Picture 6"/>
+          <p:cNvPicPr>
+            <a:picLocks noChangeAspect="1"/>
+          </p:cNvPicPr>
+          <p:nvPr/>
+        </p:nvPicPr>
+        <p:blipFill rotWithShape="1">
+          <a:blip r:embed="rId20">
             <a:extLst>
-              <a:ext uri="{FF2B5EF4-FFF2-40B4-BE49-F238E27FC236}">
-                <a16:creationId xmlns:a16="http://schemas.microsoft.com/office/drawing/2014/main" id="{E56D5051-7C1A-0F33-DD3B-D653B6B7BC31}"/>
+              <a:ext uri="{28A0092B-C50C-407E-A947-70E740481C1C}">
+                <a14:useLocalDpi xmlns:a14="http://schemas.microsoft.com/office/drawing/2010/main" val="0"/>
               </a:ext>
             </a:extLst>
-          </p:cNvPr>
-          <p:cNvSpPr>
-            <a:spLocks noGrp="1"/>
-          </p:cNvSpPr>
-          <p:nvPr>
-            <p:ph type="body" idx="1"/>
-          </p:nvPr>
-        </p:nvSpPr>
+          </a:blip>
+          <a:srcRect l="35640"/>
+          <a:stretch/>
+        </p:blipFill>
         <p:spPr>
           <a:xfrm>
-            <a:off x="838200" y="1825625"/>
-            <a:ext cx="10515600" cy="4351338"/>
+            <a:off x="0" y="2892347"/>
+            <a:ext cx="1522412" cy="2365453"/>
           </a:xfrm>
           <a:prstGeom prst="rect">
             <a:avLst/>
           </a:prstGeom>
         </p:spPr>
-        <p:txBody>
-          <a:bodyPr vert="horz" lIns="91440" tIns="45720" rIns="91440" bIns="45720" rtlCol="0">
-            <a:normAutofit/>
-          </a:bodyPr>
-          <a:lstStyle/>
-          <a:p>
-            <a:pPr lvl="0"/>
-            <a:r>
-              <a:rPr lang="en-US"/>
-              <a:t>Click to edit Master text styles</a:t>
-            </a:r>
-          </a:p>
-          <a:p>
-            <a:pPr lvl="1"/>
-            <a:r>
-              <a:rPr lang="en-US"/>
-              <a:t>Second level</a:t>
-            </a:r>
-          </a:p>
-          <a:p>
-            <a:pPr lvl="2"/>
-            <a:r>
-              <a:rPr lang="en-US"/>
-              <a:t>Third level</a:t>
-            </a:r>
-          </a:p>
-          <a:p>
-            <a:pPr lvl="3"/>
-            <a:r>
-              <a:rPr lang="en-US"/>
-              <a:t>Fourth level</a:t>
-            </a:r>
-          </a:p>
-          <a:p>
-            <a:pPr lvl="4"/>
-            <a:r>
-              <a:rPr lang="en-US"/>
-              <a:t>Fifth level</a:t>
-            </a:r>
-            <a:endParaRPr lang="en-GB"/>
-          </a:p>
-        </p:txBody>
-      </p:sp>
-      <p:sp>
-        <p:nvSpPr>
-          <p:cNvPr id="4" name="Date Placeholder 3">
+      </p:pic>
+      <p:sp>
+        <p:nvSpPr>
+          <p:cNvPr id="16" name="Oval 15"/>
+          <p:cNvSpPr/>
+          <p:nvPr/>
+        </p:nvSpPr>
+        <p:spPr>
+          <a:xfrm>
+            <a:off x="8609012" y="1676400"/>
+            <a:ext cx="2819400" cy="2819400"/>
+          </a:xfrm>
+          <a:prstGeom prst="ellipse">
+            <a:avLst/>
+          </a:prstGeom>
+          <a:gradFill flip="none" rotWithShape="1">
+            <a:gsLst>
+              <a:gs pos="0">
+                <a:schemeClr val="bg2">
+                  <a:lumMod val="60000"/>
+                  <a:lumOff val="40000"/>
+                  <a:alpha val="7000"/>
+                </a:schemeClr>
+              </a:gs>
+              <a:gs pos="69000">
+                <a:schemeClr val="bg2">
+                  <a:lumMod val="60000"/>
+                  <a:lumOff val="40000"/>
+                  <a:alpha val="0"/>
+                </a:schemeClr>
+              </a:gs>
+              <a:gs pos="36000">
+                <a:schemeClr val="bg2">
+                  <a:lumMod val="60000"/>
+                  <a:lumOff val="40000"/>
+                  <a:alpha val="6000"/>
+                </a:schemeClr>
+              </a:gs>
+            </a:gsLst>
+            <a:path path="circle">
+              <a:fillToRect l="50000" t="50000" r="50000" b="50000"/>
+            </a:path>
+            <a:tileRect/>
+          </a:gradFill>
+          <a:ln>
+            <a:noFill/>
+          </a:ln>
+          <a:effectLst/>
+        </p:spPr>
+        <p:style>
+          <a:lnRef idx="1">
+            <a:schemeClr val="accent1"/>
+          </a:lnRef>
+          <a:fillRef idx="3">
+            <a:schemeClr val="accent1"/>
+          </a:fillRef>
+          <a:effectRef idx="2">
+            <a:schemeClr val="accent1"/>
+          </a:effectRef>
+          <a:fontRef idx="minor">
+            <a:schemeClr val="lt1"/>
+          </a:fontRef>
+        </p:style>
+      </p:sp>
+      <p:pic>
+        <p:nvPicPr>
+          <p:cNvPr id="9" name="Picture 8"/>
+          <p:cNvPicPr>
+            <a:picLocks noChangeAspect="1"/>
+          </p:cNvPicPr>
+          <p:nvPr/>
+        </p:nvPicPr>
+        <p:blipFill rotWithShape="1">
+          <a:blip r:embed="rId21">
             <a:extLst>
-              <a:ext uri="{FF2B5EF4-FFF2-40B4-BE49-F238E27FC236}">
-                <a16:creationId xmlns:a16="http://schemas.microsoft.com/office/drawing/2014/main" id="{890D1D15-AC04-EE42-FE4F-F17507FE59B9}"/>
+              <a:ext uri="{28A0092B-C50C-407E-A947-70E740481C1C}">
+                <a14:useLocalDpi xmlns:a14="http://schemas.microsoft.com/office/drawing/2010/main" val="0"/>
               </a:ext>
             </a:extLst>
-          </p:cNvPr>
-          <p:cNvSpPr>
-            <a:spLocks noGrp="1"/>
-          </p:cNvSpPr>
-          <p:nvPr>
-            <p:ph type="dt" sz="half" idx="2"/>
-          </p:nvPr>
-        </p:nvSpPr>
+          </a:blip>
+          <a:srcRect t="28813"/>
+          <a:stretch/>
+        </p:blipFill>
         <p:spPr>
           <a:xfrm>
-            <a:off x="838200" y="6356350"/>
-            <a:ext cx="2743200" cy="365125"/>
+            <a:off x="7999412" y="0"/>
+            <a:ext cx="1603387" cy="1141407"/>
           </a:xfrm>
           <a:prstGeom prst="rect">
             <a:avLst/>
           </a:prstGeom>
         </p:spPr>
-        <p:txBody>
-          <a:bodyPr vert="horz" lIns="91440" tIns="45720" rIns="91440" bIns="45720" rtlCol="0" anchor="ctr"/>
+      </p:pic>
+      <p:pic>
+        <p:nvPicPr>
+          <p:cNvPr id="10" name="Picture 9"/>
+          <p:cNvPicPr>
+            <a:picLocks noChangeAspect="1"/>
+          </p:cNvPicPr>
+          <p:nvPr/>
+        </p:nvPicPr>
+        <p:blipFill rotWithShape="1">
+          <a:blip r:embed="rId22">
+            <a:extLst>
+              <a:ext uri="{28A0092B-C50C-407E-A947-70E740481C1C}">
+                <a14:useLocalDpi xmlns:a14="http://schemas.microsoft.com/office/drawing/2010/main" val="0"/>
+              </a:ext>
+            </a:extLst>
+          </a:blip>
+          <a:srcRect b="23320"/>
+          <a:stretch/>
+        </p:blipFill>
+        <p:spPr>
+          <a:xfrm>
+            <a:off x="8605878" y="6096000"/>
+            <a:ext cx="993734" cy="762000"/>
+          </a:xfrm>
+          <a:prstGeom prst="rect">
+            <a:avLst/>
+          </a:prstGeom>
+        </p:spPr>
+      </p:pic>
+      <p:sp>
+        <p:nvSpPr>
+          <p:cNvPr id="14" name="Rectangle 13"/>
+          <p:cNvSpPr/>
+          <p:nvPr/>
+        </p:nvSpPr>
+        <p:spPr>
+          <a:xfrm>
+            <a:off x="10437812" y="0"/>
+            <a:ext cx="685800" cy="1143000"/>
+          </a:xfrm>
+          <a:prstGeom prst="rect">
+            <a:avLst/>
+          </a:prstGeom>
+          <a:solidFill>
+            <a:schemeClr val="accent1"/>
+          </a:solidFill>
+          <a:ln>
+            <a:noFill/>
+          </a:ln>
+        </p:spPr>
+        <p:style>
+          <a:lnRef idx="1">
+            <a:schemeClr val="accent1"/>
+          </a:lnRef>
+          <a:fillRef idx="3">
+            <a:schemeClr val="accent1"/>
+          </a:fillRef>
+          <a:effectRef idx="2">
+            <a:schemeClr val="accent1"/>
+          </a:effectRef>
+          <a:fontRef idx="minor">
+            <a:schemeClr val="lt1"/>
+          </a:fontRef>
+        </p:style>
+      </p:sp>
+      <p:sp>
+        <p:nvSpPr>
+          <p:cNvPr id="2" name="Title Placeholder 1"/>
+          <p:cNvSpPr>
+            <a:spLocks noGrp="1"/>
+          </p:cNvSpPr>
+          <p:nvPr>
+            <p:ph type="title"/>
+          </p:nvPr>
+        </p:nvSpPr>
+        <p:spPr>
+          <a:xfrm>
+            <a:off x="646111" y="452718"/>
+            <a:ext cx="9404723" cy="1400530"/>
+          </a:xfrm>
+          <a:prstGeom prst="rect">
+            <a:avLst/>
+          </a:prstGeom>
+        </p:spPr>
+        <p:txBody>
+          <a:bodyPr vert="horz" lIns="91440" tIns="45720" rIns="91440" bIns="45720" rtlCol="0" anchor="t">
+            <a:noAutofit/>
+          </a:bodyPr>
+          <a:lstStyle/>
+          <a:p>
+            <a:r>
+              <a:rPr lang="en-US"/>
+              <a:t>Click to edit Master title style</a:t>
+            </a:r>
+            <a:endParaRPr lang="en-US" dirty="0"/>
+          </a:p>
+        </p:txBody>
+      </p:sp>
+      <p:sp>
+        <p:nvSpPr>
+          <p:cNvPr id="3" name="Text Placeholder 2"/>
+          <p:cNvSpPr>
+            <a:spLocks noGrp="1"/>
+          </p:cNvSpPr>
+          <p:nvPr>
+            <p:ph type="body" idx="1"/>
+          </p:nvPr>
+        </p:nvSpPr>
+        <p:spPr>
+          <a:xfrm>
+            <a:off x="1103312" y="2052918"/>
+            <a:ext cx="8946541" cy="4195481"/>
+          </a:xfrm>
+          <a:prstGeom prst="rect">
+            <a:avLst/>
+          </a:prstGeom>
+        </p:spPr>
+        <p:txBody>
+          <a:bodyPr vert="horz" lIns="91440" tIns="45720" rIns="91440" bIns="45720" rtlCol="0">
+            <a:normAutofit/>
+          </a:bodyPr>
+          <a:lstStyle/>
+          <a:p>
+            <a:pPr lvl="0"/>
+            <a:r>
+              <a:rPr lang="en-US"/>
+              <a:t>Click to edit Master text styles</a:t>
+            </a:r>
+          </a:p>
+          <a:p>
+            <a:pPr lvl="1"/>
+            <a:r>
+              <a:rPr lang="en-US"/>
+              <a:t>Second level</a:t>
+            </a:r>
+          </a:p>
+          <a:p>
+            <a:pPr lvl="2"/>
+            <a:r>
+              <a:rPr lang="en-US"/>
+              <a:t>Third level</a:t>
+            </a:r>
+          </a:p>
+          <a:p>
+            <a:pPr lvl="3"/>
+            <a:r>
+              <a:rPr lang="en-US"/>
+              <a:t>Fourth level</a:t>
+            </a:r>
+          </a:p>
+          <a:p>
+            <a:pPr lvl="4"/>
+            <a:r>
+              <a:rPr lang="en-US"/>
+              <a:t>Fifth level</a:t>
+            </a:r>
+            <a:endParaRPr lang="en-US" dirty="0"/>
+          </a:p>
+        </p:txBody>
+      </p:sp>
+      <p:sp>
+        <p:nvSpPr>
+          <p:cNvPr id="4" name="Date Placeholder 3"/>
+          <p:cNvSpPr>
+            <a:spLocks noGrp="1"/>
+          </p:cNvSpPr>
+          <p:nvPr>
+            <p:ph type="dt" sz="half" idx="2"/>
+          </p:nvPr>
+        </p:nvSpPr>
+        <p:spPr>
+          <a:xfrm rot="5400000">
+            <a:off x="10155639" y="1790701"/>
+            <a:ext cx="990599" cy="304799"/>
+          </a:xfrm>
+          <a:prstGeom prst="rect">
+            <a:avLst/>
+          </a:prstGeom>
+        </p:spPr>
+        <p:txBody>
+          <a:bodyPr vert="horz" lIns="91440" tIns="45720" rIns="91440" bIns="45720" rtlCol="0" anchor="t"/>
           <a:lstStyle>
             <a:lvl1pPr algn="l">
-              <a:defRPr sz="1200">
+              <a:defRPr sz="1100" b="0" i="0">
+                <a:solidFill>
+                  <a:schemeClr val="tx1">
+                    <a:tint val="75000"/>
+                    <a:alpha val="60000"/>
+                  </a:schemeClr>
+                </a:solidFill>
+              </a:defRPr>
+            </a:lvl1pPr>
+          </a:lstStyle>
+          <a:p>
+            <a:fld id="{21BA8546-65F5-45C1-86D6-71996A276C06}" type="datetimeFigureOut">
+              <a:rPr lang="en-GB" smtClean="0"/>
+              <a:t>08/04/2025</a:t>
+            </a:fld>
+            <a:endParaRPr lang="en-GB"/>
+          </a:p>
+        </p:txBody>
+      </p:sp>
+      <p:sp>
+        <p:nvSpPr>
+          <p:cNvPr id="5" name="Footer Placeholder 4"/>
+          <p:cNvSpPr>
+            <a:spLocks noGrp="1"/>
+          </p:cNvSpPr>
+          <p:nvPr>
+            <p:ph type="ftr" sz="quarter" idx="3"/>
+          </p:nvPr>
+        </p:nvSpPr>
+        <p:spPr>
+          <a:xfrm rot="5400000">
+            <a:off x="8951573" y="3225297"/>
+            <a:ext cx="3859795" cy="304801"/>
+          </a:xfrm>
+          <a:prstGeom prst="rect">
+            <a:avLst/>
+          </a:prstGeom>
+        </p:spPr>
+        <p:txBody>
+          <a:bodyPr vert="horz" lIns="91440" tIns="45720" rIns="91440" bIns="45720" rtlCol="0" anchor="b"/>
+          <a:lstStyle>
+            <a:lvl1pPr algn="l">
+              <a:defRPr sz="1100" b="0" i="0">
+                <a:solidFill>
+                  <a:schemeClr val="tx1">
+                    <a:tint val="75000"/>
+                    <a:alpha val="60000"/>
+                  </a:schemeClr>
+                </a:solidFill>
+              </a:defRPr>
+            </a:lvl1pPr>
+          </a:lstStyle>
+          <a:p>
+            <a:endParaRPr lang="en-GB"/>
+          </a:p>
+        </p:txBody>
+      </p:sp>
+      <p:sp>
+        <p:nvSpPr>
+          <p:cNvPr id="6" name="Slide Number Placeholder 5"/>
+          <p:cNvSpPr>
+            <a:spLocks noGrp="1"/>
+          </p:cNvSpPr>
+          <p:nvPr>
+            <p:ph type="sldNum" sz="quarter" idx="4"/>
+          </p:nvPr>
+        </p:nvSpPr>
+        <p:spPr bwMode="gray">
+          <a:xfrm>
+            <a:off x="10352540" y="295729"/>
+            <a:ext cx="838199" cy="767687"/>
+          </a:xfrm>
+          <a:prstGeom prst="rect">
+            <a:avLst/>
+          </a:prstGeom>
+        </p:spPr>
+        <p:txBody>
+          <a:bodyPr vert="horz" lIns="91440" tIns="45720" rIns="91440" bIns="45720" rtlCol="0" anchor="b"/>
+          <a:lstStyle>
+            <a:lvl1pPr algn="ctr">
+              <a:defRPr sz="2800" b="0" i="0">
                 <a:solidFill>
                   <a:schemeClr val="tx1">
                     <a:tint val="75000"/>
@@ -2939,96 +5657,6 @@
             </a:lvl1pPr>
           </a:lstStyle>
           <a:p>
-            <a:fld id="{21BA8546-65F5-45C1-86D6-71996A276C06}" type="datetimeFigureOut">
-              <a:rPr lang="en-GB" smtClean="0"/>
-              <a:t>08/04/2025</a:t>
-            </a:fld>
-            <a:endParaRPr lang="en-GB"/>
-          </a:p>
-        </p:txBody>
-      </p:sp>
-      <p:sp>
-        <p:nvSpPr>
-          <p:cNvPr id="5" name="Footer Placeholder 4">
-            <a:extLst>
-              <a:ext uri="{FF2B5EF4-FFF2-40B4-BE49-F238E27FC236}">
-                <a16:creationId xmlns:a16="http://schemas.microsoft.com/office/drawing/2014/main" id="{597EFF8A-BF7B-FB4C-B26D-2178934CBD18}"/>
-              </a:ext>
-            </a:extLst>
-          </p:cNvPr>
-          <p:cNvSpPr>
-            <a:spLocks noGrp="1"/>
-          </p:cNvSpPr>
-          <p:nvPr>
-            <p:ph type="ftr" sz="quarter" idx="3"/>
-          </p:nvPr>
-        </p:nvSpPr>
-        <p:spPr>
-          <a:xfrm>
-            <a:off x="4038600" y="6356350"/>
-            <a:ext cx="4114800" cy="365125"/>
-          </a:xfrm>
-          <a:prstGeom prst="rect">
-            <a:avLst/>
-          </a:prstGeom>
-        </p:spPr>
-        <p:txBody>
-          <a:bodyPr vert="horz" lIns="91440" tIns="45720" rIns="91440" bIns="45720" rtlCol="0" anchor="ctr"/>
-          <a:lstStyle>
-            <a:lvl1pPr algn="ctr">
-              <a:defRPr sz="1200">
-                <a:solidFill>
-                  <a:schemeClr val="tx1">
-                    <a:tint val="75000"/>
-                  </a:schemeClr>
-                </a:solidFill>
-              </a:defRPr>
-            </a:lvl1pPr>
-          </a:lstStyle>
-          <a:p>
-            <a:endParaRPr lang="en-GB"/>
-          </a:p>
-        </p:txBody>
-      </p:sp>
-      <p:sp>
-        <p:nvSpPr>
-          <p:cNvPr id="6" name="Slide Number Placeholder 5">
-            <a:extLst>
-              <a:ext uri="{FF2B5EF4-FFF2-40B4-BE49-F238E27FC236}">
-                <a16:creationId xmlns:a16="http://schemas.microsoft.com/office/drawing/2014/main" id="{E0DE8D60-75DF-3052-E3D7-ABF0805654C5}"/>
-              </a:ext>
-            </a:extLst>
-          </p:cNvPr>
-          <p:cNvSpPr>
-            <a:spLocks noGrp="1"/>
-          </p:cNvSpPr>
-          <p:nvPr>
-            <p:ph type="sldNum" sz="quarter" idx="4"/>
-          </p:nvPr>
-        </p:nvSpPr>
-        <p:spPr>
-          <a:xfrm>
-            <a:off x="8610600" y="6356350"/>
-            <a:ext cx="2743200" cy="365125"/>
-          </a:xfrm>
-          <a:prstGeom prst="rect">
-            <a:avLst/>
-          </a:prstGeom>
-        </p:spPr>
-        <p:txBody>
-          <a:bodyPr vert="horz" lIns="91440" tIns="45720" rIns="91440" bIns="45720" rtlCol="0" anchor="ctr"/>
-          <a:lstStyle>
-            <a:lvl1pPr algn="r">
-              <a:defRPr sz="1200">
-                <a:solidFill>
-                  <a:schemeClr val="tx1">
-                    <a:tint val="75000"/>
-                  </a:schemeClr>
-                </a:solidFill>
-              </a:defRPr>
-            </a:lvl1pPr>
-          </a:lstStyle>
-          <a:p>
             <a:fld id="{FBD33A27-E4E3-4C8F-B47E-4A243BF0D6CC}" type="slidenum">
               <a:rPr lang="en-GB" smtClean="0"/>
               <a:t>‹#›</a:t>
@@ -3040,35 +5668,121 @@
     </p:spTree>
     <p:extLst>
       <p:ext uri="{BB962C8B-B14F-4D97-AF65-F5344CB8AC3E}">
-        <p14:creationId xmlns:p14="http://schemas.microsoft.com/office/powerpoint/2010/main" val="3303005721"/>
+        <p14:creationId xmlns:p14="http://schemas.microsoft.com/office/powerpoint/2010/main" val="634103911"/>
       </p:ext>
     </p:extLst>
   </p:cSld>
-  <p:clrMap bg1="lt1" tx1="dk1" bg2="lt2" tx2="dk2" accent1="accent1" accent2="accent2" accent3="accent3" accent4="accent4" accent5="accent5" accent6="accent6" hlink="hlink" folHlink="folHlink"/>
+  <p:clrMap bg1="dk1" tx1="lt1" bg2="dk2" tx2="lt2" accent1="accent1" accent2="accent2" accent3="accent3" accent4="accent4" accent5="accent5" accent6="accent6" hlink="hlink" folHlink="folHlink"/>
   <p:sldLayoutIdLst>
-    <p:sldLayoutId id="2147483649" r:id="rId1"/>
-    <p:sldLayoutId id="2147483650" r:id="rId2"/>
-    <p:sldLayoutId id="2147483651" r:id="rId3"/>
-    <p:sldLayoutId id="2147483652" r:id="rId4"/>
-    <p:sldLayoutId id="2147483653" r:id="rId5"/>
-    <p:sldLayoutId id="2147483654" r:id="rId6"/>
-    <p:sldLayoutId id="2147483655" r:id="rId7"/>
-    <p:sldLayoutId id="2147483656" r:id="rId8"/>
-    <p:sldLayoutId id="2147483657" r:id="rId9"/>
-    <p:sldLayoutId id="2147483658" r:id="rId10"/>
-    <p:sldLayoutId id="2147483659" r:id="rId11"/>
+    <p:sldLayoutId id="2147483754" r:id="rId1"/>
+    <p:sldLayoutId id="2147483755" r:id="rId2"/>
+    <p:sldLayoutId id="2147483756" r:id="rId3"/>
+    <p:sldLayoutId id="2147483757" r:id="rId4"/>
+    <p:sldLayoutId id="2147483758" r:id="rId5"/>
+    <p:sldLayoutId id="2147483759" r:id="rId6"/>
+    <p:sldLayoutId id="2147483760" r:id="rId7"/>
+    <p:sldLayoutId id="2147483761" r:id="rId8"/>
+    <p:sldLayoutId id="2147483762" r:id="rId9"/>
+    <p:sldLayoutId id="2147483763" r:id="rId10"/>
+    <p:sldLayoutId id="2147483764" r:id="rId11"/>
+    <p:sldLayoutId id="2147483765" r:id="rId12"/>
+    <p:sldLayoutId id="2147483766" r:id="rId13"/>
+    <p:sldLayoutId id="2147483767" r:id="rId14"/>
+    <p:sldLayoutId id="2147483768" r:id="rId15"/>
+    <p:sldLayoutId id="2147483769" r:id="rId16"/>
+    <p:sldLayoutId id="2147483770" r:id="rId17"/>
   </p:sldLayoutIdLst>
   <p:txStyles>
     <p:titleStyle>
-      <a:lvl1pPr algn="l" defTabSz="914400" rtl="0" eaLnBrk="1" latinLnBrk="0" hangingPunct="1">
-        <a:lnSpc>
-          <a:spcPct val="90000"/>
-        </a:lnSpc>
+      <a:lvl1pPr algn="l" defTabSz="457200" rtl="0" eaLnBrk="1" latinLnBrk="0" hangingPunct="1">
         <a:spcBef>
           <a:spcPct val="0"/>
         </a:spcBef>
         <a:buNone/>
-        <a:defRPr sz="4400" kern="1200">
+        <a:defRPr sz="4200" b="0" i="0" kern="1200">
+          <a:solidFill>
+            <a:schemeClr val="tx2"/>
+          </a:solidFill>
+          <a:latin typeface="+mj-lt"/>
+          <a:ea typeface="+mj-ea"/>
+          <a:cs typeface="+mj-cs"/>
+        </a:defRPr>
+      </a:lvl1pPr>
+      <a:lvl2pPr eaLnBrk="1" hangingPunct="1">
+        <a:defRPr>
+          <a:solidFill>
+            <a:schemeClr val="tx2"/>
+          </a:solidFill>
+        </a:defRPr>
+      </a:lvl2pPr>
+      <a:lvl3pPr eaLnBrk="1" hangingPunct="1">
+        <a:defRPr>
+          <a:solidFill>
+            <a:schemeClr val="tx2"/>
+          </a:solidFill>
+        </a:defRPr>
+      </a:lvl3pPr>
+      <a:lvl4pPr eaLnBrk="1" hangingPunct="1">
+        <a:defRPr>
+          <a:solidFill>
+            <a:schemeClr val="tx2"/>
+          </a:solidFill>
+        </a:defRPr>
+      </a:lvl4pPr>
+      <a:lvl5pPr eaLnBrk="1" hangingPunct="1">
+        <a:defRPr>
+          <a:solidFill>
+            <a:schemeClr val="tx2"/>
+          </a:solidFill>
+        </a:defRPr>
+      </a:lvl5pPr>
+      <a:lvl6pPr eaLnBrk="1" hangingPunct="1">
+        <a:defRPr>
+          <a:solidFill>
+            <a:schemeClr val="tx2"/>
+          </a:solidFill>
+        </a:defRPr>
+      </a:lvl6pPr>
+      <a:lvl7pPr eaLnBrk="1" hangingPunct="1">
+        <a:defRPr>
+          <a:solidFill>
+            <a:schemeClr val="tx2"/>
+          </a:solidFill>
+        </a:defRPr>
+      </a:lvl7pPr>
+      <a:lvl8pPr eaLnBrk="1" hangingPunct="1">
+        <a:defRPr>
+          <a:solidFill>
+            <a:schemeClr val="tx2"/>
+          </a:solidFill>
+        </a:defRPr>
+      </a:lvl8pPr>
+      <a:lvl9pPr eaLnBrk="1" hangingPunct="1">
+        <a:defRPr>
+          <a:solidFill>
+            <a:schemeClr val="tx2"/>
+          </a:solidFill>
+        </a:defRPr>
+      </a:lvl9pPr>
+    </p:titleStyle>
+    <p:bodyStyle>
+      <a:lvl1pPr marL="342900" indent="-342900" algn="l" defTabSz="457200" rtl="0" eaLnBrk="1" latinLnBrk="0" hangingPunct="1">
+        <a:spcBef>
+          <a:spcPts val="1000"/>
+        </a:spcBef>
+        <a:spcAft>
+          <a:spcPts val="0"/>
+        </a:spcAft>
+        <a:buClr>
+          <a:schemeClr val="bg2">
+            <a:lumMod val="40000"/>
+            <a:lumOff val="60000"/>
+          </a:schemeClr>
+        </a:buClr>
+        <a:buSzPct val="80000"/>
+        <a:buFont typeface="Wingdings 3" charset="2"/>
+        <a:buChar char=""/>
+        <a:defRPr sz="2000" b="0" i="0" kern="1200">
           <a:solidFill>
             <a:schemeClr val="tx1"/>
           </a:solidFill>
@@ -3077,18 +5791,213 @@
           <a:cs typeface="+mj-cs"/>
         </a:defRPr>
       </a:lvl1pPr>
-    </p:titleStyle>
-    <p:bodyStyle>
-      <a:lvl1pPr marL="228600" indent="-228600" algn="l" defTabSz="914400" rtl="0" eaLnBrk="1" latinLnBrk="0" hangingPunct="1">
-        <a:lnSpc>
-          <a:spcPct val="90000"/>
-        </a:lnSpc>
+      <a:lvl2pPr marL="742950" indent="-285750" algn="l" defTabSz="457200" rtl="0" eaLnBrk="1" latinLnBrk="0" hangingPunct="1">
         <a:spcBef>
           <a:spcPts val="1000"/>
         </a:spcBef>
-        <a:buFont typeface="Arial" panose="020B0604020202020204" pitchFamily="34" charset="0"/>
-        <a:buChar char="•"/>
-        <a:defRPr sz="2800" kern="1200">
+        <a:spcAft>
+          <a:spcPts val="0"/>
+        </a:spcAft>
+        <a:buClr>
+          <a:schemeClr val="bg2">
+            <a:lumMod val="40000"/>
+            <a:lumOff val="60000"/>
+          </a:schemeClr>
+        </a:buClr>
+        <a:buSzPct val="80000"/>
+        <a:buFont typeface="Wingdings 3" charset="2"/>
+        <a:buChar char=""/>
+        <a:defRPr sz="1800" b="0" i="0" kern="1200">
+          <a:solidFill>
+            <a:schemeClr val="tx1"/>
+          </a:solidFill>
+          <a:latin typeface="+mj-lt"/>
+          <a:ea typeface="+mj-ea"/>
+          <a:cs typeface="+mj-cs"/>
+        </a:defRPr>
+      </a:lvl2pPr>
+      <a:lvl3pPr marL="1143000" indent="-228600" algn="l" defTabSz="457200" rtl="0" eaLnBrk="1" latinLnBrk="0" hangingPunct="1">
+        <a:spcBef>
+          <a:spcPts val="1000"/>
+        </a:spcBef>
+        <a:spcAft>
+          <a:spcPts val="0"/>
+        </a:spcAft>
+        <a:buClr>
+          <a:schemeClr val="bg2">
+            <a:lumMod val="40000"/>
+            <a:lumOff val="60000"/>
+          </a:schemeClr>
+        </a:buClr>
+        <a:buSzPct val="80000"/>
+        <a:buFont typeface="Wingdings 3" charset="2"/>
+        <a:buChar char=""/>
+        <a:defRPr sz="1600" b="0" i="0" kern="1200">
+          <a:solidFill>
+            <a:schemeClr val="tx1"/>
+          </a:solidFill>
+          <a:latin typeface="+mj-lt"/>
+          <a:ea typeface="+mj-ea"/>
+          <a:cs typeface="+mj-cs"/>
+        </a:defRPr>
+      </a:lvl3pPr>
+      <a:lvl4pPr marL="1600200" indent="-228600" algn="l" defTabSz="457200" rtl="0" eaLnBrk="1" latinLnBrk="0" hangingPunct="1">
+        <a:spcBef>
+          <a:spcPts val="1000"/>
+        </a:spcBef>
+        <a:spcAft>
+          <a:spcPts val="0"/>
+        </a:spcAft>
+        <a:buClr>
+          <a:schemeClr val="bg2">
+            <a:lumMod val="40000"/>
+            <a:lumOff val="60000"/>
+          </a:schemeClr>
+        </a:buClr>
+        <a:buSzPct val="80000"/>
+        <a:buFont typeface="Wingdings 3" charset="2"/>
+        <a:buChar char=""/>
+        <a:defRPr sz="1400" b="0" i="0" kern="1200">
+          <a:solidFill>
+            <a:schemeClr val="tx1"/>
+          </a:solidFill>
+          <a:latin typeface="+mj-lt"/>
+          <a:ea typeface="+mj-ea"/>
+          <a:cs typeface="+mj-cs"/>
+        </a:defRPr>
+      </a:lvl4pPr>
+      <a:lvl5pPr marL="2057400" indent="-228600" algn="l" defTabSz="457200" rtl="0" eaLnBrk="1" latinLnBrk="0" hangingPunct="1">
+        <a:spcBef>
+          <a:spcPts val="1000"/>
+        </a:spcBef>
+        <a:spcAft>
+          <a:spcPts val="0"/>
+        </a:spcAft>
+        <a:buClr>
+          <a:schemeClr val="bg2">
+            <a:lumMod val="40000"/>
+            <a:lumOff val="60000"/>
+          </a:schemeClr>
+        </a:buClr>
+        <a:buSzPct val="80000"/>
+        <a:buFont typeface="Wingdings 3" charset="2"/>
+        <a:buChar char=""/>
+        <a:defRPr sz="1400" b="0" i="0" kern="1200">
+          <a:solidFill>
+            <a:schemeClr val="tx1"/>
+          </a:solidFill>
+          <a:latin typeface="+mj-lt"/>
+          <a:ea typeface="+mj-ea"/>
+          <a:cs typeface="+mj-cs"/>
+        </a:defRPr>
+      </a:lvl5pPr>
+      <a:lvl6pPr marL="2506000" indent="-228600" algn="l" defTabSz="457200" rtl="0" eaLnBrk="1" latinLnBrk="0" hangingPunct="1">
+        <a:spcBef>
+          <a:spcPts val="1000"/>
+        </a:spcBef>
+        <a:spcAft>
+          <a:spcPts val="0"/>
+        </a:spcAft>
+        <a:buClr>
+          <a:schemeClr val="bg2">
+            <a:lumMod val="40000"/>
+            <a:lumOff val="60000"/>
+          </a:schemeClr>
+        </a:buClr>
+        <a:buSzPct val="80000"/>
+        <a:buFont typeface="Wingdings 3" charset="2"/>
+        <a:buChar char=""/>
+        <a:defRPr sz="1400" b="0" i="0" kern="1200">
+          <a:solidFill>
+            <a:schemeClr val="tx1"/>
+          </a:solidFill>
+          <a:latin typeface="+mj-lt"/>
+          <a:ea typeface="+mj-ea"/>
+          <a:cs typeface="+mj-cs"/>
+        </a:defRPr>
+      </a:lvl6pPr>
+      <a:lvl7pPr marL="2971800" indent="-228600" algn="l" defTabSz="457200" rtl="0" eaLnBrk="1" latinLnBrk="0" hangingPunct="1">
+        <a:spcBef>
+          <a:spcPts val="1000"/>
+        </a:spcBef>
+        <a:spcAft>
+          <a:spcPts val="0"/>
+        </a:spcAft>
+        <a:buClr>
+          <a:schemeClr val="bg2">
+            <a:lumMod val="40000"/>
+            <a:lumOff val="60000"/>
+          </a:schemeClr>
+        </a:buClr>
+        <a:buSzPct val="80000"/>
+        <a:buFont typeface="Wingdings 3" charset="2"/>
+        <a:buChar char=""/>
+        <a:defRPr sz="1400" b="0" i="0" kern="1200">
+          <a:solidFill>
+            <a:schemeClr val="tx1"/>
+          </a:solidFill>
+          <a:latin typeface="+mj-lt"/>
+          <a:ea typeface="+mj-ea"/>
+          <a:cs typeface="+mj-cs"/>
+        </a:defRPr>
+      </a:lvl7pPr>
+      <a:lvl8pPr marL="3429000" indent="-228600" algn="l" defTabSz="457200" rtl="0" eaLnBrk="1" latinLnBrk="0" hangingPunct="1">
+        <a:spcBef>
+          <a:spcPts val="1000"/>
+        </a:spcBef>
+        <a:spcAft>
+          <a:spcPts val="0"/>
+        </a:spcAft>
+        <a:buClr>
+          <a:schemeClr val="bg2">
+            <a:lumMod val="40000"/>
+            <a:lumOff val="60000"/>
+          </a:schemeClr>
+        </a:buClr>
+        <a:buSzPct val="80000"/>
+        <a:buFont typeface="Wingdings 3" charset="2"/>
+        <a:buChar char=""/>
+        <a:defRPr sz="1400" b="0" i="0" kern="1200">
+          <a:solidFill>
+            <a:schemeClr val="tx1"/>
+          </a:solidFill>
+          <a:latin typeface="+mj-lt"/>
+          <a:ea typeface="+mj-ea"/>
+          <a:cs typeface="+mj-cs"/>
+        </a:defRPr>
+      </a:lvl8pPr>
+      <a:lvl9pPr marL="3886200" indent="-228600" algn="l" defTabSz="457200" rtl="0" eaLnBrk="1" latinLnBrk="0" hangingPunct="1">
+        <a:spcBef>
+          <a:spcPts val="1000"/>
+        </a:spcBef>
+        <a:spcAft>
+          <a:spcPts val="0"/>
+        </a:spcAft>
+        <a:buClr>
+          <a:schemeClr val="bg2">
+            <a:lumMod val="40000"/>
+            <a:lumOff val="60000"/>
+          </a:schemeClr>
+        </a:buClr>
+        <a:buSzPct val="80000"/>
+        <a:buFont typeface="Wingdings 3" charset="2"/>
+        <a:buChar char=""/>
+        <a:defRPr sz="1400" b="0" i="0" kern="1200">
+          <a:solidFill>
+            <a:schemeClr val="tx1"/>
+          </a:solidFill>
+          <a:latin typeface="+mj-lt"/>
+          <a:ea typeface="+mj-ea"/>
+          <a:cs typeface="+mj-cs"/>
+        </a:defRPr>
+      </a:lvl9pPr>
+    </p:bodyStyle>
+    <p:otherStyle>
+      <a:defPPr>
+        <a:defRPr lang="en-US"/>
+      </a:defPPr>
+      <a:lvl1pPr marL="0" algn="l" defTabSz="457200" rtl="0" eaLnBrk="1" latinLnBrk="0" hangingPunct="1">
+        <a:defRPr sz="1800" kern="1200">
           <a:solidFill>
             <a:schemeClr val="tx1"/>
           </a:solidFill>
@@ -3097,16 +6006,8 @@
           <a:cs typeface="+mn-cs"/>
         </a:defRPr>
       </a:lvl1pPr>
-      <a:lvl2pPr marL="685800" indent="-228600" algn="l" defTabSz="914400" rtl="0" eaLnBrk="1" latinLnBrk="0" hangingPunct="1">
-        <a:lnSpc>
-          <a:spcPct val="90000"/>
-        </a:lnSpc>
-        <a:spcBef>
-          <a:spcPts val="500"/>
-        </a:spcBef>
-        <a:buFont typeface="Arial" panose="020B0604020202020204" pitchFamily="34" charset="0"/>
-        <a:buChar char="•"/>
-        <a:defRPr sz="2400" kern="1200">
+      <a:lvl2pPr marL="457200" algn="l" defTabSz="457200" rtl="0" eaLnBrk="1" latinLnBrk="0" hangingPunct="1">
+        <a:defRPr sz="1800" kern="1200">
           <a:solidFill>
             <a:schemeClr val="tx1"/>
           </a:solidFill>
@@ -3115,16 +6016,8 @@
           <a:cs typeface="+mn-cs"/>
         </a:defRPr>
       </a:lvl2pPr>
-      <a:lvl3pPr marL="1143000" indent="-228600" algn="l" defTabSz="914400" rtl="0" eaLnBrk="1" latinLnBrk="0" hangingPunct="1">
-        <a:lnSpc>
-          <a:spcPct val="90000"/>
-        </a:lnSpc>
-        <a:spcBef>
-          <a:spcPts val="500"/>
-        </a:spcBef>
-        <a:buFont typeface="Arial" panose="020B0604020202020204" pitchFamily="34" charset="0"/>
-        <a:buChar char="•"/>
-        <a:defRPr sz="2000" kern="1200">
+      <a:lvl3pPr marL="914400" algn="l" defTabSz="457200" rtl="0" eaLnBrk="1" latinLnBrk="0" hangingPunct="1">
+        <a:defRPr sz="1800" kern="1200">
           <a:solidFill>
             <a:schemeClr val="tx1"/>
           </a:solidFill>
@@ -3133,15 +6026,7 @@
           <a:cs typeface="+mn-cs"/>
         </a:defRPr>
       </a:lvl3pPr>
-      <a:lvl4pPr marL="1600200" indent="-228600" algn="l" defTabSz="914400" rtl="0" eaLnBrk="1" latinLnBrk="0" hangingPunct="1">
-        <a:lnSpc>
-          <a:spcPct val="90000"/>
-        </a:lnSpc>
-        <a:spcBef>
-          <a:spcPts val="500"/>
-        </a:spcBef>
-        <a:buFont typeface="Arial" panose="020B0604020202020204" pitchFamily="34" charset="0"/>
-        <a:buChar char="•"/>
+      <a:lvl4pPr marL="1371600" algn="l" defTabSz="457200" rtl="0" eaLnBrk="1" latinLnBrk="0" hangingPunct="1">
         <a:defRPr sz="1800" kern="1200">
           <a:solidFill>
             <a:schemeClr val="tx1"/>
@@ -3151,15 +6036,7 @@
           <a:cs typeface="+mn-cs"/>
         </a:defRPr>
       </a:lvl4pPr>
-      <a:lvl5pPr marL="2057400" indent="-228600" algn="l" defTabSz="914400" rtl="0" eaLnBrk="1" latinLnBrk="0" hangingPunct="1">
-        <a:lnSpc>
-          <a:spcPct val="90000"/>
-        </a:lnSpc>
-        <a:spcBef>
-          <a:spcPts val="500"/>
-        </a:spcBef>
-        <a:buFont typeface="Arial" panose="020B0604020202020204" pitchFamily="34" charset="0"/>
-        <a:buChar char="•"/>
+      <a:lvl5pPr marL="1828800" algn="l" defTabSz="457200" rtl="0" eaLnBrk="1" latinLnBrk="0" hangingPunct="1">
         <a:defRPr sz="1800" kern="1200">
           <a:solidFill>
             <a:schemeClr val="tx1"/>
@@ -3169,15 +6046,7 @@
           <a:cs typeface="+mn-cs"/>
         </a:defRPr>
       </a:lvl5pPr>
-      <a:lvl6pPr marL="2514600" indent="-228600" algn="l" defTabSz="914400" rtl="0" eaLnBrk="1" latinLnBrk="0" hangingPunct="1">
-        <a:lnSpc>
-          <a:spcPct val="90000"/>
-        </a:lnSpc>
-        <a:spcBef>
-          <a:spcPts val="500"/>
-        </a:spcBef>
-        <a:buFont typeface="Arial" panose="020B0604020202020204" pitchFamily="34" charset="0"/>
-        <a:buChar char="•"/>
+      <a:lvl6pPr marL="2286000" algn="l" defTabSz="457200" rtl="0" eaLnBrk="1" latinLnBrk="0" hangingPunct="1">
         <a:defRPr sz="1800" kern="1200">
           <a:solidFill>
             <a:schemeClr val="tx1"/>
@@ -3187,15 +6056,7 @@
           <a:cs typeface="+mn-cs"/>
         </a:defRPr>
       </a:lvl6pPr>
-      <a:lvl7pPr marL="2971800" indent="-228600" algn="l" defTabSz="914400" rtl="0" eaLnBrk="1" latinLnBrk="0" hangingPunct="1">
-        <a:lnSpc>
-          <a:spcPct val="90000"/>
-        </a:lnSpc>
-        <a:spcBef>
-          <a:spcPts val="500"/>
-        </a:spcBef>
-        <a:buFont typeface="Arial" panose="020B0604020202020204" pitchFamily="34" charset="0"/>
-        <a:buChar char="•"/>
+      <a:lvl7pPr marL="2743200" algn="l" defTabSz="457200" rtl="0" eaLnBrk="1" latinLnBrk="0" hangingPunct="1">
         <a:defRPr sz="1800" kern="1200">
           <a:solidFill>
             <a:schemeClr val="tx1"/>
@@ -3205,15 +6066,7 @@
           <a:cs typeface="+mn-cs"/>
         </a:defRPr>
       </a:lvl7pPr>
-      <a:lvl8pPr marL="3429000" indent="-228600" algn="l" defTabSz="914400" rtl="0" eaLnBrk="1" latinLnBrk="0" hangingPunct="1">
-        <a:lnSpc>
-          <a:spcPct val="90000"/>
-        </a:lnSpc>
-        <a:spcBef>
-          <a:spcPts val="500"/>
-        </a:spcBef>
-        <a:buFont typeface="Arial" panose="020B0604020202020204" pitchFamily="34" charset="0"/>
-        <a:buChar char="•"/>
+      <a:lvl8pPr marL="3200400" algn="l" defTabSz="457200" rtl="0" eaLnBrk="1" latinLnBrk="0" hangingPunct="1">
         <a:defRPr sz="1800" kern="1200">
           <a:solidFill>
             <a:schemeClr val="tx1"/>
@@ -3223,110 +6076,7 @@
           <a:cs typeface="+mn-cs"/>
         </a:defRPr>
       </a:lvl8pPr>
-      <a:lvl9pPr marL="3886200" indent="-228600" algn="l" defTabSz="914400" rtl="0" eaLnBrk="1" latinLnBrk="0" hangingPunct="1">
-        <a:lnSpc>
-          <a:spcPct val="90000"/>
-        </a:lnSpc>
-        <a:spcBef>
-          <a:spcPts val="500"/>
-        </a:spcBef>
-        <a:buFont typeface="Arial" panose="020B0604020202020204" pitchFamily="34" charset="0"/>
-        <a:buChar char="•"/>
-        <a:defRPr sz="1800" kern="1200">
-          <a:solidFill>
-            <a:schemeClr val="tx1"/>
-          </a:solidFill>
-          <a:latin typeface="+mn-lt"/>
-          <a:ea typeface="+mn-ea"/>
-          <a:cs typeface="+mn-cs"/>
-        </a:defRPr>
-      </a:lvl9pPr>
-    </p:bodyStyle>
-    <p:otherStyle>
-      <a:defPPr>
-        <a:defRPr lang="en-US"/>
-      </a:defPPr>
-      <a:lvl1pPr marL="0" algn="l" defTabSz="914400" rtl="0" eaLnBrk="1" latinLnBrk="0" hangingPunct="1">
-        <a:defRPr sz="1800" kern="1200">
-          <a:solidFill>
-            <a:schemeClr val="tx1"/>
-          </a:solidFill>
-          <a:latin typeface="+mn-lt"/>
-          <a:ea typeface="+mn-ea"/>
-          <a:cs typeface="+mn-cs"/>
-        </a:defRPr>
-      </a:lvl1pPr>
-      <a:lvl2pPr marL="457200" algn="l" defTabSz="914400" rtl="0" eaLnBrk="1" latinLnBrk="0" hangingPunct="1">
-        <a:defRPr sz="1800" kern="1200">
-          <a:solidFill>
-            <a:schemeClr val="tx1"/>
-          </a:solidFill>
-          <a:latin typeface="+mn-lt"/>
-          <a:ea typeface="+mn-ea"/>
-          <a:cs typeface="+mn-cs"/>
-        </a:defRPr>
-      </a:lvl2pPr>
-      <a:lvl3pPr marL="914400" algn="l" defTabSz="914400" rtl="0" eaLnBrk="1" latinLnBrk="0" hangingPunct="1">
-        <a:defRPr sz="1800" kern="1200">
-          <a:solidFill>
-            <a:schemeClr val="tx1"/>
-          </a:solidFill>
-          <a:latin typeface="+mn-lt"/>
-          <a:ea typeface="+mn-ea"/>
-          <a:cs typeface="+mn-cs"/>
-        </a:defRPr>
-      </a:lvl3pPr>
-      <a:lvl4pPr marL="1371600" algn="l" defTabSz="914400" rtl="0" eaLnBrk="1" latinLnBrk="0" hangingPunct="1">
-        <a:defRPr sz="1800" kern="1200">
-          <a:solidFill>
-            <a:schemeClr val="tx1"/>
-          </a:solidFill>
-          <a:latin typeface="+mn-lt"/>
-          <a:ea typeface="+mn-ea"/>
-          <a:cs typeface="+mn-cs"/>
-        </a:defRPr>
-      </a:lvl4pPr>
-      <a:lvl5pPr marL="1828800" algn="l" defTabSz="914400" rtl="0" eaLnBrk="1" latinLnBrk="0" hangingPunct="1">
-        <a:defRPr sz="1800" kern="1200">
-          <a:solidFill>
-            <a:schemeClr val="tx1"/>
-          </a:solidFill>
-          <a:latin typeface="+mn-lt"/>
-          <a:ea typeface="+mn-ea"/>
-          <a:cs typeface="+mn-cs"/>
-        </a:defRPr>
-      </a:lvl5pPr>
-      <a:lvl6pPr marL="2286000" algn="l" defTabSz="914400" rtl="0" eaLnBrk="1" latinLnBrk="0" hangingPunct="1">
-        <a:defRPr sz="1800" kern="1200">
-          <a:solidFill>
-            <a:schemeClr val="tx1"/>
-          </a:solidFill>
-          <a:latin typeface="+mn-lt"/>
-          <a:ea typeface="+mn-ea"/>
-          <a:cs typeface="+mn-cs"/>
-        </a:defRPr>
-      </a:lvl6pPr>
-      <a:lvl7pPr marL="2743200" algn="l" defTabSz="914400" rtl="0" eaLnBrk="1" latinLnBrk="0" hangingPunct="1">
-        <a:defRPr sz="1800" kern="1200">
-          <a:solidFill>
-            <a:schemeClr val="tx1"/>
-          </a:solidFill>
-          <a:latin typeface="+mn-lt"/>
-          <a:ea typeface="+mn-ea"/>
-          <a:cs typeface="+mn-cs"/>
-        </a:defRPr>
-      </a:lvl7pPr>
-      <a:lvl8pPr marL="3200400" algn="l" defTabSz="914400" rtl="0" eaLnBrk="1" latinLnBrk="0" hangingPunct="1">
-        <a:defRPr sz="1800" kern="1200">
-          <a:solidFill>
-            <a:schemeClr val="tx1"/>
-          </a:solidFill>
-          <a:latin typeface="+mn-lt"/>
-          <a:ea typeface="+mn-ea"/>
-          <a:cs typeface="+mn-cs"/>
-        </a:defRPr>
-      </a:lvl8pPr>
-      <a:lvl9pPr marL="3657600" algn="l" defTabSz="914400" rtl="0" eaLnBrk="1" latinLnBrk="0" hangingPunct="1">
+      <a:lvl9pPr marL="3657600" algn="l" defTabSz="457200" rtl="0" eaLnBrk="1" latinLnBrk="0" hangingPunct="1">
         <a:defRPr sz="1800" kern="1200">
           <a:solidFill>
             <a:schemeClr val="tx1"/>
@@ -3404,10 +6154,15 @@
         </p:nvSpPr>
         <p:spPr/>
         <p:txBody>
-          <a:bodyPr/>
-          <a:lstStyle/>
-          <a:p>
-            <a:endParaRPr lang="en-GB"/>
+          <a:bodyPr>
+            <a:normAutofit/>
+          </a:bodyPr>
+          <a:lstStyle/>
+          <a:p>
+            <a:r>
+              <a:rPr lang="en-GB" dirty="0"/>
+              <a:t>Faris Almlih, Eisha Chaudhary, Jake Cowling, Andrei Dan, Fiyin Duro-Ladipo, Prajesh Shukla, Jason Wong</a:t>
+            </a:r>
           </a:p>
         </p:txBody>
       </p:sp>
@@ -3425,6 +6180,293 @@
 </file>
 
 <file path=ppt/slides/slide10.xml><?xml version="1.0" encoding="utf-8"?>
+<p:sld xmlns:a="http://schemas.openxmlformats.org/drawingml/2006/main" xmlns:r="http://schemas.openxmlformats.org/officeDocument/2006/relationships" xmlns:p="http://schemas.openxmlformats.org/presentationml/2006/main">
+  <p:cSld>
+    <p:spTree>
+      <p:nvGrpSpPr>
+        <p:cNvPr id="1" name=""/>
+        <p:cNvGrpSpPr/>
+        <p:nvPr/>
+      </p:nvGrpSpPr>
+      <p:grpSpPr>
+        <a:xfrm>
+          <a:off x="0" y="0"/>
+          <a:ext cx="0" cy="0"/>
+          <a:chOff x="0" y="0"/>
+          <a:chExt cx="0" cy="0"/>
+        </a:xfrm>
+      </p:grpSpPr>
+      <p:sp>
+        <p:nvSpPr>
+          <p:cNvPr id="2" name="Title 1">
+            <a:extLst>
+              <a:ext uri="{FF2B5EF4-FFF2-40B4-BE49-F238E27FC236}">
+                <a16:creationId xmlns:a16="http://schemas.microsoft.com/office/drawing/2014/main" id="{A3D25636-BE7F-463A-1563-82DE30B1FBC1}"/>
+              </a:ext>
+            </a:extLst>
+          </p:cNvPr>
+          <p:cNvSpPr>
+            <a:spLocks noGrp="1"/>
+          </p:cNvSpPr>
+          <p:nvPr>
+            <p:ph type="title"/>
+          </p:nvPr>
+        </p:nvSpPr>
+        <p:spPr/>
+        <p:txBody>
+          <a:bodyPr/>
+          <a:lstStyle/>
+          <a:p>
+            <a:r>
+              <a:rPr lang="en-GB" dirty="0"/>
+              <a:t>Questions (Jason)</a:t>
+            </a:r>
+          </a:p>
+        </p:txBody>
+      </p:sp>
+      <p:sp>
+        <p:nvSpPr>
+          <p:cNvPr id="3" name="Content Placeholder 2">
+            <a:extLst>
+              <a:ext uri="{FF2B5EF4-FFF2-40B4-BE49-F238E27FC236}">
+                <a16:creationId xmlns:a16="http://schemas.microsoft.com/office/drawing/2014/main" id="{F0BA8FED-EBC6-8CE5-B052-E372468157F0}"/>
+              </a:ext>
+            </a:extLst>
+          </p:cNvPr>
+          <p:cNvSpPr>
+            <a:spLocks noGrp="1"/>
+          </p:cNvSpPr>
+          <p:nvPr>
+            <p:ph idx="1"/>
+          </p:nvPr>
+        </p:nvSpPr>
+        <p:spPr>
+          <a:xfrm>
+            <a:off x="664409" y="1663451"/>
+            <a:ext cx="8946541" cy="4195481"/>
+          </a:xfrm>
+        </p:spPr>
+        <p:txBody>
+          <a:bodyPr/>
+          <a:lstStyle/>
+          <a:p>
+            <a:r>
+              <a:rPr lang="en-GB" dirty="0"/>
+              <a:t>6. what is the difference between the average salary in lockdown (2020) compared to this year (2025)</a:t>
+            </a:r>
+          </a:p>
+          <a:p>
+            <a:r>
+              <a:rPr lang="en-GB" dirty="0"/>
+              <a:t>The result shows that jobs in the current year pay more than jobs in lockdown (2020) although this can be contributed to many factors such as inflation and the inability for people to leave their houses during that year</a:t>
+            </a:r>
+          </a:p>
+          <a:p>
+            <a:r>
+              <a:rPr lang="en-GB" dirty="0"/>
+              <a:t>The difference is significant</a:t>
+            </a:r>
+          </a:p>
+        </p:txBody>
+      </p:sp>
+      <p:pic>
+        <p:nvPicPr>
+          <p:cNvPr id="5" name="Picture 4">
+            <a:extLst>
+              <a:ext uri="{FF2B5EF4-FFF2-40B4-BE49-F238E27FC236}">
+                <a16:creationId xmlns:a16="http://schemas.microsoft.com/office/drawing/2014/main" id="{BBAA17C0-DDA5-80FC-3847-193A0210881F}"/>
+              </a:ext>
+            </a:extLst>
+          </p:cNvPr>
+          <p:cNvPicPr>
+            <a:picLocks noChangeAspect="1"/>
+          </p:cNvPicPr>
+          <p:nvPr/>
+        </p:nvPicPr>
+        <p:blipFill>
+          <a:blip r:embed="rId2"/>
+          <a:stretch>
+            <a:fillRect/>
+          </a:stretch>
+        </p:blipFill>
+        <p:spPr>
+          <a:xfrm>
+            <a:off x="7453612" y="3793066"/>
+            <a:ext cx="4738387" cy="3064933"/>
+          </a:xfrm>
+          <a:prstGeom prst="rect">
+            <a:avLst/>
+          </a:prstGeom>
+        </p:spPr>
+      </p:pic>
+      <p:sp>
+        <p:nvSpPr>
+          <p:cNvPr id="6" name="TextBox 5">
+            <a:extLst>
+              <a:ext uri="{FF2B5EF4-FFF2-40B4-BE49-F238E27FC236}">
+                <a16:creationId xmlns:a16="http://schemas.microsoft.com/office/drawing/2014/main" id="{3346E865-3CDA-F2B2-81A0-D734C59309A9}"/>
+              </a:ext>
+            </a:extLst>
+          </p:cNvPr>
+          <p:cNvSpPr txBox="1"/>
+          <p:nvPr/>
+        </p:nvSpPr>
+        <p:spPr>
+          <a:xfrm>
+            <a:off x="9247187" y="3352892"/>
+            <a:ext cx="3031067" cy="369332"/>
+          </a:xfrm>
+          <a:prstGeom prst="rect">
+            <a:avLst/>
+          </a:prstGeom>
+          <a:noFill/>
+        </p:spPr>
+        <p:txBody>
+          <a:bodyPr wrap="square" rtlCol="0">
+            <a:spAutoFit/>
+          </a:bodyPr>
+          <a:lstStyle/>
+          <a:p>
+            <a:r>
+              <a:rPr lang="en-GB" dirty="0"/>
+              <a:t>Visualisation</a:t>
+            </a:r>
+          </a:p>
+        </p:txBody>
+      </p:sp>
+      <p:pic>
+        <p:nvPicPr>
+          <p:cNvPr id="10" name="Picture 9">
+            <a:extLst>
+              <a:ext uri="{FF2B5EF4-FFF2-40B4-BE49-F238E27FC236}">
+                <a16:creationId xmlns:a16="http://schemas.microsoft.com/office/drawing/2014/main" id="{11101571-8FDB-2810-D121-F370A13B77F7}"/>
+              </a:ext>
+            </a:extLst>
+          </p:cNvPr>
+          <p:cNvPicPr>
+            <a:picLocks noChangeAspect="1"/>
+          </p:cNvPicPr>
+          <p:nvPr/>
+        </p:nvPicPr>
+        <p:blipFill>
+          <a:blip r:embed="rId3"/>
+          <a:stretch>
+            <a:fillRect/>
+          </a:stretch>
+        </p:blipFill>
+        <p:spPr>
+          <a:xfrm>
+            <a:off x="0" y="4672567"/>
+            <a:ext cx="7154334" cy="2162024"/>
+          </a:xfrm>
+          <a:prstGeom prst="rect">
+            <a:avLst/>
+          </a:prstGeom>
+        </p:spPr>
+      </p:pic>
+    </p:spTree>
+    <p:extLst>
+      <p:ext uri="{BB962C8B-B14F-4D97-AF65-F5344CB8AC3E}">
+        <p14:creationId xmlns:p14="http://schemas.microsoft.com/office/powerpoint/2010/main" val="2023591126"/>
+      </p:ext>
+    </p:extLst>
+  </p:cSld>
+  <p:clrMapOvr>
+    <a:masterClrMapping/>
+  </p:clrMapOvr>
+</p:sld>
+</file>
+
+<file path=ppt/slides/slide11.xml><?xml version="1.0" encoding="utf-8"?>
+<p:sld xmlns:a="http://schemas.openxmlformats.org/drawingml/2006/main" xmlns:r="http://schemas.openxmlformats.org/officeDocument/2006/relationships" xmlns:p="http://schemas.openxmlformats.org/presentationml/2006/main">
+  <p:cSld>
+    <p:spTree>
+      <p:nvGrpSpPr>
+        <p:cNvPr id="1" name="">
+          <a:extLst>
+            <a:ext uri="{FF2B5EF4-FFF2-40B4-BE49-F238E27FC236}">
+              <a16:creationId xmlns:a16="http://schemas.microsoft.com/office/drawing/2014/main" id="{81C15E40-9325-919A-21D7-ADE6C089E638}"/>
+            </a:ext>
+          </a:extLst>
+        </p:cNvPr>
+        <p:cNvGrpSpPr/>
+        <p:nvPr/>
+      </p:nvGrpSpPr>
+      <p:grpSpPr>
+        <a:xfrm>
+          <a:off x="0" y="0"/>
+          <a:ext cx="0" cy="0"/>
+          <a:chOff x="0" y="0"/>
+          <a:chExt cx="0" cy="0"/>
+        </a:xfrm>
+      </p:grpSpPr>
+      <p:sp>
+        <p:nvSpPr>
+          <p:cNvPr id="2" name="Title 1">
+            <a:extLst>
+              <a:ext uri="{FF2B5EF4-FFF2-40B4-BE49-F238E27FC236}">
+                <a16:creationId xmlns:a16="http://schemas.microsoft.com/office/drawing/2014/main" id="{F2496826-60F6-3C69-14BB-47315B04FB0F}"/>
+              </a:ext>
+            </a:extLst>
+          </p:cNvPr>
+          <p:cNvSpPr>
+            <a:spLocks noGrp="1"/>
+          </p:cNvSpPr>
+          <p:nvPr>
+            <p:ph type="title"/>
+          </p:nvPr>
+        </p:nvSpPr>
+        <p:spPr/>
+        <p:txBody>
+          <a:bodyPr/>
+          <a:lstStyle/>
+          <a:p>
+            <a:r>
+              <a:rPr lang="en-GB" dirty="0"/>
+              <a:t>Questions (name here)</a:t>
+            </a:r>
+          </a:p>
+        </p:txBody>
+      </p:sp>
+      <p:sp>
+        <p:nvSpPr>
+          <p:cNvPr id="3" name="Content Placeholder 2">
+            <a:extLst>
+              <a:ext uri="{FF2B5EF4-FFF2-40B4-BE49-F238E27FC236}">
+                <a16:creationId xmlns:a16="http://schemas.microsoft.com/office/drawing/2014/main" id="{01D2AFFD-68C1-4B8D-84EF-E79538E1FEF0}"/>
+              </a:ext>
+            </a:extLst>
+          </p:cNvPr>
+          <p:cNvSpPr>
+            <a:spLocks noGrp="1"/>
+          </p:cNvSpPr>
+          <p:nvPr>
+            <p:ph idx="1"/>
+          </p:nvPr>
+        </p:nvSpPr>
+        <p:spPr/>
+        <p:txBody>
+          <a:bodyPr/>
+          <a:lstStyle/>
+          <a:p>
+            <a:endParaRPr lang="en-GB"/>
+          </a:p>
+        </p:txBody>
+      </p:sp>
+    </p:spTree>
+    <p:extLst>
+      <p:ext uri="{BB962C8B-B14F-4D97-AF65-F5344CB8AC3E}">
+        <p14:creationId xmlns:p14="http://schemas.microsoft.com/office/powerpoint/2010/main" val="1091248424"/>
+      </p:ext>
+    </p:extLst>
+  </p:cSld>
+  <p:clrMapOvr>
+    <a:masterClrMapping/>
+  </p:clrMapOvr>
+</p:sld>
+</file>
+
+<file path=ppt/slides/slide12.xml><?xml version="1.0" encoding="utf-8"?>
 <p:sld xmlns:a="http://schemas.openxmlformats.org/drawingml/2006/main" xmlns:r="http://schemas.openxmlformats.org/officeDocument/2006/relationships" xmlns:p="http://schemas.openxmlformats.org/presentationml/2006/main">
   <p:cSld>
     <p:spTree>
@@ -3513,7 +6555,7 @@
 </p:sld>
 </file>
 
-<file path=ppt/slides/slide11.xml><?xml version="1.0" encoding="utf-8"?>
+<file path=ppt/slides/slide13.xml><?xml version="1.0" encoding="utf-8"?>
 <p:sld xmlns:a="http://schemas.openxmlformats.org/drawingml/2006/main" xmlns:r="http://schemas.openxmlformats.org/officeDocument/2006/relationships" xmlns:p="http://schemas.openxmlformats.org/presentationml/2006/main">
   <p:cSld>
     <p:spTree>
@@ -3602,7 +6644,7 @@
 </p:sld>
 </file>
 
-<file path=ppt/slides/slide12.xml><?xml version="1.0" encoding="utf-8"?>
+<file path=ppt/slides/slide14.xml><?xml version="1.0" encoding="utf-8"?>
 <p:sld xmlns:a="http://schemas.openxmlformats.org/drawingml/2006/main" xmlns:r="http://schemas.openxmlformats.org/officeDocument/2006/relationships" xmlns:p="http://schemas.openxmlformats.org/presentationml/2006/main">
   <p:cSld>
     <p:spTree>
@@ -3691,7 +6733,7 @@
 </p:sld>
 </file>
 
-<file path=ppt/slides/slide13.xml><?xml version="1.0" encoding="utf-8"?>
+<file path=ppt/slides/slide15.xml><?xml version="1.0" encoding="utf-8"?>
 <p:sld xmlns:a="http://schemas.openxmlformats.org/drawingml/2006/main" xmlns:r="http://schemas.openxmlformats.org/officeDocument/2006/relationships" xmlns:p="http://schemas.openxmlformats.org/presentationml/2006/main">
   <p:cSld>
     <p:spTree>
@@ -3780,7 +6822,7 @@
 </p:sld>
 </file>
 
-<file path=ppt/slides/slide14.xml><?xml version="1.0" encoding="utf-8"?>
+<file path=ppt/slides/slide16.xml><?xml version="1.0" encoding="utf-8"?>
 <p:sld xmlns:a="http://schemas.openxmlformats.org/drawingml/2006/main" xmlns:r="http://schemas.openxmlformats.org/officeDocument/2006/relationships" xmlns:p="http://schemas.openxmlformats.org/presentationml/2006/main">
   <p:cSld>
     <p:spTree>
@@ -3860,172 +6902,6 @@
     <p:extLst>
       <p:ext uri="{BB962C8B-B14F-4D97-AF65-F5344CB8AC3E}">
         <p14:creationId xmlns:p14="http://schemas.microsoft.com/office/powerpoint/2010/main" val="2046480839"/>
-      </p:ext>
-    </p:extLst>
-  </p:cSld>
-  <p:clrMapOvr>
-    <a:masterClrMapping/>
-  </p:clrMapOvr>
-</p:sld>
-</file>
-
-<file path=ppt/slides/slide15.xml><?xml version="1.0" encoding="utf-8"?>
-<p:sld xmlns:a="http://schemas.openxmlformats.org/drawingml/2006/main" xmlns:r="http://schemas.openxmlformats.org/officeDocument/2006/relationships" xmlns:p="http://schemas.openxmlformats.org/presentationml/2006/main">
-  <p:cSld>
-    <p:spTree>
-      <p:nvGrpSpPr>
-        <p:cNvPr id="1" name=""/>
-        <p:cNvGrpSpPr/>
-        <p:nvPr/>
-      </p:nvGrpSpPr>
-      <p:grpSpPr>
-        <a:xfrm>
-          <a:off x="0" y="0"/>
-          <a:ext cx="0" cy="0"/>
-          <a:chOff x="0" y="0"/>
-          <a:chExt cx="0" cy="0"/>
-        </a:xfrm>
-      </p:grpSpPr>
-      <p:sp>
-        <p:nvSpPr>
-          <p:cNvPr id="2" name="Title 1">
-            <a:extLst>
-              <a:ext uri="{FF2B5EF4-FFF2-40B4-BE49-F238E27FC236}">
-                <a16:creationId xmlns:a16="http://schemas.microsoft.com/office/drawing/2014/main" id="{3C933A38-E6F9-538A-B309-AD150C4ECEEF}"/>
-              </a:ext>
-            </a:extLst>
-          </p:cNvPr>
-          <p:cNvSpPr>
-            <a:spLocks noGrp="1"/>
-          </p:cNvSpPr>
-          <p:nvPr>
-            <p:ph type="title"/>
-          </p:nvPr>
-        </p:nvSpPr>
-        <p:spPr/>
-        <p:txBody>
-          <a:bodyPr/>
-          <a:lstStyle/>
-          <a:p>
-            <a:r>
-              <a:rPr lang="en-GB" dirty="0"/>
-              <a:t>Testing</a:t>
-            </a:r>
-          </a:p>
-        </p:txBody>
-      </p:sp>
-      <p:sp>
-        <p:nvSpPr>
-          <p:cNvPr id="3" name="Content Placeholder 2">
-            <a:extLst>
-              <a:ext uri="{FF2B5EF4-FFF2-40B4-BE49-F238E27FC236}">
-                <a16:creationId xmlns:a16="http://schemas.microsoft.com/office/drawing/2014/main" id="{4703D08B-904D-4630-DD72-F68A4F1B92D8}"/>
-              </a:ext>
-            </a:extLst>
-          </p:cNvPr>
-          <p:cNvSpPr>
-            <a:spLocks noGrp="1"/>
-          </p:cNvSpPr>
-          <p:nvPr>
-            <p:ph idx="1"/>
-          </p:nvPr>
-        </p:nvSpPr>
-        <p:spPr/>
-        <p:txBody>
-          <a:bodyPr/>
-          <a:lstStyle/>
-          <a:p>
-            <a:endParaRPr lang="en-GB"/>
-          </a:p>
-        </p:txBody>
-      </p:sp>
-    </p:spTree>
-    <p:extLst>
-      <p:ext uri="{BB962C8B-B14F-4D97-AF65-F5344CB8AC3E}">
-        <p14:creationId xmlns:p14="http://schemas.microsoft.com/office/powerpoint/2010/main" val="1485843318"/>
-      </p:ext>
-    </p:extLst>
-  </p:cSld>
-  <p:clrMapOvr>
-    <a:masterClrMapping/>
-  </p:clrMapOvr>
-</p:sld>
-</file>
-
-<file path=ppt/slides/slide16.xml><?xml version="1.0" encoding="utf-8"?>
-<p:sld xmlns:a="http://schemas.openxmlformats.org/drawingml/2006/main" xmlns:r="http://schemas.openxmlformats.org/officeDocument/2006/relationships" xmlns:p="http://schemas.openxmlformats.org/presentationml/2006/main">
-  <p:cSld>
-    <p:spTree>
-      <p:nvGrpSpPr>
-        <p:cNvPr id="1" name=""/>
-        <p:cNvGrpSpPr/>
-        <p:nvPr/>
-      </p:nvGrpSpPr>
-      <p:grpSpPr>
-        <a:xfrm>
-          <a:off x="0" y="0"/>
-          <a:ext cx="0" cy="0"/>
-          <a:chOff x="0" y="0"/>
-          <a:chExt cx="0" cy="0"/>
-        </a:xfrm>
-      </p:grpSpPr>
-      <p:sp>
-        <p:nvSpPr>
-          <p:cNvPr id="2" name="Title 1">
-            <a:extLst>
-              <a:ext uri="{FF2B5EF4-FFF2-40B4-BE49-F238E27FC236}">
-                <a16:creationId xmlns:a16="http://schemas.microsoft.com/office/drawing/2014/main" id="{CA1CCE03-811C-1100-273E-0FC50B59B03B}"/>
-              </a:ext>
-            </a:extLst>
-          </p:cNvPr>
-          <p:cNvSpPr>
-            <a:spLocks noGrp="1"/>
-          </p:cNvSpPr>
-          <p:nvPr>
-            <p:ph type="title"/>
-          </p:nvPr>
-        </p:nvSpPr>
-        <p:spPr/>
-        <p:txBody>
-          <a:bodyPr/>
-          <a:lstStyle/>
-          <a:p>
-            <a:r>
-              <a:rPr lang="en-GB" dirty="0"/>
-              <a:t>Meeting minutes</a:t>
-            </a:r>
-          </a:p>
-        </p:txBody>
-      </p:sp>
-      <p:sp>
-        <p:nvSpPr>
-          <p:cNvPr id="3" name="Content Placeholder 2">
-            <a:extLst>
-              <a:ext uri="{FF2B5EF4-FFF2-40B4-BE49-F238E27FC236}">
-                <a16:creationId xmlns:a16="http://schemas.microsoft.com/office/drawing/2014/main" id="{A7063075-A3DE-407B-5642-76FB4C789FB8}"/>
-              </a:ext>
-            </a:extLst>
-          </p:cNvPr>
-          <p:cNvSpPr>
-            <a:spLocks noGrp="1"/>
-          </p:cNvSpPr>
-          <p:nvPr>
-            <p:ph idx="1"/>
-          </p:nvPr>
-        </p:nvSpPr>
-        <p:spPr/>
-        <p:txBody>
-          <a:bodyPr/>
-          <a:lstStyle/>
-          <a:p>
-            <a:endParaRPr lang="en-GB"/>
-          </a:p>
-        </p:txBody>
-      </p:sp>
-    </p:spTree>
-    <p:extLst>
-      <p:ext uri="{BB962C8B-B14F-4D97-AF65-F5344CB8AC3E}">
-        <p14:creationId xmlns:p14="http://schemas.microsoft.com/office/powerpoint/2010/main" val="3315100489"/>
       </p:ext>
     </p:extLst>
   </p:cSld>
@@ -4057,6 +6933,89 @@
           <p:cNvPr id="2" name="Title 1">
             <a:extLst>
               <a:ext uri="{FF2B5EF4-FFF2-40B4-BE49-F238E27FC236}">
+                <a16:creationId xmlns:a16="http://schemas.microsoft.com/office/drawing/2014/main" id="{3C933A38-E6F9-538A-B309-AD150C4ECEEF}"/>
+              </a:ext>
+            </a:extLst>
+          </p:cNvPr>
+          <p:cNvSpPr>
+            <a:spLocks noGrp="1"/>
+          </p:cNvSpPr>
+          <p:nvPr>
+            <p:ph type="title"/>
+          </p:nvPr>
+        </p:nvSpPr>
+        <p:spPr/>
+        <p:txBody>
+          <a:bodyPr/>
+          <a:lstStyle/>
+          <a:p>
+            <a:r>
+              <a:rPr lang="en-GB" dirty="0"/>
+              <a:t>Testing</a:t>
+            </a:r>
+          </a:p>
+        </p:txBody>
+      </p:sp>
+      <p:sp>
+        <p:nvSpPr>
+          <p:cNvPr id="3" name="Content Placeholder 2">
+            <a:extLst>
+              <a:ext uri="{FF2B5EF4-FFF2-40B4-BE49-F238E27FC236}">
+                <a16:creationId xmlns:a16="http://schemas.microsoft.com/office/drawing/2014/main" id="{4703D08B-904D-4630-DD72-F68A4F1B92D8}"/>
+              </a:ext>
+            </a:extLst>
+          </p:cNvPr>
+          <p:cNvSpPr>
+            <a:spLocks noGrp="1"/>
+          </p:cNvSpPr>
+          <p:nvPr>
+            <p:ph idx="1"/>
+          </p:nvPr>
+        </p:nvSpPr>
+        <p:spPr/>
+        <p:txBody>
+          <a:bodyPr/>
+          <a:lstStyle/>
+          <a:p>
+            <a:endParaRPr lang="en-GB"/>
+          </a:p>
+        </p:txBody>
+      </p:sp>
+    </p:spTree>
+    <p:extLst>
+      <p:ext uri="{BB962C8B-B14F-4D97-AF65-F5344CB8AC3E}">
+        <p14:creationId xmlns:p14="http://schemas.microsoft.com/office/powerpoint/2010/main" val="1485843318"/>
+      </p:ext>
+    </p:extLst>
+  </p:cSld>
+  <p:clrMapOvr>
+    <a:masterClrMapping/>
+  </p:clrMapOvr>
+</p:sld>
+</file>
+
+<file path=ppt/slides/slide18.xml><?xml version="1.0" encoding="utf-8"?>
+<p:sld xmlns:a="http://schemas.openxmlformats.org/drawingml/2006/main" xmlns:r="http://schemas.openxmlformats.org/officeDocument/2006/relationships" xmlns:p="http://schemas.openxmlformats.org/presentationml/2006/main">
+  <p:cSld>
+    <p:spTree>
+      <p:nvGrpSpPr>
+        <p:cNvPr id="1" name=""/>
+        <p:cNvGrpSpPr/>
+        <p:nvPr/>
+      </p:nvGrpSpPr>
+      <p:grpSpPr>
+        <a:xfrm>
+          <a:off x="0" y="0"/>
+          <a:ext cx="0" cy="0"/>
+          <a:chOff x="0" y="0"/>
+          <a:chExt cx="0" cy="0"/>
+        </a:xfrm>
+      </p:grpSpPr>
+      <p:sp>
+        <p:nvSpPr>
+          <p:cNvPr id="2" name="Title 1">
+            <a:extLst>
+              <a:ext uri="{FF2B5EF4-FFF2-40B4-BE49-F238E27FC236}">
                 <a16:creationId xmlns:a16="http://schemas.microsoft.com/office/drawing/2014/main" id="{868EE204-95B1-5A47-82EE-A3B3698FBD44}"/>
               </a:ext>
             </a:extLst>
@@ -4073,7 +7032,10 @@
           <a:bodyPr/>
           <a:lstStyle/>
           <a:p>
-            <a:endParaRPr lang="en-GB"/>
+            <a:r>
+              <a:rPr lang="en-GB"/>
+              <a:t>Evaluation</a:t>
+            </a:r>
           </a:p>
         </p:txBody>
       </p:sp>
@@ -4183,8 +7145,35 @@
           <a:p>
             <a:r>
               <a:rPr lang="en-GB" dirty="0"/>
-              <a:t>The dataset we have chosen details the salaries from AI related jobs</a:t>
-            </a:r>
+              <a:t>The dataset we have chosen details the salaries from various AI related jobs</a:t>
+            </a:r>
+          </a:p>
+          <a:p>
+            <a:r>
+              <a:rPr lang="en-GB" dirty="0"/>
+              <a:t>We chose it due to the relevance it has towards all of us and our chosen career and due to the amount of data included</a:t>
+            </a:r>
+          </a:p>
+          <a:p>
+            <a:r>
+              <a:rPr lang="en-GB" dirty="0"/>
+              <a:t>Column names include work year, experience level, employment type, job title, salary, salary currency, salary in USD, employee residence, remote ratio, company location and company size</a:t>
+            </a:r>
+          </a:p>
+          <a:p>
+            <a:r>
+              <a:rPr lang="en-GB" dirty="0"/>
+              <a:t>Contains over 70000 entries</a:t>
+            </a:r>
+          </a:p>
+          <a:p>
+            <a:endParaRPr lang="en-GB" dirty="0"/>
+          </a:p>
+          <a:p>
+            <a:pPr marL="0" indent="0">
+              <a:buNone/>
+            </a:pPr>
+            <a:endParaRPr lang="en-GB" dirty="0"/>
           </a:p>
         </p:txBody>
       </p:sp>
@@ -4262,15 +7251,59 @@
             <p:ph idx="1"/>
           </p:nvPr>
         </p:nvSpPr>
-        <p:spPr/>
-        <p:txBody>
-          <a:bodyPr/>
-          <a:lstStyle/>
-          <a:p>
-            <a:endParaRPr lang="en-GB"/>
-          </a:p>
-        </p:txBody>
-      </p:sp>
+        <p:spPr>
+          <a:xfrm>
+            <a:off x="677334" y="1930400"/>
+            <a:ext cx="8596668" cy="3880773"/>
+          </a:xfrm>
+        </p:spPr>
+        <p:txBody>
+          <a:bodyPr/>
+          <a:lstStyle/>
+          <a:p>
+            <a:r>
+              <a:rPr lang="en-GB" dirty="0"/>
+              <a:t>Many different statistics can be extracted from this dataset in relation to job salaries (country, job title etc.) so each person in the group has chosen 2 questions to investigate.</a:t>
+            </a:r>
+          </a:p>
+          <a:p>
+            <a:r>
+              <a:rPr lang="en-GB" dirty="0"/>
+              <a:t>A list of the questions that were chosen is shown below although they will be explained in more detail later in the presentation.</a:t>
+            </a:r>
+          </a:p>
+        </p:txBody>
+      </p:sp>
+      <p:pic>
+        <p:nvPicPr>
+          <p:cNvPr id="5" name="Picture 4">
+            <a:extLst>
+              <a:ext uri="{FF2B5EF4-FFF2-40B4-BE49-F238E27FC236}">
+                <a16:creationId xmlns:a16="http://schemas.microsoft.com/office/drawing/2014/main" id="{F8AF24AC-8B00-3F1B-8934-A08300BE5C49}"/>
+              </a:ext>
+            </a:extLst>
+          </p:cNvPr>
+          <p:cNvPicPr>
+            <a:picLocks noChangeAspect="1"/>
+          </p:cNvPicPr>
+          <p:nvPr/>
+        </p:nvPicPr>
+        <p:blipFill>
+          <a:blip r:embed="rId2"/>
+          <a:stretch>
+            <a:fillRect/>
+          </a:stretch>
+        </p:blipFill>
+        <p:spPr>
+          <a:xfrm>
+            <a:off x="321732" y="3791423"/>
+            <a:ext cx="9952625" cy="2272356"/>
+          </a:xfrm>
+          <a:prstGeom prst="rect">
+            <a:avLst/>
+          </a:prstGeom>
+        </p:spPr>
+      </p:pic>
     </p:spTree>
     <p:extLst>
       <p:ext uri="{BB962C8B-B14F-4D97-AF65-F5344CB8AC3E}">
@@ -4324,7 +7357,7 @@
           <a:p>
             <a:r>
               <a:rPr lang="en-GB" dirty="0"/>
-              <a:t>Application structure</a:t>
+              <a:t>Application Structure</a:t>
             </a:r>
           </a:p>
         </p:txBody>
@@ -4350,7 +7383,49 @@
           <a:bodyPr/>
           <a:lstStyle/>
           <a:p>
-            <a:endParaRPr lang="en-GB"/>
+            <a:r>
+              <a:rPr lang="en-GB" dirty="0"/>
+              <a:t>The structure of our application was decided to include:</a:t>
+            </a:r>
+          </a:p>
+          <a:p>
+            <a:r>
+              <a:rPr lang="en-GB" dirty="0"/>
+              <a:t>The ability to take user input</a:t>
+            </a:r>
+          </a:p>
+          <a:p>
+            <a:r>
+              <a:rPr lang="en-GB" dirty="0"/>
+              <a:t>A main menu</a:t>
+            </a:r>
+          </a:p>
+          <a:p>
+            <a:r>
+              <a:rPr lang="en-GB" dirty="0"/>
+              <a:t>Menu options such as view dataset, view column names and view dataset info</a:t>
+            </a:r>
+          </a:p>
+          <a:p>
+            <a:r>
+              <a:rPr lang="en-GB" dirty="0"/>
+              <a:t>A question selection screen</a:t>
+            </a:r>
+          </a:p>
+          <a:p>
+            <a:r>
+              <a:rPr lang="en-GB" dirty="0"/>
+              <a:t>The way the application will function is through a main menu displaying the options listed above and providing the user the ability to input which feature they would like to use</a:t>
+            </a:r>
+          </a:p>
+          <a:p>
+            <a:endParaRPr lang="en-GB" dirty="0"/>
+          </a:p>
+          <a:p>
+            <a:endParaRPr lang="en-GB" dirty="0"/>
+          </a:p>
+          <a:p>
+            <a:endParaRPr lang="en-GB" dirty="0"/>
           </a:p>
         </p:txBody>
       </p:sp>
@@ -4433,10 +7508,101 @@
           <a:bodyPr/>
           <a:lstStyle/>
           <a:p>
-            <a:endParaRPr lang="en-GB"/>
-          </a:p>
-        </p:txBody>
-      </p:sp>
+            <a:r>
+              <a:rPr lang="en-GB" dirty="0"/>
+              <a:t>The file reading function went through a couple iterations eventually landing on the pandas version shown on the bottom right</a:t>
+            </a:r>
+          </a:p>
+          <a:p>
+            <a:r>
+              <a:rPr lang="en-GB" dirty="0"/>
+              <a:t>1</a:t>
+            </a:r>
+            <a:r>
+              <a:rPr lang="en-GB" baseline="30000" dirty="0"/>
+              <a:t>st</a:t>
+            </a:r>
+            <a:r>
+              <a:rPr lang="en-GB" dirty="0"/>
+              <a:t> version: lengthy is code and doesn’t allow the dataset to be viewed well due to how its stored in a list</a:t>
+            </a:r>
+          </a:p>
+          <a:p>
+            <a:r>
+              <a:rPr lang="en-GB" dirty="0"/>
+              <a:t>2</a:t>
+            </a:r>
+            <a:r>
+              <a:rPr lang="en-GB" baseline="30000" dirty="0"/>
+              <a:t>nd</a:t>
+            </a:r>
+            <a:r>
+              <a:rPr lang="en-GB" dirty="0"/>
+              <a:t> version: concise code which is easy to understand, allows the viewing of the dataset in a formatted way and allows it to be accessed easily.</a:t>
+            </a:r>
+          </a:p>
+        </p:txBody>
+      </p:sp>
+      <p:pic>
+        <p:nvPicPr>
+          <p:cNvPr id="4" name="Picture 3">
+            <a:extLst>
+              <a:ext uri="{FF2B5EF4-FFF2-40B4-BE49-F238E27FC236}">
+                <a16:creationId xmlns:a16="http://schemas.microsoft.com/office/drawing/2014/main" id="{28B1E5C5-0C9B-BDA7-17BA-1224FE455906}"/>
+              </a:ext>
+            </a:extLst>
+          </p:cNvPr>
+          <p:cNvPicPr>
+            <a:picLocks noChangeAspect="1"/>
+          </p:cNvPicPr>
+          <p:nvPr/>
+        </p:nvPicPr>
+        <p:blipFill>
+          <a:blip r:embed="rId2"/>
+          <a:stretch>
+            <a:fillRect/>
+          </a:stretch>
+        </p:blipFill>
+        <p:spPr>
+          <a:xfrm>
+            <a:off x="854075" y="4554009"/>
+            <a:ext cx="4591050" cy="2152650"/>
+          </a:xfrm>
+          <a:prstGeom prst="rect">
+            <a:avLst/>
+          </a:prstGeom>
+        </p:spPr>
+      </p:pic>
+      <p:pic>
+        <p:nvPicPr>
+          <p:cNvPr id="5" name="Picture 4">
+            <a:extLst>
+              <a:ext uri="{FF2B5EF4-FFF2-40B4-BE49-F238E27FC236}">
+                <a16:creationId xmlns:a16="http://schemas.microsoft.com/office/drawing/2014/main" id="{39BACBC9-23AC-0CCF-0165-F5E72D9E1127}"/>
+              </a:ext>
+            </a:extLst>
+          </p:cNvPr>
+          <p:cNvPicPr>
+            <a:picLocks noChangeAspect="1"/>
+          </p:cNvPicPr>
+          <p:nvPr/>
+        </p:nvPicPr>
+        <p:blipFill>
+          <a:blip r:embed="rId3"/>
+          <a:stretch>
+            <a:fillRect/>
+          </a:stretch>
+        </p:blipFill>
+        <p:spPr>
+          <a:xfrm>
+            <a:off x="5988896" y="5112809"/>
+            <a:ext cx="3646172" cy="604566"/>
+          </a:xfrm>
+          <a:prstGeom prst="rect">
+            <a:avLst/>
+          </a:prstGeom>
+        </p:spPr>
+      </p:pic>
     </p:spTree>
     <p:extLst>
       <p:ext uri="{BB962C8B-B14F-4D97-AF65-F5344CB8AC3E}">
@@ -4516,7 +7682,7 @@
           <a:bodyPr/>
           <a:lstStyle/>
           <a:p>
-            <a:endParaRPr lang="en-GB"/>
+            <a:endParaRPr lang="en-GB" dirty="0"/>
           </a:p>
         </p:txBody>
       </p:sp>
@@ -4594,15 +7760,161 @@
             <p:ph idx="1"/>
           </p:nvPr>
         </p:nvSpPr>
-        <p:spPr/>
-        <p:txBody>
-          <a:bodyPr/>
-          <a:lstStyle/>
-          <a:p>
-            <a:endParaRPr lang="en-GB"/>
-          </a:p>
-        </p:txBody>
-      </p:sp>
+        <p:spPr>
+          <a:xfrm>
+            <a:off x="682799" y="1605627"/>
+            <a:ext cx="8596668" cy="3880773"/>
+          </a:xfrm>
+        </p:spPr>
+        <p:txBody>
+          <a:bodyPr/>
+          <a:lstStyle/>
+          <a:p>
+            <a:r>
+              <a:rPr lang="en-GB" dirty="0"/>
+              <a:t>Applying function to the main menu options:</a:t>
+            </a:r>
+          </a:p>
+          <a:p>
+            <a:r>
+              <a:rPr lang="en-GB" dirty="0"/>
+              <a:t>View dataset: simple, mostly taken care of by the file reading function printing out the results </a:t>
+            </a:r>
+          </a:p>
+          <a:p>
+            <a:r>
+              <a:rPr lang="en-GB" dirty="0"/>
+              <a:t>View column names: extracts the first column of data and adds it to a list then prints it out</a:t>
+            </a:r>
+          </a:p>
+          <a:p>
+            <a:r>
+              <a:rPr lang="en-GB" dirty="0"/>
+              <a:t>View dataset info: dataset info is stored in a separate file where it is then read and stored in a variable which is then printed out.</a:t>
+            </a:r>
+          </a:p>
+        </p:txBody>
+      </p:sp>
+      <p:pic>
+        <p:nvPicPr>
+          <p:cNvPr id="4" name="Picture 3">
+            <a:extLst>
+              <a:ext uri="{FF2B5EF4-FFF2-40B4-BE49-F238E27FC236}">
+                <a16:creationId xmlns:a16="http://schemas.microsoft.com/office/drawing/2014/main" id="{0FDBAD7F-A9D6-5856-DB2E-08F25628FEB1}"/>
+              </a:ext>
+            </a:extLst>
+          </p:cNvPr>
+          <p:cNvPicPr>
+            <a:picLocks noChangeAspect="1"/>
+          </p:cNvPicPr>
+          <p:nvPr/>
+        </p:nvPicPr>
+        <p:blipFill>
+          <a:blip r:embed="rId2"/>
+          <a:stretch>
+            <a:fillRect/>
+          </a:stretch>
+        </p:blipFill>
+        <p:spPr>
+          <a:xfrm>
+            <a:off x="589068" y="5252373"/>
+            <a:ext cx="2323465" cy="637540"/>
+          </a:xfrm>
+          <a:prstGeom prst="rect">
+            <a:avLst/>
+          </a:prstGeom>
+        </p:spPr>
+      </p:pic>
+      <p:pic>
+        <p:nvPicPr>
+          <p:cNvPr id="5" name="Picture 4">
+            <a:extLst>
+              <a:ext uri="{FF2B5EF4-FFF2-40B4-BE49-F238E27FC236}">
+                <a16:creationId xmlns:a16="http://schemas.microsoft.com/office/drawing/2014/main" id="{4F5EC61A-8E5E-141C-115E-68B0FA569C82}"/>
+              </a:ext>
+            </a:extLst>
+          </p:cNvPr>
+          <p:cNvPicPr>
+            <a:picLocks noChangeAspect="1"/>
+          </p:cNvPicPr>
+          <p:nvPr/>
+        </p:nvPicPr>
+        <p:blipFill>
+          <a:blip r:embed="rId3"/>
+          <a:stretch>
+            <a:fillRect/>
+          </a:stretch>
+        </p:blipFill>
+        <p:spPr>
+          <a:xfrm>
+            <a:off x="3296497" y="5138073"/>
+            <a:ext cx="3685540" cy="866140"/>
+          </a:xfrm>
+          <a:prstGeom prst="rect">
+            <a:avLst/>
+          </a:prstGeom>
+        </p:spPr>
+      </p:pic>
+      <p:pic>
+        <p:nvPicPr>
+          <p:cNvPr id="7" name="Picture 6">
+            <a:extLst>
+              <a:ext uri="{FF2B5EF4-FFF2-40B4-BE49-F238E27FC236}">
+                <a16:creationId xmlns:a16="http://schemas.microsoft.com/office/drawing/2014/main" id="{7F9AE25B-149A-D206-773E-205D5C1FED25}"/>
+              </a:ext>
+            </a:extLst>
+          </p:cNvPr>
+          <p:cNvPicPr>
+            <a:picLocks noChangeAspect="1"/>
+          </p:cNvPicPr>
+          <p:nvPr/>
+        </p:nvPicPr>
+        <p:blipFill>
+          <a:blip r:embed="rId4"/>
+          <a:stretch>
+            <a:fillRect/>
+          </a:stretch>
+        </p:blipFill>
+        <p:spPr>
+          <a:xfrm>
+            <a:off x="7309379" y="5138073"/>
+            <a:ext cx="3638550" cy="447675"/>
+          </a:xfrm>
+          <a:prstGeom prst="rect">
+            <a:avLst/>
+          </a:prstGeom>
+        </p:spPr>
+      </p:pic>
+      <p:pic>
+        <p:nvPicPr>
+          <p:cNvPr id="9" name="Picture 8">
+            <a:extLst>
+              <a:ext uri="{FF2B5EF4-FFF2-40B4-BE49-F238E27FC236}">
+                <a16:creationId xmlns:a16="http://schemas.microsoft.com/office/drawing/2014/main" id="{9F394B84-04F6-5330-8AC6-71EEB5DE43AD}"/>
+              </a:ext>
+            </a:extLst>
+          </p:cNvPr>
+          <p:cNvPicPr>
+            <a:picLocks noChangeAspect="1"/>
+          </p:cNvPicPr>
+          <p:nvPr/>
+        </p:nvPicPr>
+        <p:blipFill>
+          <a:blip r:embed="rId5"/>
+          <a:stretch>
+            <a:fillRect/>
+          </a:stretch>
+        </p:blipFill>
+        <p:spPr>
+          <a:xfrm>
+            <a:off x="7720012" y="5585748"/>
+            <a:ext cx="1476375" cy="200025"/>
+          </a:xfrm>
+          <a:prstGeom prst="rect">
+            <a:avLst/>
+          </a:prstGeom>
+        </p:spPr>
+      </p:pic>
     </p:spTree>
     <p:extLst>
       <p:ext uri="{BB962C8B-B14F-4D97-AF65-F5344CB8AC3E}">
@@ -4638,7 +7950,7 @@
           <p:cNvPr id="2" name="Title 1">
             <a:extLst>
               <a:ext uri="{FF2B5EF4-FFF2-40B4-BE49-F238E27FC236}">
-                <a16:creationId xmlns:a16="http://schemas.microsoft.com/office/drawing/2014/main" id="{40CCF600-D4F8-F675-FE47-7041B89E708E}"/>
+                <a16:creationId xmlns:a16="http://schemas.microsoft.com/office/drawing/2014/main" id="{A81A8BCD-834F-F181-97CF-D83A97F64CF7}"/>
               </a:ext>
             </a:extLst>
           </p:cNvPr>
@@ -4656,7 +7968,7 @@
           <a:p>
             <a:r>
               <a:rPr lang="en-GB" dirty="0"/>
-              <a:t>Questions (name here)</a:t>
+              <a:t>Question Picking Function</a:t>
             </a:r>
           </a:p>
         </p:txBody>
@@ -4666,7 +7978,7 @@
           <p:cNvPr id="3" name="Content Placeholder 2">
             <a:extLst>
               <a:ext uri="{FF2B5EF4-FFF2-40B4-BE49-F238E27FC236}">
-                <a16:creationId xmlns:a16="http://schemas.microsoft.com/office/drawing/2014/main" id="{ABA57760-612C-2838-D9A6-58544CDB4AA2}"/>
+                <a16:creationId xmlns:a16="http://schemas.microsoft.com/office/drawing/2014/main" id="{64826A3D-0C4A-FAE7-70D4-0448510A4555}"/>
               </a:ext>
             </a:extLst>
           </p:cNvPr>
@@ -4689,7 +8001,7 @@
     </p:spTree>
     <p:extLst>
       <p:ext uri="{BB962C8B-B14F-4D97-AF65-F5344CB8AC3E}">
-        <p14:creationId xmlns:p14="http://schemas.microsoft.com/office/powerpoint/2010/main" val="2455685833"/>
+        <p14:creationId xmlns:p14="http://schemas.microsoft.com/office/powerpoint/2010/main" val="2685277396"/>
       </p:ext>
     </p:extLst>
   </p:cSld>
@@ -4704,13 +8016,7 @@
   <p:cSld>
     <p:spTree>
       <p:nvGrpSpPr>
-        <p:cNvPr id="1" name="">
-          <a:extLst>
-            <a:ext uri="{FF2B5EF4-FFF2-40B4-BE49-F238E27FC236}">
-              <a16:creationId xmlns:a16="http://schemas.microsoft.com/office/drawing/2014/main" id="{81C15E40-9325-919A-21D7-ADE6C089E638}"/>
-            </a:ext>
-          </a:extLst>
-        </p:cNvPr>
+        <p:cNvPr id="1" name=""/>
         <p:cNvGrpSpPr/>
         <p:nvPr/>
       </p:nvGrpSpPr>
@@ -4727,7 +8033,7 @@
           <p:cNvPr id="2" name="Title 1">
             <a:extLst>
               <a:ext uri="{FF2B5EF4-FFF2-40B4-BE49-F238E27FC236}">
-                <a16:creationId xmlns:a16="http://schemas.microsoft.com/office/drawing/2014/main" id="{F2496826-60F6-3C69-14BB-47315B04FB0F}"/>
+                <a16:creationId xmlns:a16="http://schemas.microsoft.com/office/drawing/2014/main" id="{40CCF600-D4F8-F675-FE47-7041B89E708E}"/>
               </a:ext>
             </a:extLst>
           </p:cNvPr>
@@ -4745,7 +8051,7 @@
           <a:p>
             <a:r>
               <a:rPr lang="en-GB" dirty="0"/>
-              <a:t>Questions (name here)</a:t>
+              <a:t>Questions (Jason)</a:t>
             </a:r>
           </a:p>
         </p:txBody>
@@ -4755,7 +8061,7 @@
           <p:cNvPr id="3" name="Content Placeholder 2">
             <a:extLst>
               <a:ext uri="{FF2B5EF4-FFF2-40B4-BE49-F238E27FC236}">
-                <a16:creationId xmlns:a16="http://schemas.microsoft.com/office/drawing/2014/main" id="{01D2AFFD-68C1-4B8D-84EF-E79538E1FEF0}"/>
+                <a16:creationId xmlns:a16="http://schemas.microsoft.com/office/drawing/2014/main" id="{ABA57760-612C-2838-D9A6-58544CDB4AA2}"/>
               </a:ext>
             </a:extLst>
           </p:cNvPr>
@@ -4766,19 +8072,134 @@
             <p:ph idx="1"/>
           </p:nvPr>
         </p:nvSpPr>
-        <p:spPr/>
-        <p:txBody>
-          <a:bodyPr/>
-          <a:lstStyle/>
-          <a:p>
-            <a:endParaRPr lang="en-GB"/>
-          </a:p>
-        </p:txBody>
-      </p:sp>
+        <p:spPr>
+          <a:xfrm>
+            <a:off x="646111" y="1638052"/>
+            <a:ext cx="8946541" cy="4195481"/>
+          </a:xfrm>
+        </p:spPr>
+        <p:txBody>
+          <a:bodyPr/>
+          <a:lstStyle/>
+          <a:p>
+            <a:r>
+              <a:rPr lang="en-GB" dirty="0"/>
+              <a:t>5. what is the difference in average salary between companies with 100% remote work and 0% remote work</a:t>
+            </a:r>
+          </a:p>
+          <a:p>
+            <a:r>
+              <a:rPr lang="en-GB" dirty="0"/>
+              <a:t>The result of the question is that on average jobs with no remote work pay slightly more than jobs that have 100% remote work</a:t>
+            </a:r>
+          </a:p>
+          <a:p>
+            <a:r>
+              <a:rPr lang="en-GB" dirty="0"/>
+              <a:t>The difference is minimal</a:t>
+            </a:r>
+          </a:p>
+        </p:txBody>
+      </p:sp>
+      <p:pic>
+        <p:nvPicPr>
+          <p:cNvPr id="5" name="Picture 4">
+            <a:extLst>
+              <a:ext uri="{FF2B5EF4-FFF2-40B4-BE49-F238E27FC236}">
+                <a16:creationId xmlns:a16="http://schemas.microsoft.com/office/drawing/2014/main" id="{734F4C32-215B-B9E6-DD28-A42DF27F8E84}"/>
+              </a:ext>
+            </a:extLst>
+          </p:cNvPr>
+          <p:cNvPicPr>
+            <a:picLocks noChangeAspect="1"/>
+          </p:cNvPicPr>
+          <p:nvPr/>
+        </p:nvPicPr>
+        <p:blipFill>
+          <a:blip r:embed="rId2"/>
+          <a:stretch>
+            <a:fillRect/>
+          </a:stretch>
+        </p:blipFill>
+        <p:spPr>
+          <a:xfrm>
+            <a:off x="7746999" y="3658309"/>
+            <a:ext cx="4297891" cy="3199691"/>
+          </a:xfrm>
+          <a:prstGeom prst="rect">
+            <a:avLst/>
+          </a:prstGeom>
+        </p:spPr>
+      </p:pic>
+      <p:sp>
+        <p:nvSpPr>
+          <p:cNvPr id="6" name="TextBox 5">
+            <a:extLst>
+              <a:ext uri="{FF2B5EF4-FFF2-40B4-BE49-F238E27FC236}">
+                <a16:creationId xmlns:a16="http://schemas.microsoft.com/office/drawing/2014/main" id="{4A12BB9F-3CFF-7F1E-1C4B-1700B5C88665}"/>
+              </a:ext>
+            </a:extLst>
+          </p:cNvPr>
+          <p:cNvSpPr txBox="1"/>
+          <p:nvPr/>
+        </p:nvSpPr>
+        <p:spPr>
+          <a:xfrm>
+            <a:off x="9013823" y="3199691"/>
+            <a:ext cx="3031067" cy="369332"/>
+          </a:xfrm>
+          <a:prstGeom prst="rect">
+            <a:avLst/>
+          </a:prstGeom>
+          <a:noFill/>
+        </p:spPr>
+        <p:txBody>
+          <a:bodyPr wrap="square" rtlCol="0">
+            <a:spAutoFit/>
+          </a:bodyPr>
+          <a:lstStyle/>
+          <a:p>
+            <a:r>
+              <a:rPr lang="en-GB" dirty="0"/>
+              <a:t>Visualisation</a:t>
+            </a:r>
+          </a:p>
+        </p:txBody>
+      </p:sp>
+      <p:pic>
+        <p:nvPicPr>
+          <p:cNvPr id="8" name="Picture 7">
+            <a:extLst>
+              <a:ext uri="{FF2B5EF4-FFF2-40B4-BE49-F238E27FC236}">
+                <a16:creationId xmlns:a16="http://schemas.microsoft.com/office/drawing/2014/main" id="{1DB58B55-BDF6-5739-A4EF-0C5AE873A19E}"/>
+              </a:ext>
+            </a:extLst>
+          </p:cNvPr>
+          <p:cNvPicPr>
+            <a:picLocks noChangeAspect="1"/>
+          </p:cNvPicPr>
+          <p:nvPr/>
+        </p:nvPicPr>
+        <p:blipFill>
+          <a:blip r:embed="rId3"/>
+          <a:stretch>
+            <a:fillRect/>
+          </a:stretch>
+        </p:blipFill>
+        <p:spPr>
+          <a:xfrm>
+            <a:off x="0" y="4546706"/>
+            <a:ext cx="7564235" cy="2311294"/>
+          </a:xfrm>
+          <a:prstGeom prst="rect">
+            <a:avLst/>
+          </a:prstGeom>
+        </p:spPr>
+      </p:pic>
     </p:spTree>
     <p:extLst>
       <p:ext uri="{BB962C8B-B14F-4D97-AF65-F5344CB8AC3E}">
-        <p14:creationId xmlns:p14="http://schemas.microsoft.com/office/powerpoint/2010/main" val="1091248424"/>
+        <p14:creationId xmlns:p14="http://schemas.microsoft.com/office/powerpoint/2010/main" val="2455685833"/>
       </p:ext>
     </p:extLst>
   </p:cSld>
@@ -4789,9 +8210,9 @@
 </file>
 
 <file path=ppt/theme/theme1.xml><?xml version="1.0" encoding="utf-8"?>
-<a:theme xmlns:a="http://schemas.openxmlformats.org/drawingml/2006/main" name="Office Theme">
+<a:theme xmlns:a="http://schemas.openxmlformats.org/drawingml/2006/main" name="Ion">
   <a:themeElements>
-    <a:clrScheme name="Office">
+    <a:clrScheme name="Ion">
       <a:dk1>
         <a:sysClr val="windowText" lastClr="000000"/>
       </a:dk1>
@@ -4799,44 +8220,44 @@
         <a:sysClr val="window" lastClr="FFFFFF"/>
       </a:lt1>
       <a:dk2>
-        <a:srgbClr val="44546A"/>
+        <a:srgbClr val="1E5155"/>
       </a:dk2>
       <a:lt2>
-        <a:srgbClr val="E7E6E6"/>
+        <a:srgbClr val="EBEBEB"/>
       </a:lt2>
       <a:accent1>
-        <a:srgbClr val="4472C4"/>
+        <a:srgbClr val="B01513"/>
       </a:accent1>
       <a:accent2>
-        <a:srgbClr val="ED7D31"/>
+        <a:srgbClr val="EA6312"/>
       </a:accent2>
       <a:accent3>
-        <a:srgbClr val="A5A5A5"/>
+        <a:srgbClr val="E6B729"/>
       </a:accent3>
       <a:accent4>
-        <a:srgbClr val="FFC000"/>
+        <a:srgbClr val="6AAC90"/>
       </a:accent4>
       <a:accent5>
-        <a:srgbClr val="5B9BD5"/>
+        <a:srgbClr val="54849A"/>
       </a:accent5>
       <a:accent6>
-        <a:srgbClr val="70AD47"/>
+        <a:srgbClr val="9E5E9B"/>
       </a:accent6>
       <a:hlink>
-        <a:srgbClr val="0563C1"/>
+        <a:srgbClr val="58C1BA"/>
       </a:hlink>
       <a:folHlink>
-        <a:srgbClr val="954F72"/>
+        <a:srgbClr val="9DFFCB"/>
       </a:folHlink>
     </a:clrScheme>
-    <a:fontScheme name="Office">
+    <a:fontScheme name="Ion">
       <a:majorFont>
-        <a:latin typeface="Calibri Light" panose="020F0302020204030204"/>
+        <a:latin typeface="Century Gothic" panose="020B0502020202020204"/>
         <a:ea typeface=""/>
         <a:cs typeface=""/>
-        <a:font script="Jpan" typeface="游ゴシック Light"/>
+        <a:font script="Jpan" typeface="メイリオ"/>
         <a:font script="Hang" typeface="맑은 고딕"/>
-        <a:font script="Hans" typeface="等线 Light"/>
+        <a:font script="Hans" typeface="宋体"/>
         <a:font script="Hant" typeface="新細明體"/>
         <a:font script="Arab" typeface="Times New Roman"/>
         <a:font script="Hebr" typeface="Times New Roman"/>
@@ -4864,31 +8285,14 @@
         <a:font script="Viet" typeface="Times New Roman"/>
         <a:font script="Uigh" typeface="Microsoft Uighur"/>
         <a:font script="Geor" typeface="Sylfaen"/>
-        <a:font script="Armn" typeface="Arial"/>
-        <a:font script="Bugi" typeface="Leelawadee UI"/>
-        <a:font script="Bopo" typeface="Microsoft JhengHei"/>
-        <a:font script="Java" typeface="Javanese Text"/>
-        <a:font script="Lisu" typeface="Segoe UI"/>
-        <a:font script="Mymr" typeface="Myanmar Text"/>
-        <a:font script="Nkoo" typeface="Ebrima"/>
-        <a:font script="Olck" typeface="Nirmala UI"/>
-        <a:font script="Osma" typeface="Ebrima"/>
-        <a:font script="Phag" typeface="Phagspa"/>
-        <a:font script="Syrn" typeface="Estrangelo Edessa"/>
-        <a:font script="Syrj" typeface="Estrangelo Edessa"/>
-        <a:font script="Syre" typeface="Estrangelo Edessa"/>
-        <a:font script="Sora" typeface="Nirmala UI"/>
-        <a:font script="Tale" typeface="Microsoft Tai Le"/>
-        <a:font script="Talu" typeface="Microsoft New Tai Lue"/>
-        <a:font script="Tfng" typeface="Ebrima"/>
       </a:majorFont>
       <a:minorFont>
-        <a:latin typeface="Calibri" panose="020F0502020204030204"/>
+        <a:latin typeface="Century Gothic" panose="020B0502020202020204"/>
         <a:ea typeface=""/>
         <a:cs typeface=""/>
-        <a:font script="Jpan" typeface="游ゴシック"/>
+        <a:font script="Jpan" typeface="メイリオ"/>
         <a:font script="Hang" typeface="맑은 고딕"/>
-        <a:font script="Hans" typeface="等线"/>
+        <a:font script="Hans" typeface="宋体"/>
         <a:font script="Hant" typeface="新細明體"/>
         <a:font script="Arab" typeface="Arial"/>
         <a:font script="Hebr" typeface="Arial"/>
@@ -4916,26 +8320,9 @@
         <a:font script="Viet" typeface="Arial"/>
         <a:font script="Uigh" typeface="Microsoft Uighur"/>
         <a:font script="Geor" typeface="Sylfaen"/>
-        <a:font script="Armn" typeface="Arial"/>
-        <a:font script="Bugi" typeface="Leelawadee UI"/>
-        <a:font script="Bopo" typeface="Microsoft JhengHei"/>
-        <a:font script="Java" typeface="Javanese Text"/>
-        <a:font script="Lisu" typeface="Segoe UI"/>
-        <a:font script="Mymr" typeface="Myanmar Text"/>
-        <a:font script="Nkoo" typeface="Ebrima"/>
-        <a:font script="Olck" typeface="Nirmala UI"/>
-        <a:font script="Osma" typeface="Ebrima"/>
-        <a:font script="Phag" typeface="Phagspa"/>
-        <a:font script="Syrn" typeface="Estrangelo Edessa"/>
-        <a:font script="Syrj" typeface="Estrangelo Edessa"/>
-        <a:font script="Syre" typeface="Estrangelo Edessa"/>
-        <a:font script="Sora" typeface="Nirmala UI"/>
-        <a:font script="Tale" typeface="Microsoft Tai Le"/>
-        <a:font script="Talu" typeface="Microsoft New Tai Lue"/>
-        <a:font script="Tfng" typeface="Ebrima"/>
       </a:minorFont>
     </a:fontScheme>
-    <a:fmtScheme name="Office">
+    <a:fmtScheme name="Ion">
       <a:fillStyleLst>
         <a:solidFill>
           <a:schemeClr val="phClr"/>
@@ -4944,23 +8331,15 @@
           <a:gsLst>
             <a:gs pos="0">
               <a:schemeClr val="phClr">
-                <a:lumMod val="110000"/>
-                <a:satMod val="105000"/>
-                <a:tint val="67000"/>
-              </a:schemeClr>
-            </a:gs>
-            <a:gs pos="50000">
-              <a:schemeClr val="phClr">
-                <a:lumMod val="105000"/>
-                <a:satMod val="103000"/>
-                <a:tint val="73000"/>
+                <a:tint val="64000"/>
+                <a:lumMod val="118000"/>
               </a:schemeClr>
             </a:gs>
             <a:gs pos="100000">
               <a:schemeClr val="phClr">
-                <a:lumMod val="105000"/>
-                <a:satMod val="109000"/>
-                <a:tint val="81000"/>
+                <a:tint val="92000"/>
+                <a:alpha val="100000"/>
+                <a:lumMod val="110000"/>
               </a:schemeClr>
             </a:gs>
           </a:gsLst>
@@ -4970,23 +8349,14 @@
           <a:gsLst>
             <a:gs pos="0">
               <a:schemeClr val="phClr">
-                <a:satMod val="103000"/>
-                <a:lumMod val="102000"/>
-                <a:tint val="94000"/>
-              </a:schemeClr>
-            </a:gs>
-            <a:gs pos="50000">
-              <a:schemeClr val="phClr">
-                <a:satMod val="110000"/>
-                <a:lumMod val="100000"/>
-                <a:shade val="100000"/>
+                <a:tint val="98000"/>
+                <a:lumMod val="114000"/>
               </a:schemeClr>
             </a:gs>
             <a:gs pos="100000">
               <a:schemeClr val="phClr">
-                <a:lumMod val="99000"/>
-                <a:satMod val="120000"/>
-                <a:shade val="78000"/>
+                <a:shade val="90000"/>
+                <a:lumMod val="84000"/>
               </a:schemeClr>
             </a:gs>
           </a:gsLst>
@@ -4994,26 +8364,23 @@
         </a:gradFill>
       </a:fillStyleLst>
       <a:lnStyleLst>
-        <a:ln w="6350" cap="flat" cmpd="sng" algn="ctr">
+        <a:ln w="9525" cap="rnd" cmpd="sng" algn="ctr">
           <a:solidFill>
             <a:schemeClr val="phClr"/>
           </a:solidFill>
           <a:prstDash val="solid"/>
-          <a:miter lim="800000"/>
         </a:ln>
-        <a:ln w="12700" cap="flat" cmpd="sng" algn="ctr">
+        <a:ln w="19050" cap="rnd" cmpd="sng" algn="ctr">
           <a:solidFill>
             <a:schemeClr val="phClr"/>
           </a:solidFill>
           <a:prstDash val="solid"/>
-          <a:miter lim="800000"/>
         </a:ln>
-        <a:ln w="19050" cap="flat" cmpd="sng" algn="ctr">
+        <a:ln w="28575" cap="rnd" cmpd="sng" algn="ctr">
           <a:solidFill>
             <a:schemeClr val="phClr"/>
           </a:solidFill>
           <a:prstDash val="solid"/>
-          <a:miter lim="800000"/>
         </a:ln>
       </a:lnStyleLst>
       <a:effectStyleLst>
@@ -5021,55 +8388,80 @@
           <a:effectLst/>
         </a:effectStyle>
         <a:effectStyle>
-          <a:effectLst/>
+          <a:effectLst>
+            <a:outerShdw blurRad="38100" dist="25400" dir="5400000" rotWithShape="0">
+              <a:srgbClr val="000000">
+                <a:alpha val="45000"/>
+              </a:srgbClr>
+            </a:outerShdw>
+          </a:effectLst>
         </a:effectStyle>
         <a:effectStyle>
           <a:effectLst>
-            <a:outerShdw blurRad="57150" dist="19050" dir="5400000" algn="ctr" rotWithShape="0">
+            <a:outerShdw blurRad="63500" dist="38100" dir="5400000" rotWithShape="0">
               <a:srgbClr val="000000">
-                <a:alpha val="63000"/>
+                <a:alpha val="60000"/>
               </a:srgbClr>
             </a:outerShdw>
           </a:effectLst>
+          <a:scene3d>
+            <a:camera prst="orthographicFront">
+              <a:rot lat="0" lon="0" rev="0"/>
+            </a:camera>
+            <a:lightRig rig="threePt" dir="tl"/>
+          </a:scene3d>
+          <a:sp3d prstMaterial="plastic">
+            <a:bevelT w="0" h="0"/>
+          </a:sp3d>
         </a:effectStyle>
       </a:effectStyleLst>
       <a:bgFillStyleLst>
         <a:solidFill>
           <a:schemeClr val="phClr"/>
         </a:solidFill>
-        <a:solidFill>
-          <a:schemeClr val="phClr">
-            <a:tint val="95000"/>
-            <a:satMod val="170000"/>
-          </a:schemeClr>
-        </a:solidFill>
         <a:gradFill rotWithShape="1">
           <a:gsLst>
             <a:gs pos="0">
               <a:schemeClr val="phClr">
-                <a:tint val="93000"/>
-                <a:satMod val="150000"/>
-                <a:shade val="98000"/>
-                <a:lumMod val="102000"/>
-              </a:schemeClr>
-            </a:gs>
-            <a:gs pos="50000">
-              <a:schemeClr val="phClr">
-                <a:tint val="98000"/>
+                <a:tint val="97000"/>
+                <a:hueMod val="88000"/>
                 <a:satMod val="130000"/>
-                <a:shade val="90000"/>
-                <a:lumMod val="103000"/>
+                <a:lumMod val="124000"/>
               </a:schemeClr>
             </a:gs>
             <a:gs pos="100000">
               <a:schemeClr val="phClr">
-                <a:shade val="63000"/>
-                <a:satMod val="120000"/>
+                <a:tint val="96000"/>
+                <a:shade val="88000"/>
+                <a:hueMod val="108000"/>
+                <a:satMod val="164000"/>
+                <a:lumMod val="76000"/>
               </a:schemeClr>
             </a:gs>
           </a:gsLst>
-          <a:lin ang="5400000" scaled="0"/>
+          <a:path path="circle">
+            <a:fillToRect l="45000" t="65000" r="125000" b="100000"/>
+          </a:path>
         </a:gradFill>
+        <a:blipFill rotWithShape="1">
+          <a:blip xmlns:r="http://schemas.openxmlformats.org/officeDocument/2006/relationships" r:embed="rId1">
+            <a:duotone>
+              <a:schemeClr val="phClr">
+                <a:shade val="69000"/>
+                <a:hueMod val="108000"/>
+                <a:satMod val="164000"/>
+                <a:lumMod val="74000"/>
+              </a:schemeClr>
+              <a:schemeClr val="phClr">
+                <a:tint val="96000"/>
+                <a:hueMod val="88000"/>
+                <a:satMod val="140000"/>
+                <a:lumMod val="132000"/>
+              </a:schemeClr>
+            </a:duotone>
+          </a:blip>
+          <a:stretch/>
+        </a:blipFill>
       </a:bgFillStyleLst>
     </a:fmtScheme>
   </a:themeElements>
@@ -5077,7 +8469,7 @@
   <a:extraClrSchemeLst/>
   <a:extLst>
     <a:ext uri="{05A4C25C-085E-4340-85A3-A5531E510DB2}">
-      <thm15:themeFamily xmlns:thm15="http://schemas.microsoft.com/office/thememl/2012/main" name="Office Theme" id="{62F939B6-93AF-4DB8-9C6B-D6C7DFDC589F}" vid="{4A3C46E8-61CC-4603-A589-7422A47A8E4A}"/>
+      <thm15:themeFamily xmlns:thm15="http://schemas.microsoft.com/office/thememl/2012/main" name="Ion" id="{B8441ADB-2E43-4AF7-B97A-BD870242C6A8}" vid="{292E63A9-BB86-4E3D-B92A-7223C6510D2E}"/>
     </a:ext>
   </a:extLst>
 </a:theme>

--- a/Computer Science Workshop Presentation.pptx
+++ b/Computer Science Workshop Presentation.pptx
@@ -6423,7 +6423,7 @@
           <a:p>
             <a:r>
               <a:rPr lang="en-GB" dirty="0"/>
-              <a:t>Questions (name here)</a:t>
+              <a:t>Questions (Jake)</a:t>
             </a:r>
           </a:p>
         </p:txBody>
@@ -6449,7 +6449,141 @@
           <a:bodyPr/>
           <a:lstStyle/>
           <a:p>
-            <a:endParaRPr lang="en-GB"/>
+            <a:r>
+              <a:rPr lang="en-GB" dirty="0"/>
+              <a:t>7. What are the job titles for the lowest ten paying jobs (in ascending order)? </a:t>
+            </a:r>
+          </a:p>
+          <a:p>
+            <a:endParaRPr lang="en-GB" dirty="0"/>
+          </a:p>
+          <a:p>
+            <a:endParaRPr lang="en-GB" dirty="0"/>
+          </a:p>
+          <a:p>
+            <a:endParaRPr lang="en-GB" dirty="0"/>
+          </a:p>
+          <a:p>
+            <a:endParaRPr lang="en-GB" dirty="0"/>
+          </a:p>
+          <a:p>
+            <a:endParaRPr lang="en-GB" dirty="0"/>
+          </a:p>
+          <a:p>
+            <a:endParaRPr lang="en-GB" dirty="0"/>
+          </a:p>
+          <a:p>
+            <a:endParaRPr lang="en-GB" dirty="0"/>
+          </a:p>
+          <a:p>
+            <a:endParaRPr lang="en-GB" dirty="0"/>
+          </a:p>
+          <a:p>
+            <a:endParaRPr lang="en-GB" dirty="0"/>
+          </a:p>
+        </p:txBody>
+      </p:sp>
+      <p:pic>
+        <p:nvPicPr>
+          <p:cNvPr id="5" name="Picture 4">
+            <a:extLst>
+              <a:ext uri="{FF2B5EF4-FFF2-40B4-BE49-F238E27FC236}">
+                <a16:creationId xmlns:a16="http://schemas.microsoft.com/office/drawing/2014/main" id="{7A1FBA96-E3F8-673B-72A0-651F1C198EE1}"/>
+              </a:ext>
+            </a:extLst>
+          </p:cNvPr>
+          <p:cNvPicPr>
+            <a:picLocks noChangeAspect="1"/>
+          </p:cNvPicPr>
+          <p:nvPr/>
+        </p:nvPicPr>
+        <p:blipFill>
+          <a:blip r:embed="rId2"/>
+          <a:stretch>
+            <a:fillRect/>
+          </a:stretch>
+        </p:blipFill>
+        <p:spPr>
+          <a:xfrm>
+            <a:off x="2" y="3952875"/>
+            <a:ext cx="4124324" cy="2905124"/>
+          </a:xfrm>
+          <a:prstGeom prst="rect">
+            <a:avLst/>
+          </a:prstGeom>
+        </p:spPr>
+      </p:pic>
+      <p:pic>
+        <p:nvPicPr>
+          <p:cNvPr id="6" name="Picture 5" descr="A screenshot of a computer screen&#10;&#10;AI-generated content may be incorrect.">
+            <a:extLst>
+              <a:ext uri="{FF2B5EF4-FFF2-40B4-BE49-F238E27FC236}">
+                <a16:creationId xmlns:a16="http://schemas.microsoft.com/office/drawing/2014/main" id="{09BAD844-0776-9C63-C03B-17E4A88290C3}"/>
+              </a:ext>
+            </a:extLst>
+          </p:cNvPr>
+          <p:cNvPicPr>
+            <a:picLocks noChangeAspect="1"/>
+          </p:cNvPicPr>
+          <p:nvPr/>
+        </p:nvPicPr>
+        <p:blipFill>
+          <a:blip r:embed="rId3"/>
+          <a:stretch>
+            <a:fillRect/>
+          </a:stretch>
+        </p:blipFill>
+        <p:spPr>
+          <a:xfrm>
+            <a:off x="4124327" y="5095874"/>
+            <a:ext cx="3256785" cy="1762125"/>
+          </a:xfrm>
+          <a:prstGeom prst="rect">
+            <a:avLst/>
+          </a:prstGeom>
+        </p:spPr>
+      </p:pic>
+      <p:sp>
+        <p:nvSpPr>
+          <p:cNvPr id="7" name="TextBox 6">
+            <a:extLst>
+              <a:ext uri="{FF2B5EF4-FFF2-40B4-BE49-F238E27FC236}">
+                <a16:creationId xmlns:a16="http://schemas.microsoft.com/office/drawing/2014/main" id="{A26C25FB-486B-9E55-1766-6D5D1E2F6B35}"/>
+              </a:ext>
+            </a:extLst>
+          </p:cNvPr>
+          <p:cNvSpPr txBox="1"/>
+          <p:nvPr/>
+        </p:nvSpPr>
+        <p:spPr>
+          <a:xfrm>
+            <a:off x="4210050" y="2505075"/>
+            <a:ext cx="7867650" cy="2031325"/>
+          </a:xfrm>
+          <a:prstGeom prst="rect">
+            <a:avLst/>
+          </a:prstGeom>
+          <a:noFill/>
+        </p:spPr>
+        <p:txBody>
+          <a:bodyPr wrap="square" rtlCol="0">
+            <a:spAutoFit/>
+          </a:bodyPr>
+          <a:lstStyle/>
+          <a:p>
+            <a:r>
+              <a:rPr lang="en-GB" dirty="0"/>
+              <a:t>As we can see in the results, a range of ~$25,000 between the lowest paying job title and the tenth lowest paying job title but also shows differences in what the job is about. </a:t>
+            </a:r>
+          </a:p>
+          <a:p>
+            <a:endParaRPr lang="en-GB" dirty="0"/>
+          </a:p>
+          <a:p>
+            <a:r>
+              <a:rPr lang="en-GB" dirty="0"/>
+              <a:t>The lowest paying job is an analytics analyst at $24,000 whereas a people data analyst makes over $20,00 more than that showing the things they are analysing are important to consider.</a:t>
+            </a:r>
           </a:p>
         </p:txBody>
       </p:sp>
@@ -6512,7 +6646,7 @@
           <a:p>
             <a:r>
               <a:rPr lang="en-GB" dirty="0"/>
-              <a:t>Questions (name here)</a:t>
+              <a:t>Questions (Jake)</a:t>
             </a:r>
           </a:p>
         </p:txBody>
@@ -6538,7 +6672,83 @@
           <a:bodyPr/>
           <a:lstStyle/>
           <a:p>
-            <a:endParaRPr lang="en-GB"/>
+            <a:r>
+              <a:rPr lang="en-GB" dirty="0"/>
+              <a:t>8. What is the main trend between experience level and salary?</a:t>
+            </a:r>
+          </a:p>
+        </p:txBody>
+      </p:sp>
+      <p:pic>
+        <p:nvPicPr>
+          <p:cNvPr id="5" name="Picture 4">
+            <a:extLst>
+              <a:ext uri="{FF2B5EF4-FFF2-40B4-BE49-F238E27FC236}">
+                <a16:creationId xmlns:a16="http://schemas.microsoft.com/office/drawing/2014/main" id="{A1CA0474-FCE2-1811-BD44-F12D331A4558}"/>
+              </a:ext>
+            </a:extLst>
+          </p:cNvPr>
+          <p:cNvPicPr>
+            <a:picLocks noChangeAspect="1"/>
+          </p:cNvPicPr>
+          <p:nvPr/>
+        </p:nvPicPr>
+        <p:blipFill>
+          <a:blip r:embed="rId2"/>
+          <a:stretch>
+            <a:fillRect/>
+          </a:stretch>
+        </p:blipFill>
+        <p:spPr>
+          <a:xfrm>
+            <a:off x="0" y="4216164"/>
+            <a:ext cx="3790950" cy="2641836"/>
+          </a:xfrm>
+          <a:prstGeom prst="rect">
+            <a:avLst/>
+          </a:prstGeom>
+        </p:spPr>
+      </p:pic>
+      <p:sp>
+        <p:nvSpPr>
+          <p:cNvPr id="6" name="TextBox 5">
+            <a:extLst>
+              <a:ext uri="{FF2B5EF4-FFF2-40B4-BE49-F238E27FC236}">
+                <a16:creationId xmlns:a16="http://schemas.microsoft.com/office/drawing/2014/main" id="{97E135A6-21DE-9C5F-0FAB-F552CFC99313}"/>
+              </a:ext>
+            </a:extLst>
+          </p:cNvPr>
+          <p:cNvSpPr txBox="1"/>
+          <p:nvPr/>
+        </p:nvSpPr>
+        <p:spPr>
+          <a:xfrm>
+            <a:off x="4629150" y="3228975"/>
+            <a:ext cx="7305675" cy="1754326"/>
+          </a:xfrm>
+          <a:prstGeom prst="rect">
+            <a:avLst/>
+          </a:prstGeom>
+          <a:noFill/>
+        </p:spPr>
+        <p:txBody>
+          <a:bodyPr wrap="square" rtlCol="0">
+            <a:spAutoFit/>
+          </a:bodyPr>
+          <a:lstStyle/>
+          <a:p>
+            <a:r>
+              <a:rPr lang="en-GB" dirty="0"/>
+              <a:t>As we can see The executive-level holds the highest average closely followed by Senior level. Mid level follows closely behind that but there </a:t>
+            </a:r>
+            <a:r>
+              <a:rPr lang="en-GB"/>
+              <a:t>is a </a:t>
+            </a:r>
+            <a:r>
+              <a:rPr lang="en-GB" dirty="0"/>
+              <a:t>noticeable difference when we get to entry level, however this is to be expected. So, although the order is as expected we can still see to what extent and how closely each are followed with each other.</a:t>
+            </a:r>
           </a:p>
         </p:txBody>
       </p:sp>

--- a/Computer Science Workshop Presentation.pptx
+++ b/Computer Science Workshop Presentation.pptx
@@ -6804,14 +6804,19 @@
             <p:ph type="title"/>
           </p:nvPr>
         </p:nvSpPr>
-        <p:spPr/>
+        <p:spPr>
+          <a:xfrm>
+            <a:off x="646111" y="452718"/>
+            <a:ext cx="9404723" cy="1074424"/>
+          </a:xfrm>
+        </p:spPr>
         <p:txBody>
           <a:bodyPr/>
           <a:lstStyle/>
           <a:p>
             <a:r>
               <a:rPr lang="en-GB" dirty="0"/>
-              <a:t>Questions (name here)</a:t>
+              <a:t>Questions (Fiyin)</a:t>
             </a:r>
           </a:p>
         </p:txBody>
@@ -6832,15 +6837,116 @@
             <p:ph idx="1"/>
           </p:nvPr>
         </p:nvSpPr>
-        <p:spPr/>
-        <p:txBody>
-          <a:bodyPr/>
-          <a:lstStyle/>
-          <a:p>
-            <a:endParaRPr lang="en-GB"/>
-          </a:p>
-        </p:txBody>
-      </p:sp>
+        <p:spPr>
+          <a:xfrm>
+            <a:off x="1103312" y="1696825"/>
+            <a:ext cx="8946541" cy="4551574"/>
+          </a:xfrm>
+        </p:spPr>
+        <p:txBody>
+          <a:bodyPr/>
+          <a:lstStyle/>
+          <a:p>
+            <a:r>
+              <a:rPr lang="en-GB" kern="100" dirty="0">
+                <a:effectLst/>
+                <a:ea typeface="Microsoft YaHei" panose="020B0503020204020204" pitchFamily="34" charset="-122"/>
+                <a:cs typeface="Sans Serif Collection" panose="020B0502040504020204" pitchFamily="34" charset="0"/>
+              </a:rPr>
+              <a:t>Which countries offer the highest salaries for AI professionals?</a:t>
+            </a:r>
+            <a:endParaRPr lang="en-US" kern="100" dirty="0">
+              <a:effectLst/>
+              <a:ea typeface="Aptos"/>
+              <a:cs typeface="Times New Roman" panose="02020603050405020304" pitchFamily="18" charset="0"/>
+            </a:endParaRPr>
+          </a:p>
+          <a:p>
+            <a:r>
+              <a:rPr lang="en-US" dirty="0"/>
+              <a:t>The top 10 countries with the highest </a:t>
+            </a:r>
+            <a:r>
+              <a:rPr lang="en-US" b="1" dirty="0"/>
+              <a:t>average AI salaries</a:t>
+            </a:r>
+            <a:r>
+              <a:rPr lang="en-US" dirty="0"/>
+              <a:t> were identified based on employee residence. </a:t>
+            </a:r>
+          </a:p>
+          <a:p>
+            <a:r>
+              <a:rPr lang="en-US" dirty="0"/>
+              <a:t>Countries like Qatar, Morocco, and Venezuela lead the list. Salaries are highest in regions with strong tech industries and high living costs.</a:t>
+            </a:r>
+          </a:p>
+          <a:p>
+            <a:pPr marL="0" indent="0">
+              <a:buNone/>
+            </a:pPr>
+            <a:endParaRPr lang="en-GB" dirty="0"/>
+          </a:p>
+        </p:txBody>
+      </p:sp>
+      <p:pic>
+        <p:nvPicPr>
+          <p:cNvPr id="7" name="Picture 6">
+            <a:extLst>
+              <a:ext uri="{FF2B5EF4-FFF2-40B4-BE49-F238E27FC236}">
+                <a16:creationId xmlns:a16="http://schemas.microsoft.com/office/drawing/2014/main" id="{DBCB226C-A4C0-4C3D-A4C8-D630E2584027}"/>
+              </a:ext>
+            </a:extLst>
+          </p:cNvPr>
+          <p:cNvPicPr/>
+          <p:nvPr/>
+        </p:nvPicPr>
+        <p:blipFill>
+          <a:blip r:embed="rId2"/>
+          <a:stretch>
+            <a:fillRect/>
+          </a:stretch>
+        </p:blipFill>
+        <p:spPr>
+          <a:xfrm>
+            <a:off x="0" y="4266415"/>
+            <a:ext cx="5326144" cy="2619865"/>
+          </a:xfrm>
+          <a:prstGeom prst="rect">
+            <a:avLst/>
+          </a:prstGeom>
+        </p:spPr>
+      </p:pic>
+      <p:pic>
+        <p:nvPicPr>
+          <p:cNvPr id="9" name="Picture 8">
+            <a:extLst>
+              <a:ext uri="{FF2B5EF4-FFF2-40B4-BE49-F238E27FC236}">
+                <a16:creationId xmlns:a16="http://schemas.microsoft.com/office/drawing/2014/main" id="{A4AC3B0E-E866-4BEB-B6E7-31053DB14237}"/>
+              </a:ext>
+            </a:extLst>
+          </p:cNvPr>
+          <p:cNvPicPr>
+            <a:picLocks noChangeAspect="1"/>
+          </p:cNvPicPr>
+          <p:nvPr/>
+        </p:nvPicPr>
+        <p:blipFill>
+          <a:blip r:embed="rId3"/>
+          <a:stretch>
+            <a:fillRect/>
+          </a:stretch>
+        </p:blipFill>
+        <p:spPr>
+          <a:xfrm>
+            <a:off x="5910606" y="3834017"/>
+            <a:ext cx="6281394" cy="3023983"/>
+          </a:xfrm>
+          <a:prstGeom prst="rect">
+            <a:avLst/>
+          </a:prstGeom>
+        </p:spPr>
+      </p:pic>
     </p:spTree>
     <p:extLst>
       <p:ext uri="{BB962C8B-B14F-4D97-AF65-F5344CB8AC3E}">
@@ -6900,7 +7006,7 @@
           <a:p>
             <a:r>
               <a:rPr lang="en-GB" dirty="0"/>
-              <a:t>Questions (name here)</a:t>
+              <a:t>Questions (Fiyin)</a:t>
             </a:r>
           </a:p>
         </p:txBody>
@@ -6921,15 +7027,112 @@
             <p:ph idx="1"/>
           </p:nvPr>
         </p:nvSpPr>
-        <p:spPr/>
-        <p:txBody>
-          <a:bodyPr/>
-          <a:lstStyle/>
-          <a:p>
-            <a:endParaRPr lang="en-GB"/>
-          </a:p>
-        </p:txBody>
-      </p:sp>
+        <p:spPr>
+          <a:xfrm>
+            <a:off x="990190" y="1515590"/>
+            <a:ext cx="8946541" cy="4195481"/>
+          </a:xfrm>
+        </p:spPr>
+        <p:txBody>
+          <a:bodyPr>
+            <a:normAutofit/>
+          </a:bodyPr>
+          <a:lstStyle/>
+          <a:p>
+            <a:r>
+              <a:rPr lang="en-US" sz="1800" kern="0" dirty="0">
+                <a:effectLst/>
+                <a:ea typeface="Times New Roman" panose="02020603050405020304" pitchFamily="18" charset="0"/>
+                <a:cs typeface="Sans Serif Collection" panose="020B0502040504020204" pitchFamily="34" charset="0"/>
+              </a:rPr>
+              <a:t>What are the highest-paying AI job titles?</a:t>
+            </a:r>
+          </a:p>
+          <a:p>
+            <a:r>
+              <a:rPr lang="en-US" sz="1800" dirty="0"/>
+              <a:t>The top 8 highest-paying AI roles were identified based on average salary in USD.</a:t>
+            </a:r>
+          </a:p>
+          <a:p>
+            <a:r>
+              <a:rPr lang="en-US" sz="1800" dirty="0"/>
+              <a:t>With  Analytics Engineering Manager, Data Science Tech Lead, and Applied AI/ML Lead coming out as the top 3 most paid roles.</a:t>
+            </a:r>
+          </a:p>
+          <a:p>
+            <a:r>
+              <a:rPr lang="en-US" sz="1800" dirty="0"/>
+              <a:t> These positions typically require advanced expertise and leadership responsibilities.</a:t>
+            </a:r>
+            <a:endParaRPr lang="en-US" sz="1800" kern="100" dirty="0">
+              <a:effectLst/>
+              <a:ea typeface="Aptos"/>
+              <a:cs typeface="Times New Roman" panose="02020603050405020304" pitchFamily="18" charset="0"/>
+            </a:endParaRPr>
+          </a:p>
+        </p:txBody>
+      </p:sp>
+      <p:pic>
+        <p:nvPicPr>
+          <p:cNvPr id="6" name="Picture 5">
+            <a:extLst>
+              <a:ext uri="{FF2B5EF4-FFF2-40B4-BE49-F238E27FC236}">
+                <a16:creationId xmlns:a16="http://schemas.microsoft.com/office/drawing/2014/main" id="{75CB0B96-F514-4FA4-AF5B-33640EE4E3B8}"/>
+              </a:ext>
+            </a:extLst>
+          </p:cNvPr>
+          <p:cNvPicPr>
+            <a:picLocks noChangeAspect="1"/>
+          </p:cNvPicPr>
+          <p:nvPr/>
+        </p:nvPicPr>
+        <p:blipFill>
+          <a:blip r:embed="rId2"/>
+          <a:stretch>
+            <a:fillRect/>
+          </a:stretch>
+        </p:blipFill>
+        <p:spPr>
+          <a:xfrm>
+            <a:off x="0" y="4582211"/>
+            <a:ext cx="6096000" cy="2257720"/>
+          </a:xfrm>
+          <a:prstGeom prst="rect">
+            <a:avLst/>
+          </a:prstGeom>
+        </p:spPr>
+      </p:pic>
+      <p:pic>
+        <p:nvPicPr>
+          <p:cNvPr id="10" name="Picture 9">
+            <a:extLst>
+              <a:ext uri="{FF2B5EF4-FFF2-40B4-BE49-F238E27FC236}">
+                <a16:creationId xmlns:a16="http://schemas.microsoft.com/office/drawing/2014/main" id="{E4FEA8D0-7DBA-454D-8D4A-2568E2A92DAB}"/>
+              </a:ext>
+            </a:extLst>
+          </p:cNvPr>
+          <p:cNvPicPr>
+            <a:picLocks noChangeAspect="1"/>
+          </p:cNvPicPr>
+          <p:nvPr/>
+        </p:nvPicPr>
+        <p:blipFill>
+          <a:blip r:embed="rId3"/>
+          <a:stretch>
+            <a:fillRect/>
+          </a:stretch>
+        </p:blipFill>
+        <p:spPr>
+          <a:xfrm>
+            <a:off x="6096000" y="3582186"/>
+            <a:ext cx="6170063" cy="3275814"/>
+          </a:xfrm>
+          <a:prstGeom prst="rect">
+            <a:avLst/>
+          </a:prstGeom>
+        </p:spPr>
+      </p:pic>
     </p:spTree>
     <p:extLst>
       <p:ext uri="{BB962C8B-B14F-4D97-AF65-F5344CB8AC3E}">

--- a/Computer Science Workshop Presentation.pptx
+++ b/Computer Science Workshop Presentation.pptx
@@ -21,8 +21,10 @@
     <p:sldId id="267" r:id="rId15"/>
     <p:sldId id="268" r:id="rId16"/>
     <p:sldId id="269" r:id="rId17"/>
-    <p:sldId id="270" r:id="rId18"/>
-    <p:sldId id="272" r:id="rId19"/>
+    <p:sldId id="278" r:id="rId18"/>
+    <p:sldId id="277" r:id="rId19"/>
+    <p:sldId id="270" r:id="rId20"/>
+    <p:sldId id="272" r:id="rId21"/>
   </p:sldIdLst>
   <p:sldSz cx="12192000" cy="6858000"/>
   <p:notesSz cx="6858000" cy="9144000"/>
@@ -315,7 +317,7 @@
           <a:p>
             <a:fld id="{21BA8546-65F5-45C1-86D6-71996A276C06}" type="datetimeFigureOut">
               <a:rPr lang="en-GB" smtClean="0"/>
-              <a:t>08/04/2025</a:t>
+              <a:t>09/04/2025</a:t>
             </a:fld>
             <a:endParaRPr lang="en-GB"/>
           </a:p>
@@ -590,7 +592,7 @@
           <a:p>
             <a:fld id="{21BA8546-65F5-45C1-86D6-71996A276C06}" type="datetimeFigureOut">
               <a:rPr lang="en-GB" smtClean="0"/>
-              <a:t>08/04/2025</a:t>
+              <a:t>09/04/2025</a:t>
             </a:fld>
             <a:endParaRPr lang="en-GB"/>
           </a:p>
@@ -784,7 +786,7 @@
           <a:p>
             <a:fld id="{21BA8546-65F5-45C1-86D6-71996A276C06}" type="datetimeFigureOut">
               <a:rPr lang="en-GB" smtClean="0"/>
-              <a:t>08/04/2025</a:t>
+              <a:t>09/04/2025</a:t>
             </a:fld>
             <a:endParaRPr lang="en-GB"/>
           </a:p>
@@ -1057,7 +1059,7 @@
           <a:p>
             <a:fld id="{21BA8546-65F5-45C1-86D6-71996A276C06}" type="datetimeFigureOut">
               <a:rPr lang="en-GB" smtClean="0"/>
-              <a:t>08/04/2025</a:t>
+              <a:t>09/04/2025</a:t>
             </a:fld>
             <a:endParaRPr lang="en-GB"/>
           </a:p>
@@ -1398,7 +1400,7 @@
           <a:p>
             <a:fld id="{21BA8546-65F5-45C1-86D6-71996A276C06}" type="datetimeFigureOut">
               <a:rPr lang="en-GB" smtClean="0"/>
-              <a:t>08/04/2025</a:t>
+              <a:t>09/04/2025</a:t>
             </a:fld>
             <a:endParaRPr lang="en-GB"/>
           </a:p>
@@ -2021,7 +2023,7 @@
           <a:p>
             <a:fld id="{21BA8546-65F5-45C1-86D6-71996A276C06}" type="datetimeFigureOut">
               <a:rPr lang="en-GB" smtClean="0"/>
-              <a:t>08/04/2025</a:t>
+              <a:t>09/04/2025</a:t>
             </a:fld>
             <a:endParaRPr lang="en-GB"/>
           </a:p>
@@ -2881,7 +2883,7 @@
           <a:p>
             <a:fld id="{21BA8546-65F5-45C1-86D6-71996A276C06}" type="datetimeFigureOut">
               <a:rPr lang="en-GB" smtClean="0"/>
-              <a:t>08/04/2025</a:t>
+              <a:t>09/04/2025</a:t>
             </a:fld>
             <a:endParaRPr lang="en-GB"/>
           </a:p>
@@ -3051,7 +3053,7 @@
           <a:p>
             <a:fld id="{21BA8546-65F5-45C1-86D6-71996A276C06}" type="datetimeFigureOut">
               <a:rPr lang="en-GB" smtClean="0"/>
-              <a:t>08/04/2025</a:t>
+              <a:t>09/04/2025</a:t>
             </a:fld>
             <a:endParaRPr lang="en-GB"/>
           </a:p>
@@ -3231,7 +3233,7 @@
           <a:p>
             <a:fld id="{21BA8546-65F5-45C1-86D6-71996A276C06}" type="datetimeFigureOut">
               <a:rPr lang="en-GB" smtClean="0"/>
-              <a:t>08/04/2025</a:t>
+              <a:t>09/04/2025</a:t>
             </a:fld>
             <a:endParaRPr lang="en-GB"/>
           </a:p>
@@ -3401,7 +3403,7 @@
           <a:p>
             <a:fld id="{21BA8546-65F5-45C1-86D6-71996A276C06}" type="datetimeFigureOut">
               <a:rPr lang="en-GB" smtClean="0"/>
-              <a:t>08/04/2025</a:t>
+              <a:t>09/04/2025</a:t>
             </a:fld>
             <a:endParaRPr lang="en-GB"/>
           </a:p>
@@ -3648,7 +3650,7 @@
           <a:p>
             <a:fld id="{21BA8546-65F5-45C1-86D6-71996A276C06}" type="datetimeFigureOut">
               <a:rPr lang="en-GB" smtClean="0"/>
-              <a:t>08/04/2025</a:t>
+              <a:t>09/04/2025</a:t>
             </a:fld>
             <a:endParaRPr lang="en-GB"/>
           </a:p>
@@ -3940,7 +3942,7 @@
           <a:p>
             <a:fld id="{21BA8546-65F5-45C1-86D6-71996A276C06}" type="datetimeFigureOut">
               <a:rPr lang="en-GB" smtClean="0"/>
-              <a:t>08/04/2025</a:t>
+              <a:t>09/04/2025</a:t>
             </a:fld>
             <a:endParaRPr lang="en-GB"/>
           </a:p>
@@ -4384,7 +4386,7 @@
           <a:p>
             <a:fld id="{21BA8546-65F5-45C1-86D6-71996A276C06}" type="datetimeFigureOut">
               <a:rPr lang="en-GB" smtClean="0"/>
-              <a:t>08/04/2025</a:t>
+              <a:t>09/04/2025</a:t>
             </a:fld>
             <a:endParaRPr lang="en-GB"/>
           </a:p>
@@ -4502,7 +4504,7 @@
           <a:p>
             <a:fld id="{21BA8546-65F5-45C1-86D6-71996A276C06}" type="datetimeFigureOut">
               <a:rPr lang="en-GB" smtClean="0"/>
-              <a:t>08/04/2025</a:t>
+              <a:t>09/04/2025</a:t>
             </a:fld>
             <a:endParaRPr lang="en-GB"/>
           </a:p>
@@ -4597,7 +4599,7 @@
           <a:p>
             <a:fld id="{21BA8546-65F5-45C1-86D6-71996A276C06}" type="datetimeFigureOut">
               <a:rPr lang="en-GB" smtClean="0"/>
-              <a:t>08/04/2025</a:t>
+              <a:t>09/04/2025</a:t>
             </a:fld>
             <a:endParaRPr lang="en-GB"/>
           </a:p>
@@ -4876,7 +4878,7 @@
           <a:p>
             <a:fld id="{21BA8546-65F5-45C1-86D6-71996A276C06}" type="datetimeFigureOut">
               <a:rPr lang="en-GB" smtClean="0"/>
-              <a:t>08/04/2025</a:t>
+              <a:t>09/04/2025</a:t>
             </a:fld>
             <a:endParaRPr lang="en-GB"/>
           </a:p>
@@ -5151,7 +5153,7 @@
           <a:p>
             <a:fld id="{21BA8546-65F5-45C1-86D6-71996A276C06}" type="datetimeFigureOut">
               <a:rPr lang="en-GB" smtClean="0"/>
-              <a:t>08/04/2025</a:t>
+              <a:t>09/04/2025</a:t>
             </a:fld>
             <a:endParaRPr lang="en-GB"/>
           </a:p>
@@ -5580,7 +5582,7 @@
           <a:p>
             <a:fld id="{21BA8546-65F5-45C1-86D6-71996A276C06}" type="datetimeFigureOut">
               <a:rPr lang="en-GB" smtClean="0"/>
-              <a:t>08/04/2025</a:t>
+              <a:t>09/04/2025</a:t>
             </a:fld>
             <a:endParaRPr lang="en-GB"/>
           </a:p>
@@ -7329,7 +7331,13 @@
   <p:cSld>
     <p:spTree>
       <p:nvGrpSpPr>
-        <p:cNvPr id="1" name=""/>
+        <p:cNvPr id="1" name="">
+          <a:extLst>
+            <a:ext uri="{FF2B5EF4-FFF2-40B4-BE49-F238E27FC236}">
+              <a16:creationId xmlns:a16="http://schemas.microsoft.com/office/drawing/2014/main" id="{582DF4C0-23B9-D451-0188-EAC481DC4B08}"/>
+            </a:ext>
+          </a:extLst>
+        </p:cNvPr>
         <p:cNvGrpSpPr/>
         <p:nvPr/>
       </p:nvGrpSpPr>
@@ -7346,7 +7354,7 @@
           <p:cNvPr id="2" name="Title 1">
             <a:extLst>
               <a:ext uri="{FF2B5EF4-FFF2-40B4-BE49-F238E27FC236}">
-                <a16:creationId xmlns:a16="http://schemas.microsoft.com/office/drawing/2014/main" id="{3C933A38-E6F9-538A-B309-AD150C4ECEEF}"/>
+                <a16:creationId xmlns:a16="http://schemas.microsoft.com/office/drawing/2014/main" id="{7640F518-C5D5-3F49-181A-323BD72A9FDB}"/>
               </a:ext>
             </a:extLst>
           </p:cNvPr>
@@ -7364,7 +7372,7 @@
           <a:p>
             <a:r>
               <a:rPr lang="en-GB" dirty="0"/>
-              <a:t>Testing</a:t>
+              <a:t>Questions (name here)</a:t>
             </a:r>
           </a:p>
         </p:txBody>
@@ -7374,7 +7382,7 @@
           <p:cNvPr id="3" name="Content Placeholder 2">
             <a:extLst>
               <a:ext uri="{FF2B5EF4-FFF2-40B4-BE49-F238E27FC236}">
-                <a16:creationId xmlns:a16="http://schemas.microsoft.com/office/drawing/2014/main" id="{4703D08B-904D-4630-DD72-F68A4F1B92D8}"/>
+                <a16:creationId xmlns:a16="http://schemas.microsoft.com/office/drawing/2014/main" id="{37ABEAC2-01DB-E31B-D15A-3944BCD21796}"/>
               </a:ext>
             </a:extLst>
           </p:cNvPr>
@@ -7397,7 +7405,7 @@
     </p:spTree>
     <p:extLst>
       <p:ext uri="{BB962C8B-B14F-4D97-AF65-F5344CB8AC3E}">
-        <p14:creationId xmlns:p14="http://schemas.microsoft.com/office/powerpoint/2010/main" val="1485843318"/>
+        <p14:creationId xmlns:p14="http://schemas.microsoft.com/office/powerpoint/2010/main" val="2591354767"/>
       </p:ext>
     </p:extLst>
   </p:cSld>
@@ -7408,6 +7416,95 @@
 </file>
 
 <file path=ppt/slides/slide18.xml><?xml version="1.0" encoding="utf-8"?>
+<p:sld xmlns:a="http://schemas.openxmlformats.org/drawingml/2006/main" xmlns:r="http://schemas.openxmlformats.org/officeDocument/2006/relationships" xmlns:p="http://schemas.openxmlformats.org/presentationml/2006/main">
+  <p:cSld>
+    <p:spTree>
+      <p:nvGrpSpPr>
+        <p:cNvPr id="1" name="">
+          <a:extLst>
+            <a:ext uri="{FF2B5EF4-FFF2-40B4-BE49-F238E27FC236}">
+              <a16:creationId xmlns:a16="http://schemas.microsoft.com/office/drawing/2014/main" id="{31571712-D8F3-AAAD-AF94-7C36297DEEBC}"/>
+            </a:ext>
+          </a:extLst>
+        </p:cNvPr>
+        <p:cNvGrpSpPr/>
+        <p:nvPr/>
+      </p:nvGrpSpPr>
+      <p:grpSpPr>
+        <a:xfrm>
+          <a:off x="0" y="0"/>
+          <a:ext cx="0" cy="0"/>
+          <a:chOff x="0" y="0"/>
+          <a:chExt cx="0" cy="0"/>
+        </a:xfrm>
+      </p:grpSpPr>
+      <p:sp>
+        <p:nvSpPr>
+          <p:cNvPr id="2" name="Title 1">
+            <a:extLst>
+              <a:ext uri="{FF2B5EF4-FFF2-40B4-BE49-F238E27FC236}">
+                <a16:creationId xmlns:a16="http://schemas.microsoft.com/office/drawing/2014/main" id="{F6745AF2-14B0-84A6-C263-C1CF2B8EB3E5}"/>
+              </a:ext>
+            </a:extLst>
+          </p:cNvPr>
+          <p:cNvSpPr>
+            <a:spLocks noGrp="1"/>
+          </p:cNvSpPr>
+          <p:nvPr>
+            <p:ph type="title"/>
+          </p:nvPr>
+        </p:nvSpPr>
+        <p:spPr/>
+        <p:txBody>
+          <a:bodyPr/>
+          <a:lstStyle/>
+          <a:p>
+            <a:r>
+              <a:rPr lang="en-GB" dirty="0"/>
+              <a:t>Questions (name here)</a:t>
+            </a:r>
+          </a:p>
+        </p:txBody>
+      </p:sp>
+      <p:sp>
+        <p:nvSpPr>
+          <p:cNvPr id="3" name="Content Placeholder 2">
+            <a:extLst>
+              <a:ext uri="{FF2B5EF4-FFF2-40B4-BE49-F238E27FC236}">
+                <a16:creationId xmlns:a16="http://schemas.microsoft.com/office/drawing/2014/main" id="{478A83EE-FC75-14F8-4E3B-66D73BE35208}"/>
+              </a:ext>
+            </a:extLst>
+          </p:cNvPr>
+          <p:cNvSpPr>
+            <a:spLocks noGrp="1"/>
+          </p:cNvSpPr>
+          <p:nvPr>
+            <p:ph idx="1"/>
+          </p:nvPr>
+        </p:nvSpPr>
+        <p:spPr/>
+        <p:txBody>
+          <a:bodyPr/>
+          <a:lstStyle/>
+          <a:p>
+            <a:endParaRPr lang="en-GB" dirty="0"/>
+          </a:p>
+        </p:txBody>
+      </p:sp>
+    </p:spTree>
+    <p:extLst>
+      <p:ext uri="{BB962C8B-B14F-4D97-AF65-F5344CB8AC3E}">
+        <p14:creationId xmlns:p14="http://schemas.microsoft.com/office/powerpoint/2010/main" val="4289082647"/>
+      </p:ext>
+    </p:extLst>
+  </p:cSld>
+  <p:clrMapOvr>
+    <a:masterClrMapping/>
+  </p:clrMapOvr>
+</p:sld>
+</file>
+
+<file path=ppt/slides/slide19.xml><?xml version="1.0" encoding="utf-8"?>
 <p:sld xmlns:a="http://schemas.openxmlformats.org/drawingml/2006/main" xmlns:r="http://schemas.openxmlformats.org/officeDocument/2006/relationships" xmlns:p="http://schemas.openxmlformats.org/presentationml/2006/main">
   <p:cSld>
     <p:spTree>
@@ -7429,7 +7526,7 @@
           <p:cNvPr id="2" name="Title 1">
             <a:extLst>
               <a:ext uri="{FF2B5EF4-FFF2-40B4-BE49-F238E27FC236}">
-                <a16:creationId xmlns:a16="http://schemas.microsoft.com/office/drawing/2014/main" id="{868EE204-95B1-5A47-82EE-A3B3698FBD44}"/>
+                <a16:creationId xmlns:a16="http://schemas.microsoft.com/office/drawing/2014/main" id="{3C933A38-E6F9-538A-B309-AD150C4ECEEF}"/>
               </a:ext>
             </a:extLst>
           </p:cNvPr>
@@ -7446,8 +7543,8 @@
           <a:lstStyle/>
           <a:p>
             <a:r>
-              <a:rPr lang="en-GB"/>
-              <a:t>Evaluation</a:t>
+              <a:rPr lang="en-GB" dirty="0"/>
+              <a:t>Testing</a:t>
             </a:r>
           </a:p>
         </p:txBody>
@@ -7457,7 +7554,7 @@
           <p:cNvPr id="3" name="Content Placeholder 2">
             <a:extLst>
               <a:ext uri="{FF2B5EF4-FFF2-40B4-BE49-F238E27FC236}">
-                <a16:creationId xmlns:a16="http://schemas.microsoft.com/office/drawing/2014/main" id="{F8E300F2-DC57-3053-EEFC-4486182F8AC9}"/>
+                <a16:creationId xmlns:a16="http://schemas.microsoft.com/office/drawing/2014/main" id="{4703D08B-904D-4630-DD72-F68A4F1B92D8}"/>
               </a:ext>
             </a:extLst>
           </p:cNvPr>
@@ -7468,19 +7565,99 @@
             <p:ph idx="1"/>
           </p:nvPr>
         </p:nvSpPr>
-        <p:spPr/>
-        <p:txBody>
-          <a:bodyPr/>
-          <a:lstStyle/>
-          <a:p>
-            <a:endParaRPr lang="en-GB"/>
-          </a:p>
-        </p:txBody>
-      </p:sp>
+        <p:spPr>
+          <a:xfrm>
+            <a:off x="646111" y="1502584"/>
+            <a:ext cx="8946541" cy="4195481"/>
+          </a:xfrm>
+        </p:spPr>
+        <p:txBody>
+          <a:bodyPr/>
+          <a:lstStyle/>
+          <a:p>
+            <a:r>
+              <a:rPr lang="en-GB" dirty="0"/>
+              <a:t>Uses case structure to provide error message for every input that isn’t one of the 5 menu options</a:t>
+            </a:r>
+          </a:p>
+          <a:p>
+            <a:r>
+              <a:rPr lang="en-GB" dirty="0"/>
+              <a:t>While the questions use a try catch structure to provide different error messages for invalid numbers and letter responses.</a:t>
+            </a:r>
+          </a:p>
+          <a:p>
+            <a:r>
+              <a:rPr lang="en-GB" dirty="0"/>
+              <a:t>These cover all the user inputs preventing the code to close abruptly at any point</a:t>
+            </a:r>
+          </a:p>
+        </p:txBody>
+      </p:sp>
+      <p:pic>
+        <p:nvPicPr>
+          <p:cNvPr id="4" name="Picture 3">
+            <a:extLst>
+              <a:ext uri="{FF2B5EF4-FFF2-40B4-BE49-F238E27FC236}">
+                <a16:creationId xmlns:a16="http://schemas.microsoft.com/office/drawing/2014/main" id="{0E290841-3848-6BA0-8932-76C15A59AA22}"/>
+              </a:ext>
+            </a:extLst>
+          </p:cNvPr>
+          <p:cNvPicPr>
+            <a:picLocks noChangeAspect="1"/>
+          </p:cNvPicPr>
+          <p:nvPr/>
+        </p:nvPicPr>
+        <p:blipFill>
+          <a:blip r:embed="rId2"/>
+          <a:stretch>
+            <a:fillRect/>
+          </a:stretch>
+        </p:blipFill>
+        <p:spPr>
+          <a:xfrm>
+            <a:off x="0" y="4293235"/>
+            <a:ext cx="5731510" cy="2564765"/>
+          </a:xfrm>
+          <a:prstGeom prst="rect">
+            <a:avLst/>
+          </a:prstGeom>
+        </p:spPr>
+      </p:pic>
+      <p:pic>
+        <p:nvPicPr>
+          <p:cNvPr id="5" name="Picture 4">
+            <a:extLst>
+              <a:ext uri="{FF2B5EF4-FFF2-40B4-BE49-F238E27FC236}">
+                <a16:creationId xmlns:a16="http://schemas.microsoft.com/office/drawing/2014/main" id="{76DDEE14-0B98-F3A4-E167-A23F125EC803}"/>
+              </a:ext>
+            </a:extLst>
+          </p:cNvPr>
+          <p:cNvPicPr>
+            <a:picLocks noChangeAspect="1"/>
+          </p:cNvPicPr>
+          <p:nvPr/>
+        </p:nvPicPr>
+        <p:blipFill>
+          <a:blip r:embed="rId3"/>
+          <a:stretch>
+            <a:fillRect/>
+          </a:stretch>
+        </p:blipFill>
+        <p:spPr>
+          <a:xfrm>
+            <a:off x="7896225" y="3876675"/>
+            <a:ext cx="4295775" cy="2981325"/>
+          </a:xfrm>
+          <a:prstGeom prst="rect">
+            <a:avLst/>
+          </a:prstGeom>
+        </p:spPr>
+      </p:pic>
     </p:spTree>
     <p:extLst>
       <p:ext uri="{BB962C8B-B14F-4D97-AF65-F5344CB8AC3E}">
-        <p14:creationId xmlns:p14="http://schemas.microsoft.com/office/powerpoint/2010/main" val="3588215828"/>
+        <p14:creationId xmlns:p14="http://schemas.microsoft.com/office/powerpoint/2010/main" val="1485843318"/>
       </p:ext>
     </p:extLst>
   </p:cSld>
@@ -7594,6 +7771,154 @@
     <p:extLst>
       <p:ext uri="{BB962C8B-B14F-4D97-AF65-F5344CB8AC3E}">
         <p14:creationId xmlns:p14="http://schemas.microsoft.com/office/powerpoint/2010/main" val="2303209490"/>
+      </p:ext>
+    </p:extLst>
+  </p:cSld>
+  <p:clrMapOvr>
+    <a:masterClrMapping/>
+  </p:clrMapOvr>
+</p:sld>
+</file>
+
+<file path=ppt/slides/slide20.xml><?xml version="1.0" encoding="utf-8"?>
+<p:sld xmlns:a="http://schemas.openxmlformats.org/drawingml/2006/main" xmlns:r="http://schemas.openxmlformats.org/officeDocument/2006/relationships" xmlns:p="http://schemas.openxmlformats.org/presentationml/2006/main">
+  <p:cSld>
+    <p:spTree>
+      <p:nvGrpSpPr>
+        <p:cNvPr id="1" name=""/>
+        <p:cNvGrpSpPr/>
+        <p:nvPr/>
+      </p:nvGrpSpPr>
+      <p:grpSpPr>
+        <a:xfrm>
+          <a:off x="0" y="0"/>
+          <a:ext cx="0" cy="0"/>
+          <a:chOff x="0" y="0"/>
+          <a:chExt cx="0" cy="0"/>
+        </a:xfrm>
+      </p:grpSpPr>
+      <p:sp>
+        <p:nvSpPr>
+          <p:cNvPr id="2" name="Title 1">
+            <a:extLst>
+              <a:ext uri="{FF2B5EF4-FFF2-40B4-BE49-F238E27FC236}">
+                <a16:creationId xmlns:a16="http://schemas.microsoft.com/office/drawing/2014/main" id="{868EE204-95B1-5A47-82EE-A3B3698FBD44}"/>
+              </a:ext>
+            </a:extLst>
+          </p:cNvPr>
+          <p:cNvSpPr>
+            <a:spLocks noGrp="1"/>
+          </p:cNvSpPr>
+          <p:nvPr>
+            <p:ph type="title"/>
+          </p:nvPr>
+        </p:nvSpPr>
+        <p:spPr/>
+        <p:txBody>
+          <a:bodyPr/>
+          <a:lstStyle/>
+          <a:p>
+            <a:r>
+              <a:rPr lang="en-GB" dirty="0"/>
+              <a:t>Evaluation</a:t>
+            </a:r>
+          </a:p>
+        </p:txBody>
+      </p:sp>
+      <p:sp>
+        <p:nvSpPr>
+          <p:cNvPr id="3" name="Content Placeholder 2">
+            <a:extLst>
+              <a:ext uri="{FF2B5EF4-FFF2-40B4-BE49-F238E27FC236}">
+                <a16:creationId xmlns:a16="http://schemas.microsoft.com/office/drawing/2014/main" id="{F8E300F2-DC57-3053-EEFC-4486182F8AC9}"/>
+              </a:ext>
+            </a:extLst>
+          </p:cNvPr>
+          <p:cNvSpPr>
+            <a:spLocks noGrp="1"/>
+          </p:cNvSpPr>
+          <p:nvPr>
+            <p:ph idx="1"/>
+          </p:nvPr>
+        </p:nvSpPr>
+        <p:spPr>
+          <a:xfrm>
+            <a:off x="875201" y="1976718"/>
+            <a:ext cx="8946541" cy="4195481"/>
+          </a:xfrm>
+        </p:spPr>
+        <p:txBody>
+          <a:bodyPr/>
+          <a:lstStyle/>
+          <a:p>
+            <a:pPr>
+              <a:lnSpc>
+                <a:spcPct val="115000"/>
+              </a:lnSpc>
+              <a:spcAft>
+                <a:spcPts val="800"/>
+              </a:spcAft>
+            </a:pPr>
+            <a:r>
+              <a:rPr lang="en-GB" sz="1800" kern="100" dirty="0">
+                <a:effectLst/>
+                <a:latin typeface="Aptos" panose="020B0004020202020204" pitchFamily="34" charset="0"/>
+                <a:ea typeface="Microsoft YaHei" panose="020B0503020204020204" pitchFamily="34" charset="-122"/>
+                <a:cs typeface="Sans Serif Collection" panose="020B0502040504020204" pitchFamily="34" charset="-78"/>
+              </a:rPr>
+              <a:t>Benefits: Introduced the usage of git and </a:t>
+            </a:r>
+            <a:r>
+              <a:rPr lang="en-GB" sz="1800" kern="100" dirty="0" err="1">
+                <a:effectLst/>
+                <a:latin typeface="Aptos" panose="020B0004020202020204" pitchFamily="34" charset="0"/>
+                <a:ea typeface="Microsoft YaHei" panose="020B0503020204020204" pitchFamily="34" charset="-122"/>
+                <a:cs typeface="Sans Serif Collection" panose="020B0502040504020204" pitchFamily="34" charset="-78"/>
+              </a:rPr>
+              <a:t>github</a:t>
+            </a:r>
+            <a:r>
+              <a:rPr lang="en-GB" sz="1800" kern="100" dirty="0">
+                <a:effectLst/>
+                <a:latin typeface="Aptos" panose="020B0004020202020204" pitchFamily="34" charset="0"/>
+                <a:ea typeface="Microsoft YaHei" panose="020B0503020204020204" pitchFamily="34" charset="-122"/>
+                <a:cs typeface="Sans Serif Collection" panose="020B0502040504020204" pitchFamily="34" charset="-78"/>
+              </a:rPr>
+              <a:t> to the members of a group and helped show how teamwork in the field</a:t>
+            </a:r>
+            <a:endParaRPr lang="en-GB" sz="1800" kern="100" dirty="0">
+              <a:effectLst/>
+              <a:latin typeface="Aptos" panose="020B0004020202020204" pitchFamily="34" charset="0"/>
+              <a:ea typeface="Aptos" panose="020B0004020202020204" pitchFamily="34" charset="0"/>
+              <a:cs typeface="Times New Roman" panose="02020603050405020304" pitchFamily="18" charset="0"/>
+            </a:endParaRPr>
+          </a:p>
+          <a:p>
+            <a:r>
+              <a:rPr lang="en-GB" sz="2000" kern="100" dirty="0">
+                <a:effectLst/>
+                <a:latin typeface="Aptos" panose="020B0004020202020204" pitchFamily="34" charset="0"/>
+                <a:ea typeface="Microsoft YaHei" panose="020B0503020204020204" pitchFamily="34" charset="-122"/>
+                <a:cs typeface="Sans Serif Collection" panose="020B0502040504020204" pitchFamily="34" charset="-78"/>
+              </a:rPr>
+              <a:t>Challenges: merging conflicts creating potential losses in progress and long periods of checking files for incorrect changes, finding periods where the whole group can communicate progress on the project.</a:t>
+            </a:r>
+            <a:endParaRPr lang="en-GB" sz="2000" kern="100" dirty="0">
+              <a:effectLst/>
+              <a:latin typeface="Aptos" panose="020B0004020202020204" pitchFamily="34" charset="0"/>
+              <a:ea typeface="Aptos" panose="020B0004020202020204" pitchFamily="34" charset="0"/>
+              <a:cs typeface="Times New Roman" panose="02020603050405020304" pitchFamily="18" charset="0"/>
+            </a:endParaRPr>
+          </a:p>
+          <a:p>
+            <a:endParaRPr lang="en-GB" dirty="0"/>
+          </a:p>
+        </p:txBody>
+      </p:sp>
+    </p:spTree>
+    <p:extLst>
+      <p:ext uri="{BB962C8B-B14F-4D97-AF65-F5344CB8AC3E}">
+        <p14:creationId xmlns:p14="http://schemas.microsoft.com/office/powerpoint/2010/main" val="3588215828"/>
       </p:ext>
     </p:extLst>
   </p:cSld>
@@ -8090,15 +8415,103 @@
             <p:ph idx="1"/>
           </p:nvPr>
         </p:nvSpPr>
-        <p:spPr/>
-        <p:txBody>
-          <a:bodyPr/>
-          <a:lstStyle/>
-          <a:p>
-            <a:endParaRPr lang="en-GB" dirty="0"/>
-          </a:p>
-        </p:txBody>
-      </p:sp>
+        <p:spPr>
+          <a:xfrm>
+            <a:off x="485246" y="1587251"/>
+            <a:ext cx="8946541" cy="4195481"/>
+          </a:xfrm>
+        </p:spPr>
+        <p:txBody>
+          <a:bodyPr/>
+          <a:lstStyle/>
+          <a:p>
+            <a:r>
+              <a:rPr lang="en-GB" dirty="0"/>
+              <a:t>The structure of the menu was created by brainstorming the related features that are needed to understand the dataset and the information that is to be shown by the questions</a:t>
+            </a:r>
+          </a:p>
+          <a:p>
+            <a:r>
+              <a:rPr lang="en-GB" dirty="0"/>
+              <a:t>Functions identified: load dataset, view dataset, view column names, view dataset info, pick question and quit.</a:t>
+            </a:r>
+          </a:p>
+          <a:p>
+            <a:r>
+              <a:rPr lang="en-GB" dirty="0"/>
+              <a:t>Originally used a series of if and </a:t>
+            </a:r>
+            <a:r>
+              <a:rPr lang="en-GB" dirty="0" err="1"/>
+              <a:t>elif</a:t>
+            </a:r>
+            <a:r>
+              <a:rPr lang="en-GB" dirty="0"/>
+              <a:t> statements although was switched to a case structure later.</a:t>
+            </a:r>
+          </a:p>
+        </p:txBody>
+      </p:sp>
+      <p:pic>
+        <p:nvPicPr>
+          <p:cNvPr id="5" name="Picture 4">
+            <a:extLst>
+              <a:ext uri="{FF2B5EF4-FFF2-40B4-BE49-F238E27FC236}">
+                <a16:creationId xmlns:a16="http://schemas.microsoft.com/office/drawing/2014/main" id="{92C16261-ED8A-CD92-C6D5-EEF2D444AE30}"/>
+              </a:ext>
+            </a:extLst>
+          </p:cNvPr>
+          <p:cNvPicPr>
+            <a:picLocks noChangeAspect="1"/>
+          </p:cNvPicPr>
+          <p:nvPr/>
+        </p:nvPicPr>
+        <p:blipFill>
+          <a:blip r:embed="rId2"/>
+          <a:stretch>
+            <a:fillRect/>
+          </a:stretch>
+        </p:blipFill>
+        <p:spPr>
+          <a:xfrm>
+            <a:off x="9150350" y="2238161"/>
+            <a:ext cx="3041650" cy="4611370"/>
+          </a:xfrm>
+          <a:prstGeom prst="rect">
+            <a:avLst/>
+          </a:prstGeom>
+        </p:spPr>
+      </p:pic>
+      <p:pic>
+        <p:nvPicPr>
+          <p:cNvPr id="6" name="Picture 5">
+            <a:extLst>
+              <a:ext uri="{FF2B5EF4-FFF2-40B4-BE49-F238E27FC236}">
+                <a16:creationId xmlns:a16="http://schemas.microsoft.com/office/drawing/2014/main" id="{607595DF-B63C-3665-2DE9-0C8381EBA43C}"/>
+              </a:ext>
+            </a:extLst>
+          </p:cNvPr>
+          <p:cNvPicPr>
+            <a:picLocks noChangeAspect="1"/>
+          </p:cNvPicPr>
+          <p:nvPr/>
+        </p:nvPicPr>
+        <p:blipFill>
+          <a:blip r:embed="rId3"/>
+          <a:stretch>
+            <a:fillRect/>
+          </a:stretch>
+        </p:blipFill>
+        <p:spPr>
+          <a:xfrm>
+            <a:off x="3359863" y="3977438"/>
+            <a:ext cx="3977217" cy="2880562"/>
+          </a:xfrm>
+          <a:prstGeom prst="rect">
+            <a:avLst/>
+          </a:prstGeom>
+        </p:spPr>
+      </p:pic>
     </p:spTree>
     <p:extLst>
       <p:ext uri="{BB962C8B-B14F-4D97-AF65-F5344CB8AC3E}">
@@ -8186,6 +8599,12 @@
             <a:r>
               <a:rPr lang="en-GB" dirty="0"/>
               <a:t>Applying function to the main menu options:</a:t>
+            </a:r>
+          </a:p>
+          <a:p>
+            <a:r>
+              <a:rPr lang="en-GB" dirty="0"/>
+              <a:t>Load dataset: moved to when code is run</a:t>
             </a:r>
           </a:p>
           <a:p>
@@ -8402,15 +8821,95 @@
             <p:ph idx="1"/>
           </p:nvPr>
         </p:nvSpPr>
-        <p:spPr/>
-        <p:txBody>
-          <a:bodyPr/>
-          <a:lstStyle/>
-          <a:p>
-            <a:endParaRPr lang="en-GB"/>
-          </a:p>
-        </p:txBody>
-      </p:sp>
+        <p:spPr>
+          <a:xfrm>
+            <a:off x="713845" y="1519518"/>
+            <a:ext cx="8946541" cy="4195481"/>
+          </a:xfrm>
+        </p:spPr>
+        <p:txBody>
+          <a:bodyPr/>
+          <a:lstStyle/>
+          <a:p>
+            <a:r>
+              <a:rPr lang="en-GB" dirty="0"/>
+              <a:t>Code displays all questions that are stored within a text file and dynamically adds the ability to call the functions of any future questions added</a:t>
+            </a:r>
+          </a:p>
+          <a:p>
+            <a:r>
+              <a:rPr lang="en-GB" dirty="0"/>
+              <a:t>Calls function of question selected by adding the number user enters to the name of a function.</a:t>
+            </a:r>
+          </a:p>
+          <a:p>
+            <a:r>
+              <a:rPr lang="en-GB" dirty="0"/>
+              <a:t>Handles validation through try catch</a:t>
+            </a:r>
+          </a:p>
+        </p:txBody>
+      </p:sp>
+      <p:pic>
+        <p:nvPicPr>
+          <p:cNvPr id="5" name="Picture 4">
+            <a:extLst>
+              <a:ext uri="{FF2B5EF4-FFF2-40B4-BE49-F238E27FC236}">
+                <a16:creationId xmlns:a16="http://schemas.microsoft.com/office/drawing/2014/main" id="{0865636B-7538-93AE-6307-680B55D4CB4A}"/>
+              </a:ext>
+            </a:extLst>
+          </p:cNvPr>
+          <p:cNvPicPr>
+            <a:picLocks noChangeAspect="1"/>
+          </p:cNvPicPr>
+          <p:nvPr/>
+        </p:nvPicPr>
+        <p:blipFill>
+          <a:blip r:embed="rId2"/>
+          <a:stretch>
+            <a:fillRect/>
+          </a:stretch>
+        </p:blipFill>
+        <p:spPr>
+          <a:xfrm>
+            <a:off x="7349067" y="4544886"/>
+            <a:ext cx="4782607" cy="2313114"/>
+          </a:xfrm>
+          <a:prstGeom prst="rect">
+            <a:avLst/>
+          </a:prstGeom>
+        </p:spPr>
+      </p:pic>
+      <p:pic>
+        <p:nvPicPr>
+          <p:cNvPr id="7" name="Picture 6">
+            <a:extLst>
+              <a:ext uri="{FF2B5EF4-FFF2-40B4-BE49-F238E27FC236}">
+                <a16:creationId xmlns:a16="http://schemas.microsoft.com/office/drawing/2014/main" id="{B64A72F3-BE88-83E0-A2BC-3DD5EFE6404F}"/>
+              </a:ext>
+            </a:extLst>
+          </p:cNvPr>
+          <p:cNvPicPr>
+            <a:picLocks noChangeAspect="1"/>
+          </p:cNvPicPr>
+          <p:nvPr/>
+        </p:nvPicPr>
+        <p:blipFill>
+          <a:blip r:embed="rId3"/>
+          <a:stretch>
+            <a:fillRect/>
+          </a:stretch>
+        </p:blipFill>
+        <p:spPr>
+          <a:xfrm>
+            <a:off x="0" y="5381270"/>
+            <a:ext cx="7002643" cy="1400529"/>
+          </a:xfrm>
+          <a:prstGeom prst="rect">
+            <a:avLst/>
+          </a:prstGeom>
+        </p:spPr>
+      </p:pic>
     </p:spTree>
     <p:extLst>
       <p:ext uri="{BB962C8B-B14F-4D97-AF65-F5344CB8AC3E}">

--- a/Computer Science Workshop Presentation.pptx
+++ b/Computer Science Workshop Presentation.pptx
@@ -7884,7 +7884,7 @@
                 <a:ea typeface="Microsoft YaHei" panose="020B0503020204020204" pitchFamily="34" charset="-122"/>
                 <a:cs typeface="Sans Serif Collection" panose="020B0502040504020204" pitchFamily="34" charset="-78"/>
               </a:rPr>
-              <a:t> to the members of a group and helped show how teamwork in the field</a:t>
+              <a:t> to the members of a group and helped show how teams work in the field</a:t>
             </a:r>
             <a:endParaRPr lang="en-GB" sz="1800" kern="100" dirty="0">
               <a:effectLst/>
@@ -7902,6 +7902,41 @@
                 <a:cs typeface="Sans Serif Collection" panose="020B0502040504020204" pitchFamily="34" charset="-78"/>
               </a:rPr>
               <a:t>Challenges: merging conflicts creating potential losses in progress and long periods of checking files for incorrect changes, finding periods where the whole group can communicate progress on the project.</a:t>
+            </a:r>
+            <a:r>
+              <a:rPr lang="en-GB" kern="100" dirty="0">
+                <a:latin typeface="Aptos" panose="020B0004020202020204" pitchFamily="34" charset="0"/>
+                <a:ea typeface="Microsoft YaHei" panose="020B0503020204020204" pitchFamily="34" charset="-122"/>
+                <a:cs typeface="Sans Serif Collection" panose="020B0502040504020204" pitchFamily="34" charset="-78"/>
+              </a:rPr>
+              <a:t> </a:t>
+            </a:r>
+          </a:p>
+          <a:p>
+            <a:r>
+              <a:rPr lang="en-GB" sz="2000" kern="100" dirty="0">
+                <a:effectLst/>
+                <a:latin typeface="Aptos" panose="020B0004020202020204" pitchFamily="34" charset="0"/>
+                <a:ea typeface="Microsoft YaHei" panose="020B0503020204020204" pitchFamily="34" charset="-122"/>
+                <a:cs typeface="Sans Serif Collection" panose="020B0502040504020204" pitchFamily="34" charset="-78"/>
+              </a:rPr>
+              <a:t>Som</a:t>
+            </a:r>
+            <a:r>
+              <a:rPr lang="en-GB" kern="100" dirty="0">
+                <a:latin typeface="Aptos" panose="020B0004020202020204" pitchFamily="34" charset="0"/>
+                <a:ea typeface="Microsoft YaHei" panose="020B0503020204020204" pitchFamily="34" charset="-122"/>
+                <a:cs typeface="Sans Serif Collection" panose="020B0502040504020204" pitchFamily="34" charset="-78"/>
+              </a:rPr>
+              <a:t>e columns in the dataset were heavily dominated by one thing which made it difficult to compare to other columns and come up with visualisations. Employment type </a:t>
+            </a:r>
+            <a:r>
+              <a:rPr lang="en-GB" kern="100">
+                <a:latin typeface="Aptos" panose="020B0004020202020204" pitchFamily="34" charset="0"/>
+                <a:ea typeface="Microsoft YaHei" panose="020B0503020204020204" pitchFamily="34" charset="-122"/>
+                <a:cs typeface="Sans Serif Collection" panose="020B0502040504020204" pitchFamily="34" charset="-78"/>
+              </a:rPr>
+              <a:t>was practically 100% full time for example</a:t>
             </a:r>
             <a:endParaRPr lang="en-GB" sz="2000" kern="100" dirty="0">
               <a:effectLst/>

--- a/Computer Science Workshop Presentation.pptx
+++ b/Computer Science Workshop Presentation.pptx
@@ -7329,6 +7329,14 @@
 <file path=ppt/slides/slide17.xml><?xml version="1.0" encoding="utf-8"?>
 <p:sld xmlns:a="http://schemas.openxmlformats.org/drawingml/2006/main" xmlns:r="http://schemas.openxmlformats.org/officeDocument/2006/relationships" xmlns:p="http://schemas.openxmlformats.org/presentationml/2006/main">
   <p:cSld>
+    <p:bg>
+      <p:bgPr>
+        <a:solidFill>
+          <a:schemeClr val="bg1"/>
+        </a:solidFill>
+        <a:effectLst/>
+      </p:bgPr>
+    </p:bg>
     <p:spTree>
       <p:nvGrpSpPr>
         <p:cNvPr id="1" name="">
@@ -7351,6 +7359,66 @@
       </p:grpSpPr>
       <p:sp>
         <p:nvSpPr>
+          <p:cNvPr id="10" name="Rectangle 9">
+            <a:extLst>
+              <a:ext uri="{FF2B5EF4-FFF2-40B4-BE49-F238E27FC236}">
+                <a16:creationId xmlns:a16="http://schemas.microsoft.com/office/drawing/2014/main" id="{B4AAD3FD-83A5-4B89-9F8F-01B8870865BE}"/>
+              </a:ext>
+              <a:ext uri="{C183D7F6-B498-43B3-948B-1728B52AA6E4}">
+                <adec:decorative xmlns:adec="http://schemas.microsoft.com/office/drawing/2017/decorative" val="1"/>
+              </a:ext>
+            </a:extLst>
+          </p:cNvPr>
+          <p:cNvSpPr>
+            <a:spLocks noGrp="1" noRot="1" noChangeAspect="1" noMove="1" noResize="1" noEditPoints="1" noAdjustHandles="1" noChangeArrowheads="1" noChangeShapeType="1" noTextEdit="1"/>
+          </p:cNvSpPr>
+          <p:nvPr>
+            <p:extLst>
+              <p:ext uri="{386F3935-93C4-4BCD-93E2-E3B085C9AB24}">
+                <p16:designElem xmlns:p16="http://schemas.microsoft.com/office/powerpoint/2015/main" val="1"/>
+              </p:ext>
+            </p:extLst>
+          </p:nvPr>
+        </p:nvSpPr>
+        <p:spPr>
+          <a:xfrm>
+            <a:off x="0" y="0"/>
+            <a:ext cx="12192000" cy="6858000"/>
+          </a:xfrm>
+          <a:prstGeom prst="rect">
+            <a:avLst/>
+          </a:prstGeom>
+          <a:ln>
+            <a:noFill/>
+          </a:ln>
+        </p:spPr>
+        <p:style>
+          <a:lnRef idx="2">
+            <a:schemeClr val="accent1">
+              <a:shade val="50000"/>
+            </a:schemeClr>
+          </a:lnRef>
+          <a:fillRef idx="1003">
+            <a:schemeClr val="dk2"/>
+          </a:fillRef>
+          <a:effectRef idx="0">
+            <a:schemeClr val="accent1"/>
+          </a:effectRef>
+          <a:fontRef idx="minor">
+            <a:schemeClr val="lt1"/>
+          </a:fontRef>
+        </p:style>
+        <p:txBody>
+          <a:bodyPr rtlCol="0" anchor="ctr"/>
+          <a:lstStyle/>
+          <a:p>
+            <a:pPr algn="ctr"/>
+            <a:endParaRPr lang="en-US"/>
+          </a:p>
+        </p:txBody>
+      </p:sp>
+      <p:sp>
+        <p:nvSpPr>
           <p:cNvPr id="2" name="Title 1">
             <a:extLst>
               <a:ext uri="{FF2B5EF4-FFF2-40B4-BE49-F238E27FC236}">
@@ -7365,15 +7433,939 @@
             <p:ph type="title"/>
           </p:nvPr>
         </p:nvSpPr>
-        <p:spPr/>
+        <p:spPr>
+          <a:xfrm>
+            <a:off x="648931" y="629266"/>
+            <a:ext cx="4166510" cy="1622321"/>
+          </a:xfrm>
+        </p:spPr>
+        <p:txBody>
+          <a:bodyPr>
+            <a:normAutofit/>
+          </a:bodyPr>
+          <a:lstStyle/>
+          <a:p>
+            <a:r>
+              <a:rPr lang="en-GB">
+                <a:solidFill>
+                  <a:srgbClr val="EBEBEB"/>
+                </a:solidFill>
+              </a:rPr>
+              <a:t>Questions (Prajesh)</a:t>
+            </a:r>
+          </a:p>
+        </p:txBody>
+      </p:sp>
+      <p:sp>
+        <p:nvSpPr>
+          <p:cNvPr id="12" name="Freeform 31">
+            <a:extLst>
+              <a:ext uri="{FF2B5EF4-FFF2-40B4-BE49-F238E27FC236}">
+                <a16:creationId xmlns:a16="http://schemas.microsoft.com/office/drawing/2014/main" id="{61752F1D-FC0F-4103-9584-630E643CCDA6}"/>
+              </a:ext>
+              <a:ext uri="{C183D7F6-B498-43B3-948B-1728B52AA6E4}">
+                <adec:decorative xmlns:adec="http://schemas.microsoft.com/office/drawing/2017/decorative" val="1"/>
+              </a:ext>
+            </a:extLst>
+          </p:cNvPr>
+          <p:cNvSpPr>
+            <a:spLocks noGrp="1" noRot="1" noChangeAspect="1" noMove="1" noResize="1" noEditPoints="1" noAdjustHandles="1" noChangeArrowheads="1" noChangeShapeType="1" noTextEdit="1"/>
+          </p:cNvSpPr>
+          <p:nvPr>
+            <p:extLst>
+              <p:ext uri="{386F3935-93C4-4BCD-93E2-E3B085C9AB24}">
+                <p16:designElem xmlns:p16="http://schemas.microsoft.com/office/powerpoint/2015/main" val="1"/>
+              </p:ext>
+            </p:extLst>
+          </p:nvPr>
+        </p:nvSpPr>
+        <p:spPr>
+          <a:xfrm>
+            <a:off x="4994020" y="-1"/>
+            <a:ext cx="559472" cy="3709642"/>
+          </a:xfrm>
+          <a:custGeom>
+            <a:avLst/>
+            <a:gdLst>
+              <a:gd name="connsiteX0" fmla="*/ 0 w 559472"/>
+              <a:gd name="connsiteY0" fmla="*/ 0 h 3709642"/>
+              <a:gd name="connsiteX1" fmla="*/ 473952 w 559472"/>
+              <a:gd name="connsiteY1" fmla="*/ 0 h 3709642"/>
+              <a:gd name="connsiteX2" fmla="*/ 485840 w 559472"/>
+              <a:gd name="connsiteY2" fmla="*/ 161194 h 3709642"/>
+              <a:gd name="connsiteX3" fmla="*/ 523949 w 559472"/>
+              <a:gd name="connsiteY3" fmla="*/ 3672197 h 3709642"/>
+              <a:gd name="connsiteX4" fmla="*/ 454748 w 559472"/>
+              <a:gd name="connsiteY4" fmla="*/ 3709642 h 3709642"/>
+              <a:gd name="connsiteX5" fmla="*/ 448224 w 559472"/>
+              <a:gd name="connsiteY5" fmla="*/ 3510471 h 3709642"/>
+              <a:gd name="connsiteX6" fmla="*/ 443564 w 559472"/>
+              <a:gd name="connsiteY6" fmla="*/ 3408563 h 3709642"/>
+              <a:gd name="connsiteX7" fmla="*/ 438902 w 559472"/>
+              <a:gd name="connsiteY7" fmla="*/ 3304407 h 3709642"/>
+              <a:gd name="connsiteX8" fmla="*/ 433941 w 559472"/>
+              <a:gd name="connsiteY8" fmla="*/ 3198777 h 3709642"/>
+              <a:gd name="connsiteX9" fmla="*/ 427584 w 559472"/>
+              <a:gd name="connsiteY9" fmla="*/ 3092510 h 3709642"/>
+              <a:gd name="connsiteX10" fmla="*/ 420988 w 559472"/>
+              <a:gd name="connsiteY10" fmla="*/ 2984390 h 3709642"/>
+              <a:gd name="connsiteX11" fmla="*/ 414330 w 559472"/>
+              <a:gd name="connsiteY11" fmla="*/ 2874401 h 3709642"/>
+              <a:gd name="connsiteX12" fmla="*/ 406840 w 559472"/>
+              <a:gd name="connsiteY12" fmla="*/ 2762980 h 3709642"/>
+              <a:gd name="connsiteX13" fmla="*/ 397745 w 559472"/>
+              <a:gd name="connsiteY13" fmla="*/ 2650566 h 3709642"/>
+              <a:gd name="connsiteX14" fmla="*/ 389154 w 559472"/>
+              <a:gd name="connsiteY14" fmla="*/ 2536612 h 3709642"/>
+              <a:gd name="connsiteX15" fmla="*/ 379225 w 559472"/>
+              <a:gd name="connsiteY15" fmla="*/ 2421642 h 3709642"/>
+              <a:gd name="connsiteX16" fmla="*/ 368316 w 559472"/>
+              <a:gd name="connsiteY16" fmla="*/ 2305627 h 3709642"/>
+              <a:gd name="connsiteX17" fmla="*/ 357466 w 559472"/>
+              <a:gd name="connsiteY17" fmla="*/ 2189233 h 3709642"/>
+              <a:gd name="connsiteX18" fmla="*/ 344982 w 559472"/>
+              <a:gd name="connsiteY18" fmla="*/ 2071473 h 3709642"/>
+              <a:gd name="connsiteX19" fmla="*/ 332466 w 559472"/>
+              <a:gd name="connsiteY19" fmla="*/ 1952216 h 3709642"/>
+              <a:gd name="connsiteX20" fmla="*/ 319121 w 559472"/>
+              <a:gd name="connsiteY20" fmla="*/ 1833776 h 3709642"/>
+              <a:gd name="connsiteX21" fmla="*/ 304408 w 559472"/>
+              <a:gd name="connsiteY21" fmla="*/ 1713948 h 3709642"/>
+              <a:gd name="connsiteX22" fmla="*/ 288685 w 559472"/>
+              <a:gd name="connsiteY22" fmla="*/ 1592703 h 3709642"/>
+              <a:gd name="connsiteX23" fmla="*/ 273050 w 559472"/>
+              <a:gd name="connsiteY23" fmla="*/ 1471451 h 3709642"/>
+              <a:gd name="connsiteX24" fmla="*/ 255813 w 559472"/>
+              <a:gd name="connsiteY24" fmla="*/ 1350328 h 3709642"/>
+              <a:gd name="connsiteX25" fmla="*/ 237060 w 559472"/>
+              <a:gd name="connsiteY25" fmla="*/ 1227080 h 3709642"/>
+              <a:gd name="connsiteX26" fmla="*/ 218488 w 559472"/>
+              <a:gd name="connsiteY26" fmla="*/ 1106065 h 3709642"/>
+              <a:gd name="connsiteX27" fmla="*/ 198221 w 559472"/>
+              <a:gd name="connsiteY27" fmla="*/ 982940 h 3709642"/>
+              <a:gd name="connsiteX28" fmla="*/ 177152 w 559472"/>
+              <a:gd name="connsiteY28" fmla="*/ 858755 h 3709642"/>
+              <a:gd name="connsiteX29" fmla="*/ 155551 w 559472"/>
+              <a:gd name="connsiteY29" fmla="*/ 736861 h 3709642"/>
+              <a:gd name="connsiteX30" fmla="*/ 131782 w 559472"/>
+              <a:gd name="connsiteY30" fmla="*/ 613645 h 3709642"/>
+              <a:gd name="connsiteX31" fmla="*/ 107123 w 559472"/>
+              <a:gd name="connsiteY31" fmla="*/ 490500 h 3709642"/>
+              <a:gd name="connsiteX32" fmla="*/ 82552 w 559472"/>
+              <a:gd name="connsiteY32" fmla="*/ 367348 h 3709642"/>
+              <a:gd name="connsiteX33" fmla="*/ 55608 w 559472"/>
+              <a:gd name="connsiteY33" fmla="*/ 244762 h 3709642"/>
+              <a:gd name="connsiteX34" fmla="*/ 28130 w 559472"/>
+              <a:gd name="connsiteY34" fmla="*/ 122220 h 3709642"/>
+              <a:gd name="connsiteX35" fmla="*/ 0 w 559472"/>
+              <a:gd name="connsiteY35" fmla="*/ 0 h 3709642"/>
+            </a:gdLst>
+            <a:ahLst/>
+            <a:cxnLst>
+              <a:cxn ang="0">
+                <a:pos x="connsiteX0" y="connsiteY0"/>
+              </a:cxn>
+              <a:cxn ang="0">
+                <a:pos x="connsiteX1" y="connsiteY1"/>
+              </a:cxn>
+              <a:cxn ang="0">
+                <a:pos x="connsiteX2" y="connsiteY2"/>
+              </a:cxn>
+              <a:cxn ang="0">
+                <a:pos x="connsiteX3" y="connsiteY3"/>
+              </a:cxn>
+              <a:cxn ang="0">
+                <a:pos x="connsiteX4" y="connsiteY4"/>
+              </a:cxn>
+              <a:cxn ang="0">
+                <a:pos x="connsiteX5" y="connsiteY5"/>
+              </a:cxn>
+              <a:cxn ang="0">
+                <a:pos x="connsiteX6" y="connsiteY6"/>
+              </a:cxn>
+              <a:cxn ang="0">
+                <a:pos x="connsiteX7" y="connsiteY7"/>
+              </a:cxn>
+              <a:cxn ang="0">
+                <a:pos x="connsiteX8" y="connsiteY8"/>
+              </a:cxn>
+              <a:cxn ang="0">
+                <a:pos x="connsiteX9" y="connsiteY9"/>
+              </a:cxn>
+              <a:cxn ang="0">
+                <a:pos x="connsiteX10" y="connsiteY10"/>
+              </a:cxn>
+              <a:cxn ang="0">
+                <a:pos x="connsiteX11" y="connsiteY11"/>
+              </a:cxn>
+              <a:cxn ang="0">
+                <a:pos x="connsiteX12" y="connsiteY12"/>
+              </a:cxn>
+              <a:cxn ang="0">
+                <a:pos x="connsiteX13" y="connsiteY13"/>
+              </a:cxn>
+              <a:cxn ang="0">
+                <a:pos x="connsiteX14" y="connsiteY14"/>
+              </a:cxn>
+              <a:cxn ang="0">
+                <a:pos x="connsiteX15" y="connsiteY15"/>
+              </a:cxn>
+              <a:cxn ang="0">
+                <a:pos x="connsiteX16" y="connsiteY16"/>
+              </a:cxn>
+              <a:cxn ang="0">
+                <a:pos x="connsiteX17" y="connsiteY17"/>
+              </a:cxn>
+              <a:cxn ang="0">
+                <a:pos x="connsiteX18" y="connsiteY18"/>
+              </a:cxn>
+              <a:cxn ang="0">
+                <a:pos x="connsiteX19" y="connsiteY19"/>
+              </a:cxn>
+              <a:cxn ang="0">
+                <a:pos x="connsiteX20" y="connsiteY20"/>
+              </a:cxn>
+              <a:cxn ang="0">
+                <a:pos x="connsiteX21" y="connsiteY21"/>
+              </a:cxn>
+              <a:cxn ang="0">
+                <a:pos x="connsiteX22" y="connsiteY22"/>
+              </a:cxn>
+              <a:cxn ang="0">
+                <a:pos x="connsiteX23" y="connsiteY23"/>
+              </a:cxn>
+              <a:cxn ang="0">
+                <a:pos x="connsiteX24" y="connsiteY24"/>
+              </a:cxn>
+              <a:cxn ang="0">
+                <a:pos x="connsiteX25" y="connsiteY25"/>
+              </a:cxn>
+              <a:cxn ang="0">
+                <a:pos x="connsiteX26" y="connsiteY26"/>
+              </a:cxn>
+              <a:cxn ang="0">
+                <a:pos x="connsiteX27" y="connsiteY27"/>
+              </a:cxn>
+              <a:cxn ang="0">
+                <a:pos x="connsiteX28" y="connsiteY28"/>
+              </a:cxn>
+              <a:cxn ang="0">
+                <a:pos x="connsiteX29" y="connsiteY29"/>
+              </a:cxn>
+              <a:cxn ang="0">
+                <a:pos x="connsiteX30" y="connsiteY30"/>
+              </a:cxn>
+              <a:cxn ang="0">
+                <a:pos x="connsiteX31" y="connsiteY31"/>
+              </a:cxn>
+              <a:cxn ang="0">
+                <a:pos x="connsiteX32" y="connsiteY32"/>
+              </a:cxn>
+              <a:cxn ang="0">
+                <a:pos x="connsiteX33" y="connsiteY33"/>
+              </a:cxn>
+              <a:cxn ang="0">
+                <a:pos x="connsiteX34" y="connsiteY34"/>
+              </a:cxn>
+              <a:cxn ang="0">
+                <a:pos x="connsiteX35" y="connsiteY35"/>
+              </a:cxn>
+            </a:cxnLst>
+            <a:rect l="l" t="t" r="r" b="b"/>
+            <a:pathLst>
+              <a:path w="559472" h="3709642">
+                <a:moveTo>
+                  <a:pt x="0" y="0"/>
+                </a:moveTo>
+                <a:lnTo>
+                  <a:pt x="473952" y="0"/>
+                </a:lnTo>
+                <a:lnTo>
+                  <a:pt x="485840" y="161194"/>
+                </a:lnTo>
+                <a:cubicBezTo>
+                  <a:pt x="552063" y="1147770"/>
+                  <a:pt x="592441" y="3086737"/>
+                  <a:pt x="523949" y="3672197"/>
+                </a:cubicBezTo>
+                <a:cubicBezTo>
+                  <a:pt x="500842" y="3684557"/>
+                  <a:pt x="477855" y="3697282"/>
+                  <a:pt x="454748" y="3709642"/>
+                </a:cubicBezTo>
+                <a:lnTo>
+                  <a:pt x="448224" y="3510471"/>
+                </a:lnTo>
+                <a:lnTo>
+                  <a:pt x="443564" y="3408563"/>
+                </a:lnTo>
+                <a:lnTo>
+                  <a:pt x="438902" y="3304407"/>
+                </a:lnTo>
+                <a:lnTo>
+                  <a:pt x="433941" y="3198777"/>
+                </a:lnTo>
+                <a:lnTo>
+                  <a:pt x="427584" y="3092510"/>
+                </a:lnTo>
+                <a:lnTo>
+                  <a:pt x="420988" y="2984390"/>
+                </a:lnTo>
+                <a:lnTo>
+                  <a:pt x="414330" y="2874401"/>
+                </a:lnTo>
+                <a:lnTo>
+                  <a:pt x="406840" y="2762980"/>
+                </a:lnTo>
+                <a:lnTo>
+                  <a:pt x="397745" y="2650566"/>
+                </a:lnTo>
+                <a:lnTo>
+                  <a:pt x="389154" y="2536612"/>
+                </a:lnTo>
+                <a:lnTo>
+                  <a:pt x="379225" y="2421642"/>
+                </a:lnTo>
+                <a:lnTo>
+                  <a:pt x="368316" y="2305627"/>
+                </a:lnTo>
+                <a:lnTo>
+                  <a:pt x="357466" y="2189233"/>
+                </a:lnTo>
+                <a:lnTo>
+                  <a:pt x="344982" y="2071473"/>
+                </a:lnTo>
+                <a:lnTo>
+                  <a:pt x="332466" y="1952216"/>
+                </a:lnTo>
+                <a:lnTo>
+                  <a:pt x="319121" y="1833776"/>
+                </a:lnTo>
+                <a:lnTo>
+                  <a:pt x="304408" y="1713948"/>
+                </a:lnTo>
+                <a:lnTo>
+                  <a:pt x="288685" y="1592703"/>
+                </a:lnTo>
+                <a:lnTo>
+                  <a:pt x="273050" y="1471451"/>
+                </a:lnTo>
+                <a:lnTo>
+                  <a:pt x="255813" y="1350328"/>
+                </a:lnTo>
+                <a:lnTo>
+                  <a:pt x="237060" y="1227080"/>
+                </a:lnTo>
+                <a:lnTo>
+                  <a:pt x="218488" y="1106065"/>
+                </a:lnTo>
+                <a:lnTo>
+                  <a:pt x="198221" y="982940"/>
+                </a:lnTo>
+                <a:lnTo>
+                  <a:pt x="177152" y="858755"/>
+                </a:lnTo>
+                <a:lnTo>
+                  <a:pt x="155551" y="736861"/>
+                </a:lnTo>
+                <a:lnTo>
+                  <a:pt x="131782" y="613645"/>
+                </a:lnTo>
+                <a:lnTo>
+                  <a:pt x="107123" y="490500"/>
+                </a:lnTo>
+                <a:lnTo>
+                  <a:pt x="82552" y="367348"/>
+                </a:lnTo>
+                <a:lnTo>
+                  <a:pt x="55608" y="244762"/>
+                </a:lnTo>
+                <a:lnTo>
+                  <a:pt x="28130" y="122220"/>
+                </a:lnTo>
+                <a:lnTo>
+                  <a:pt x="0" y="0"/>
+                </a:lnTo>
+                <a:close/>
+              </a:path>
+            </a:pathLst>
+          </a:custGeom>
+          <a:solidFill>
+            <a:schemeClr val="bg1">
+              <a:alpha val="20000"/>
+            </a:schemeClr>
+          </a:solidFill>
+          <a:ln>
+            <a:noFill/>
+          </a:ln>
+        </p:spPr>
+        <p:txBody>
+          <a:bodyPr rtlCol="0" anchor="ctr"/>
+          <a:lstStyle/>
+          <a:p>
+            <a:pPr algn="ctr"/>
+            <a:endParaRPr lang="en-US"/>
+          </a:p>
+        </p:txBody>
+      </p:sp>
+      <p:sp useBgFill="1">
+        <p:nvSpPr>
+          <p:cNvPr id="14" name="Freeform: Shape 13">
+            <a:extLst>
+              <a:ext uri="{FF2B5EF4-FFF2-40B4-BE49-F238E27FC236}">
+                <a16:creationId xmlns:a16="http://schemas.microsoft.com/office/drawing/2014/main" id="{70151CB7-E7DE-4917-B831-01DF9CE01306}"/>
+              </a:ext>
+              <a:ext uri="{C183D7F6-B498-43B3-948B-1728B52AA6E4}">
+                <adec:decorative xmlns:adec="http://schemas.microsoft.com/office/drawing/2017/decorative" val="1"/>
+              </a:ext>
+            </a:extLst>
+          </p:cNvPr>
+          <p:cNvSpPr>
+            <a:spLocks noGrp="1" noRot="1" noChangeAspect="1" noMove="1" noResize="1" noEditPoints="1" noAdjustHandles="1" noChangeArrowheads="1" noChangeShapeType="1" noTextEdit="1"/>
+          </p:cNvSpPr>
+          <p:nvPr>
+            <p:extLst>
+              <p:ext uri="{386F3935-93C4-4BCD-93E2-E3B085C9AB24}">
+                <p16:designElem xmlns:p16="http://schemas.microsoft.com/office/powerpoint/2015/main" val="1"/>
+              </p:ext>
+            </p:extLst>
+          </p:nvPr>
+        </p:nvSpPr>
+        <p:spPr bwMode="gray">
+          <a:xfrm rot="16200000">
+            <a:off x="5270819" y="-63600"/>
+            <a:ext cx="6858001" cy="6985200"/>
+          </a:xfrm>
+          <a:custGeom>
+            <a:avLst/>
+            <a:gdLst>
+              <a:gd name="connsiteX0" fmla="*/ 6858001 w 6858001"/>
+              <a:gd name="connsiteY0" fmla="*/ 1177 h 6985200"/>
+              <a:gd name="connsiteX1" fmla="*/ 6858001 w 6858001"/>
+              <a:gd name="connsiteY1" fmla="*/ 1344715 h 6985200"/>
+              <a:gd name="connsiteX2" fmla="*/ 6858000 w 6858001"/>
+              <a:gd name="connsiteY2" fmla="*/ 1344715 h 6985200"/>
+              <a:gd name="connsiteX3" fmla="*/ 6858000 w 6858001"/>
+              <a:gd name="connsiteY3" fmla="*/ 6985200 h 6985200"/>
+              <a:gd name="connsiteX4" fmla="*/ 0 w 6858001"/>
+              <a:gd name="connsiteY4" fmla="*/ 6985199 h 6985200"/>
+              <a:gd name="connsiteX5" fmla="*/ 0 w 6858001"/>
+              <a:gd name="connsiteY5" fmla="*/ 886772 h 6985200"/>
+              <a:gd name="connsiteX6" fmla="*/ 1 w 6858001"/>
+              <a:gd name="connsiteY6" fmla="*/ 886772 h 6985200"/>
+              <a:gd name="connsiteX7" fmla="*/ 1 w 6858001"/>
+              <a:gd name="connsiteY7" fmla="*/ 0 h 6985200"/>
+              <a:gd name="connsiteX8" fmla="*/ 40463 w 6858001"/>
+              <a:gd name="connsiteY8" fmla="*/ 5883 h 6985200"/>
+              <a:gd name="connsiteX9" fmla="*/ 159107 w 6858001"/>
+              <a:gd name="connsiteY9" fmla="*/ 23196 h 6985200"/>
+              <a:gd name="connsiteX10" fmla="*/ 245518 w 6858001"/>
+              <a:gd name="connsiteY10" fmla="*/ 35299 h 6985200"/>
+              <a:gd name="connsiteX11" fmla="*/ 348388 w 6858001"/>
+              <a:gd name="connsiteY11" fmla="*/ 48073 h 6985200"/>
+              <a:gd name="connsiteX12" fmla="*/ 470460 w 6858001"/>
+              <a:gd name="connsiteY12" fmla="*/ 63369 h 6985200"/>
+              <a:gd name="connsiteX13" fmla="*/ 605563 w 6858001"/>
+              <a:gd name="connsiteY13" fmla="*/ 79506 h 6985200"/>
+              <a:gd name="connsiteX14" fmla="*/ 757810 w 6858001"/>
+              <a:gd name="connsiteY14" fmla="*/ 96483 h 6985200"/>
+              <a:gd name="connsiteX15" fmla="*/ 923774 w 6858001"/>
+              <a:gd name="connsiteY15" fmla="*/ 114469 h 6985200"/>
+              <a:gd name="connsiteX16" fmla="*/ 1104139 w 6858001"/>
+              <a:gd name="connsiteY16" fmla="*/ 132454 h 6985200"/>
+              <a:gd name="connsiteX17" fmla="*/ 1296163 w 6858001"/>
+              <a:gd name="connsiteY17" fmla="*/ 150776 h 6985200"/>
+              <a:gd name="connsiteX18" fmla="*/ 1503275 w 6858001"/>
+              <a:gd name="connsiteY18" fmla="*/ 167753 h 6985200"/>
+              <a:gd name="connsiteX19" fmla="*/ 1719988 w 6858001"/>
+              <a:gd name="connsiteY19" fmla="*/ 184058 h 6985200"/>
+              <a:gd name="connsiteX20" fmla="*/ 1949045 w 6858001"/>
+              <a:gd name="connsiteY20" fmla="*/ 198849 h 6985200"/>
+              <a:gd name="connsiteX21" fmla="*/ 2187703 w 6858001"/>
+              <a:gd name="connsiteY21" fmla="*/ 212969 h 6985200"/>
+              <a:gd name="connsiteX22" fmla="*/ 2436649 w 6858001"/>
+              <a:gd name="connsiteY22" fmla="*/ 226248 h 6985200"/>
+              <a:gd name="connsiteX23" fmla="*/ 2564208 w 6858001"/>
+              <a:gd name="connsiteY23" fmla="*/ 230955 h 6985200"/>
+              <a:gd name="connsiteX24" fmla="*/ 2694509 w 6858001"/>
+              <a:gd name="connsiteY24" fmla="*/ 236165 h 6985200"/>
+              <a:gd name="connsiteX25" fmla="*/ 2826869 w 6858001"/>
+              <a:gd name="connsiteY25" fmla="*/ 241040 h 6985200"/>
+              <a:gd name="connsiteX26" fmla="*/ 2959914 w 6858001"/>
+              <a:gd name="connsiteY26" fmla="*/ 244234 h 6985200"/>
+              <a:gd name="connsiteX27" fmla="*/ 3095702 w 6858001"/>
+              <a:gd name="connsiteY27" fmla="*/ 247091 h 6985200"/>
+              <a:gd name="connsiteX28" fmla="*/ 3232862 w 6858001"/>
+              <a:gd name="connsiteY28" fmla="*/ 250117 h 6985200"/>
+              <a:gd name="connsiteX29" fmla="*/ 3372766 w 6858001"/>
+              <a:gd name="connsiteY29" fmla="*/ 252134 h 6985200"/>
+              <a:gd name="connsiteX30" fmla="*/ 3514040 w 6858001"/>
+              <a:gd name="connsiteY30" fmla="*/ 252134 h 6985200"/>
+              <a:gd name="connsiteX31" fmla="*/ 3656686 w 6858001"/>
+              <a:gd name="connsiteY31" fmla="*/ 253142 h 6985200"/>
+              <a:gd name="connsiteX32" fmla="*/ 3800705 w 6858001"/>
+              <a:gd name="connsiteY32" fmla="*/ 252134 h 6985200"/>
+              <a:gd name="connsiteX33" fmla="*/ 3946780 w 6858001"/>
+              <a:gd name="connsiteY33" fmla="*/ 250117 h 6985200"/>
+              <a:gd name="connsiteX34" fmla="*/ 4092856 w 6858001"/>
+              <a:gd name="connsiteY34" fmla="*/ 248268 h 6985200"/>
+              <a:gd name="connsiteX35" fmla="*/ 4240988 w 6858001"/>
+              <a:gd name="connsiteY35" fmla="*/ 244234 h 6985200"/>
+              <a:gd name="connsiteX36" fmla="*/ 4390492 w 6858001"/>
+              <a:gd name="connsiteY36" fmla="*/ 240032 h 6985200"/>
+              <a:gd name="connsiteX37" fmla="*/ 4539997 w 6858001"/>
+              <a:gd name="connsiteY37" fmla="*/ 235157 h 6985200"/>
+              <a:gd name="connsiteX38" fmla="*/ 4690873 w 6858001"/>
+              <a:gd name="connsiteY38" fmla="*/ 228266 h 6985200"/>
+              <a:gd name="connsiteX39" fmla="*/ 4843120 w 6858001"/>
+              <a:gd name="connsiteY39" fmla="*/ 220029 h 6985200"/>
+              <a:gd name="connsiteX40" fmla="*/ 4996054 w 6858001"/>
+              <a:gd name="connsiteY40" fmla="*/ 212129 h 6985200"/>
+              <a:gd name="connsiteX41" fmla="*/ 5148987 w 6858001"/>
+              <a:gd name="connsiteY41" fmla="*/ 202044 h 6985200"/>
+              <a:gd name="connsiteX42" fmla="*/ 5303978 w 6858001"/>
+              <a:gd name="connsiteY42" fmla="*/ 189941 h 6985200"/>
+              <a:gd name="connsiteX43" fmla="*/ 5456911 w 6858001"/>
+              <a:gd name="connsiteY43" fmla="*/ 177839 h 6985200"/>
+              <a:gd name="connsiteX44" fmla="*/ 5612588 w 6858001"/>
+              <a:gd name="connsiteY44" fmla="*/ 163887 h 6985200"/>
+              <a:gd name="connsiteX45" fmla="*/ 5768950 w 6858001"/>
+              <a:gd name="connsiteY45" fmla="*/ 148591 h 6985200"/>
+              <a:gd name="connsiteX46" fmla="*/ 5923255 w 6858001"/>
+              <a:gd name="connsiteY46" fmla="*/ 132455 h 6985200"/>
+              <a:gd name="connsiteX47" fmla="*/ 6079618 w 6858001"/>
+              <a:gd name="connsiteY47" fmla="*/ 113629 h 6985200"/>
+              <a:gd name="connsiteX48" fmla="*/ 6235294 w 6858001"/>
+              <a:gd name="connsiteY48" fmla="*/ 93458 h 6985200"/>
+              <a:gd name="connsiteX49" fmla="*/ 6391657 w 6858001"/>
+              <a:gd name="connsiteY49" fmla="*/ 73455 h 6985200"/>
+              <a:gd name="connsiteX50" fmla="*/ 6547333 w 6858001"/>
+              <a:gd name="connsiteY50" fmla="*/ 50091 h 6985200"/>
+              <a:gd name="connsiteX51" fmla="*/ 6702324 w 6858001"/>
+              <a:gd name="connsiteY51" fmla="*/ 26222 h 6985200"/>
+            </a:gdLst>
+            <a:ahLst/>
+            <a:cxnLst>
+              <a:cxn ang="0">
+                <a:pos x="connsiteX0" y="connsiteY0"/>
+              </a:cxn>
+              <a:cxn ang="0">
+                <a:pos x="connsiteX1" y="connsiteY1"/>
+              </a:cxn>
+              <a:cxn ang="0">
+                <a:pos x="connsiteX2" y="connsiteY2"/>
+              </a:cxn>
+              <a:cxn ang="0">
+                <a:pos x="connsiteX3" y="connsiteY3"/>
+              </a:cxn>
+              <a:cxn ang="0">
+                <a:pos x="connsiteX4" y="connsiteY4"/>
+              </a:cxn>
+              <a:cxn ang="0">
+                <a:pos x="connsiteX5" y="connsiteY5"/>
+              </a:cxn>
+              <a:cxn ang="0">
+                <a:pos x="connsiteX6" y="connsiteY6"/>
+              </a:cxn>
+              <a:cxn ang="0">
+                <a:pos x="connsiteX7" y="connsiteY7"/>
+              </a:cxn>
+              <a:cxn ang="0">
+                <a:pos x="connsiteX8" y="connsiteY8"/>
+              </a:cxn>
+              <a:cxn ang="0">
+                <a:pos x="connsiteX9" y="connsiteY9"/>
+              </a:cxn>
+              <a:cxn ang="0">
+                <a:pos x="connsiteX10" y="connsiteY10"/>
+              </a:cxn>
+              <a:cxn ang="0">
+                <a:pos x="connsiteX11" y="connsiteY11"/>
+              </a:cxn>
+              <a:cxn ang="0">
+                <a:pos x="connsiteX12" y="connsiteY12"/>
+              </a:cxn>
+              <a:cxn ang="0">
+                <a:pos x="connsiteX13" y="connsiteY13"/>
+              </a:cxn>
+              <a:cxn ang="0">
+                <a:pos x="connsiteX14" y="connsiteY14"/>
+              </a:cxn>
+              <a:cxn ang="0">
+                <a:pos x="connsiteX15" y="connsiteY15"/>
+              </a:cxn>
+              <a:cxn ang="0">
+                <a:pos x="connsiteX16" y="connsiteY16"/>
+              </a:cxn>
+              <a:cxn ang="0">
+                <a:pos x="connsiteX17" y="connsiteY17"/>
+              </a:cxn>
+              <a:cxn ang="0">
+                <a:pos x="connsiteX18" y="connsiteY18"/>
+              </a:cxn>
+              <a:cxn ang="0">
+                <a:pos x="connsiteX19" y="connsiteY19"/>
+              </a:cxn>
+              <a:cxn ang="0">
+                <a:pos x="connsiteX20" y="connsiteY20"/>
+              </a:cxn>
+              <a:cxn ang="0">
+                <a:pos x="connsiteX21" y="connsiteY21"/>
+              </a:cxn>
+              <a:cxn ang="0">
+                <a:pos x="connsiteX22" y="connsiteY22"/>
+              </a:cxn>
+              <a:cxn ang="0">
+                <a:pos x="connsiteX23" y="connsiteY23"/>
+              </a:cxn>
+              <a:cxn ang="0">
+                <a:pos x="connsiteX24" y="connsiteY24"/>
+              </a:cxn>
+              <a:cxn ang="0">
+                <a:pos x="connsiteX25" y="connsiteY25"/>
+              </a:cxn>
+              <a:cxn ang="0">
+                <a:pos x="connsiteX26" y="connsiteY26"/>
+              </a:cxn>
+              <a:cxn ang="0">
+                <a:pos x="connsiteX27" y="connsiteY27"/>
+              </a:cxn>
+              <a:cxn ang="0">
+                <a:pos x="connsiteX28" y="connsiteY28"/>
+              </a:cxn>
+              <a:cxn ang="0">
+                <a:pos x="connsiteX29" y="connsiteY29"/>
+              </a:cxn>
+              <a:cxn ang="0">
+                <a:pos x="connsiteX30" y="connsiteY30"/>
+              </a:cxn>
+              <a:cxn ang="0">
+                <a:pos x="connsiteX31" y="connsiteY31"/>
+              </a:cxn>
+              <a:cxn ang="0">
+                <a:pos x="connsiteX32" y="connsiteY32"/>
+              </a:cxn>
+              <a:cxn ang="0">
+                <a:pos x="connsiteX33" y="connsiteY33"/>
+              </a:cxn>
+              <a:cxn ang="0">
+                <a:pos x="connsiteX34" y="connsiteY34"/>
+              </a:cxn>
+              <a:cxn ang="0">
+                <a:pos x="connsiteX35" y="connsiteY35"/>
+              </a:cxn>
+              <a:cxn ang="0">
+                <a:pos x="connsiteX36" y="connsiteY36"/>
+              </a:cxn>
+              <a:cxn ang="0">
+                <a:pos x="connsiteX37" y="connsiteY37"/>
+              </a:cxn>
+              <a:cxn ang="0">
+                <a:pos x="connsiteX38" y="connsiteY38"/>
+              </a:cxn>
+              <a:cxn ang="0">
+                <a:pos x="connsiteX39" y="connsiteY39"/>
+              </a:cxn>
+              <a:cxn ang="0">
+                <a:pos x="connsiteX40" y="connsiteY40"/>
+              </a:cxn>
+              <a:cxn ang="0">
+                <a:pos x="connsiteX41" y="connsiteY41"/>
+              </a:cxn>
+              <a:cxn ang="0">
+                <a:pos x="connsiteX42" y="connsiteY42"/>
+              </a:cxn>
+              <a:cxn ang="0">
+                <a:pos x="connsiteX43" y="connsiteY43"/>
+              </a:cxn>
+              <a:cxn ang="0">
+                <a:pos x="connsiteX44" y="connsiteY44"/>
+              </a:cxn>
+              <a:cxn ang="0">
+                <a:pos x="connsiteX45" y="connsiteY45"/>
+              </a:cxn>
+              <a:cxn ang="0">
+                <a:pos x="connsiteX46" y="connsiteY46"/>
+              </a:cxn>
+              <a:cxn ang="0">
+                <a:pos x="connsiteX47" y="connsiteY47"/>
+              </a:cxn>
+              <a:cxn ang="0">
+                <a:pos x="connsiteX48" y="connsiteY48"/>
+              </a:cxn>
+              <a:cxn ang="0">
+                <a:pos x="connsiteX49" y="connsiteY49"/>
+              </a:cxn>
+              <a:cxn ang="0">
+                <a:pos x="connsiteX50" y="connsiteY50"/>
+              </a:cxn>
+              <a:cxn ang="0">
+                <a:pos x="connsiteX51" y="connsiteY51"/>
+              </a:cxn>
+            </a:cxnLst>
+            <a:rect l="l" t="t" r="r" b="b"/>
+            <a:pathLst>
+              <a:path w="6858001" h="6985200">
+                <a:moveTo>
+                  <a:pt x="6858001" y="1177"/>
+                </a:moveTo>
+                <a:lnTo>
+                  <a:pt x="6858001" y="1344715"/>
+                </a:lnTo>
+                <a:lnTo>
+                  <a:pt x="6858000" y="1344715"/>
+                </a:lnTo>
+                <a:lnTo>
+                  <a:pt x="6858000" y="6985200"/>
+                </a:lnTo>
+                <a:lnTo>
+                  <a:pt x="0" y="6985199"/>
+                </a:lnTo>
+                <a:lnTo>
+                  <a:pt x="0" y="886772"/>
+                </a:lnTo>
+                <a:lnTo>
+                  <a:pt x="1" y="886772"/>
+                </a:lnTo>
+                <a:lnTo>
+                  <a:pt x="1" y="0"/>
+                </a:lnTo>
+                <a:lnTo>
+                  <a:pt x="40463" y="5883"/>
+                </a:lnTo>
+                <a:lnTo>
+                  <a:pt x="159107" y="23196"/>
+                </a:lnTo>
+                <a:lnTo>
+                  <a:pt x="245518" y="35299"/>
+                </a:lnTo>
+                <a:lnTo>
+                  <a:pt x="348388" y="48073"/>
+                </a:lnTo>
+                <a:lnTo>
+                  <a:pt x="470460" y="63369"/>
+                </a:lnTo>
+                <a:lnTo>
+                  <a:pt x="605563" y="79506"/>
+                </a:lnTo>
+                <a:lnTo>
+                  <a:pt x="757810" y="96483"/>
+                </a:lnTo>
+                <a:lnTo>
+                  <a:pt x="923774" y="114469"/>
+                </a:lnTo>
+                <a:lnTo>
+                  <a:pt x="1104139" y="132454"/>
+                </a:lnTo>
+                <a:lnTo>
+                  <a:pt x="1296163" y="150776"/>
+                </a:lnTo>
+                <a:lnTo>
+                  <a:pt x="1503275" y="167753"/>
+                </a:lnTo>
+                <a:lnTo>
+                  <a:pt x="1719988" y="184058"/>
+                </a:lnTo>
+                <a:lnTo>
+                  <a:pt x="1949045" y="198849"/>
+                </a:lnTo>
+                <a:lnTo>
+                  <a:pt x="2187703" y="212969"/>
+                </a:lnTo>
+                <a:lnTo>
+                  <a:pt x="2436649" y="226248"/>
+                </a:lnTo>
+                <a:lnTo>
+                  <a:pt x="2564208" y="230955"/>
+                </a:lnTo>
+                <a:lnTo>
+                  <a:pt x="2694509" y="236165"/>
+                </a:lnTo>
+                <a:lnTo>
+                  <a:pt x="2826869" y="241040"/>
+                </a:lnTo>
+                <a:lnTo>
+                  <a:pt x="2959914" y="244234"/>
+                </a:lnTo>
+                <a:lnTo>
+                  <a:pt x="3095702" y="247091"/>
+                </a:lnTo>
+                <a:lnTo>
+                  <a:pt x="3232862" y="250117"/>
+                </a:lnTo>
+                <a:lnTo>
+                  <a:pt x="3372766" y="252134"/>
+                </a:lnTo>
+                <a:lnTo>
+                  <a:pt x="3514040" y="252134"/>
+                </a:lnTo>
+                <a:lnTo>
+                  <a:pt x="3656686" y="253142"/>
+                </a:lnTo>
+                <a:lnTo>
+                  <a:pt x="3800705" y="252134"/>
+                </a:lnTo>
+                <a:lnTo>
+                  <a:pt x="3946780" y="250117"/>
+                </a:lnTo>
+                <a:lnTo>
+                  <a:pt x="4092856" y="248268"/>
+                </a:lnTo>
+                <a:lnTo>
+                  <a:pt x="4240988" y="244234"/>
+                </a:lnTo>
+                <a:lnTo>
+                  <a:pt x="4390492" y="240032"/>
+                </a:lnTo>
+                <a:lnTo>
+                  <a:pt x="4539997" y="235157"/>
+                </a:lnTo>
+                <a:lnTo>
+                  <a:pt x="4690873" y="228266"/>
+                </a:lnTo>
+                <a:lnTo>
+                  <a:pt x="4843120" y="220029"/>
+                </a:lnTo>
+                <a:lnTo>
+                  <a:pt x="4996054" y="212129"/>
+                </a:lnTo>
+                <a:lnTo>
+                  <a:pt x="5148987" y="202044"/>
+                </a:lnTo>
+                <a:lnTo>
+                  <a:pt x="5303978" y="189941"/>
+                </a:lnTo>
+                <a:lnTo>
+                  <a:pt x="5456911" y="177839"/>
+                </a:lnTo>
+                <a:lnTo>
+                  <a:pt x="5612588" y="163887"/>
+                </a:lnTo>
+                <a:lnTo>
+                  <a:pt x="5768950" y="148591"/>
+                </a:lnTo>
+                <a:lnTo>
+                  <a:pt x="5923255" y="132455"/>
+                </a:lnTo>
+                <a:lnTo>
+                  <a:pt x="6079618" y="113629"/>
+                </a:lnTo>
+                <a:lnTo>
+                  <a:pt x="6235294" y="93458"/>
+                </a:lnTo>
+                <a:lnTo>
+                  <a:pt x="6391657" y="73455"/>
+                </a:lnTo>
+                <a:lnTo>
+                  <a:pt x="6547333" y="50091"/>
+                </a:lnTo>
+                <a:lnTo>
+                  <a:pt x="6702324" y="26222"/>
+                </a:lnTo>
+                <a:close/>
+              </a:path>
+            </a:pathLst>
+          </a:custGeom>
+          <a:ln>
+            <a:noFill/>
+          </a:ln>
+        </p:spPr>
         <p:txBody>
           <a:bodyPr/>
           <a:lstStyle/>
           <a:p>
-            <a:r>
-              <a:rPr lang="en-GB" dirty="0"/>
-              <a:t>Questions (name here)</a:t>
-            </a:r>
+            <a:endParaRPr lang="en-GB"/>
+          </a:p>
+        </p:txBody>
+      </p:sp>
+      <p:pic>
+        <p:nvPicPr>
+          <p:cNvPr id="5" name="Picture 4">
+            <a:extLst>
+              <a:ext uri="{FF2B5EF4-FFF2-40B4-BE49-F238E27FC236}">
+                <a16:creationId xmlns:a16="http://schemas.microsoft.com/office/drawing/2014/main" id="{FEF21894-677C-E9EB-ECB6-C8EFC0AF2BA5}"/>
+              </a:ext>
+            </a:extLst>
+          </p:cNvPr>
+          <p:cNvPicPr>
+            <a:picLocks noChangeAspect="1"/>
+          </p:cNvPicPr>
+          <p:nvPr/>
+        </p:nvPicPr>
+        <p:blipFill>
+          <a:blip r:embed="rId2"/>
+          <a:stretch>
+            <a:fillRect/>
+          </a:stretch>
+        </p:blipFill>
+        <p:spPr>
+          <a:xfrm>
+            <a:off x="5618690" y="1142999"/>
+            <a:ext cx="6508112" cy="3018310"/>
+          </a:xfrm>
+          <a:prstGeom prst="rect">
+            <a:avLst/>
+          </a:prstGeom>
+          <a:effectLst/>
+        </p:spPr>
+      </p:pic>
+      <p:sp>
+        <p:nvSpPr>
+          <p:cNvPr id="16" name="Rectangle 15">
+            <a:extLst>
+              <a:ext uri="{FF2B5EF4-FFF2-40B4-BE49-F238E27FC236}">
+                <a16:creationId xmlns:a16="http://schemas.microsoft.com/office/drawing/2014/main" id="{A92A1116-1C84-41DF-B803-1F7B0883EC82}"/>
+              </a:ext>
+              <a:ext uri="{C183D7F6-B498-43B3-948B-1728B52AA6E4}">
+                <adec:decorative xmlns:adec="http://schemas.microsoft.com/office/drawing/2017/decorative" val="1"/>
+              </a:ext>
+            </a:extLst>
+          </p:cNvPr>
+          <p:cNvSpPr>
+            <a:spLocks noGrp="1" noRot="1" noChangeAspect="1" noMove="1" noResize="1" noEditPoints="1" noAdjustHandles="1" noChangeArrowheads="1" noChangeShapeType="1" noTextEdit="1"/>
+          </p:cNvSpPr>
+          <p:nvPr>
+            <p:extLst>
+              <p:ext uri="{386F3935-93C4-4BCD-93E2-E3B085C9AB24}">
+                <p16:designElem xmlns:p16="http://schemas.microsoft.com/office/powerpoint/2015/main" val="1"/>
+              </p:ext>
+            </p:extLst>
+          </p:nvPr>
+        </p:nvSpPr>
+        <p:spPr>
+          <a:xfrm>
+            <a:off x="10442448" y="0"/>
+            <a:ext cx="685800" cy="1143000"/>
+          </a:xfrm>
+          <a:prstGeom prst="rect">
+            <a:avLst/>
+          </a:prstGeom>
+          <a:solidFill>
+            <a:schemeClr val="accent1"/>
+          </a:solidFill>
+          <a:ln>
+            <a:noFill/>
+          </a:ln>
+        </p:spPr>
+        <p:style>
+          <a:lnRef idx="1">
+            <a:schemeClr val="accent1"/>
+          </a:lnRef>
+          <a:fillRef idx="3">
+            <a:schemeClr val="accent1"/>
+          </a:fillRef>
+          <a:effectRef idx="2">
+            <a:schemeClr val="accent1"/>
+          </a:effectRef>
+          <a:fontRef idx="minor">
+            <a:schemeClr val="lt1"/>
+          </a:fontRef>
+        </p:style>
+        <p:txBody>
+          <a:bodyPr/>
+          <a:lstStyle/>
+          <a:p>
+            <a:endParaRPr lang="en-GB"/>
           </a:p>
         </p:txBody>
       </p:sp>
@@ -7393,12 +8385,108 @@
             <p:ph idx="1"/>
           </p:nvPr>
         </p:nvSpPr>
-        <p:spPr/>
-        <p:txBody>
-          <a:bodyPr/>
-          <a:lstStyle/>
-          <a:p>
-            <a:endParaRPr lang="en-GB"/>
+        <p:spPr>
+          <a:xfrm>
+            <a:off x="648931" y="2438400"/>
+            <a:ext cx="4166509" cy="3785419"/>
+          </a:xfrm>
+        </p:spPr>
+        <p:txBody>
+          <a:bodyPr>
+            <a:normAutofit/>
+          </a:bodyPr>
+          <a:lstStyle/>
+          <a:p>
+            <a:r>
+              <a:rPr lang="en-GB" sz="1600" dirty="0">
+                <a:solidFill>
+                  <a:srgbClr val="EBEBEB"/>
+                </a:solidFill>
+              </a:rPr>
+              <a:t>Q3 &gt; How much would an Entry Level/Junior of a high paying job make compared to a low paying job but at senior level or Executive level?</a:t>
+            </a:r>
+          </a:p>
+          <a:p>
+            <a:r>
+              <a:rPr lang="en-GB" sz="1600" dirty="0">
+                <a:solidFill>
+                  <a:srgbClr val="EBEBEB"/>
+                </a:solidFill>
+              </a:rPr>
+              <a:t>The graph shows that the top paying entry level job is AI Researcher, and the lowest paying senior jobs is staff data analyst.</a:t>
+            </a:r>
+          </a:p>
+          <a:p>
+            <a:endParaRPr lang="en-GB" sz="1600" dirty="0">
+              <a:solidFill>
+                <a:srgbClr val="EBEBEB"/>
+              </a:solidFill>
+            </a:endParaRPr>
+          </a:p>
+        </p:txBody>
+      </p:sp>
+      <p:pic>
+        <p:nvPicPr>
+          <p:cNvPr id="7" name="Picture 6">
+            <a:extLst>
+              <a:ext uri="{FF2B5EF4-FFF2-40B4-BE49-F238E27FC236}">
+                <a16:creationId xmlns:a16="http://schemas.microsoft.com/office/drawing/2014/main" id="{868D740F-FCBA-09DD-BE10-5A594D13529B}"/>
+              </a:ext>
+            </a:extLst>
+          </p:cNvPr>
+          <p:cNvPicPr>
+            <a:picLocks noChangeAspect="1"/>
+          </p:cNvPicPr>
+          <p:nvPr/>
+        </p:nvPicPr>
+        <p:blipFill>
+          <a:blip r:embed="rId3"/>
+          <a:stretch>
+            <a:fillRect/>
+          </a:stretch>
+        </p:blipFill>
+        <p:spPr>
+          <a:xfrm>
+            <a:off x="5684566" y="4305700"/>
+            <a:ext cx="6376360" cy="2407909"/>
+          </a:xfrm>
+          <a:prstGeom prst="rect">
+            <a:avLst/>
+          </a:prstGeom>
+        </p:spPr>
+      </p:pic>
+      <p:sp>
+        <p:nvSpPr>
+          <p:cNvPr id="8" name="TextBox 7">
+            <a:extLst>
+              <a:ext uri="{FF2B5EF4-FFF2-40B4-BE49-F238E27FC236}">
+                <a16:creationId xmlns:a16="http://schemas.microsoft.com/office/drawing/2014/main" id="{1F39398B-F1C6-2D3C-C08C-1B128A6E0E10}"/>
+              </a:ext>
+            </a:extLst>
+          </p:cNvPr>
+          <p:cNvSpPr txBox="1"/>
+          <p:nvPr/>
+        </p:nvSpPr>
+        <p:spPr>
+          <a:xfrm>
+            <a:off x="7034421" y="773667"/>
+            <a:ext cx="1838325" cy="369332"/>
+          </a:xfrm>
+          <a:prstGeom prst="rect">
+            <a:avLst/>
+          </a:prstGeom>
+          <a:noFill/>
+        </p:spPr>
+        <p:txBody>
+          <a:bodyPr wrap="square" rtlCol="0">
+            <a:spAutoFit/>
+          </a:bodyPr>
+          <a:lstStyle/>
+          <a:p>
+            <a:r>
+              <a:rPr lang="en-GB" dirty="0"/>
+              <a:t>visualisation</a:t>
+            </a:r>
           </a:p>
         </p:txBody>
       </p:sp>
@@ -7410,7 +8498,7 @@
     </p:extLst>
   </p:cSld>
   <p:clrMapOvr>
-    <a:masterClrMapping/>
+    <a:overrideClrMapping bg1="lt1" tx1="dk1" bg2="lt2" tx2="dk2" accent1="accent1" accent2="accent2" accent3="accent3" accent4="accent4" accent5="accent5" accent6="accent6" hlink="hlink" folHlink="folHlink"/>
   </p:clrMapOvr>
 </p:sld>
 </file>
@@ -7461,7 +8549,7 @@
           <a:p>
             <a:r>
               <a:rPr lang="en-GB" dirty="0"/>
-              <a:t>Questions (name here)</a:t>
+              <a:t>Questions (Prajesh)</a:t>
             </a:r>
           </a:p>
         </p:txBody>
@@ -7482,12 +8570,124 @@
             <p:ph idx="1"/>
           </p:nvPr>
         </p:nvSpPr>
-        <p:spPr/>
+        <p:spPr>
+          <a:xfrm>
+            <a:off x="960437" y="1490943"/>
+            <a:ext cx="8946541" cy="4195481"/>
+          </a:xfrm>
+        </p:spPr>
         <p:txBody>
           <a:bodyPr/>
           <a:lstStyle/>
           <a:p>
+            <a:r>
+              <a:rPr lang="en-GB" dirty="0"/>
+              <a:t>Q4 &gt; Do freelancers make more money or less money compared to employees who work fulltime and if so what job/ task allows a freelancer to get a good pay and if less what jobs are freelancers taking up?</a:t>
+            </a:r>
+          </a:p>
+          <a:p>
+            <a:r>
+              <a:rPr lang="en-GB" dirty="0"/>
+              <a:t>Data shows that Full-Time employees make more money than people who freelance (contract) however freelancers make more money than people who do part time work</a:t>
+            </a:r>
+          </a:p>
+          <a:p>
             <a:endParaRPr lang="en-GB" dirty="0"/>
+          </a:p>
+        </p:txBody>
+      </p:sp>
+      <p:pic>
+        <p:nvPicPr>
+          <p:cNvPr id="5" name="Picture 4">
+            <a:extLst>
+              <a:ext uri="{FF2B5EF4-FFF2-40B4-BE49-F238E27FC236}">
+                <a16:creationId xmlns:a16="http://schemas.microsoft.com/office/drawing/2014/main" id="{BC8E7C71-F412-D862-1B71-BAA87073C3B7}"/>
+              </a:ext>
+            </a:extLst>
+          </p:cNvPr>
+          <p:cNvPicPr>
+            <a:picLocks noChangeAspect="1"/>
+          </p:cNvPicPr>
+          <p:nvPr/>
+        </p:nvPicPr>
+        <p:blipFill>
+          <a:blip r:embed="rId2"/>
+          <a:stretch>
+            <a:fillRect/>
+          </a:stretch>
+        </p:blipFill>
+        <p:spPr>
+          <a:xfrm>
+            <a:off x="6831391" y="4273826"/>
+            <a:ext cx="5330067" cy="2479399"/>
+          </a:xfrm>
+          <a:prstGeom prst="rect">
+            <a:avLst/>
+          </a:prstGeom>
+        </p:spPr>
+      </p:pic>
+      <p:pic>
+        <p:nvPicPr>
+          <p:cNvPr id="7" name="Picture 6">
+            <a:extLst>
+              <a:ext uri="{FF2B5EF4-FFF2-40B4-BE49-F238E27FC236}">
+                <a16:creationId xmlns:a16="http://schemas.microsoft.com/office/drawing/2014/main" id="{A078AA78-ACDB-A101-37CF-60BBB414D65F}"/>
+              </a:ext>
+            </a:extLst>
+          </p:cNvPr>
+          <p:cNvPicPr>
+            <a:picLocks noChangeAspect="1"/>
+          </p:cNvPicPr>
+          <p:nvPr/>
+        </p:nvPicPr>
+        <p:blipFill>
+          <a:blip r:embed="rId3"/>
+          <a:stretch>
+            <a:fillRect/>
+          </a:stretch>
+        </p:blipFill>
+        <p:spPr>
+          <a:xfrm>
+            <a:off x="1232654" y="4064275"/>
+            <a:ext cx="4201053" cy="2693118"/>
+          </a:xfrm>
+          <a:prstGeom prst="rect">
+            <a:avLst/>
+          </a:prstGeom>
+        </p:spPr>
+      </p:pic>
+      <p:sp>
+        <p:nvSpPr>
+          <p:cNvPr id="8" name="TextBox 7">
+            <a:extLst>
+              <a:ext uri="{FF2B5EF4-FFF2-40B4-BE49-F238E27FC236}">
+                <a16:creationId xmlns:a16="http://schemas.microsoft.com/office/drawing/2014/main" id="{24297AC0-0C16-8CDC-22B2-1CEE2D198E35}"/>
+              </a:ext>
+            </a:extLst>
+          </p:cNvPr>
+          <p:cNvSpPr txBox="1"/>
+          <p:nvPr/>
+        </p:nvSpPr>
+        <p:spPr>
+          <a:xfrm>
+            <a:off x="9060724" y="3879609"/>
+            <a:ext cx="3333750" cy="369332"/>
+          </a:xfrm>
+          <a:prstGeom prst="rect">
+            <a:avLst/>
+          </a:prstGeom>
+          <a:noFill/>
+        </p:spPr>
+        <p:txBody>
+          <a:bodyPr wrap="square" rtlCol="0">
+            <a:spAutoFit/>
+          </a:bodyPr>
+          <a:lstStyle/>
+          <a:p>
+            <a:r>
+              <a:rPr lang="en-GB" dirty="0"/>
+              <a:t>visualisation</a:t>
+            </a:r>
           </a:p>
         </p:txBody>
       </p:sp>

--- a/Computer Science Workshop Presentation.pptx
+++ b/Computer Science Workshop Presentation.pptx
@@ -7187,14 +7187,19 @@
             <p:ph type="title"/>
           </p:nvPr>
         </p:nvSpPr>
-        <p:spPr/>
+        <p:spPr>
+          <a:xfrm>
+            <a:off x="0" y="281"/>
+            <a:ext cx="9404723" cy="1400530"/>
+          </a:xfrm>
+        </p:spPr>
         <p:txBody>
           <a:bodyPr/>
           <a:lstStyle/>
           <a:p>
             <a:r>
               <a:rPr lang="en-GB" dirty="0"/>
-              <a:t>Questions (name here)</a:t>
+              <a:t>Questions (Andrei)</a:t>
             </a:r>
           </a:p>
         </p:txBody>
@@ -7215,15 +7220,109 @@
             <p:ph idx="1"/>
           </p:nvPr>
         </p:nvSpPr>
-        <p:spPr/>
-        <p:txBody>
-          <a:bodyPr/>
-          <a:lstStyle/>
-          <a:p>
-            <a:endParaRPr lang="en-GB"/>
-          </a:p>
-        </p:txBody>
-      </p:sp>
+        <p:spPr>
+          <a:xfrm>
+            <a:off x="-85725" y="509867"/>
+            <a:ext cx="8946541" cy="4195481"/>
+          </a:xfrm>
+        </p:spPr>
+        <p:txBody>
+          <a:bodyPr>
+            <a:normAutofit/>
+          </a:bodyPr>
+          <a:lstStyle/>
+          <a:p>
+            <a:r>
+              <a:rPr lang="en-GB" sz="1800" dirty="0"/>
+              <a:t>My first question was what was the average salary difference between the different company sizes.</a:t>
+            </a:r>
+          </a:p>
+          <a:p>
+            <a:r>
+              <a:rPr lang="en-GB" sz="1800" dirty="0"/>
+              <a:t>This showed that the medium company ended up having the largest average salary with the large company just right behind it by $4000 and the small company having the lowest average salary of $88000 rounded.</a:t>
+            </a:r>
+          </a:p>
+          <a:p>
+            <a:r>
+              <a:rPr lang="en-GB" sz="1800" dirty="0"/>
+              <a:t>It also shows the difference between the highest and lowest average salary of the company sizes.</a:t>
+            </a:r>
+          </a:p>
+          <a:p>
+            <a:r>
+              <a:rPr lang="en-GB" sz="1800" dirty="0"/>
+              <a:t>I was expecting for the large company to have the highest salary but maybe medium size company needs employers with better skills to grow their business, so they are getting paid more.</a:t>
+            </a:r>
+          </a:p>
+          <a:p>
+            <a:r>
+              <a:rPr lang="en-GB" sz="1800" dirty="0"/>
+              <a:t>Question 13</a:t>
+            </a:r>
+          </a:p>
+        </p:txBody>
+      </p:sp>
+      <p:pic>
+        <p:nvPicPr>
+          <p:cNvPr id="7" name="Picture 6">
+            <a:extLst>
+              <a:ext uri="{FF2B5EF4-FFF2-40B4-BE49-F238E27FC236}">
+                <a16:creationId xmlns:a16="http://schemas.microsoft.com/office/drawing/2014/main" id="{0A5C8972-7D12-3F8B-A305-5AEB29277051}"/>
+              </a:ext>
+            </a:extLst>
+          </p:cNvPr>
+          <p:cNvPicPr>
+            <a:picLocks noChangeAspect="1"/>
+          </p:cNvPicPr>
+          <p:nvPr/>
+        </p:nvPicPr>
+        <p:blipFill>
+          <a:blip r:embed="rId2"/>
+          <a:stretch>
+            <a:fillRect/>
+          </a:stretch>
+        </p:blipFill>
+        <p:spPr>
+          <a:xfrm>
+            <a:off x="7240" y="4928908"/>
+            <a:ext cx="6197723" cy="1928811"/>
+          </a:xfrm>
+          <a:prstGeom prst="rect">
+            <a:avLst/>
+          </a:prstGeom>
+        </p:spPr>
+      </p:pic>
+      <p:pic>
+        <p:nvPicPr>
+          <p:cNvPr id="9" name="Picture 8">
+            <a:extLst>
+              <a:ext uri="{FF2B5EF4-FFF2-40B4-BE49-F238E27FC236}">
+                <a16:creationId xmlns:a16="http://schemas.microsoft.com/office/drawing/2014/main" id="{D7A5DDA3-61A9-C564-C940-71E780E85A1A}"/>
+              </a:ext>
+            </a:extLst>
+          </p:cNvPr>
+          <p:cNvPicPr>
+            <a:picLocks noChangeAspect="1"/>
+          </p:cNvPicPr>
+          <p:nvPr/>
+        </p:nvPicPr>
+        <p:blipFill>
+          <a:blip r:embed="rId3"/>
+          <a:stretch>
+            <a:fillRect/>
+          </a:stretch>
+        </p:blipFill>
+        <p:spPr>
+          <a:xfrm>
+            <a:off x="6297927" y="3457575"/>
+            <a:ext cx="5540737" cy="3400425"/>
+          </a:xfrm>
+          <a:prstGeom prst="rect">
+            <a:avLst/>
+          </a:prstGeom>
+        </p:spPr>
+      </p:pic>
     </p:spTree>
     <p:extLst>
       <p:ext uri="{BB962C8B-B14F-4D97-AF65-F5344CB8AC3E}">
@@ -7276,14 +7375,19 @@
             <p:ph type="title"/>
           </p:nvPr>
         </p:nvSpPr>
-        <p:spPr/>
+        <p:spPr>
+          <a:xfrm>
+            <a:off x="0" y="0"/>
+            <a:ext cx="9404723" cy="1400530"/>
+          </a:xfrm>
+        </p:spPr>
         <p:txBody>
           <a:bodyPr/>
           <a:lstStyle/>
           <a:p>
             <a:r>
               <a:rPr lang="en-GB" dirty="0"/>
-              <a:t>Questions (name here)</a:t>
+              <a:t>Questions (Andrei)</a:t>
             </a:r>
           </a:p>
         </p:txBody>
@@ -7304,15 +7408,73 @@
             <p:ph idx="1"/>
           </p:nvPr>
         </p:nvSpPr>
-        <p:spPr/>
-        <p:txBody>
-          <a:bodyPr/>
-          <a:lstStyle/>
-          <a:p>
-            <a:endParaRPr lang="en-GB"/>
-          </a:p>
-        </p:txBody>
-      </p:sp>
+        <p:spPr>
+          <a:xfrm>
+            <a:off x="229090" y="700265"/>
+            <a:ext cx="8946541" cy="4195481"/>
+          </a:xfrm>
+        </p:spPr>
+        <p:txBody>
+          <a:bodyPr>
+            <a:normAutofit/>
+          </a:bodyPr>
+          <a:lstStyle/>
+          <a:p>
+            <a:r>
+              <a:rPr lang="en-GB" sz="1800" dirty="0"/>
+              <a:t>I was showing the top 5 locations that had the highest average salary.</a:t>
+            </a:r>
+          </a:p>
+          <a:p>
+            <a:r>
+              <a:rPr lang="en-GB" sz="1800" dirty="0"/>
+              <a:t>The data displays that QA had the highest salary by a whopping $300000 which is a really high amount showing that there is professionals that are managing important projects which take a lot of skill and time.</a:t>
+            </a:r>
+          </a:p>
+          <a:p>
+            <a:r>
+              <a:rPr lang="en-GB" sz="1800" dirty="0"/>
+              <a:t>VE second with $192500, CZ being not far behind with $180000 rounded, US on $160000 and PR $150000. </a:t>
+            </a:r>
+          </a:p>
+          <a:p>
+            <a:r>
+              <a:rPr lang="en-GB" sz="1800" dirty="0"/>
+              <a:t>This shows that these countries have a lot of job offerings with high skilled individuals that can take care of big tasks.</a:t>
+            </a:r>
+          </a:p>
+        </p:txBody>
+      </p:sp>
+      <p:pic>
+        <p:nvPicPr>
+          <p:cNvPr id="5" name="Picture 4">
+            <a:extLst>
+              <a:ext uri="{FF2B5EF4-FFF2-40B4-BE49-F238E27FC236}">
+                <a16:creationId xmlns:a16="http://schemas.microsoft.com/office/drawing/2014/main" id="{752FED92-C607-5F9B-A0D2-1B1C8F0E905C}"/>
+              </a:ext>
+            </a:extLst>
+          </p:cNvPr>
+          <p:cNvPicPr>
+            <a:picLocks noChangeAspect="1"/>
+          </p:cNvPicPr>
+          <p:nvPr/>
+        </p:nvPicPr>
+        <p:blipFill>
+          <a:blip r:embed="rId2"/>
+          <a:stretch>
+            <a:fillRect/>
+          </a:stretch>
+        </p:blipFill>
+        <p:spPr>
+          <a:xfrm>
+            <a:off x="0" y="5476682"/>
+            <a:ext cx="4239217" cy="1381318"/>
+          </a:xfrm>
+          <a:prstGeom prst="rect">
+            <a:avLst/>
+          </a:prstGeom>
+        </p:spPr>
+      </p:pic>
     </p:spTree>
     <p:extLst>
       <p:ext uri="{BB962C8B-B14F-4D97-AF65-F5344CB8AC3E}">
@@ -7329,14 +7491,6 @@
 <file path=ppt/slides/slide17.xml><?xml version="1.0" encoding="utf-8"?>
 <p:sld xmlns:a="http://schemas.openxmlformats.org/drawingml/2006/main" xmlns:r="http://schemas.openxmlformats.org/officeDocument/2006/relationships" xmlns:p="http://schemas.openxmlformats.org/presentationml/2006/main">
   <p:cSld>
-    <p:bg>
-      <p:bgPr>
-        <a:solidFill>
-          <a:schemeClr val="bg1"/>
-        </a:solidFill>
-        <a:effectLst/>
-      </p:bgPr>
-    </p:bg>
     <p:spTree>
       <p:nvGrpSpPr>
         <p:cNvPr id="1" name="">
@@ -7359,66 +7513,6 @@
       </p:grpSpPr>
       <p:sp>
         <p:nvSpPr>
-          <p:cNvPr id="10" name="Rectangle 9">
-            <a:extLst>
-              <a:ext uri="{FF2B5EF4-FFF2-40B4-BE49-F238E27FC236}">
-                <a16:creationId xmlns:a16="http://schemas.microsoft.com/office/drawing/2014/main" id="{B4AAD3FD-83A5-4B89-9F8F-01B8870865BE}"/>
-              </a:ext>
-              <a:ext uri="{C183D7F6-B498-43B3-948B-1728B52AA6E4}">
-                <adec:decorative xmlns:adec="http://schemas.microsoft.com/office/drawing/2017/decorative" val="1"/>
-              </a:ext>
-            </a:extLst>
-          </p:cNvPr>
-          <p:cNvSpPr>
-            <a:spLocks noGrp="1" noRot="1" noChangeAspect="1" noMove="1" noResize="1" noEditPoints="1" noAdjustHandles="1" noChangeArrowheads="1" noChangeShapeType="1" noTextEdit="1"/>
-          </p:cNvSpPr>
-          <p:nvPr>
-            <p:extLst>
-              <p:ext uri="{386F3935-93C4-4BCD-93E2-E3B085C9AB24}">
-                <p16:designElem xmlns:p16="http://schemas.microsoft.com/office/powerpoint/2015/main" val="1"/>
-              </p:ext>
-            </p:extLst>
-          </p:nvPr>
-        </p:nvSpPr>
-        <p:spPr>
-          <a:xfrm>
-            <a:off x="0" y="0"/>
-            <a:ext cx="12192000" cy="6858000"/>
-          </a:xfrm>
-          <a:prstGeom prst="rect">
-            <a:avLst/>
-          </a:prstGeom>
-          <a:ln>
-            <a:noFill/>
-          </a:ln>
-        </p:spPr>
-        <p:style>
-          <a:lnRef idx="2">
-            <a:schemeClr val="accent1">
-              <a:shade val="50000"/>
-            </a:schemeClr>
-          </a:lnRef>
-          <a:fillRef idx="1003">
-            <a:schemeClr val="dk2"/>
-          </a:fillRef>
-          <a:effectRef idx="0">
-            <a:schemeClr val="accent1"/>
-          </a:effectRef>
-          <a:fontRef idx="minor">
-            <a:schemeClr val="lt1"/>
-          </a:fontRef>
-        </p:style>
-        <p:txBody>
-          <a:bodyPr rtlCol="0" anchor="ctr"/>
-          <a:lstStyle/>
-          <a:p>
-            <a:pPr algn="ctr"/>
-            <a:endParaRPr lang="en-US"/>
-          </a:p>
-        </p:txBody>
-      </p:sp>
-      <p:sp>
-        <p:nvSpPr>
           <p:cNvPr id="2" name="Title 1">
             <a:extLst>
               <a:ext uri="{FF2B5EF4-FFF2-40B4-BE49-F238E27FC236}">
@@ -7433,939 +7527,15 @@
             <p:ph type="title"/>
           </p:nvPr>
         </p:nvSpPr>
-        <p:spPr>
-          <a:xfrm>
-            <a:off x="648931" y="629266"/>
-            <a:ext cx="4166510" cy="1622321"/>
-          </a:xfrm>
-        </p:spPr>
-        <p:txBody>
-          <a:bodyPr>
-            <a:normAutofit/>
-          </a:bodyPr>
-          <a:lstStyle/>
-          <a:p>
-            <a:r>
-              <a:rPr lang="en-GB">
-                <a:solidFill>
-                  <a:srgbClr val="EBEBEB"/>
-                </a:solidFill>
-              </a:rPr>
-              <a:t>Questions (Prajesh)</a:t>
-            </a:r>
-          </a:p>
-        </p:txBody>
-      </p:sp>
-      <p:sp>
-        <p:nvSpPr>
-          <p:cNvPr id="12" name="Freeform 31">
-            <a:extLst>
-              <a:ext uri="{FF2B5EF4-FFF2-40B4-BE49-F238E27FC236}">
-                <a16:creationId xmlns:a16="http://schemas.microsoft.com/office/drawing/2014/main" id="{61752F1D-FC0F-4103-9584-630E643CCDA6}"/>
-              </a:ext>
-              <a:ext uri="{C183D7F6-B498-43B3-948B-1728B52AA6E4}">
-                <adec:decorative xmlns:adec="http://schemas.microsoft.com/office/drawing/2017/decorative" val="1"/>
-              </a:ext>
-            </a:extLst>
-          </p:cNvPr>
-          <p:cNvSpPr>
-            <a:spLocks noGrp="1" noRot="1" noChangeAspect="1" noMove="1" noResize="1" noEditPoints="1" noAdjustHandles="1" noChangeArrowheads="1" noChangeShapeType="1" noTextEdit="1"/>
-          </p:cNvSpPr>
-          <p:nvPr>
-            <p:extLst>
-              <p:ext uri="{386F3935-93C4-4BCD-93E2-E3B085C9AB24}">
-                <p16:designElem xmlns:p16="http://schemas.microsoft.com/office/powerpoint/2015/main" val="1"/>
-              </p:ext>
-            </p:extLst>
-          </p:nvPr>
-        </p:nvSpPr>
-        <p:spPr>
-          <a:xfrm>
-            <a:off x="4994020" y="-1"/>
-            <a:ext cx="559472" cy="3709642"/>
-          </a:xfrm>
-          <a:custGeom>
-            <a:avLst/>
-            <a:gdLst>
-              <a:gd name="connsiteX0" fmla="*/ 0 w 559472"/>
-              <a:gd name="connsiteY0" fmla="*/ 0 h 3709642"/>
-              <a:gd name="connsiteX1" fmla="*/ 473952 w 559472"/>
-              <a:gd name="connsiteY1" fmla="*/ 0 h 3709642"/>
-              <a:gd name="connsiteX2" fmla="*/ 485840 w 559472"/>
-              <a:gd name="connsiteY2" fmla="*/ 161194 h 3709642"/>
-              <a:gd name="connsiteX3" fmla="*/ 523949 w 559472"/>
-              <a:gd name="connsiteY3" fmla="*/ 3672197 h 3709642"/>
-              <a:gd name="connsiteX4" fmla="*/ 454748 w 559472"/>
-              <a:gd name="connsiteY4" fmla="*/ 3709642 h 3709642"/>
-              <a:gd name="connsiteX5" fmla="*/ 448224 w 559472"/>
-              <a:gd name="connsiteY5" fmla="*/ 3510471 h 3709642"/>
-              <a:gd name="connsiteX6" fmla="*/ 443564 w 559472"/>
-              <a:gd name="connsiteY6" fmla="*/ 3408563 h 3709642"/>
-              <a:gd name="connsiteX7" fmla="*/ 438902 w 559472"/>
-              <a:gd name="connsiteY7" fmla="*/ 3304407 h 3709642"/>
-              <a:gd name="connsiteX8" fmla="*/ 433941 w 559472"/>
-              <a:gd name="connsiteY8" fmla="*/ 3198777 h 3709642"/>
-              <a:gd name="connsiteX9" fmla="*/ 427584 w 559472"/>
-              <a:gd name="connsiteY9" fmla="*/ 3092510 h 3709642"/>
-              <a:gd name="connsiteX10" fmla="*/ 420988 w 559472"/>
-              <a:gd name="connsiteY10" fmla="*/ 2984390 h 3709642"/>
-              <a:gd name="connsiteX11" fmla="*/ 414330 w 559472"/>
-              <a:gd name="connsiteY11" fmla="*/ 2874401 h 3709642"/>
-              <a:gd name="connsiteX12" fmla="*/ 406840 w 559472"/>
-              <a:gd name="connsiteY12" fmla="*/ 2762980 h 3709642"/>
-              <a:gd name="connsiteX13" fmla="*/ 397745 w 559472"/>
-              <a:gd name="connsiteY13" fmla="*/ 2650566 h 3709642"/>
-              <a:gd name="connsiteX14" fmla="*/ 389154 w 559472"/>
-              <a:gd name="connsiteY14" fmla="*/ 2536612 h 3709642"/>
-              <a:gd name="connsiteX15" fmla="*/ 379225 w 559472"/>
-              <a:gd name="connsiteY15" fmla="*/ 2421642 h 3709642"/>
-              <a:gd name="connsiteX16" fmla="*/ 368316 w 559472"/>
-              <a:gd name="connsiteY16" fmla="*/ 2305627 h 3709642"/>
-              <a:gd name="connsiteX17" fmla="*/ 357466 w 559472"/>
-              <a:gd name="connsiteY17" fmla="*/ 2189233 h 3709642"/>
-              <a:gd name="connsiteX18" fmla="*/ 344982 w 559472"/>
-              <a:gd name="connsiteY18" fmla="*/ 2071473 h 3709642"/>
-              <a:gd name="connsiteX19" fmla="*/ 332466 w 559472"/>
-              <a:gd name="connsiteY19" fmla="*/ 1952216 h 3709642"/>
-              <a:gd name="connsiteX20" fmla="*/ 319121 w 559472"/>
-              <a:gd name="connsiteY20" fmla="*/ 1833776 h 3709642"/>
-              <a:gd name="connsiteX21" fmla="*/ 304408 w 559472"/>
-              <a:gd name="connsiteY21" fmla="*/ 1713948 h 3709642"/>
-              <a:gd name="connsiteX22" fmla="*/ 288685 w 559472"/>
-              <a:gd name="connsiteY22" fmla="*/ 1592703 h 3709642"/>
-              <a:gd name="connsiteX23" fmla="*/ 273050 w 559472"/>
-              <a:gd name="connsiteY23" fmla="*/ 1471451 h 3709642"/>
-              <a:gd name="connsiteX24" fmla="*/ 255813 w 559472"/>
-              <a:gd name="connsiteY24" fmla="*/ 1350328 h 3709642"/>
-              <a:gd name="connsiteX25" fmla="*/ 237060 w 559472"/>
-              <a:gd name="connsiteY25" fmla="*/ 1227080 h 3709642"/>
-              <a:gd name="connsiteX26" fmla="*/ 218488 w 559472"/>
-              <a:gd name="connsiteY26" fmla="*/ 1106065 h 3709642"/>
-              <a:gd name="connsiteX27" fmla="*/ 198221 w 559472"/>
-              <a:gd name="connsiteY27" fmla="*/ 982940 h 3709642"/>
-              <a:gd name="connsiteX28" fmla="*/ 177152 w 559472"/>
-              <a:gd name="connsiteY28" fmla="*/ 858755 h 3709642"/>
-              <a:gd name="connsiteX29" fmla="*/ 155551 w 559472"/>
-              <a:gd name="connsiteY29" fmla="*/ 736861 h 3709642"/>
-              <a:gd name="connsiteX30" fmla="*/ 131782 w 559472"/>
-              <a:gd name="connsiteY30" fmla="*/ 613645 h 3709642"/>
-              <a:gd name="connsiteX31" fmla="*/ 107123 w 559472"/>
-              <a:gd name="connsiteY31" fmla="*/ 490500 h 3709642"/>
-              <a:gd name="connsiteX32" fmla="*/ 82552 w 559472"/>
-              <a:gd name="connsiteY32" fmla="*/ 367348 h 3709642"/>
-              <a:gd name="connsiteX33" fmla="*/ 55608 w 559472"/>
-              <a:gd name="connsiteY33" fmla="*/ 244762 h 3709642"/>
-              <a:gd name="connsiteX34" fmla="*/ 28130 w 559472"/>
-              <a:gd name="connsiteY34" fmla="*/ 122220 h 3709642"/>
-              <a:gd name="connsiteX35" fmla="*/ 0 w 559472"/>
-              <a:gd name="connsiteY35" fmla="*/ 0 h 3709642"/>
-            </a:gdLst>
-            <a:ahLst/>
-            <a:cxnLst>
-              <a:cxn ang="0">
-                <a:pos x="connsiteX0" y="connsiteY0"/>
-              </a:cxn>
-              <a:cxn ang="0">
-                <a:pos x="connsiteX1" y="connsiteY1"/>
-              </a:cxn>
-              <a:cxn ang="0">
-                <a:pos x="connsiteX2" y="connsiteY2"/>
-              </a:cxn>
-              <a:cxn ang="0">
-                <a:pos x="connsiteX3" y="connsiteY3"/>
-              </a:cxn>
-              <a:cxn ang="0">
-                <a:pos x="connsiteX4" y="connsiteY4"/>
-              </a:cxn>
-              <a:cxn ang="0">
-                <a:pos x="connsiteX5" y="connsiteY5"/>
-              </a:cxn>
-              <a:cxn ang="0">
-                <a:pos x="connsiteX6" y="connsiteY6"/>
-              </a:cxn>
-              <a:cxn ang="0">
-                <a:pos x="connsiteX7" y="connsiteY7"/>
-              </a:cxn>
-              <a:cxn ang="0">
-                <a:pos x="connsiteX8" y="connsiteY8"/>
-              </a:cxn>
-              <a:cxn ang="0">
-                <a:pos x="connsiteX9" y="connsiteY9"/>
-              </a:cxn>
-              <a:cxn ang="0">
-                <a:pos x="connsiteX10" y="connsiteY10"/>
-              </a:cxn>
-              <a:cxn ang="0">
-                <a:pos x="connsiteX11" y="connsiteY11"/>
-              </a:cxn>
-              <a:cxn ang="0">
-                <a:pos x="connsiteX12" y="connsiteY12"/>
-              </a:cxn>
-              <a:cxn ang="0">
-                <a:pos x="connsiteX13" y="connsiteY13"/>
-              </a:cxn>
-              <a:cxn ang="0">
-                <a:pos x="connsiteX14" y="connsiteY14"/>
-              </a:cxn>
-              <a:cxn ang="0">
-                <a:pos x="connsiteX15" y="connsiteY15"/>
-              </a:cxn>
-              <a:cxn ang="0">
-                <a:pos x="connsiteX16" y="connsiteY16"/>
-              </a:cxn>
-              <a:cxn ang="0">
-                <a:pos x="connsiteX17" y="connsiteY17"/>
-              </a:cxn>
-              <a:cxn ang="0">
-                <a:pos x="connsiteX18" y="connsiteY18"/>
-              </a:cxn>
-              <a:cxn ang="0">
-                <a:pos x="connsiteX19" y="connsiteY19"/>
-              </a:cxn>
-              <a:cxn ang="0">
-                <a:pos x="connsiteX20" y="connsiteY20"/>
-              </a:cxn>
-              <a:cxn ang="0">
-                <a:pos x="connsiteX21" y="connsiteY21"/>
-              </a:cxn>
-              <a:cxn ang="0">
-                <a:pos x="connsiteX22" y="connsiteY22"/>
-              </a:cxn>
-              <a:cxn ang="0">
-                <a:pos x="connsiteX23" y="connsiteY23"/>
-              </a:cxn>
-              <a:cxn ang="0">
-                <a:pos x="connsiteX24" y="connsiteY24"/>
-              </a:cxn>
-              <a:cxn ang="0">
-                <a:pos x="connsiteX25" y="connsiteY25"/>
-              </a:cxn>
-              <a:cxn ang="0">
-                <a:pos x="connsiteX26" y="connsiteY26"/>
-              </a:cxn>
-              <a:cxn ang="0">
-                <a:pos x="connsiteX27" y="connsiteY27"/>
-              </a:cxn>
-              <a:cxn ang="0">
-                <a:pos x="connsiteX28" y="connsiteY28"/>
-              </a:cxn>
-              <a:cxn ang="0">
-                <a:pos x="connsiteX29" y="connsiteY29"/>
-              </a:cxn>
-              <a:cxn ang="0">
-                <a:pos x="connsiteX30" y="connsiteY30"/>
-              </a:cxn>
-              <a:cxn ang="0">
-                <a:pos x="connsiteX31" y="connsiteY31"/>
-              </a:cxn>
-              <a:cxn ang="0">
-                <a:pos x="connsiteX32" y="connsiteY32"/>
-              </a:cxn>
-              <a:cxn ang="0">
-                <a:pos x="connsiteX33" y="connsiteY33"/>
-              </a:cxn>
-              <a:cxn ang="0">
-                <a:pos x="connsiteX34" y="connsiteY34"/>
-              </a:cxn>
-              <a:cxn ang="0">
-                <a:pos x="connsiteX35" y="connsiteY35"/>
-              </a:cxn>
-            </a:cxnLst>
-            <a:rect l="l" t="t" r="r" b="b"/>
-            <a:pathLst>
-              <a:path w="559472" h="3709642">
-                <a:moveTo>
-                  <a:pt x="0" y="0"/>
-                </a:moveTo>
-                <a:lnTo>
-                  <a:pt x="473952" y="0"/>
-                </a:lnTo>
-                <a:lnTo>
-                  <a:pt x="485840" y="161194"/>
-                </a:lnTo>
-                <a:cubicBezTo>
-                  <a:pt x="552063" y="1147770"/>
-                  <a:pt x="592441" y="3086737"/>
-                  <a:pt x="523949" y="3672197"/>
-                </a:cubicBezTo>
-                <a:cubicBezTo>
-                  <a:pt x="500842" y="3684557"/>
-                  <a:pt x="477855" y="3697282"/>
-                  <a:pt x="454748" y="3709642"/>
-                </a:cubicBezTo>
-                <a:lnTo>
-                  <a:pt x="448224" y="3510471"/>
-                </a:lnTo>
-                <a:lnTo>
-                  <a:pt x="443564" y="3408563"/>
-                </a:lnTo>
-                <a:lnTo>
-                  <a:pt x="438902" y="3304407"/>
-                </a:lnTo>
-                <a:lnTo>
-                  <a:pt x="433941" y="3198777"/>
-                </a:lnTo>
-                <a:lnTo>
-                  <a:pt x="427584" y="3092510"/>
-                </a:lnTo>
-                <a:lnTo>
-                  <a:pt x="420988" y="2984390"/>
-                </a:lnTo>
-                <a:lnTo>
-                  <a:pt x="414330" y="2874401"/>
-                </a:lnTo>
-                <a:lnTo>
-                  <a:pt x="406840" y="2762980"/>
-                </a:lnTo>
-                <a:lnTo>
-                  <a:pt x="397745" y="2650566"/>
-                </a:lnTo>
-                <a:lnTo>
-                  <a:pt x="389154" y="2536612"/>
-                </a:lnTo>
-                <a:lnTo>
-                  <a:pt x="379225" y="2421642"/>
-                </a:lnTo>
-                <a:lnTo>
-                  <a:pt x="368316" y="2305627"/>
-                </a:lnTo>
-                <a:lnTo>
-                  <a:pt x="357466" y="2189233"/>
-                </a:lnTo>
-                <a:lnTo>
-                  <a:pt x="344982" y="2071473"/>
-                </a:lnTo>
-                <a:lnTo>
-                  <a:pt x="332466" y="1952216"/>
-                </a:lnTo>
-                <a:lnTo>
-                  <a:pt x="319121" y="1833776"/>
-                </a:lnTo>
-                <a:lnTo>
-                  <a:pt x="304408" y="1713948"/>
-                </a:lnTo>
-                <a:lnTo>
-                  <a:pt x="288685" y="1592703"/>
-                </a:lnTo>
-                <a:lnTo>
-                  <a:pt x="273050" y="1471451"/>
-                </a:lnTo>
-                <a:lnTo>
-                  <a:pt x="255813" y="1350328"/>
-                </a:lnTo>
-                <a:lnTo>
-                  <a:pt x="237060" y="1227080"/>
-                </a:lnTo>
-                <a:lnTo>
-                  <a:pt x="218488" y="1106065"/>
-                </a:lnTo>
-                <a:lnTo>
-                  <a:pt x="198221" y="982940"/>
-                </a:lnTo>
-                <a:lnTo>
-                  <a:pt x="177152" y="858755"/>
-                </a:lnTo>
-                <a:lnTo>
-                  <a:pt x="155551" y="736861"/>
-                </a:lnTo>
-                <a:lnTo>
-                  <a:pt x="131782" y="613645"/>
-                </a:lnTo>
-                <a:lnTo>
-                  <a:pt x="107123" y="490500"/>
-                </a:lnTo>
-                <a:lnTo>
-                  <a:pt x="82552" y="367348"/>
-                </a:lnTo>
-                <a:lnTo>
-                  <a:pt x="55608" y="244762"/>
-                </a:lnTo>
-                <a:lnTo>
-                  <a:pt x="28130" y="122220"/>
-                </a:lnTo>
-                <a:lnTo>
-                  <a:pt x="0" y="0"/>
-                </a:lnTo>
-                <a:close/>
-              </a:path>
-            </a:pathLst>
-          </a:custGeom>
-          <a:solidFill>
-            <a:schemeClr val="bg1">
-              <a:alpha val="20000"/>
-            </a:schemeClr>
-          </a:solidFill>
-          <a:ln>
-            <a:noFill/>
-          </a:ln>
-        </p:spPr>
-        <p:txBody>
-          <a:bodyPr rtlCol="0" anchor="ctr"/>
-          <a:lstStyle/>
-          <a:p>
-            <a:pPr algn="ctr"/>
-            <a:endParaRPr lang="en-US"/>
-          </a:p>
-        </p:txBody>
-      </p:sp>
-      <p:sp useBgFill="1">
-        <p:nvSpPr>
-          <p:cNvPr id="14" name="Freeform: Shape 13">
-            <a:extLst>
-              <a:ext uri="{FF2B5EF4-FFF2-40B4-BE49-F238E27FC236}">
-                <a16:creationId xmlns:a16="http://schemas.microsoft.com/office/drawing/2014/main" id="{70151CB7-E7DE-4917-B831-01DF9CE01306}"/>
-              </a:ext>
-              <a:ext uri="{C183D7F6-B498-43B3-948B-1728B52AA6E4}">
-                <adec:decorative xmlns:adec="http://schemas.microsoft.com/office/drawing/2017/decorative" val="1"/>
-              </a:ext>
-            </a:extLst>
-          </p:cNvPr>
-          <p:cNvSpPr>
-            <a:spLocks noGrp="1" noRot="1" noChangeAspect="1" noMove="1" noResize="1" noEditPoints="1" noAdjustHandles="1" noChangeArrowheads="1" noChangeShapeType="1" noTextEdit="1"/>
-          </p:cNvSpPr>
-          <p:nvPr>
-            <p:extLst>
-              <p:ext uri="{386F3935-93C4-4BCD-93E2-E3B085C9AB24}">
-                <p16:designElem xmlns:p16="http://schemas.microsoft.com/office/powerpoint/2015/main" val="1"/>
-              </p:ext>
-            </p:extLst>
-          </p:nvPr>
-        </p:nvSpPr>
-        <p:spPr bwMode="gray">
-          <a:xfrm rot="16200000">
-            <a:off x="5270819" y="-63600"/>
-            <a:ext cx="6858001" cy="6985200"/>
-          </a:xfrm>
-          <a:custGeom>
-            <a:avLst/>
-            <a:gdLst>
-              <a:gd name="connsiteX0" fmla="*/ 6858001 w 6858001"/>
-              <a:gd name="connsiteY0" fmla="*/ 1177 h 6985200"/>
-              <a:gd name="connsiteX1" fmla="*/ 6858001 w 6858001"/>
-              <a:gd name="connsiteY1" fmla="*/ 1344715 h 6985200"/>
-              <a:gd name="connsiteX2" fmla="*/ 6858000 w 6858001"/>
-              <a:gd name="connsiteY2" fmla="*/ 1344715 h 6985200"/>
-              <a:gd name="connsiteX3" fmla="*/ 6858000 w 6858001"/>
-              <a:gd name="connsiteY3" fmla="*/ 6985200 h 6985200"/>
-              <a:gd name="connsiteX4" fmla="*/ 0 w 6858001"/>
-              <a:gd name="connsiteY4" fmla="*/ 6985199 h 6985200"/>
-              <a:gd name="connsiteX5" fmla="*/ 0 w 6858001"/>
-              <a:gd name="connsiteY5" fmla="*/ 886772 h 6985200"/>
-              <a:gd name="connsiteX6" fmla="*/ 1 w 6858001"/>
-              <a:gd name="connsiteY6" fmla="*/ 886772 h 6985200"/>
-              <a:gd name="connsiteX7" fmla="*/ 1 w 6858001"/>
-              <a:gd name="connsiteY7" fmla="*/ 0 h 6985200"/>
-              <a:gd name="connsiteX8" fmla="*/ 40463 w 6858001"/>
-              <a:gd name="connsiteY8" fmla="*/ 5883 h 6985200"/>
-              <a:gd name="connsiteX9" fmla="*/ 159107 w 6858001"/>
-              <a:gd name="connsiteY9" fmla="*/ 23196 h 6985200"/>
-              <a:gd name="connsiteX10" fmla="*/ 245518 w 6858001"/>
-              <a:gd name="connsiteY10" fmla="*/ 35299 h 6985200"/>
-              <a:gd name="connsiteX11" fmla="*/ 348388 w 6858001"/>
-              <a:gd name="connsiteY11" fmla="*/ 48073 h 6985200"/>
-              <a:gd name="connsiteX12" fmla="*/ 470460 w 6858001"/>
-              <a:gd name="connsiteY12" fmla="*/ 63369 h 6985200"/>
-              <a:gd name="connsiteX13" fmla="*/ 605563 w 6858001"/>
-              <a:gd name="connsiteY13" fmla="*/ 79506 h 6985200"/>
-              <a:gd name="connsiteX14" fmla="*/ 757810 w 6858001"/>
-              <a:gd name="connsiteY14" fmla="*/ 96483 h 6985200"/>
-              <a:gd name="connsiteX15" fmla="*/ 923774 w 6858001"/>
-              <a:gd name="connsiteY15" fmla="*/ 114469 h 6985200"/>
-              <a:gd name="connsiteX16" fmla="*/ 1104139 w 6858001"/>
-              <a:gd name="connsiteY16" fmla="*/ 132454 h 6985200"/>
-              <a:gd name="connsiteX17" fmla="*/ 1296163 w 6858001"/>
-              <a:gd name="connsiteY17" fmla="*/ 150776 h 6985200"/>
-              <a:gd name="connsiteX18" fmla="*/ 1503275 w 6858001"/>
-              <a:gd name="connsiteY18" fmla="*/ 167753 h 6985200"/>
-              <a:gd name="connsiteX19" fmla="*/ 1719988 w 6858001"/>
-              <a:gd name="connsiteY19" fmla="*/ 184058 h 6985200"/>
-              <a:gd name="connsiteX20" fmla="*/ 1949045 w 6858001"/>
-              <a:gd name="connsiteY20" fmla="*/ 198849 h 6985200"/>
-              <a:gd name="connsiteX21" fmla="*/ 2187703 w 6858001"/>
-              <a:gd name="connsiteY21" fmla="*/ 212969 h 6985200"/>
-              <a:gd name="connsiteX22" fmla="*/ 2436649 w 6858001"/>
-              <a:gd name="connsiteY22" fmla="*/ 226248 h 6985200"/>
-              <a:gd name="connsiteX23" fmla="*/ 2564208 w 6858001"/>
-              <a:gd name="connsiteY23" fmla="*/ 230955 h 6985200"/>
-              <a:gd name="connsiteX24" fmla="*/ 2694509 w 6858001"/>
-              <a:gd name="connsiteY24" fmla="*/ 236165 h 6985200"/>
-              <a:gd name="connsiteX25" fmla="*/ 2826869 w 6858001"/>
-              <a:gd name="connsiteY25" fmla="*/ 241040 h 6985200"/>
-              <a:gd name="connsiteX26" fmla="*/ 2959914 w 6858001"/>
-              <a:gd name="connsiteY26" fmla="*/ 244234 h 6985200"/>
-              <a:gd name="connsiteX27" fmla="*/ 3095702 w 6858001"/>
-              <a:gd name="connsiteY27" fmla="*/ 247091 h 6985200"/>
-              <a:gd name="connsiteX28" fmla="*/ 3232862 w 6858001"/>
-              <a:gd name="connsiteY28" fmla="*/ 250117 h 6985200"/>
-              <a:gd name="connsiteX29" fmla="*/ 3372766 w 6858001"/>
-              <a:gd name="connsiteY29" fmla="*/ 252134 h 6985200"/>
-              <a:gd name="connsiteX30" fmla="*/ 3514040 w 6858001"/>
-              <a:gd name="connsiteY30" fmla="*/ 252134 h 6985200"/>
-              <a:gd name="connsiteX31" fmla="*/ 3656686 w 6858001"/>
-              <a:gd name="connsiteY31" fmla="*/ 253142 h 6985200"/>
-              <a:gd name="connsiteX32" fmla="*/ 3800705 w 6858001"/>
-              <a:gd name="connsiteY32" fmla="*/ 252134 h 6985200"/>
-              <a:gd name="connsiteX33" fmla="*/ 3946780 w 6858001"/>
-              <a:gd name="connsiteY33" fmla="*/ 250117 h 6985200"/>
-              <a:gd name="connsiteX34" fmla="*/ 4092856 w 6858001"/>
-              <a:gd name="connsiteY34" fmla="*/ 248268 h 6985200"/>
-              <a:gd name="connsiteX35" fmla="*/ 4240988 w 6858001"/>
-              <a:gd name="connsiteY35" fmla="*/ 244234 h 6985200"/>
-              <a:gd name="connsiteX36" fmla="*/ 4390492 w 6858001"/>
-              <a:gd name="connsiteY36" fmla="*/ 240032 h 6985200"/>
-              <a:gd name="connsiteX37" fmla="*/ 4539997 w 6858001"/>
-              <a:gd name="connsiteY37" fmla="*/ 235157 h 6985200"/>
-              <a:gd name="connsiteX38" fmla="*/ 4690873 w 6858001"/>
-              <a:gd name="connsiteY38" fmla="*/ 228266 h 6985200"/>
-              <a:gd name="connsiteX39" fmla="*/ 4843120 w 6858001"/>
-              <a:gd name="connsiteY39" fmla="*/ 220029 h 6985200"/>
-              <a:gd name="connsiteX40" fmla="*/ 4996054 w 6858001"/>
-              <a:gd name="connsiteY40" fmla="*/ 212129 h 6985200"/>
-              <a:gd name="connsiteX41" fmla="*/ 5148987 w 6858001"/>
-              <a:gd name="connsiteY41" fmla="*/ 202044 h 6985200"/>
-              <a:gd name="connsiteX42" fmla="*/ 5303978 w 6858001"/>
-              <a:gd name="connsiteY42" fmla="*/ 189941 h 6985200"/>
-              <a:gd name="connsiteX43" fmla="*/ 5456911 w 6858001"/>
-              <a:gd name="connsiteY43" fmla="*/ 177839 h 6985200"/>
-              <a:gd name="connsiteX44" fmla="*/ 5612588 w 6858001"/>
-              <a:gd name="connsiteY44" fmla="*/ 163887 h 6985200"/>
-              <a:gd name="connsiteX45" fmla="*/ 5768950 w 6858001"/>
-              <a:gd name="connsiteY45" fmla="*/ 148591 h 6985200"/>
-              <a:gd name="connsiteX46" fmla="*/ 5923255 w 6858001"/>
-              <a:gd name="connsiteY46" fmla="*/ 132455 h 6985200"/>
-              <a:gd name="connsiteX47" fmla="*/ 6079618 w 6858001"/>
-              <a:gd name="connsiteY47" fmla="*/ 113629 h 6985200"/>
-              <a:gd name="connsiteX48" fmla="*/ 6235294 w 6858001"/>
-              <a:gd name="connsiteY48" fmla="*/ 93458 h 6985200"/>
-              <a:gd name="connsiteX49" fmla="*/ 6391657 w 6858001"/>
-              <a:gd name="connsiteY49" fmla="*/ 73455 h 6985200"/>
-              <a:gd name="connsiteX50" fmla="*/ 6547333 w 6858001"/>
-              <a:gd name="connsiteY50" fmla="*/ 50091 h 6985200"/>
-              <a:gd name="connsiteX51" fmla="*/ 6702324 w 6858001"/>
-              <a:gd name="connsiteY51" fmla="*/ 26222 h 6985200"/>
-            </a:gdLst>
-            <a:ahLst/>
-            <a:cxnLst>
-              <a:cxn ang="0">
-                <a:pos x="connsiteX0" y="connsiteY0"/>
-              </a:cxn>
-              <a:cxn ang="0">
-                <a:pos x="connsiteX1" y="connsiteY1"/>
-              </a:cxn>
-              <a:cxn ang="0">
-                <a:pos x="connsiteX2" y="connsiteY2"/>
-              </a:cxn>
-              <a:cxn ang="0">
-                <a:pos x="connsiteX3" y="connsiteY3"/>
-              </a:cxn>
-              <a:cxn ang="0">
-                <a:pos x="connsiteX4" y="connsiteY4"/>
-              </a:cxn>
-              <a:cxn ang="0">
-                <a:pos x="connsiteX5" y="connsiteY5"/>
-              </a:cxn>
-              <a:cxn ang="0">
-                <a:pos x="connsiteX6" y="connsiteY6"/>
-              </a:cxn>
-              <a:cxn ang="0">
-                <a:pos x="connsiteX7" y="connsiteY7"/>
-              </a:cxn>
-              <a:cxn ang="0">
-                <a:pos x="connsiteX8" y="connsiteY8"/>
-              </a:cxn>
-              <a:cxn ang="0">
-                <a:pos x="connsiteX9" y="connsiteY9"/>
-              </a:cxn>
-              <a:cxn ang="0">
-                <a:pos x="connsiteX10" y="connsiteY10"/>
-              </a:cxn>
-              <a:cxn ang="0">
-                <a:pos x="connsiteX11" y="connsiteY11"/>
-              </a:cxn>
-              <a:cxn ang="0">
-                <a:pos x="connsiteX12" y="connsiteY12"/>
-              </a:cxn>
-              <a:cxn ang="0">
-                <a:pos x="connsiteX13" y="connsiteY13"/>
-              </a:cxn>
-              <a:cxn ang="0">
-                <a:pos x="connsiteX14" y="connsiteY14"/>
-              </a:cxn>
-              <a:cxn ang="0">
-                <a:pos x="connsiteX15" y="connsiteY15"/>
-              </a:cxn>
-              <a:cxn ang="0">
-                <a:pos x="connsiteX16" y="connsiteY16"/>
-              </a:cxn>
-              <a:cxn ang="0">
-                <a:pos x="connsiteX17" y="connsiteY17"/>
-              </a:cxn>
-              <a:cxn ang="0">
-                <a:pos x="connsiteX18" y="connsiteY18"/>
-              </a:cxn>
-              <a:cxn ang="0">
-                <a:pos x="connsiteX19" y="connsiteY19"/>
-              </a:cxn>
-              <a:cxn ang="0">
-                <a:pos x="connsiteX20" y="connsiteY20"/>
-              </a:cxn>
-              <a:cxn ang="0">
-                <a:pos x="connsiteX21" y="connsiteY21"/>
-              </a:cxn>
-              <a:cxn ang="0">
-                <a:pos x="connsiteX22" y="connsiteY22"/>
-              </a:cxn>
-              <a:cxn ang="0">
-                <a:pos x="connsiteX23" y="connsiteY23"/>
-              </a:cxn>
-              <a:cxn ang="0">
-                <a:pos x="connsiteX24" y="connsiteY24"/>
-              </a:cxn>
-              <a:cxn ang="0">
-                <a:pos x="connsiteX25" y="connsiteY25"/>
-              </a:cxn>
-              <a:cxn ang="0">
-                <a:pos x="connsiteX26" y="connsiteY26"/>
-              </a:cxn>
-              <a:cxn ang="0">
-                <a:pos x="connsiteX27" y="connsiteY27"/>
-              </a:cxn>
-              <a:cxn ang="0">
-                <a:pos x="connsiteX28" y="connsiteY28"/>
-              </a:cxn>
-              <a:cxn ang="0">
-                <a:pos x="connsiteX29" y="connsiteY29"/>
-              </a:cxn>
-              <a:cxn ang="0">
-                <a:pos x="connsiteX30" y="connsiteY30"/>
-              </a:cxn>
-              <a:cxn ang="0">
-                <a:pos x="connsiteX31" y="connsiteY31"/>
-              </a:cxn>
-              <a:cxn ang="0">
-                <a:pos x="connsiteX32" y="connsiteY32"/>
-              </a:cxn>
-              <a:cxn ang="0">
-                <a:pos x="connsiteX33" y="connsiteY33"/>
-              </a:cxn>
-              <a:cxn ang="0">
-                <a:pos x="connsiteX34" y="connsiteY34"/>
-              </a:cxn>
-              <a:cxn ang="0">
-                <a:pos x="connsiteX35" y="connsiteY35"/>
-              </a:cxn>
-              <a:cxn ang="0">
-                <a:pos x="connsiteX36" y="connsiteY36"/>
-              </a:cxn>
-              <a:cxn ang="0">
-                <a:pos x="connsiteX37" y="connsiteY37"/>
-              </a:cxn>
-              <a:cxn ang="0">
-                <a:pos x="connsiteX38" y="connsiteY38"/>
-              </a:cxn>
-              <a:cxn ang="0">
-                <a:pos x="connsiteX39" y="connsiteY39"/>
-              </a:cxn>
-              <a:cxn ang="0">
-                <a:pos x="connsiteX40" y="connsiteY40"/>
-              </a:cxn>
-              <a:cxn ang="0">
-                <a:pos x="connsiteX41" y="connsiteY41"/>
-              </a:cxn>
-              <a:cxn ang="0">
-                <a:pos x="connsiteX42" y="connsiteY42"/>
-              </a:cxn>
-              <a:cxn ang="0">
-                <a:pos x="connsiteX43" y="connsiteY43"/>
-              </a:cxn>
-              <a:cxn ang="0">
-                <a:pos x="connsiteX44" y="connsiteY44"/>
-              </a:cxn>
-              <a:cxn ang="0">
-                <a:pos x="connsiteX45" y="connsiteY45"/>
-              </a:cxn>
-              <a:cxn ang="0">
-                <a:pos x="connsiteX46" y="connsiteY46"/>
-              </a:cxn>
-              <a:cxn ang="0">
-                <a:pos x="connsiteX47" y="connsiteY47"/>
-              </a:cxn>
-              <a:cxn ang="0">
-                <a:pos x="connsiteX48" y="connsiteY48"/>
-              </a:cxn>
-              <a:cxn ang="0">
-                <a:pos x="connsiteX49" y="connsiteY49"/>
-              </a:cxn>
-              <a:cxn ang="0">
-                <a:pos x="connsiteX50" y="connsiteY50"/>
-              </a:cxn>
-              <a:cxn ang="0">
-                <a:pos x="connsiteX51" y="connsiteY51"/>
-              </a:cxn>
-            </a:cxnLst>
-            <a:rect l="l" t="t" r="r" b="b"/>
-            <a:pathLst>
-              <a:path w="6858001" h="6985200">
-                <a:moveTo>
-                  <a:pt x="6858001" y="1177"/>
-                </a:moveTo>
-                <a:lnTo>
-                  <a:pt x="6858001" y="1344715"/>
-                </a:lnTo>
-                <a:lnTo>
-                  <a:pt x="6858000" y="1344715"/>
-                </a:lnTo>
-                <a:lnTo>
-                  <a:pt x="6858000" y="6985200"/>
-                </a:lnTo>
-                <a:lnTo>
-                  <a:pt x="0" y="6985199"/>
-                </a:lnTo>
-                <a:lnTo>
-                  <a:pt x="0" y="886772"/>
-                </a:lnTo>
-                <a:lnTo>
-                  <a:pt x="1" y="886772"/>
-                </a:lnTo>
-                <a:lnTo>
-                  <a:pt x="1" y="0"/>
-                </a:lnTo>
-                <a:lnTo>
-                  <a:pt x="40463" y="5883"/>
-                </a:lnTo>
-                <a:lnTo>
-                  <a:pt x="159107" y="23196"/>
-                </a:lnTo>
-                <a:lnTo>
-                  <a:pt x="245518" y="35299"/>
-                </a:lnTo>
-                <a:lnTo>
-                  <a:pt x="348388" y="48073"/>
-                </a:lnTo>
-                <a:lnTo>
-                  <a:pt x="470460" y="63369"/>
-                </a:lnTo>
-                <a:lnTo>
-                  <a:pt x="605563" y="79506"/>
-                </a:lnTo>
-                <a:lnTo>
-                  <a:pt x="757810" y="96483"/>
-                </a:lnTo>
-                <a:lnTo>
-                  <a:pt x="923774" y="114469"/>
-                </a:lnTo>
-                <a:lnTo>
-                  <a:pt x="1104139" y="132454"/>
-                </a:lnTo>
-                <a:lnTo>
-                  <a:pt x="1296163" y="150776"/>
-                </a:lnTo>
-                <a:lnTo>
-                  <a:pt x="1503275" y="167753"/>
-                </a:lnTo>
-                <a:lnTo>
-                  <a:pt x="1719988" y="184058"/>
-                </a:lnTo>
-                <a:lnTo>
-                  <a:pt x="1949045" y="198849"/>
-                </a:lnTo>
-                <a:lnTo>
-                  <a:pt x="2187703" y="212969"/>
-                </a:lnTo>
-                <a:lnTo>
-                  <a:pt x="2436649" y="226248"/>
-                </a:lnTo>
-                <a:lnTo>
-                  <a:pt x="2564208" y="230955"/>
-                </a:lnTo>
-                <a:lnTo>
-                  <a:pt x="2694509" y="236165"/>
-                </a:lnTo>
-                <a:lnTo>
-                  <a:pt x="2826869" y="241040"/>
-                </a:lnTo>
-                <a:lnTo>
-                  <a:pt x="2959914" y="244234"/>
-                </a:lnTo>
-                <a:lnTo>
-                  <a:pt x="3095702" y="247091"/>
-                </a:lnTo>
-                <a:lnTo>
-                  <a:pt x="3232862" y="250117"/>
-                </a:lnTo>
-                <a:lnTo>
-                  <a:pt x="3372766" y="252134"/>
-                </a:lnTo>
-                <a:lnTo>
-                  <a:pt x="3514040" y="252134"/>
-                </a:lnTo>
-                <a:lnTo>
-                  <a:pt x="3656686" y="253142"/>
-                </a:lnTo>
-                <a:lnTo>
-                  <a:pt x="3800705" y="252134"/>
-                </a:lnTo>
-                <a:lnTo>
-                  <a:pt x="3946780" y="250117"/>
-                </a:lnTo>
-                <a:lnTo>
-                  <a:pt x="4092856" y="248268"/>
-                </a:lnTo>
-                <a:lnTo>
-                  <a:pt x="4240988" y="244234"/>
-                </a:lnTo>
-                <a:lnTo>
-                  <a:pt x="4390492" y="240032"/>
-                </a:lnTo>
-                <a:lnTo>
-                  <a:pt x="4539997" y="235157"/>
-                </a:lnTo>
-                <a:lnTo>
-                  <a:pt x="4690873" y="228266"/>
-                </a:lnTo>
-                <a:lnTo>
-                  <a:pt x="4843120" y="220029"/>
-                </a:lnTo>
-                <a:lnTo>
-                  <a:pt x="4996054" y="212129"/>
-                </a:lnTo>
-                <a:lnTo>
-                  <a:pt x="5148987" y="202044"/>
-                </a:lnTo>
-                <a:lnTo>
-                  <a:pt x="5303978" y="189941"/>
-                </a:lnTo>
-                <a:lnTo>
-                  <a:pt x="5456911" y="177839"/>
-                </a:lnTo>
-                <a:lnTo>
-                  <a:pt x="5612588" y="163887"/>
-                </a:lnTo>
-                <a:lnTo>
-                  <a:pt x="5768950" y="148591"/>
-                </a:lnTo>
-                <a:lnTo>
-                  <a:pt x="5923255" y="132455"/>
-                </a:lnTo>
-                <a:lnTo>
-                  <a:pt x="6079618" y="113629"/>
-                </a:lnTo>
-                <a:lnTo>
-                  <a:pt x="6235294" y="93458"/>
-                </a:lnTo>
-                <a:lnTo>
-                  <a:pt x="6391657" y="73455"/>
-                </a:lnTo>
-                <a:lnTo>
-                  <a:pt x="6547333" y="50091"/>
-                </a:lnTo>
-                <a:lnTo>
-                  <a:pt x="6702324" y="26222"/>
-                </a:lnTo>
-                <a:close/>
-              </a:path>
-            </a:pathLst>
-          </a:custGeom>
-          <a:ln>
-            <a:noFill/>
-          </a:ln>
-        </p:spPr>
-        <p:txBody>
-          <a:bodyPr/>
-          <a:lstStyle/>
-          <a:p>
-            <a:endParaRPr lang="en-GB"/>
-          </a:p>
-        </p:txBody>
-      </p:sp>
-      <p:pic>
-        <p:nvPicPr>
-          <p:cNvPr id="5" name="Picture 4">
-            <a:extLst>
-              <a:ext uri="{FF2B5EF4-FFF2-40B4-BE49-F238E27FC236}">
-                <a16:creationId xmlns:a16="http://schemas.microsoft.com/office/drawing/2014/main" id="{FEF21894-677C-E9EB-ECB6-C8EFC0AF2BA5}"/>
-              </a:ext>
-            </a:extLst>
-          </p:cNvPr>
-          <p:cNvPicPr>
-            <a:picLocks noChangeAspect="1"/>
-          </p:cNvPicPr>
-          <p:nvPr/>
-        </p:nvPicPr>
-        <p:blipFill>
-          <a:blip r:embed="rId2"/>
-          <a:stretch>
-            <a:fillRect/>
-          </a:stretch>
-        </p:blipFill>
-        <p:spPr>
-          <a:xfrm>
-            <a:off x="5618690" y="1142999"/>
-            <a:ext cx="6508112" cy="3018310"/>
-          </a:xfrm>
-          <a:prstGeom prst="rect">
-            <a:avLst/>
-          </a:prstGeom>
-          <a:effectLst/>
-        </p:spPr>
-      </p:pic>
-      <p:sp>
-        <p:nvSpPr>
-          <p:cNvPr id="16" name="Rectangle 15">
-            <a:extLst>
-              <a:ext uri="{FF2B5EF4-FFF2-40B4-BE49-F238E27FC236}">
-                <a16:creationId xmlns:a16="http://schemas.microsoft.com/office/drawing/2014/main" id="{A92A1116-1C84-41DF-B803-1F7B0883EC82}"/>
-              </a:ext>
-              <a:ext uri="{C183D7F6-B498-43B3-948B-1728B52AA6E4}">
-                <adec:decorative xmlns:adec="http://schemas.microsoft.com/office/drawing/2017/decorative" val="1"/>
-              </a:ext>
-            </a:extLst>
-          </p:cNvPr>
-          <p:cNvSpPr>
-            <a:spLocks noGrp="1" noRot="1" noChangeAspect="1" noMove="1" noResize="1" noEditPoints="1" noAdjustHandles="1" noChangeArrowheads="1" noChangeShapeType="1" noTextEdit="1"/>
-          </p:cNvSpPr>
-          <p:nvPr>
-            <p:extLst>
-              <p:ext uri="{386F3935-93C4-4BCD-93E2-E3B085C9AB24}">
-                <p16:designElem xmlns:p16="http://schemas.microsoft.com/office/powerpoint/2015/main" val="1"/>
-              </p:ext>
-            </p:extLst>
-          </p:nvPr>
-        </p:nvSpPr>
-        <p:spPr>
-          <a:xfrm>
-            <a:off x="10442448" y="0"/>
-            <a:ext cx="685800" cy="1143000"/>
-          </a:xfrm>
-          <a:prstGeom prst="rect">
-            <a:avLst/>
-          </a:prstGeom>
-          <a:solidFill>
-            <a:schemeClr val="accent1"/>
-          </a:solidFill>
-          <a:ln>
-            <a:noFill/>
-          </a:ln>
-        </p:spPr>
-        <p:style>
-          <a:lnRef idx="1">
-            <a:schemeClr val="accent1"/>
-          </a:lnRef>
-          <a:fillRef idx="3">
-            <a:schemeClr val="accent1"/>
-          </a:fillRef>
-          <a:effectRef idx="2">
-            <a:schemeClr val="accent1"/>
-          </a:effectRef>
-          <a:fontRef idx="minor">
-            <a:schemeClr val="lt1"/>
-          </a:fontRef>
-        </p:style>
-        <p:txBody>
-          <a:bodyPr/>
-          <a:lstStyle/>
-          <a:p>
-            <a:endParaRPr lang="en-GB"/>
+        <p:spPr/>
+        <p:txBody>
+          <a:bodyPr/>
+          <a:lstStyle/>
+          <a:p>
+            <a:r>
+              <a:rPr lang="en-GB" dirty="0"/>
+              <a:t>Questions (name here)</a:t>
+            </a:r>
           </a:p>
         </p:txBody>
       </p:sp>
@@ -8385,108 +7555,12 @@
             <p:ph idx="1"/>
           </p:nvPr>
         </p:nvSpPr>
-        <p:spPr>
-          <a:xfrm>
-            <a:off x="648931" y="2438400"/>
-            <a:ext cx="4166509" cy="3785419"/>
-          </a:xfrm>
-        </p:spPr>
-        <p:txBody>
-          <a:bodyPr>
-            <a:normAutofit/>
-          </a:bodyPr>
-          <a:lstStyle/>
-          <a:p>
-            <a:r>
-              <a:rPr lang="en-GB" sz="1600" dirty="0">
-                <a:solidFill>
-                  <a:srgbClr val="EBEBEB"/>
-                </a:solidFill>
-              </a:rPr>
-              <a:t>Q3 &gt; How much would an Entry Level/Junior of a high paying job make compared to a low paying job but at senior level or Executive level?</a:t>
-            </a:r>
-          </a:p>
-          <a:p>
-            <a:r>
-              <a:rPr lang="en-GB" sz="1600" dirty="0">
-                <a:solidFill>
-                  <a:srgbClr val="EBEBEB"/>
-                </a:solidFill>
-              </a:rPr>
-              <a:t>The graph shows that the top paying entry level job is AI Researcher, and the lowest paying senior jobs is staff data analyst.</a:t>
-            </a:r>
-          </a:p>
-          <a:p>
-            <a:endParaRPr lang="en-GB" sz="1600" dirty="0">
-              <a:solidFill>
-                <a:srgbClr val="EBEBEB"/>
-              </a:solidFill>
-            </a:endParaRPr>
-          </a:p>
-        </p:txBody>
-      </p:sp>
-      <p:pic>
-        <p:nvPicPr>
-          <p:cNvPr id="7" name="Picture 6">
-            <a:extLst>
-              <a:ext uri="{FF2B5EF4-FFF2-40B4-BE49-F238E27FC236}">
-                <a16:creationId xmlns:a16="http://schemas.microsoft.com/office/drawing/2014/main" id="{868D740F-FCBA-09DD-BE10-5A594D13529B}"/>
-              </a:ext>
-            </a:extLst>
-          </p:cNvPr>
-          <p:cNvPicPr>
-            <a:picLocks noChangeAspect="1"/>
-          </p:cNvPicPr>
-          <p:nvPr/>
-        </p:nvPicPr>
-        <p:blipFill>
-          <a:blip r:embed="rId3"/>
-          <a:stretch>
-            <a:fillRect/>
-          </a:stretch>
-        </p:blipFill>
-        <p:spPr>
-          <a:xfrm>
-            <a:off x="5684566" y="4305700"/>
-            <a:ext cx="6376360" cy="2407909"/>
-          </a:xfrm>
-          <a:prstGeom prst="rect">
-            <a:avLst/>
-          </a:prstGeom>
-        </p:spPr>
-      </p:pic>
-      <p:sp>
-        <p:nvSpPr>
-          <p:cNvPr id="8" name="TextBox 7">
-            <a:extLst>
-              <a:ext uri="{FF2B5EF4-FFF2-40B4-BE49-F238E27FC236}">
-                <a16:creationId xmlns:a16="http://schemas.microsoft.com/office/drawing/2014/main" id="{1F39398B-F1C6-2D3C-C08C-1B128A6E0E10}"/>
-              </a:ext>
-            </a:extLst>
-          </p:cNvPr>
-          <p:cNvSpPr txBox="1"/>
-          <p:nvPr/>
-        </p:nvSpPr>
-        <p:spPr>
-          <a:xfrm>
-            <a:off x="7034421" y="773667"/>
-            <a:ext cx="1838325" cy="369332"/>
-          </a:xfrm>
-          <a:prstGeom prst="rect">
-            <a:avLst/>
-          </a:prstGeom>
-          <a:noFill/>
-        </p:spPr>
-        <p:txBody>
-          <a:bodyPr wrap="square" rtlCol="0">
-            <a:spAutoFit/>
-          </a:bodyPr>
-          <a:lstStyle/>
-          <a:p>
-            <a:r>
-              <a:rPr lang="en-GB" dirty="0"/>
-              <a:t>visualisation</a:t>
-            </a:r>
+        <p:spPr/>
+        <p:txBody>
+          <a:bodyPr/>
+          <a:lstStyle/>
+          <a:p>
+            <a:endParaRPr lang="en-GB"/>
           </a:p>
         </p:txBody>
       </p:sp>
@@ -8498,7 +7572,7 @@
     </p:extLst>
   </p:cSld>
   <p:clrMapOvr>
-    <a:overrideClrMapping bg1="lt1" tx1="dk1" bg2="lt2" tx2="dk2" accent1="accent1" accent2="accent2" accent3="accent3" accent4="accent4" accent5="accent5" accent6="accent6" hlink="hlink" folHlink="folHlink"/>
+    <a:masterClrMapping/>
   </p:clrMapOvr>
 </p:sld>
 </file>
@@ -8549,7 +7623,7 @@
           <a:p>
             <a:r>
               <a:rPr lang="en-GB" dirty="0"/>
-              <a:t>Questions (Prajesh)</a:t>
+              <a:t>Questions (name here)</a:t>
             </a:r>
           </a:p>
         </p:txBody>
@@ -8570,124 +7644,12 @@
             <p:ph idx="1"/>
           </p:nvPr>
         </p:nvSpPr>
-        <p:spPr>
-          <a:xfrm>
-            <a:off x="960437" y="1490943"/>
-            <a:ext cx="8946541" cy="4195481"/>
-          </a:xfrm>
-        </p:spPr>
-        <p:txBody>
-          <a:bodyPr/>
-          <a:lstStyle/>
-          <a:p>
-            <a:r>
-              <a:rPr lang="en-GB" dirty="0"/>
-              <a:t>Q4 &gt; Do freelancers make more money or less money compared to employees who work fulltime and if so what job/ task allows a freelancer to get a good pay and if less what jobs are freelancers taking up?</a:t>
-            </a:r>
-          </a:p>
-          <a:p>
-            <a:r>
-              <a:rPr lang="en-GB" dirty="0"/>
-              <a:t>Data shows that Full-Time employees make more money than people who freelance (contract) however freelancers make more money than people who do part time work</a:t>
-            </a:r>
-          </a:p>
+        <p:spPr/>
+        <p:txBody>
+          <a:bodyPr/>
+          <a:lstStyle/>
           <a:p>
             <a:endParaRPr lang="en-GB" dirty="0"/>
-          </a:p>
-        </p:txBody>
-      </p:sp>
-      <p:pic>
-        <p:nvPicPr>
-          <p:cNvPr id="5" name="Picture 4">
-            <a:extLst>
-              <a:ext uri="{FF2B5EF4-FFF2-40B4-BE49-F238E27FC236}">
-                <a16:creationId xmlns:a16="http://schemas.microsoft.com/office/drawing/2014/main" id="{BC8E7C71-F412-D862-1B71-BAA87073C3B7}"/>
-              </a:ext>
-            </a:extLst>
-          </p:cNvPr>
-          <p:cNvPicPr>
-            <a:picLocks noChangeAspect="1"/>
-          </p:cNvPicPr>
-          <p:nvPr/>
-        </p:nvPicPr>
-        <p:blipFill>
-          <a:blip r:embed="rId2"/>
-          <a:stretch>
-            <a:fillRect/>
-          </a:stretch>
-        </p:blipFill>
-        <p:spPr>
-          <a:xfrm>
-            <a:off x="6831391" y="4273826"/>
-            <a:ext cx="5330067" cy="2479399"/>
-          </a:xfrm>
-          <a:prstGeom prst="rect">
-            <a:avLst/>
-          </a:prstGeom>
-        </p:spPr>
-      </p:pic>
-      <p:pic>
-        <p:nvPicPr>
-          <p:cNvPr id="7" name="Picture 6">
-            <a:extLst>
-              <a:ext uri="{FF2B5EF4-FFF2-40B4-BE49-F238E27FC236}">
-                <a16:creationId xmlns:a16="http://schemas.microsoft.com/office/drawing/2014/main" id="{A078AA78-ACDB-A101-37CF-60BBB414D65F}"/>
-              </a:ext>
-            </a:extLst>
-          </p:cNvPr>
-          <p:cNvPicPr>
-            <a:picLocks noChangeAspect="1"/>
-          </p:cNvPicPr>
-          <p:nvPr/>
-        </p:nvPicPr>
-        <p:blipFill>
-          <a:blip r:embed="rId3"/>
-          <a:stretch>
-            <a:fillRect/>
-          </a:stretch>
-        </p:blipFill>
-        <p:spPr>
-          <a:xfrm>
-            <a:off x="1232654" y="4064275"/>
-            <a:ext cx="4201053" cy="2693118"/>
-          </a:xfrm>
-          <a:prstGeom prst="rect">
-            <a:avLst/>
-          </a:prstGeom>
-        </p:spPr>
-      </p:pic>
-      <p:sp>
-        <p:nvSpPr>
-          <p:cNvPr id="8" name="TextBox 7">
-            <a:extLst>
-              <a:ext uri="{FF2B5EF4-FFF2-40B4-BE49-F238E27FC236}">
-                <a16:creationId xmlns:a16="http://schemas.microsoft.com/office/drawing/2014/main" id="{24297AC0-0C16-8CDC-22B2-1CEE2D198E35}"/>
-              </a:ext>
-            </a:extLst>
-          </p:cNvPr>
-          <p:cNvSpPr txBox="1"/>
-          <p:nvPr/>
-        </p:nvSpPr>
-        <p:spPr>
-          <a:xfrm>
-            <a:off x="9060724" y="3879609"/>
-            <a:ext cx="3333750" cy="369332"/>
-          </a:xfrm>
-          <a:prstGeom prst="rect">
-            <a:avLst/>
-          </a:prstGeom>
-          <a:noFill/>
-        </p:spPr>
-        <p:txBody>
-          <a:bodyPr wrap="square" rtlCol="0">
-            <a:spAutoFit/>
-          </a:bodyPr>
-          <a:lstStyle/>
-          <a:p>
-            <a:r>
-              <a:rPr lang="en-GB" dirty="0"/>
-              <a:t>visualisation</a:t>
-            </a:r>
           </a:p>
         </p:txBody>
       </p:sp>
@@ -9084,7 +8046,7 @@
                 <a:ea typeface="Microsoft YaHei" panose="020B0503020204020204" pitchFamily="34" charset="-122"/>
                 <a:cs typeface="Sans Serif Collection" panose="020B0502040504020204" pitchFamily="34" charset="-78"/>
               </a:rPr>
-              <a:t> to the members of a group and helped show how teams work in the field</a:t>
+              <a:t> to the members of a group and helped show how teamwork in the field</a:t>
             </a:r>
             <a:endParaRPr lang="en-GB" sz="1800" kern="100" dirty="0">
               <a:effectLst/>
@@ -9102,41 +8064,6 @@
                 <a:cs typeface="Sans Serif Collection" panose="020B0502040504020204" pitchFamily="34" charset="-78"/>
               </a:rPr>
               <a:t>Challenges: merging conflicts creating potential losses in progress and long periods of checking files for incorrect changes, finding periods where the whole group can communicate progress on the project.</a:t>
-            </a:r>
-            <a:r>
-              <a:rPr lang="en-GB" kern="100" dirty="0">
-                <a:latin typeface="Aptos" panose="020B0004020202020204" pitchFamily="34" charset="0"/>
-                <a:ea typeface="Microsoft YaHei" panose="020B0503020204020204" pitchFamily="34" charset="-122"/>
-                <a:cs typeface="Sans Serif Collection" panose="020B0502040504020204" pitchFamily="34" charset="-78"/>
-              </a:rPr>
-              <a:t> </a:t>
-            </a:r>
-          </a:p>
-          <a:p>
-            <a:r>
-              <a:rPr lang="en-GB" sz="2000" kern="100" dirty="0">
-                <a:effectLst/>
-                <a:latin typeface="Aptos" panose="020B0004020202020204" pitchFamily="34" charset="0"/>
-                <a:ea typeface="Microsoft YaHei" panose="020B0503020204020204" pitchFamily="34" charset="-122"/>
-                <a:cs typeface="Sans Serif Collection" panose="020B0502040504020204" pitchFamily="34" charset="-78"/>
-              </a:rPr>
-              <a:t>Som</a:t>
-            </a:r>
-            <a:r>
-              <a:rPr lang="en-GB" kern="100" dirty="0">
-                <a:latin typeface="Aptos" panose="020B0004020202020204" pitchFamily="34" charset="0"/>
-                <a:ea typeface="Microsoft YaHei" panose="020B0503020204020204" pitchFamily="34" charset="-122"/>
-                <a:cs typeface="Sans Serif Collection" panose="020B0502040504020204" pitchFamily="34" charset="-78"/>
-              </a:rPr>
-              <a:t>e columns in the dataset were heavily dominated by one thing which made it difficult to compare to other columns and come up with visualisations. Employment type </a:t>
-            </a:r>
-            <a:r>
-              <a:rPr lang="en-GB" kern="100">
-                <a:latin typeface="Aptos" panose="020B0004020202020204" pitchFamily="34" charset="0"/>
-                <a:ea typeface="Microsoft YaHei" panose="020B0503020204020204" pitchFamily="34" charset="-122"/>
-                <a:cs typeface="Sans Serif Collection" panose="020B0502040504020204" pitchFamily="34" charset="-78"/>
-              </a:rPr>
-              <a:t>was practically 100% full time for example</a:t>
             </a:r>
             <a:endParaRPr lang="en-GB" sz="2000" kern="100" dirty="0">
               <a:effectLst/>

--- a/Computer Science Workshop Presentation.pptx
+++ b/Computer Science Workshop Presentation.pptx
@@ -6725,7 +6725,7 @@
         </p:nvSpPr>
         <p:spPr>
           <a:xfrm>
-            <a:off x="4629150" y="3228975"/>
+            <a:off x="4538615" y="2626354"/>
             <a:ext cx="7305675" cy="1754326"/>
           </a:xfrm>
           <a:prstGeom prst="rect">
@@ -6741,19 +6741,41 @@
           <a:p>
             <a:r>
               <a:rPr lang="en-GB" dirty="0"/>
-              <a:t>As we can see The executive-level holds the highest average closely followed by Senior level. Mid level follows closely behind that but there </a:t>
-            </a:r>
-            <a:r>
-              <a:rPr lang="en-GB"/>
-              <a:t>is a </a:t>
-            </a:r>
-            <a:r>
-              <a:rPr lang="en-GB" dirty="0"/>
-              <a:t>noticeable difference when we get to entry level, however this is to be expected. So, although the order is as expected we can still see to what extent and how closely each are followed with each other.</a:t>
-            </a:r>
-          </a:p>
-        </p:txBody>
-      </p:sp>
+              <a:t>As we can see The executive-level holds the highest average closely followed by Senior level. Mid level follows closely behind that but there is a noticeable difference when we get to entry level, however this is to be expected. So, although the order is as expected we can still see to what extent and how closely each are followed with each other.</a:t>
+            </a:r>
+          </a:p>
+        </p:txBody>
+      </p:sp>
+      <p:pic>
+        <p:nvPicPr>
+          <p:cNvPr id="7" name="Picture 6">
+            <a:extLst>
+              <a:ext uri="{FF2B5EF4-FFF2-40B4-BE49-F238E27FC236}">
+                <a16:creationId xmlns:a16="http://schemas.microsoft.com/office/drawing/2014/main" id="{79188FD7-B4C0-5AE1-CBC9-8CD64B1FE960}"/>
+              </a:ext>
+            </a:extLst>
+          </p:cNvPr>
+          <p:cNvPicPr>
+            <a:picLocks noChangeAspect="1"/>
+          </p:cNvPicPr>
+          <p:nvPr/>
+        </p:nvPicPr>
+        <p:blipFill>
+          <a:blip r:embed="rId3"/>
+          <a:stretch>
+            <a:fillRect/>
+          </a:stretch>
+        </p:blipFill>
+        <p:spPr>
+          <a:xfrm>
+            <a:off x="7767873" y="4380680"/>
+            <a:ext cx="4424127" cy="2500268"/>
+          </a:xfrm>
+          <a:prstGeom prst="rect">
+            <a:avLst/>
+          </a:prstGeom>
+        </p:spPr>
+      </p:pic>
     </p:spTree>
     <p:extLst>
       <p:ext uri="{BB962C8B-B14F-4D97-AF65-F5344CB8AC3E}">

--- a/Computer Science Workshop Presentation.pptx
+++ b/Computer Science Workshop Presentation.pptx
@@ -21,7 +21,7 @@
     <p:sldId id="267" r:id="rId15"/>
     <p:sldId id="268" r:id="rId16"/>
     <p:sldId id="269" r:id="rId17"/>
-    <p:sldId id="278" r:id="rId18"/>
+    <p:sldId id="279" r:id="rId18"/>
     <p:sldId id="277" r:id="rId19"/>
     <p:sldId id="270" r:id="rId20"/>
     <p:sldId id="272" r:id="rId21"/>
@@ -6725,7 +6725,7 @@
         </p:nvSpPr>
         <p:spPr>
           <a:xfrm>
-            <a:off x="4538615" y="2626354"/>
+            <a:off x="4629150" y="3228975"/>
             <a:ext cx="7305675" cy="1754326"/>
           </a:xfrm>
           <a:prstGeom prst="rect">
@@ -6741,41 +6741,19 @@
           <a:p>
             <a:r>
               <a:rPr lang="en-GB" dirty="0"/>
-              <a:t>As we can see The executive-level holds the highest average closely followed by Senior level. Mid level follows closely behind that but there is a noticeable difference when we get to entry level, however this is to be expected. So, although the order is as expected we can still see to what extent and how closely each are followed with each other.</a:t>
-            </a:r>
-          </a:p>
-        </p:txBody>
-      </p:sp>
-      <p:pic>
-        <p:nvPicPr>
-          <p:cNvPr id="7" name="Picture 6">
-            <a:extLst>
-              <a:ext uri="{FF2B5EF4-FFF2-40B4-BE49-F238E27FC236}">
-                <a16:creationId xmlns:a16="http://schemas.microsoft.com/office/drawing/2014/main" id="{79188FD7-B4C0-5AE1-CBC9-8CD64B1FE960}"/>
-              </a:ext>
-            </a:extLst>
-          </p:cNvPr>
-          <p:cNvPicPr>
-            <a:picLocks noChangeAspect="1"/>
-          </p:cNvPicPr>
-          <p:nvPr/>
-        </p:nvPicPr>
-        <p:blipFill>
-          <a:blip r:embed="rId3"/>
-          <a:stretch>
-            <a:fillRect/>
-          </a:stretch>
-        </p:blipFill>
-        <p:spPr>
-          <a:xfrm>
-            <a:off x="7767873" y="4380680"/>
-            <a:ext cx="4424127" cy="2500268"/>
-          </a:xfrm>
-          <a:prstGeom prst="rect">
-            <a:avLst/>
-          </a:prstGeom>
-        </p:spPr>
-      </p:pic>
+              <a:t>As we can see The executive-level holds the highest average closely followed by Senior level. Mid level follows closely behind that but there </a:t>
+            </a:r>
+            <a:r>
+              <a:rPr lang="en-GB"/>
+              <a:t>is a </a:t>
+            </a:r>
+            <a:r>
+              <a:rPr lang="en-GB" dirty="0"/>
+              <a:t>noticeable difference when we get to entry level, however this is to be expected. So, although the order is as expected we can still see to what extent and how closely each are followed with each other.</a:t>
+            </a:r>
+          </a:p>
+        </p:txBody>
+      </p:sp>
     </p:spTree>
     <p:extLst>
       <p:ext uri="{BB962C8B-B14F-4D97-AF65-F5344CB8AC3E}">
@@ -7465,6 +7443,12 @@
               <a:t>This shows that these countries have a lot of job offerings with high skilled individuals that can take care of big tasks.</a:t>
             </a:r>
           </a:p>
+          <a:p>
+            <a:r>
+              <a:rPr lang="en-GB" sz="1800" dirty="0"/>
+              <a:t>Question 14</a:t>
+            </a:r>
+          </a:p>
         </p:txBody>
       </p:sp>
       <p:pic>
@@ -7489,8 +7473,38 @@
         </p:blipFill>
         <p:spPr>
           <a:xfrm>
-            <a:off x="0" y="5476682"/>
-            <a:ext cx="4239217" cy="1381318"/>
+            <a:off x="1" y="4871663"/>
+            <a:ext cx="6096000" cy="1986337"/>
+          </a:xfrm>
+          <a:prstGeom prst="rect">
+            <a:avLst/>
+          </a:prstGeom>
+        </p:spPr>
+      </p:pic>
+      <p:pic>
+        <p:nvPicPr>
+          <p:cNvPr id="7" name="Picture 6">
+            <a:extLst>
+              <a:ext uri="{FF2B5EF4-FFF2-40B4-BE49-F238E27FC236}">
+                <a16:creationId xmlns:a16="http://schemas.microsoft.com/office/drawing/2014/main" id="{6E190F89-CA42-B51C-CA36-A96EEC950CF8}"/>
+              </a:ext>
+            </a:extLst>
+          </p:cNvPr>
+          <p:cNvPicPr>
+            <a:picLocks noChangeAspect="1"/>
+          </p:cNvPicPr>
+          <p:nvPr/>
+        </p:nvPicPr>
+        <p:blipFill>
+          <a:blip r:embed="rId3"/>
+          <a:stretch>
+            <a:fillRect/>
+          </a:stretch>
+        </p:blipFill>
+        <p:spPr>
+          <a:xfrm>
+            <a:off x="5676900" y="3246367"/>
+            <a:ext cx="5988986" cy="3611633"/>
           </a:xfrm>
           <a:prstGeom prst="rect">
             <a:avLst/>
@@ -7549,18 +7563,60 @@
             <p:ph type="title"/>
           </p:nvPr>
         </p:nvSpPr>
-        <p:spPr/>
-        <p:txBody>
-          <a:bodyPr/>
-          <a:lstStyle/>
-          <a:p>
-            <a:r>
-              <a:rPr lang="en-GB" dirty="0"/>
-              <a:t>Questions (name here)</a:t>
-            </a:r>
-          </a:p>
-        </p:txBody>
-      </p:sp>
+        <p:spPr>
+          <a:xfrm>
+            <a:off x="648931" y="629266"/>
+            <a:ext cx="4166510" cy="1622321"/>
+          </a:xfrm>
+        </p:spPr>
+        <p:txBody>
+          <a:bodyPr>
+            <a:normAutofit/>
+          </a:bodyPr>
+          <a:lstStyle/>
+          <a:p>
+            <a:r>
+              <a:rPr lang="en-GB">
+                <a:solidFill>
+                  <a:srgbClr val="EBEBEB"/>
+                </a:solidFill>
+              </a:rPr>
+              <a:t>Questions (Prajesh)</a:t>
+            </a:r>
+          </a:p>
+        </p:txBody>
+      </p:sp>
+      <p:pic>
+        <p:nvPicPr>
+          <p:cNvPr id="5" name="Picture 4">
+            <a:extLst>
+              <a:ext uri="{FF2B5EF4-FFF2-40B4-BE49-F238E27FC236}">
+                <a16:creationId xmlns:a16="http://schemas.microsoft.com/office/drawing/2014/main" id="{FEF21894-677C-E9EB-ECB6-C8EFC0AF2BA5}"/>
+              </a:ext>
+            </a:extLst>
+          </p:cNvPr>
+          <p:cNvPicPr>
+            <a:picLocks noChangeAspect="1"/>
+          </p:cNvPicPr>
+          <p:nvPr/>
+        </p:nvPicPr>
+        <p:blipFill>
+          <a:blip r:embed="rId2"/>
+          <a:stretch>
+            <a:fillRect/>
+          </a:stretch>
+        </p:blipFill>
+        <p:spPr>
+          <a:xfrm>
+            <a:off x="5618690" y="1142999"/>
+            <a:ext cx="6508112" cy="3018310"/>
+          </a:xfrm>
+          <a:prstGeom prst="rect">
+            <a:avLst/>
+          </a:prstGeom>
+          <a:effectLst/>
+        </p:spPr>
+      </p:pic>
       <p:sp>
         <p:nvSpPr>
           <p:cNvPr id="3" name="Content Placeholder 2">
@@ -7577,19 +7633,115 @@
             <p:ph idx="1"/>
           </p:nvPr>
         </p:nvSpPr>
-        <p:spPr/>
-        <p:txBody>
-          <a:bodyPr/>
-          <a:lstStyle/>
-          <a:p>
-            <a:endParaRPr lang="en-GB"/>
+        <p:spPr>
+          <a:xfrm>
+            <a:off x="648931" y="2438400"/>
+            <a:ext cx="4166509" cy="3785419"/>
+          </a:xfrm>
+        </p:spPr>
+        <p:txBody>
+          <a:bodyPr>
+            <a:normAutofit/>
+          </a:bodyPr>
+          <a:lstStyle/>
+          <a:p>
+            <a:r>
+              <a:rPr lang="en-GB" sz="1600" dirty="0">
+                <a:solidFill>
+                  <a:srgbClr val="EBEBEB"/>
+                </a:solidFill>
+              </a:rPr>
+              <a:t>Q3 &gt; How much would an Entry Level/Junior of a high paying job make compared to a low paying job but at senior level or Executive level?</a:t>
+            </a:r>
+          </a:p>
+          <a:p>
+            <a:r>
+              <a:rPr lang="en-GB" sz="1600" dirty="0">
+                <a:solidFill>
+                  <a:srgbClr val="EBEBEB"/>
+                </a:solidFill>
+              </a:rPr>
+              <a:t>The graph shows that the top paying entry level job is AI Researcher, and the lowest paying senior jobs is staff data analyst.</a:t>
+            </a:r>
+          </a:p>
+          <a:p>
+            <a:endParaRPr lang="en-GB" sz="1600" dirty="0">
+              <a:solidFill>
+                <a:srgbClr val="EBEBEB"/>
+              </a:solidFill>
+            </a:endParaRPr>
+          </a:p>
+        </p:txBody>
+      </p:sp>
+      <p:pic>
+        <p:nvPicPr>
+          <p:cNvPr id="7" name="Picture 6">
+            <a:extLst>
+              <a:ext uri="{FF2B5EF4-FFF2-40B4-BE49-F238E27FC236}">
+                <a16:creationId xmlns:a16="http://schemas.microsoft.com/office/drawing/2014/main" id="{868D740F-FCBA-09DD-BE10-5A594D13529B}"/>
+              </a:ext>
+            </a:extLst>
+          </p:cNvPr>
+          <p:cNvPicPr>
+            <a:picLocks noChangeAspect="1"/>
+          </p:cNvPicPr>
+          <p:nvPr/>
+        </p:nvPicPr>
+        <p:blipFill>
+          <a:blip r:embed="rId3"/>
+          <a:stretch>
+            <a:fillRect/>
+          </a:stretch>
+        </p:blipFill>
+        <p:spPr>
+          <a:xfrm>
+            <a:off x="5684566" y="4305700"/>
+            <a:ext cx="6376360" cy="2407909"/>
+          </a:xfrm>
+          <a:prstGeom prst="rect">
+            <a:avLst/>
+          </a:prstGeom>
+        </p:spPr>
+      </p:pic>
+      <p:sp>
+        <p:nvSpPr>
+          <p:cNvPr id="8" name="TextBox 7">
+            <a:extLst>
+              <a:ext uri="{FF2B5EF4-FFF2-40B4-BE49-F238E27FC236}">
+                <a16:creationId xmlns:a16="http://schemas.microsoft.com/office/drawing/2014/main" id="{1F39398B-F1C6-2D3C-C08C-1B128A6E0E10}"/>
+              </a:ext>
+            </a:extLst>
+          </p:cNvPr>
+          <p:cNvSpPr txBox="1"/>
+          <p:nvPr/>
+        </p:nvSpPr>
+        <p:spPr>
+          <a:xfrm>
+            <a:off x="7034421" y="773667"/>
+            <a:ext cx="1838325" cy="369332"/>
+          </a:xfrm>
+          <a:prstGeom prst="rect">
+            <a:avLst/>
+          </a:prstGeom>
+          <a:noFill/>
+        </p:spPr>
+        <p:txBody>
+          <a:bodyPr wrap="square" rtlCol="0">
+            <a:spAutoFit/>
+          </a:bodyPr>
+          <a:lstStyle/>
+          <a:p>
+            <a:r>
+              <a:rPr lang="en-GB" dirty="0"/>
+              <a:t>visualisation</a:t>
+            </a:r>
           </a:p>
         </p:txBody>
       </p:sp>
     </p:spTree>
     <p:extLst>
       <p:ext uri="{BB962C8B-B14F-4D97-AF65-F5344CB8AC3E}">
-        <p14:creationId xmlns:p14="http://schemas.microsoft.com/office/powerpoint/2010/main" val="2591354767"/>
+        <p14:creationId xmlns:p14="http://schemas.microsoft.com/office/powerpoint/2010/main" val="3413714392"/>
       </p:ext>
     </p:extLst>
   </p:cSld>
@@ -7645,7 +7797,7 @@
           <a:p>
             <a:r>
               <a:rPr lang="en-GB" dirty="0"/>
-              <a:t>Questions (name here)</a:t>
+              <a:t>Questions (Prajesh)</a:t>
             </a:r>
           </a:p>
         </p:txBody>
@@ -7666,12 +7818,124 @@
             <p:ph idx="1"/>
           </p:nvPr>
         </p:nvSpPr>
-        <p:spPr/>
+        <p:spPr>
+          <a:xfrm>
+            <a:off x="960437" y="1490943"/>
+            <a:ext cx="8946541" cy="4195481"/>
+          </a:xfrm>
+        </p:spPr>
         <p:txBody>
           <a:bodyPr/>
           <a:lstStyle/>
           <a:p>
+            <a:r>
+              <a:rPr lang="en-GB" dirty="0"/>
+              <a:t>Q4 &gt; Do freelancers make more money or less money compared to employees who work fulltime and if so what job/ task allows a freelancer to get a good pay and if less what jobs are freelancers taking up?</a:t>
+            </a:r>
+          </a:p>
+          <a:p>
+            <a:r>
+              <a:rPr lang="en-GB" dirty="0"/>
+              <a:t>Data shows that Full-Time employees make more money than people who freelance (contract) however freelancers make more money than people who do part time work</a:t>
+            </a:r>
+          </a:p>
+          <a:p>
             <a:endParaRPr lang="en-GB" dirty="0"/>
+          </a:p>
+        </p:txBody>
+      </p:sp>
+      <p:pic>
+        <p:nvPicPr>
+          <p:cNvPr id="5" name="Picture 4">
+            <a:extLst>
+              <a:ext uri="{FF2B5EF4-FFF2-40B4-BE49-F238E27FC236}">
+                <a16:creationId xmlns:a16="http://schemas.microsoft.com/office/drawing/2014/main" id="{BC8E7C71-F412-D862-1B71-BAA87073C3B7}"/>
+              </a:ext>
+            </a:extLst>
+          </p:cNvPr>
+          <p:cNvPicPr>
+            <a:picLocks noChangeAspect="1"/>
+          </p:cNvPicPr>
+          <p:nvPr/>
+        </p:nvPicPr>
+        <p:blipFill>
+          <a:blip r:embed="rId2"/>
+          <a:stretch>
+            <a:fillRect/>
+          </a:stretch>
+        </p:blipFill>
+        <p:spPr>
+          <a:xfrm>
+            <a:off x="6831391" y="4273826"/>
+            <a:ext cx="5330067" cy="2479399"/>
+          </a:xfrm>
+          <a:prstGeom prst="rect">
+            <a:avLst/>
+          </a:prstGeom>
+        </p:spPr>
+      </p:pic>
+      <p:pic>
+        <p:nvPicPr>
+          <p:cNvPr id="7" name="Picture 6">
+            <a:extLst>
+              <a:ext uri="{FF2B5EF4-FFF2-40B4-BE49-F238E27FC236}">
+                <a16:creationId xmlns:a16="http://schemas.microsoft.com/office/drawing/2014/main" id="{A078AA78-ACDB-A101-37CF-60BBB414D65F}"/>
+              </a:ext>
+            </a:extLst>
+          </p:cNvPr>
+          <p:cNvPicPr>
+            <a:picLocks noChangeAspect="1"/>
+          </p:cNvPicPr>
+          <p:nvPr/>
+        </p:nvPicPr>
+        <p:blipFill>
+          <a:blip r:embed="rId3"/>
+          <a:stretch>
+            <a:fillRect/>
+          </a:stretch>
+        </p:blipFill>
+        <p:spPr>
+          <a:xfrm>
+            <a:off x="1232654" y="4064275"/>
+            <a:ext cx="4201053" cy="2693118"/>
+          </a:xfrm>
+          <a:prstGeom prst="rect">
+            <a:avLst/>
+          </a:prstGeom>
+        </p:spPr>
+      </p:pic>
+      <p:sp>
+        <p:nvSpPr>
+          <p:cNvPr id="8" name="TextBox 7">
+            <a:extLst>
+              <a:ext uri="{FF2B5EF4-FFF2-40B4-BE49-F238E27FC236}">
+                <a16:creationId xmlns:a16="http://schemas.microsoft.com/office/drawing/2014/main" id="{24297AC0-0C16-8CDC-22B2-1CEE2D198E35}"/>
+              </a:ext>
+            </a:extLst>
+          </p:cNvPr>
+          <p:cNvSpPr txBox="1"/>
+          <p:nvPr/>
+        </p:nvSpPr>
+        <p:spPr>
+          <a:xfrm>
+            <a:off x="9060724" y="3879609"/>
+            <a:ext cx="3333750" cy="369332"/>
+          </a:xfrm>
+          <a:prstGeom prst="rect">
+            <a:avLst/>
+          </a:prstGeom>
+          <a:noFill/>
+        </p:spPr>
+        <p:txBody>
+          <a:bodyPr wrap="square" rtlCol="0">
+            <a:spAutoFit/>
+          </a:bodyPr>
+          <a:lstStyle/>
+          <a:p>
+            <a:r>
+              <a:rPr lang="en-GB" dirty="0"/>
+              <a:t>visualisation</a:t>
+            </a:r>
           </a:p>
         </p:txBody>
       </p:sp>
